--- a/Kafka Definitive Guide.pptx
+++ b/Kafka Definitive Guide.pptx
@@ -8,7 +8,7 @@
     <p:notesMasterId r:id="rId5"/>
   </p:notesMasterIdLst>
   <p:handoutMasterIdLst>
-    <p:handoutMasterId r:id="rId11"/>
+    <p:handoutMasterId r:id="rId12"/>
   </p:handoutMasterIdLst>
   <p:sldIdLst>
     <p:sldId id="256" r:id="rId3"/>
@@ -18,6 +18,7 @@
     <p:sldId id="260" r:id="rId8"/>
     <p:sldId id="262" r:id="rId9"/>
     <p:sldId id="263" r:id="rId10"/>
+    <p:sldId id="264" r:id="rId11"/>
   </p:sldIdLst>
   <p:sldSz cx="12192000" cy="6858000"/>
   <p:notesSz cx="7103745" cy="10234295"/>
@@ -673,6 +674,54 @@
             <a:r>
               <a:rPr lang="en-US"/>
               <a:t>Data contained in a message (byte doesn’t have a specific format or meaning to Kafka.</a:t>
+            </a:r>
+            <a:endParaRPr lang="en-US"/>
+          </a:p>
+        </p:txBody>
+      </p:sp>
+    </p:spTree>
+  </p:cSld>
+  <p:clrMapOvr>
+    <a:masterClrMapping/>
+  </p:clrMapOvr>
+</p:notes>
+</file>
+
+<file path=ppt/notesSlides/notesSlide2.xml><?xml version="1.0" encoding="utf-8"?>
+<p:notes xmlns:a="http://schemas.openxmlformats.org/drawingml/2006/main" xmlns:r="http://schemas.openxmlformats.org/officeDocument/2006/relationships" xmlns:p="http://schemas.openxmlformats.org/presentationml/2006/main">
+  <p:cSld>
+    <p:spTree>
+      <p:nvGrpSpPr>
+        <p:cNvPr id="1" name=""/>
+        <p:cNvGrpSpPr/>
+        <p:nvPr/>
+      </p:nvGrpSpPr>
+      <p:grpSpPr/>
+      <p:sp>
+        <p:nvSpPr>
+          <p:cNvPr id="2" name="Slide Image Placeholder 1"/>
+          <p:cNvSpPr/>
+          <p:nvPr>
+            <p:ph type="sldImg" idx="2"/>
+          </p:nvPr>
+        </p:nvSpPr>
+        <p:spPr/>
+      </p:sp>
+      <p:sp>
+        <p:nvSpPr>
+          <p:cNvPr id="3" name="Text Placeholder 2"/>
+          <p:cNvSpPr/>
+          <p:nvPr>
+            <p:ph type="body" idx="3"/>
+          </p:nvPr>
+        </p:nvSpPr>
+        <p:spPr/>
+        <p:txBody>
+          <a:bodyPr/>
+          <a:p>
+            <a:r>
+              <a:rPr lang="en-US"/>
+              <a:t>Once we send the ProducerRecord, the first thing the producer will do is serialize the key and value objects to byte arrays so they can be sent over the network.</a:t>
             </a:r>
             <a:endParaRPr lang="en-US"/>
           </a:p>
@@ -6475,6 +6524,3064 @@
             <a:r>
               <a:rPr lang="en-US"/>
               <a:t>Kafka Producers: Writing Messages to Kafka</a:t>
+            </a:r>
+            <a:endParaRPr lang="en-US"/>
+          </a:p>
+        </p:txBody>
+      </p:sp>
+      <p:sp>
+        <p:nvSpPr>
+          <p:cNvPr id="3" name="Rectangles 2"/>
+          <p:cNvSpPr/>
+          <p:nvPr/>
+        </p:nvSpPr>
+        <p:spPr>
+          <a:xfrm>
+            <a:off x="1511935" y="2433955"/>
+            <a:ext cx="1523365" cy="1779905"/>
+          </a:xfrm>
+          <a:prstGeom prst="rect">
+            <a:avLst/>
+          </a:prstGeom>
+          <a:solidFill>
+            <a:schemeClr val="accent1">
+              <a:lumMod val="60000"/>
+              <a:lumOff val="40000"/>
+            </a:schemeClr>
+          </a:solidFill>
+          <a:ln w="25400" cmpd="sng">
+            <a:solidFill>
+              <a:srgbClr val="202020"/>
+            </a:solidFill>
+            <a:prstDash val="solid"/>
+          </a:ln>
+        </p:spPr>
+        <p:style>
+          <a:lnRef idx="2">
+            <a:schemeClr val="accent1">
+              <a:shade val="50000"/>
+            </a:schemeClr>
+          </a:lnRef>
+          <a:fillRef idx="1">
+            <a:schemeClr val="accent1"/>
+          </a:fillRef>
+          <a:effectRef idx="0">
+            <a:schemeClr val="accent1"/>
+          </a:effectRef>
+          <a:fontRef idx="minor">
+            <a:schemeClr val="lt1"/>
+          </a:fontRef>
+        </p:style>
+        <p:txBody>
+          <a:bodyPr rtlCol="0" anchor="ctr"/>
+          <a:p>
+            <a:pPr algn="ctr"/>
+            <a:endParaRPr lang="en-US"/>
+          </a:p>
+        </p:txBody>
+      </p:sp>
+      <p:sp>
+        <p:nvSpPr>
+          <p:cNvPr id="4" name="Rectangles 3"/>
+          <p:cNvSpPr/>
+          <p:nvPr/>
+        </p:nvSpPr>
+        <p:spPr>
+          <a:xfrm>
+            <a:off x="1713865" y="2851785"/>
+            <a:ext cx="1118870" cy="299085"/>
+          </a:xfrm>
+          <a:prstGeom prst="rect">
+            <a:avLst/>
+          </a:prstGeom>
+          <a:solidFill>
+            <a:schemeClr val="accent2">
+              <a:lumMod val="40000"/>
+              <a:lumOff val="60000"/>
+            </a:schemeClr>
+          </a:solidFill>
+          <a:ln w="25400">
+            <a:solidFill>
+              <a:srgbClr val="202020"/>
+            </a:solidFill>
+          </a:ln>
+        </p:spPr>
+        <p:style>
+          <a:lnRef idx="2">
+            <a:schemeClr val="accent1">
+              <a:shade val="50000"/>
+            </a:schemeClr>
+          </a:lnRef>
+          <a:fillRef idx="1">
+            <a:schemeClr val="accent1"/>
+          </a:fillRef>
+          <a:effectRef idx="0">
+            <a:schemeClr val="accent1"/>
+          </a:effectRef>
+          <a:fontRef idx="minor">
+            <a:schemeClr val="lt1"/>
+          </a:fontRef>
+        </p:style>
+        <p:txBody>
+          <a:bodyPr rtlCol="0" anchor="ctr"/>
+          <a:p>
+            <a:pPr algn="ctr"/>
+            <a:r>
+              <a:rPr lang="en-US" sz="1400">
+                <a:solidFill>
+                  <a:schemeClr val="tx1"/>
+                </a:solidFill>
+              </a:rPr>
+              <a:t>Topic</a:t>
+            </a:r>
+            <a:endParaRPr lang="en-US" sz="1400">
+              <a:solidFill>
+                <a:schemeClr val="tx1"/>
+              </a:solidFill>
+            </a:endParaRPr>
+          </a:p>
+        </p:txBody>
+      </p:sp>
+      <p:sp>
+        <p:nvSpPr>
+          <p:cNvPr id="5" name="Rectangles 4"/>
+          <p:cNvSpPr/>
+          <p:nvPr/>
+        </p:nvSpPr>
+        <p:spPr>
+          <a:xfrm>
+            <a:off x="1714500" y="3150870"/>
+            <a:ext cx="1118870" cy="311785"/>
+          </a:xfrm>
+          <a:prstGeom prst="rect">
+            <a:avLst/>
+          </a:prstGeom>
+          <a:solidFill>
+            <a:schemeClr val="bg1">
+              <a:lumMod val="85000"/>
+            </a:schemeClr>
+          </a:solidFill>
+          <a:ln w="25400">
+            <a:solidFill>
+              <a:srgbClr val="202020"/>
+            </a:solidFill>
+          </a:ln>
+        </p:spPr>
+        <p:style>
+          <a:lnRef idx="2">
+            <a:schemeClr val="accent1">
+              <a:shade val="50000"/>
+            </a:schemeClr>
+          </a:lnRef>
+          <a:fillRef idx="1">
+            <a:schemeClr val="accent1"/>
+          </a:fillRef>
+          <a:effectRef idx="0">
+            <a:schemeClr val="accent1"/>
+          </a:effectRef>
+          <a:fontRef idx="minor">
+            <a:schemeClr val="lt1"/>
+          </a:fontRef>
+        </p:style>
+        <p:txBody>
+          <a:bodyPr rtlCol="0" anchor="ctr"/>
+          <a:p>
+            <a:pPr algn="ctr"/>
+            <a:r>
+              <a:rPr lang="en-US" sz="1400">
+                <a:solidFill>
+                  <a:schemeClr val="tx1"/>
+                </a:solidFill>
+              </a:rPr>
+              <a:t>[Partition]</a:t>
+            </a:r>
+            <a:endParaRPr lang="en-US" sz="1400">
+              <a:solidFill>
+                <a:schemeClr val="tx1"/>
+              </a:solidFill>
+            </a:endParaRPr>
+          </a:p>
+        </p:txBody>
+      </p:sp>
+      <p:sp>
+        <p:nvSpPr>
+          <p:cNvPr id="6" name="Rectangles 5"/>
+          <p:cNvSpPr/>
+          <p:nvPr/>
+        </p:nvSpPr>
+        <p:spPr>
+          <a:xfrm>
+            <a:off x="1713865" y="3462655"/>
+            <a:ext cx="1118870" cy="312420"/>
+          </a:xfrm>
+          <a:prstGeom prst="rect">
+            <a:avLst/>
+          </a:prstGeom>
+          <a:solidFill>
+            <a:schemeClr val="bg1">
+              <a:lumMod val="85000"/>
+            </a:schemeClr>
+          </a:solidFill>
+          <a:ln w="25400">
+            <a:solidFill>
+              <a:srgbClr val="202020"/>
+            </a:solidFill>
+          </a:ln>
+        </p:spPr>
+        <p:style>
+          <a:lnRef idx="2">
+            <a:schemeClr val="accent1">
+              <a:shade val="50000"/>
+            </a:schemeClr>
+          </a:lnRef>
+          <a:fillRef idx="1">
+            <a:schemeClr val="accent1"/>
+          </a:fillRef>
+          <a:effectRef idx="0">
+            <a:schemeClr val="accent1"/>
+          </a:effectRef>
+          <a:fontRef idx="minor">
+            <a:schemeClr val="lt1"/>
+          </a:fontRef>
+        </p:style>
+        <p:txBody>
+          <a:bodyPr rtlCol="0" anchor="ctr"/>
+          <a:p>
+            <a:pPr algn="ctr"/>
+            <a:r>
+              <a:rPr lang="en-US" sz="1400">
+                <a:solidFill>
+                  <a:schemeClr val="tx1"/>
+                </a:solidFill>
+              </a:rPr>
+              <a:t>[Key]</a:t>
+            </a:r>
+            <a:endParaRPr lang="en-US" sz="1400">
+              <a:solidFill>
+                <a:schemeClr val="tx1"/>
+              </a:solidFill>
+            </a:endParaRPr>
+          </a:p>
+        </p:txBody>
+      </p:sp>
+      <p:sp>
+        <p:nvSpPr>
+          <p:cNvPr id="8" name="Rectangles 7"/>
+          <p:cNvSpPr/>
+          <p:nvPr/>
+        </p:nvSpPr>
+        <p:spPr>
+          <a:xfrm>
+            <a:off x="1713865" y="3775075"/>
+            <a:ext cx="1118870" cy="292100"/>
+          </a:xfrm>
+          <a:prstGeom prst="rect">
+            <a:avLst/>
+          </a:prstGeom>
+          <a:solidFill>
+            <a:schemeClr val="accent2">
+              <a:lumMod val="40000"/>
+              <a:lumOff val="60000"/>
+            </a:schemeClr>
+          </a:solidFill>
+          <a:ln w="25400">
+            <a:solidFill>
+              <a:srgbClr val="202020"/>
+            </a:solidFill>
+          </a:ln>
+        </p:spPr>
+        <p:style>
+          <a:lnRef idx="2">
+            <a:schemeClr val="accent1">
+              <a:shade val="50000"/>
+            </a:schemeClr>
+          </a:lnRef>
+          <a:fillRef idx="1">
+            <a:schemeClr val="accent1"/>
+          </a:fillRef>
+          <a:effectRef idx="0">
+            <a:schemeClr val="accent1"/>
+          </a:effectRef>
+          <a:fontRef idx="minor">
+            <a:schemeClr val="lt1"/>
+          </a:fontRef>
+        </p:style>
+        <p:txBody>
+          <a:bodyPr rtlCol="0" anchor="ctr"/>
+          <a:p>
+            <a:pPr algn="ctr"/>
+            <a:r>
+              <a:rPr lang="en-US" sz="1400">
+                <a:solidFill>
+                  <a:schemeClr val="tx1"/>
+                </a:solidFill>
+              </a:rPr>
+              <a:t>Value</a:t>
+            </a:r>
+            <a:endParaRPr lang="en-US" sz="1400">
+              <a:solidFill>
+                <a:schemeClr val="tx1"/>
+              </a:solidFill>
+            </a:endParaRPr>
+          </a:p>
+        </p:txBody>
+      </p:sp>
+      <p:sp>
+        <p:nvSpPr>
+          <p:cNvPr id="9" name="Text Box 8"/>
+          <p:cNvSpPr txBox="1"/>
+          <p:nvPr/>
+        </p:nvSpPr>
+        <p:spPr>
+          <a:xfrm>
+            <a:off x="1557020" y="2437130"/>
+            <a:ext cx="1478280" cy="306705"/>
+          </a:xfrm>
+          <a:prstGeom prst="rect">
+            <a:avLst/>
+          </a:prstGeom>
+          <a:noFill/>
+        </p:spPr>
+        <p:txBody>
+          <a:bodyPr wrap="none" rtlCol="0">
+            <a:spAutoFit/>
+          </a:bodyPr>
+          <a:p>
+            <a:r>
+              <a:rPr lang="en-US" sz="1400"/>
+              <a:t>ProducerRecord</a:t>
+            </a:r>
+            <a:endParaRPr lang="en-US" sz="1400"/>
+          </a:p>
+        </p:txBody>
+      </p:sp>
+      <p:sp>
+        <p:nvSpPr>
+          <p:cNvPr id="10" name="Rectangles 9"/>
+          <p:cNvSpPr/>
+          <p:nvPr/>
+        </p:nvSpPr>
+        <p:spPr>
+          <a:xfrm>
+            <a:off x="3752215" y="1202055"/>
+            <a:ext cx="5488940" cy="5076825"/>
+          </a:xfrm>
+          <a:prstGeom prst="rect">
+            <a:avLst/>
+          </a:prstGeom>
+          <a:solidFill>
+            <a:schemeClr val="bg1"/>
+          </a:solidFill>
+          <a:ln w="28575" cmpd="sng">
+            <a:solidFill>
+              <a:srgbClr val="202020"/>
+            </a:solidFill>
+            <a:prstDash val="sysDash"/>
+          </a:ln>
+        </p:spPr>
+        <p:style>
+          <a:lnRef idx="2">
+            <a:schemeClr val="accent1">
+              <a:shade val="50000"/>
+            </a:schemeClr>
+          </a:lnRef>
+          <a:fillRef idx="1">
+            <a:schemeClr val="accent1"/>
+          </a:fillRef>
+          <a:effectRef idx="0">
+            <a:schemeClr val="accent1"/>
+          </a:effectRef>
+          <a:fontRef idx="minor">
+            <a:schemeClr val="lt1"/>
+          </a:fontRef>
+        </p:style>
+        <p:txBody>
+          <a:bodyPr rtlCol="0" anchor="ctr"/>
+          <a:p>
+            <a:pPr algn="ctr"/>
+            <a:endParaRPr lang="en-US"/>
+          </a:p>
+        </p:txBody>
+      </p:sp>
+      <p:sp>
+        <p:nvSpPr>
+          <p:cNvPr id="11" name="Rectangles 10"/>
+          <p:cNvSpPr/>
+          <p:nvPr/>
+        </p:nvSpPr>
+        <p:spPr>
+          <a:xfrm>
+            <a:off x="4076065" y="3138170"/>
+            <a:ext cx="1059815" cy="324485"/>
+          </a:xfrm>
+          <a:prstGeom prst="rect">
+            <a:avLst/>
+          </a:prstGeom>
+          <a:solidFill>
+            <a:schemeClr val="accent1">
+              <a:lumMod val="60000"/>
+              <a:lumOff val="40000"/>
+            </a:schemeClr>
+          </a:solidFill>
+          <a:ln w="25400">
+            <a:solidFill>
+              <a:srgbClr val="202020"/>
+            </a:solidFill>
+          </a:ln>
+        </p:spPr>
+        <p:style>
+          <a:lnRef idx="2">
+            <a:schemeClr val="accent1">
+              <a:shade val="50000"/>
+            </a:schemeClr>
+          </a:lnRef>
+          <a:fillRef idx="1">
+            <a:schemeClr val="accent1"/>
+          </a:fillRef>
+          <a:effectRef idx="0">
+            <a:schemeClr val="accent1"/>
+          </a:effectRef>
+          <a:fontRef idx="minor">
+            <a:schemeClr val="lt1"/>
+          </a:fontRef>
+        </p:style>
+        <p:txBody>
+          <a:bodyPr rtlCol="0" anchor="ctr"/>
+          <a:p>
+            <a:pPr algn="ctr"/>
+            <a:r>
+              <a:rPr lang="en-US" sz="1400">
+                <a:solidFill>
+                  <a:schemeClr val="tx1"/>
+                </a:solidFill>
+              </a:rPr>
+              <a:t>Serializer</a:t>
+            </a:r>
+            <a:endParaRPr lang="en-US" sz="1400">
+              <a:solidFill>
+                <a:schemeClr val="tx1"/>
+              </a:solidFill>
+            </a:endParaRPr>
+          </a:p>
+        </p:txBody>
+      </p:sp>
+      <p:cxnSp>
+        <p:nvCxnSpPr>
+          <p:cNvPr id="12" name="Straight Connector 11"/>
+          <p:cNvCxnSpPr>
+            <a:stCxn id="3" idx="3"/>
+            <a:endCxn id="11" idx="1"/>
+          </p:cNvCxnSpPr>
+          <p:nvPr/>
+        </p:nvCxnSpPr>
+        <p:spPr>
+          <a:xfrm flipV="1">
+            <a:off x="3035300" y="3300730"/>
+            <a:ext cx="1040765" cy="23495"/>
+          </a:xfrm>
+          <a:prstGeom prst="line">
+            <a:avLst/>
+          </a:prstGeom>
+          <a:ln w="25400">
+            <a:solidFill>
+              <a:srgbClr val="202020"/>
+            </a:solidFill>
+            <a:tailEnd type="triangle" w="lg" len="lg"/>
+          </a:ln>
+        </p:spPr>
+        <p:style>
+          <a:lnRef idx="1">
+            <a:schemeClr val="accent1"/>
+          </a:lnRef>
+          <a:fillRef idx="0">
+            <a:schemeClr val="accent1"/>
+          </a:fillRef>
+          <a:effectRef idx="0">
+            <a:schemeClr val="accent1"/>
+          </a:effectRef>
+          <a:fontRef idx="minor">
+            <a:schemeClr val="tx1"/>
+          </a:fontRef>
+        </p:style>
+      </p:cxnSp>
+      <p:sp>
+        <p:nvSpPr>
+          <p:cNvPr id="13" name="Rectangles 12"/>
+          <p:cNvSpPr/>
+          <p:nvPr/>
+        </p:nvSpPr>
+        <p:spPr>
+          <a:xfrm>
+            <a:off x="5646420" y="3138170"/>
+            <a:ext cx="1059815" cy="324485"/>
+          </a:xfrm>
+          <a:prstGeom prst="rect">
+            <a:avLst/>
+          </a:prstGeom>
+          <a:solidFill>
+            <a:schemeClr val="accent1">
+              <a:lumMod val="60000"/>
+              <a:lumOff val="40000"/>
+            </a:schemeClr>
+          </a:solidFill>
+          <a:ln w="25400">
+            <a:solidFill>
+              <a:srgbClr val="202020"/>
+            </a:solidFill>
+          </a:ln>
+        </p:spPr>
+        <p:style>
+          <a:lnRef idx="2">
+            <a:schemeClr val="accent1">
+              <a:shade val="50000"/>
+            </a:schemeClr>
+          </a:lnRef>
+          <a:fillRef idx="1">
+            <a:schemeClr val="accent1"/>
+          </a:fillRef>
+          <a:effectRef idx="0">
+            <a:schemeClr val="accent1"/>
+          </a:effectRef>
+          <a:fontRef idx="minor">
+            <a:schemeClr val="lt1"/>
+          </a:fontRef>
+        </p:style>
+        <p:txBody>
+          <a:bodyPr rtlCol="0" anchor="ctr"/>
+          <a:p>
+            <a:pPr algn="ctr"/>
+            <a:r>
+              <a:rPr lang="en-US" sz="1400">
+                <a:solidFill>
+                  <a:schemeClr val="tx1"/>
+                </a:solidFill>
+              </a:rPr>
+              <a:t>Partitioner</a:t>
+            </a:r>
+            <a:endParaRPr lang="en-US" sz="1400">
+              <a:solidFill>
+                <a:schemeClr val="tx1"/>
+              </a:solidFill>
+            </a:endParaRPr>
+          </a:p>
+        </p:txBody>
+      </p:sp>
+      <p:cxnSp>
+        <p:nvCxnSpPr>
+          <p:cNvPr id="14" name="Straight Connector 13"/>
+          <p:cNvCxnSpPr>
+            <a:stCxn id="11" idx="3"/>
+            <a:endCxn id="13" idx="1"/>
+          </p:cNvCxnSpPr>
+          <p:nvPr/>
+        </p:nvCxnSpPr>
+        <p:spPr>
+          <a:xfrm>
+            <a:off x="5135880" y="3300730"/>
+            <a:ext cx="510540" cy="0"/>
+          </a:xfrm>
+          <a:prstGeom prst="line">
+            <a:avLst/>
+          </a:prstGeom>
+          <a:ln w="25400">
+            <a:solidFill>
+              <a:srgbClr val="202020"/>
+            </a:solidFill>
+            <a:tailEnd type="triangle" w="lg" len="lg"/>
+          </a:ln>
+        </p:spPr>
+        <p:style>
+          <a:lnRef idx="1">
+            <a:schemeClr val="accent1"/>
+          </a:lnRef>
+          <a:fillRef idx="0">
+            <a:schemeClr val="accent1"/>
+          </a:fillRef>
+          <a:effectRef idx="0">
+            <a:schemeClr val="accent1"/>
+          </a:effectRef>
+          <a:fontRef idx="minor">
+            <a:schemeClr val="tx1"/>
+          </a:fontRef>
+        </p:style>
+      </p:cxnSp>
+      <p:sp>
+        <p:nvSpPr>
+          <p:cNvPr id="15" name="Rectangles 14"/>
+          <p:cNvSpPr/>
+          <p:nvPr/>
+        </p:nvSpPr>
+        <p:spPr>
+          <a:xfrm>
+            <a:off x="7381875" y="1433195"/>
+            <a:ext cx="1339215" cy="1557655"/>
+          </a:xfrm>
+          <a:prstGeom prst="rect">
+            <a:avLst/>
+          </a:prstGeom>
+          <a:solidFill>
+            <a:schemeClr val="accent1">
+              <a:lumMod val="60000"/>
+              <a:lumOff val="40000"/>
+            </a:schemeClr>
+          </a:solidFill>
+          <a:ln w="25400" cmpd="sng">
+            <a:solidFill>
+              <a:srgbClr val="202020"/>
+            </a:solidFill>
+            <a:prstDash val="solid"/>
+          </a:ln>
+        </p:spPr>
+        <p:style>
+          <a:lnRef idx="2">
+            <a:schemeClr val="accent1">
+              <a:shade val="50000"/>
+            </a:schemeClr>
+          </a:lnRef>
+          <a:fillRef idx="1">
+            <a:schemeClr val="accent1"/>
+          </a:fillRef>
+          <a:effectRef idx="0">
+            <a:schemeClr val="accent1"/>
+          </a:effectRef>
+          <a:fontRef idx="minor">
+            <a:schemeClr val="lt1"/>
+          </a:fontRef>
+        </p:style>
+        <p:txBody>
+          <a:bodyPr rtlCol="0" anchor="ctr"/>
+          <a:p>
+            <a:pPr algn="ctr"/>
+            <a:endParaRPr lang="en-US"/>
+          </a:p>
+        </p:txBody>
+      </p:sp>
+      <p:sp>
+        <p:nvSpPr>
+          <p:cNvPr id="16" name="Rectangles 15"/>
+          <p:cNvSpPr/>
+          <p:nvPr/>
+        </p:nvSpPr>
+        <p:spPr>
+          <a:xfrm>
+            <a:off x="7491730" y="1962150"/>
+            <a:ext cx="1118870" cy="299085"/>
+          </a:xfrm>
+          <a:prstGeom prst="rect">
+            <a:avLst/>
+          </a:prstGeom>
+          <a:solidFill>
+            <a:schemeClr val="bg1">
+              <a:lumMod val="85000"/>
+            </a:schemeClr>
+          </a:solidFill>
+          <a:ln w="25400">
+            <a:solidFill>
+              <a:srgbClr val="202020"/>
+            </a:solidFill>
+          </a:ln>
+        </p:spPr>
+        <p:style>
+          <a:lnRef idx="2">
+            <a:schemeClr val="accent1">
+              <a:shade val="50000"/>
+            </a:schemeClr>
+          </a:lnRef>
+          <a:fillRef idx="1">
+            <a:schemeClr val="accent1"/>
+          </a:fillRef>
+          <a:effectRef idx="0">
+            <a:schemeClr val="accent1"/>
+          </a:effectRef>
+          <a:fontRef idx="minor">
+            <a:schemeClr val="lt1"/>
+          </a:fontRef>
+        </p:style>
+        <p:txBody>
+          <a:bodyPr rtlCol="0" anchor="ctr"/>
+          <a:p>
+            <a:pPr algn="ctr"/>
+            <a:r>
+              <a:rPr lang="en-US" sz="1400">
+                <a:solidFill>
+                  <a:schemeClr val="tx1"/>
+                </a:solidFill>
+              </a:rPr>
+              <a:t>Batch 0</a:t>
+            </a:r>
+            <a:endParaRPr lang="en-US" sz="1400">
+              <a:solidFill>
+                <a:schemeClr val="tx1"/>
+              </a:solidFill>
+            </a:endParaRPr>
+          </a:p>
+        </p:txBody>
+      </p:sp>
+      <p:sp>
+        <p:nvSpPr>
+          <p:cNvPr id="17" name="Rectangles 16"/>
+          <p:cNvSpPr/>
+          <p:nvPr/>
+        </p:nvSpPr>
+        <p:spPr>
+          <a:xfrm>
+            <a:off x="7491730" y="2261235"/>
+            <a:ext cx="1118870" cy="299085"/>
+          </a:xfrm>
+          <a:prstGeom prst="rect">
+            <a:avLst/>
+          </a:prstGeom>
+          <a:solidFill>
+            <a:schemeClr val="bg1">
+              <a:lumMod val="85000"/>
+            </a:schemeClr>
+          </a:solidFill>
+          <a:ln w="25400">
+            <a:solidFill>
+              <a:srgbClr val="202020"/>
+            </a:solidFill>
+          </a:ln>
+        </p:spPr>
+        <p:style>
+          <a:lnRef idx="2">
+            <a:schemeClr val="accent1">
+              <a:shade val="50000"/>
+            </a:schemeClr>
+          </a:lnRef>
+          <a:fillRef idx="1">
+            <a:schemeClr val="accent1"/>
+          </a:fillRef>
+          <a:effectRef idx="0">
+            <a:schemeClr val="accent1"/>
+          </a:effectRef>
+          <a:fontRef idx="minor">
+            <a:schemeClr val="lt1"/>
+          </a:fontRef>
+        </p:style>
+        <p:txBody>
+          <a:bodyPr rtlCol="0" anchor="ctr"/>
+          <a:p>
+            <a:pPr algn="ctr"/>
+            <a:r>
+              <a:rPr lang="en-US" sz="1400">
+                <a:solidFill>
+                  <a:schemeClr val="tx1"/>
+                </a:solidFill>
+              </a:rPr>
+              <a:t>Batch 1</a:t>
+            </a:r>
+            <a:endParaRPr lang="en-US" sz="1400">
+              <a:solidFill>
+                <a:schemeClr val="tx1"/>
+              </a:solidFill>
+            </a:endParaRPr>
+          </a:p>
+        </p:txBody>
+      </p:sp>
+      <p:sp>
+        <p:nvSpPr>
+          <p:cNvPr id="18" name="Rectangles 17"/>
+          <p:cNvSpPr/>
+          <p:nvPr/>
+        </p:nvSpPr>
+        <p:spPr>
+          <a:xfrm>
+            <a:off x="7491730" y="2560320"/>
+            <a:ext cx="1118870" cy="299085"/>
+          </a:xfrm>
+          <a:prstGeom prst="rect">
+            <a:avLst/>
+          </a:prstGeom>
+          <a:solidFill>
+            <a:schemeClr val="bg1">
+              <a:lumMod val="85000"/>
+            </a:schemeClr>
+          </a:solidFill>
+          <a:ln w="25400">
+            <a:solidFill>
+              <a:srgbClr val="202020"/>
+            </a:solidFill>
+          </a:ln>
+        </p:spPr>
+        <p:style>
+          <a:lnRef idx="2">
+            <a:schemeClr val="accent1">
+              <a:shade val="50000"/>
+            </a:schemeClr>
+          </a:lnRef>
+          <a:fillRef idx="1">
+            <a:schemeClr val="accent1"/>
+          </a:fillRef>
+          <a:effectRef idx="0">
+            <a:schemeClr val="accent1"/>
+          </a:effectRef>
+          <a:fontRef idx="minor">
+            <a:schemeClr val="lt1"/>
+          </a:fontRef>
+        </p:style>
+        <p:txBody>
+          <a:bodyPr rtlCol="0" anchor="ctr"/>
+          <a:p>
+            <a:pPr algn="ctr"/>
+            <a:r>
+              <a:rPr lang="en-US" sz="1400">
+                <a:solidFill>
+                  <a:schemeClr val="tx1"/>
+                </a:solidFill>
+              </a:rPr>
+              <a:t>Batch 2</a:t>
+            </a:r>
+            <a:endParaRPr lang="en-US" sz="1400">
+              <a:solidFill>
+                <a:schemeClr val="tx1"/>
+              </a:solidFill>
+            </a:endParaRPr>
+          </a:p>
+        </p:txBody>
+      </p:sp>
+      <p:sp>
+        <p:nvSpPr>
+          <p:cNvPr id="19" name="Text Box 18"/>
+          <p:cNvSpPr txBox="1"/>
+          <p:nvPr/>
+        </p:nvSpPr>
+        <p:spPr>
+          <a:xfrm>
+            <a:off x="7559675" y="1443355"/>
+            <a:ext cx="984250" cy="521970"/>
+          </a:xfrm>
+          <a:prstGeom prst="rect">
+            <a:avLst/>
+          </a:prstGeom>
+          <a:noFill/>
+        </p:spPr>
+        <p:txBody>
+          <a:bodyPr wrap="none" rtlCol="0">
+            <a:spAutoFit/>
+          </a:bodyPr>
+          <a:p>
+            <a:pPr algn="ctr"/>
+            <a:r>
+              <a:rPr lang="en-US" sz="1400"/>
+              <a:t>Topic A</a:t>
+            </a:r>
+            <a:endParaRPr lang="en-US" sz="1400"/>
+          </a:p>
+          <a:p>
+            <a:pPr algn="ctr"/>
+            <a:r>
+              <a:rPr lang="en-US" sz="1400"/>
+              <a:t>Partition 0</a:t>
+            </a:r>
+            <a:endParaRPr lang="en-US" sz="1400"/>
+          </a:p>
+        </p:txBody>
+      </p:sp>
+      <p:sp>
+        <p:nvSpPr>
+          <p:cNvPr id="20" name="Rectangles 19"/>
+          <p:cNvSpPr/>
+          <p:nvPr/>
+        </p:nvSpPr>
+        <p:spPr>
+          <a:xfrm>
+            <a:off x="7383145" y="3605530"/>
+            <a:ext cx="1339215" cy="1557655"/>
+          </a:xfrm>
+          <a:prstGeom prst="rect">
+            <a:avLst/>
+          </a:prstGeom>
+          <a:solidFill>
+            <a:schemeClr val="accent1">
+              <a:lumMod val="60000"/>
+              <a:lumOff val="40000"/>
+            </a:schemeClr>
+          </a:solidFill>
+          <a:ln w="25400" cmpd="sng">
+            <a:solidFill>
+              <a:srgbClr val="202020"/>
+            </a:solidFill>
+            <a:prstDash val="solid"/>
+          </a:ln>
+        </p:spPr>
+        <p:style>
+          <a:lnRef idx="2">
+            <a:schemeClr val="accent1">
+              <a:shade val="50000"/>
+            </a:schemeClr>
+          </a:lnRef>
+          <a:fillRef idx="1">
+            <a:schemeClr val="accent1"/>
+          </a:fillRef>
+          <a:effectRef idx="0">
+            <a:schemeClr val="accent1"/>
+          </a:effectRef>
+          <a:fontRef idx="minor">
+            <a:schemeClr val="lt1"/>
+          </a:fontRef>
+        </p:style>
+        <p:txBody>
+          <a:bodyPr rtlCol="0" anchor="ctr"/>
+          <a:p>
+            <a:pPr algn="ctr"/>
+            <a:endParaRPr lang="en-US"/>
+          </a:p>
+        </p:txBody>
+      </p:sp>
+      <p:sp>
+        <p:nvSpPr>
+          <p:cNvPr id="21" name="Rectangles 20"/>
+          <p:cNvSpPr/>
+          <p:nvPr/>
+        </p:nvSpPr>
+        <p:spPr>
+          <a:xfrm>
+            <a:off x="7492365" y="4124325"/>
+            <a:ext cx="1118870" cy="299085"/>
+          </a:xfrm>
+          <a:prstGeom prst="rect">
+            <a:avLst/>
+          </a:prstGeom>
+          <a:solidFill>
+            <a:schemeClr val="bg1">
+              <a:lumMod val="85000"/>
+            </a:schemeClr>
+          </a:solidFill>
+          <a:ln w="25400">
+            <a:solidFill>
+              <a:srgbClr val="202020"/>
+            </a:solidFill>
+          </a:ln>
+        </p:spPr>
+        <p:style>
+          <a:lnRef idx="2">
+            <a:schemeClr val="accent1">
+              <a:shade val="50000"/>
+            </a:schemeClr>
+          </a:lnRef>
+          <a:fillRef idx="1">
+            <a:schemeClr val="accent1"/>
+          </a:fillRef>
+          <a:effectRef idx="0">
+            <a:schemeClr val="accent1"/>
+          </a:effectRef>
+          <a:fontRef idx="minor">
+            <a:schemeClr val="lt1"/>
+          </a:fontRef>
+        </p:style>
+        <p:txBody>
+          <a:bodyPr rtlCol="0" anchor="ctr"/>
+          <a:p>
+            <a:pPr algn="ctr"/>
+            <a:r>
+              <a:rPr lang="en-US" sz="1400">
+                <a:solidFill>
+                  <a:schemeClr val="tx1"/>
+                </a:solidFill>
+              </a:rPr>
+              <a:t>Batch 0</a:t>
+            </a:r>
+            <a:endParaRPr lang="en-US" sz="1400">
+              <a:solidFill>
+                <a:schemeClr val="tx1"/>
+              </a:solidFill>
+            </a:endParaRPr>
+          </a:p>
+        </p:txBody>
+      </p:sp>
+      <p:sp>
+        <p:nvSpPr>
+          <p:cNvPr id="22" name="Rectangles 21"/>
+          <p:cNvSpPr/>
+          <p:nvPr/>
+        </p:nvSpPr>
+        <p:spPr>
+          <a:xfrm>
+            <a:off x="7492365" y="4423410"/>
+            <a:ext cx="1118870" cy="299085"/>
+          </a:xfrm>
+          <a:prstGeom prst="rect">
+            <a:avLst/>
+          </a:prstGeom>
+          <a:solidFill>
+            <a:schemeClr val="bg1">
+              <a:lumMod val="85000"/>
+            </a:schemeClr>
+          </a:solidFill>
+          <a:ln w="25400">
+            <a:solidFill>
+              <a:srgbClr val="202020"/>
+            </a:solidFill>
+          </a:ln>
+        </p:spPr>
+        <p:style>
+          <a:lnRef idx="2">
+            <a:schemeClr val="accent1">
+              <a:shade val="50000"/>
+            </a:schemeClr>
+          </a:lnRef>
+          <a:fillRef idx="1">
+            <a:schemeClr val="accent1"/>
+          </a:fillRef>
+          <a:effectRef idx="0">
+            <a:schemeClr val="accent1"/>
+          </a:effectRef>
+          <a:fontRef idx="minor">
+            <a:schemeClr val="lt1"/>
+          </a:fontRef>
+        </p:style>
+        <p:txBody>
+          <a:bodyPr rtlCol="0" anchor="ctr"/>
+          <a:p>
+            <a:pPr algn="ctr"/>
+            <a:r>
+              <a:rPr lang="en-US" sz="1400">
+                <a:solidFill>
+                  <a:schemeClr val="tx1"/>
+                </a:solidFill>
+              </a:rPr>
+              <a:t>Batch 1</a:t>
+            </a:r>
+            <a:endParaRPr lang="en-US" sz="1400">
+              <a:solidFill>
+                <a:schemeClr val="tx1"/>
+              </a:solidFill>
+            </a:endParaRPr>
+          </a:p>
+        </p:txBody>
+      </p:sp>
+      <p:sp>
+        <p:nvSpPr>
+          <p:cNvPr id="23" name="Rectangles 22"/>
+          <p:cNvSpPr/>
+          <p:nvPr/>
+        </p:nvSpPr>
+        <p:spPr>
+          <a:xfrm>
+            <a:off x="7492365" y="4722495"/>
+            <a:ext cx="1118870" cy="299085"/>
+          </a:xfrm>
+          <a:prstGeom prst="rect">
+            <a:avLst/>
+          </a:prstGeom>
+          <a:solidFill>
+            <a:schemeClr val="bg1">
+              <a:lumMod val="85000"/>
+            </a:schemeClr>
+          </a:solidFill>
+          <a:ln w="25400">
+            <a:solidFill>
+              <a:srgbClr val="202020"/>
+            </a:solidFill>
+          </a:ln>
+        </p:spPr>
+        <p:style>
+          <a:lnRef idx="2">
+            <a:schemeClr val="accent1">
+              <a:shade val="50000"/>
+            </a:schemeClr>
+          </a:lnRef>
+          <a:fillRef idx="1">
+            <a:schemeClr val="accent1"/>
+          </a:fillRef>
+          <a:effectRef idx="0">
+            <a:schemeClr val="accent1"/>
+          </a:effectRef>
+          <a:fontRef idx="minor">
+            <a:schemeClr val="lt1"/>
+          </a:fontRef>
+        </p:style>
+        <p:txBody>
+          <a:bodyPr rtlCol="0" anchor="ctr"/>
+          <a:p>
+            <a:pPr algn="ctr"/>
+            <a:r>
+              <a:rPr lang="en-US" sz="1400">
+                <a:solidFill>
+                  <a:schemeClr val="tx1"/>
+                </a:solidFill>
+              </a:rPr>
+              <a:t>Batch 2</a:t>
+            </a:r>
+            <a:endParaRPr lang="en-US" sz="1400">
+              <a:solidFill>
+                <a:schemeClr val="tx1"/>
+              </a:solidFill>
+            </a:endParaRPr>
+          </a:p>
+        </p:txBody>
+      </p:sp>
+      <p:sp>
+        <p:nvSpPr>
+          <p:cNvPr id="24" name="Text Box 23"/>
+          <p:cNvSpPr txBox="1"/>
+          <p:nvPr/>
+        </p:nvSpPr>
+        <p:spPr>
+          <a:xfrm>
+            <a:off x="7560310" y="3605530"/>
+            <a:ext cx="984250" cy="521970"/>
+          </a:xfrm>
+          <a:prstGeom prst="rect">
+            <a:avLst/>
+          </a:prstGeom>
+          <a:noFill/>
+        </p:spPr>
+        <p:txBody>
+          <a:bodyPr wrap="none" rtlCol="0">
+            <a:spAutoFit/>
+          </a:bodyPr>
+          <a:p>
+            <a:pPr algn="ctr"/>
+            <a:r>
+              <a:rPr lang="en-US" sz="1400"/>
+              <a:t>Topic B</a:t>
+            </a:r>
+            <a:endParaRPr lang="en-US" sz="1400"/>
+          </a:p>
+          <a:p>
+            <a:pPr algn="ctr"/>
+            <a:r>
+              <a:rPr lang="en-US" sz="1400"/>
+              <a:t>Partition 1</a:t>
+            </a:r>
+            <a:endParaRPr lang="en-US" sz="1400"/>
+          </a:p>
+        </p:txBody>
+      </p:sp>
+      <p:sp>
+        <p:nvSpPr>
+          <p:cNvPr id="29" name="Flowchart: Magnetic Disk 28"/>
+          <p:cNvSpPr/>
+          <p:nvPr/>
+        </p:nvSpPr>
+        <p:spPr>
+          <a:xfrm>
+            <a:off x="9503410" y="2898140"/>
+            <a:ext cx="1099185" cy="851535"/>
+          </a:xfrm>
+          <a:prstGeom prst="flowChartMagneticDisk">
+            <a:avLst/>
+          </a:prstGeom>
+          <a:ln w="22225">
+            <a:solidFill>
+              <a:srgbClr val="202020"/>
+            </a:solidFill>
+          </a:ln>
+        </p:spPr>
+        <p:style>
+          <a:lnRef idx="2">
+            <a:schemeClr val="accent1">
+              <a:shade val="50000"/>
+            </a:schemeClr>
+          </a:lnRef>
+          <a:fillRef idx="1">
+            <a:schemeClr val="accent1"/>
+          </a:fillRef>
+          <a:effectRef idx="0">
+            <a:schemeClr val="accent1"/>
+          </a:effectRef>
+          <a:fontRef idx="minor">
+            <a:schemeClr val="lt1"/>
+          </a:fontRef>
+        </p:style>
+        <p:txBody>
+          <a:bodyPr rtlCol="0" anchor="ctr"/>
+          <a:p>
+            <a:pPr algn="ctr"/>
+            <a:r>
+              <a:rPr lang="en-US" sz="1400" b="1">
+                <a:solidFill>
+                  <a:schemeClr val="tx1"/>
+                </a:solidFill>
+              </a:rPr>
+              <a:t>Kafka broker</a:t>
+            </a:r>
+            <a:endParaRPr lang="en-US" sz="1400" b="1">
+              <a:solidFill>
+                <a:schemeClr val="tx1"/>
+              </a:solidFill>
+            </a:endParaRPr>
+          </a:p>
+        </p:txBody>
+      </p:sp>
+      <p:cxnSp>
+        <p:nvCxnSpPr>
+          <p:cNvPr id="30" name="Elbow Connector 29"/>
+          <p:cNvCxnSpPr/>
+          <p:nvPr/>
+        </p:nvCxnSpPr>
+        <p:spPr>
+          <a:xfrm>
+            <a:off x="8721090" y="2212340"/>
+            <a:ext cx="1332230" cy="685800"/>
+          </a:xfrm>
+          <a:prstGeom prst="bentConnector2">
+            <a:avLst/>
+          </a:prstGeom>
+          <a:ln w="25400">
+            <a:solidFill>
+              <a:schemeClr val="bg2">
+                <a:lumMod val="75000"/>
+              </a:schemeClr>
+            </a:solidFill>
+            <a:tailEnd type="triangle" w="lg" len="lg"/>
+          </a:ln>
+        </p:spPr>
+        <p:style>
+          <a:lnRef idx="1">
+            <a:schemeClr val="accent1"/>
+          </a:lnRef>
+          <a:fillRef idx="0">
+            <a:schemeClr val="accent1"/>
+          </a:fillRef>
+          <a:effectRef idx="0">
+            <a:schemeClr val="accent1"/>
+          </a:effectRef>
+          <a:fontRef idx="minor">
+            <a:schemeClr val="tx1"/>
+          </a:fontRef>
+        </p:style>
+      </p:cxnSp>
+      <p:cxnSp>
+        <p:nvCxnSpPr>
+          <p:cNvPr id="31" name="Elbow Connector 30"/>
+          <p:cNvCxnSpPr>
+            <a:stCxn id="20" idx="3"/>
+            <a:endCxn id="29" idx="3"/>
+          </p:cNvCxnSpPr>
+          <p:nvPr/>
+        </p:nvCxnSpPr>
+        <p:spPr>
+          <a:xfrm flipV="1">
+            <a:off x="8722360" y="3749675"/>
+            <a:ext cx="1330960" cy="635000"/>
+          </a:xfrm>
+          <a:prstGeom prst="bentConnector2">
+            <a:avLst/>
+          </a:prstGeom>
+          <a:ln w="25400">
+            <a:solidFill>
+              <a:srgbClr val="202020"/>
+            </a:solidFill>
+            <a:tailEnd type="triangle" w="lg" len="lg"/>
+          </a:ln>
+        </p:spPr>
+        <p:style>
+          <a:lnRef idx="1">
+            <a:schemeClr val="accent1"/>
+          </a:lnRef>
+          <a:fillRef idx="0">
+            <a:schemeClr val="accent1"/>
+          </a:fillRef>
+          <a:effectRef idx="0">
+            <a:schemeClr val="accent1"/>
+          </a:effectRef>
+          <a:fontRef idx="minor">
+            <a:schemeClr val="tx1"/>
+          </a:fontRef>
+        </p:style>
+      </p:cxnSp>
+      <p:cxnSp>
+        <p:nvCxnSpPr>
+          <p:cNvPr id="32" name="Elbow Connector 31"/>
+          <p:cNvCxnSpPr>
+            <a:stCxn id="13" idx="0"/>
+            <a:endCxn id="15" idx="1"/>
+          </p:cNvCxnSpPr>
+          <p:nvPr/>
+        </p:nvCxnSpPr>
+        <p:spPr>
+          <a:xfrm rot="16200000">
+            <a:off x="6316345" y="2072640"/>
+            <a:ext cx="925830" cy="1205230"/>
+          </a:xfrm>
+          <a:prstGeom prst="bentConnector2">
+            <a:avLst/>
+          </a:prstGeom>
+          <a:ln w="25400">
+            <a:solidFill>
+              <a:schemeClr val="bg2">
+                <a:lumMod val="75000"/>
+              </a:schemeClr>
+            </a:solidFill>
+            <a:tailEnd type="triangle" w="lg" len="lg"/>
+          </a:ln>
+        </p:spPr>
+        <p:style>
+          <a:lnRef idx="1">
+            <a:schemeClr val="accent1"/>
+          </a:lnRef>
+          <a:fillRef idx="0">
+            <a:schemeClr val="accent1"/>
+          </a:fillRef>
+          <a:effectRef idx="0">
+            <a:schemeClr val="accent1"/>
+          </a:effectRef>
+          <a:fontRef idx="minor">
+            <a:schemeClr val="tx1"/>
+          </a:fontRef>
+        </p:style>
+      </p:cxnSp>
+      <p:cxnSp>
+        <p:nvCxnSpPr>
+          <p:cNvPr id="33" name="Elbow Connector 32"/>
+          <p:cNvCxnSpPr>
+            <a:stCxn id="13" idx="2"/>
+            <a:endCxn id="20" idx="1"/>
+          </p:cNvCxnSpPr>
+          <p:nvPr/>
+        </p:nvCxnSpPr>
+        <p:spPr>
+          <a:xfrm rot="5400000" flipV="1">
+            <a:off x="6318885" y="3320415"/>
+            <a:ext cx="922020" cy="1206500"/>
+          </a:xfrm>
+          <a:prstGeom prst="bentConnector2">
+            <a:avLst/>
+          </a:prstGeom>
+          <a:ln w="25400">
+            <a:solidFill>
+              <a:srgbClr val="202020"/>
+            </a:solidFill>
+            <a:tailEnd type="triangle" w="lg" len="lg"/>
+          </a:ln>
+        </p:spPr>
+        <p:style>
+          <a:lnRef idx="1">
+            <a:schemeClr val="accent1"/>
+          </a:lnRef>
+          <a:fillRef idx="0">
+            <a:schemeClr val="accent1"/>
+          </a:fillRef>
+          <a:effectRef idx="0">
+            <a:schemeClr val="accent1"/>
+          </a:effectRef>
+          <a:fontRef idx="minor">
+            <a:schemeClr val="tx1"/>
+          </a:fontRef>
+        </p:style>
+      </p:cxnSp>
+      <p:sp>
+        <p:nvSpPr>
+          <p:cNvPr id="34" name="Text Box 33"/>
+          <p:cNvSpPr txBox="1"/>
+          <p:nvPr/>
+        </p:nvSpPr>
+        <p:spPr>
+          <a:xfrm>
+            <a:off x="3035300" y="2990850"/>
+            <a:ext cx="716915" cy="306705"/>
+          </a:xfrm>
+          <a:prstGeom prst="rect">
+            <a:avLst/>
+          </a:prstGeom>
+          <a:noFill/>
+        </p:spPr>
+        <p:txBody>
+          <a:bodyPr wrap="none" rtlCol="0">
+            <a:spAutoFit/>
+          </a:bodyPr>
+          <a:p>
+            <a:r>
+              <a:rPr lang="en-US" sz="1400"/>
+              <a:t>Send()</a:t>
+            </a:r>
+            <a:endParaRPr lang="en-US" sz="1400"/>
+          </a:p>
+        </p:txBody>
+      </p:sp>
+      <p:sp>
+        <p:nvSpPr>
+          <p:cNvPr id="35" name="Diamond 34"/>
+          <p:cNvSpPr/>
+          <p:nvPr/>
+        </p:nvSpPr>
+        <p:spPr>
+          <a:xfrm>
+            <a:off x="7492365" y="5289550"/>
+            <a:ext cx="1229995" cy="873125"/>
+          </a:xfrm>
+          <a:prstGeom prst="diamond">
+            <a:avLst/>
+          </a:prstGeom>
+          <a:solidFill>
+            <a:schemeClr val="accent2">
+              <a:lumMod val="60000"/>
+              <a:lumOff val="40000"/>
+            </a:schemeClr>
+          </a:solidFill>
+          <a:ln w="25400">
+            <a:solidFill>
+              <a:srgbClr val="202020"/>
+            </a:solidFill>
+          </a:ln>
+        </p:spPr>
+        <p:style>
+          <a:lnRef idx="2">
+            <a:schemeClr val="accent1">
+              <a:shade val="50000"/>
+            </a:schemeClr>
+          </a:lnRef>
+          <a:fillRef idx="1">
+            <a:schemeClr val="accent1"/>
+          </a:fillRef>
+          <a:effectRef idx="0">
+            <a:schemeClr val="accent1"/>
+          </a:effectRef>
+          <a:fontRef idx="minor">
+            <a:schemeClr val="lt1"/>
+          </a:fontRef>
+        </p:style>
+        <p:txBody>
+          <a:bodyPr rtlCol="0" anchor="ctr"/>
+          <a:p>
+            <a:pPr algn="ctr"/>
+            <a:r>
+              <a:rPr lang="en-US" sz="1400" b="1">
+                <a:solidFill>
+                  <a:schemeClr val="tx1"/>
+                </a:solidFill>
+              </a:rPr>
+              <a:t>Fail?</a:t>
+            </a:r>
+            <a:endParaRPr lang="en-US" sz="1400" b="1">
+              <a:solidFill>
+                <a:schemeClr val="tx1"/>
+              </a:solidFill>
+            </a:endParaRPr>
+          </a:p>
+        </p:txBody>
+      </p:sp>
+      <p:cxnSp>
+        <p:nvCxnSpPr>
+          <p:cNvPr id="36" name="Elbow Connector 35"/>
+          <p:cNvCxnSpPr/>
+          <p:nvPr/>
+        </p:nvCxnSpPr>
+        <p:spPr>
+          <a:xfrm flipH="1">
+            <a:off x="8722360" y="3324225"/>
+            <a:ext cx="1880235" cy="2402205"/>
+          </a:xfrm>
+          <a:prstGeom prst="bentConnector3">
+            <a:avLst>
+              <a:gd name="adj1" fmla="val -12665"/>
+            </a:avLst>
+          </a:prstGeom>
+          <a:ln w="25400">
+            <a:solidFill>
+              <a:srgbClr val="202020"/>
+            </a:solidFill>
+            <a:tailEnd type="triangle" w="lg" len="lg"/>
+          </a:ln>
+        </p:spPr>
+        <p:style>
+          <a:lnRef idx="1">
+            <a:schemeClr val="accent1"/>
+          </a:lnRef>
+          <a:fillRef idx="0">
+            <a:schemeClr val="accent1"/>
+          </a:fillRef>
+          <a:effectRef idx="0">
+            <a:schemeClr val="accent1"/>
+          </a:effectRef>
+          <a:fontRef idx="minor">
+            <a:schemeClr val="tx1"/>
+          </a:fontRef>
+        </p:style>
+      </p:cxnSp>
+      <p:cxnSp>
+        <p:nvCxnSpPr>
+          <p:cNvPr id="37" name="Elbow Connector 36"/>
+          <p:cNvCxnSpPr>
+            <a:stCxn id="35" idx="2"/>
+            <a:endCxn id="3" idx="2"/>
+          </p:cNvCxnSpPr>
+          <p:nvPr/>
+        </p:nvCxnSpPr>
+        <p:spPr>
+          <a:xfrm rot="5400000" flipH="1">
+            <a:off x="4216400" y="2271395"/>
+            <a:ext cx="1948815" cy="5833745"/>
+          </a:xfrm>
+          <a:prstGeom prst="bentConnector3">
+            <a:avLst>
+              <a:gd name="adj1" fmla="val -12219"/>
+            </a:avLst>
+          </a:prstGeom>
+          <a:ln w="25400">
+            <a:solidFill>
+              <a:srgbClr val="202020"/>
+            </a:solidFill>
+            <a:tailEnd type="triangle" w="lg" len="lg"/>
+          </a:ln>
+        </p:spPr>
+        <p:style>
+          <a:lnRef idx="1">
+            <a:schemeClr val="accent1"/>
+          </a:lnRef>
+          <a:fillRef idx="0">
+            <a:schemeClr val="accent1"/>
+          </a:fillRef>
+          <a:effectRef idx="0">
+            <a:schemeClr val="accent1"/>
+          </a:effectRef>
+          <a:fontRef idx="minor">
+            <a:schemeClr val="tx1"/>
+          </a:fontRef>
+        </p:style>
+      </p:cxnSp>
+      <p:sp>
+        <p:nvSpPr>
+          <p:cNvPr id="38" name="Text Box 37"/>
+          <p:cNvSpPr txBox="1"/>
+          <p:nvPr/>
+        </p:nvSpPr>
+        <p:spPr>
+          <a:xfrm>
+            <a:off x="368935" y="4499610"/>
+            <a:ext cx="1904365" cy="953135"/>
+          </a:xfrm>
+          <a:prstGeom prst="rect">
+            <a:avLst/>
+          </a:prstGeom>
+          <a:noFill/>
+        </p:spPr>
+        <p:txBody>
+          <a:bodyPr wrap="none" rtlCol="0">
+            <a:spAutoFit/>
+          </a:bodyPr>
+          <a:p>
+            <a:pPr algn="r"/>
+            <a:r>
+              <a:rPr lang="en-US" sz="1400"/>
+              <a:t>When successful,</a:t>
+            </a:r>
+            <a:endParaRPr lang="en-US" sz="1400"/>
+          </a:p>
+          <a:p>
+            <a:pPr algn="r"/>
+            <a:r>
+              <a:rPr lang="en-US" sz="1400"/>
+              <a:t>return metadata</a:t>
+            </a:r>
+            <a:endParaRPr lang="en-US" sz="1400"/>
+          </a:p>
+          <a:p>
+            <a:pPr algn="r"/>
+            <a:r>
+              <a:rPr lang="en-US" sz="1400"/>
+              <a:t>include topic, partition</a:t>
+            </a:r>
+            <a:endParaRPr lang="en-US" sz="1400"/>
+          </a:p>
+          <a:p>
+            <a:pPr algn="r"/>
+            <a:r>
+              <a:rPr lang="en-US" sz="1400"/>
+              <a:t>and the offset</a:t>
+            </a:r>
+            <a:endParaRPr lang="en-US" sz="1400"/>
+          </a:p>
+        </p:txBody>
+      </p:sp>
+      <p:sp>
+        <p:nvSpPr>
+          <p:cNvPr id="39" name="Diamond 38"/>
+          <p:cNvSpPr/>
+          <p:nvPr/>
+        </p:nvSpPr>
+        <p:spPr>
+          <a:xfrm>
+            <a:off x="5536565" y="5289550"/>
+            <a:ext cx="1279525" cy="873125"/>
+          </a:xfrm>
+          <a:prstGeom prst="diamond">
+            <a:avLst/>
+          </a:prstGeom>
+          <a:solidFill>
+            <a:schemeClr val="accent2">
+              <a:lumMod val="60000"/>
+              <a:lumOff val="40000"/>
+            </a:schemeClr>
+          </a:solidFill>
+          <a:ln w="25400">
+            <a:solidFill>
+              <a:srgbClr val="202020"/>
+            </a:solidFill>
+          </a:ln>
+        </p:spPr>
+        <p:style>
+          <a:lnRef idx="2">
+            <a:schemeClr val="accent1">
+              <a:shade val="50000"/>
+            </a:schemeClr>
+          </a:lnRef>
+          <a:fillRef idx="1">
+            <a:schemeClr val="accent1"/>
+          </a:fillRef>
+          <a:effectRef idx="0">
+            <a:schemeClr val="accent1"/>
+          </a:effectRef>
+          <a:fontRef idx="minor">
+            <a:schemeClr val="lt1"/>
+          </a:fontRef>
+        </p:style>
+        <p:txBody>
+          <a:bodyPr rtlCol="0" anchor="ctr"/>
+          <a:p>
+            <a:pPr algn="ctr"/>
+            <a:r>
+              <a:rPr lang="en-US" sz="1400" b="1">
+                <a:solidFill>
+                  <a:schemeClr val="tx1"/>
+                </a:solidFill>
+              </a:rPr>
+              <a:t>Retry?</a:t>
+            </a:r>
+            <a:endParaRPr lang="en-US" sz="1400" b="1">
+              <a:solidFill>
+                <a:schemeClr val="tx1"/>
+              </a:solidFill>
+            </a:endParaRPr>
+          </a:p>
+        </p:txBody>
+      </p:sp>
+      <p:cxnSp>
+        <p:nvCxnSpPr>
+          <p:cNvPr id="40" name="Straight Arrow Connector 39"/>
+          <p:cNvCxnSpPr>
+            <a:stCxn id="35" idx="1"/>
+            <a:endCxn id="39" idx="3"/>
+          </p:cNvCxnSpPr>
+          <p:nvPr/>
+        </p:nvCxnSpPr>
+        <p:spPr>
+          <a:xfrm flipH="1">
+            <a:off x="6816090" y="5726430"/>
+            <a:ext cx="676275" cy="0"/>
+          </a:xfrm>
+          <a:prstGeom prst="straightConnector1">
+            <a:avLst/>
+          </a:prstGeom>
+          <a:ln w="25400">
+            <a:solidFill>
+              <a:srgbClr val="202020"/>
+            </a:solidFill>
+            <a:tailEnd type="triangle" w="lg" len="lg"/>
+          </a:ln>
+        </p:spPr>
+        <p:style>
+          <a:lnRef idx="1">
+            <a:schemeClr val="accent1"/>
+          </a:lnRef>
+          <a:fillRef idx="0">
+            <a:schemeClr val="accent1"/>
+          </a:fillRef>
+          <a:effectRef idx="0">
+            <a:schemeClr val="accent1"/>
+          </a:effectRef>
+          <a:fontRef idx="minor">
+            <a:schemeClr val="tx1"/>
+          </a:fontRef>
+        </p:style>
+      </p:cxnSp>
+      <p:cxnSp>
+        <p:nvCxnSpPr>
+          <p:cNvPr id="42" name="Elbow Connector 41"/>
+          <p:cNvCxnSpPr>
+            <a:stCxn id="39" idx="0"/>
+          </p:cNvCxnSpPr>
+          <p:nvPr/>
+        </p:nvCxnSpPr>
+        <p:spPr>
+          <a:xfrm rot="16200000">
+            <a:off x="6525260" y="4427855"/>
+            <a:ext cx="512445" cy="1210945"/>
+          </a:xfrm>
+          <a:prstGeom prst="bentConnector2">
+            <a:avLst/>
+          </a:prstGeom>
+          <a:ln w="25400">
+            <a:solidFill>
+              <a:srgbClr val="202020"/>
+            </a:solidFill>
+            <a:tailEnd type="triangle" w="lg" len="lg"/>
+          </a:ln>
+        </p:spPr>
+        <p:style>
+          <a:lnRef idx="1">
+            <a:schemeClr val="accent1"/>
+          </a:lnRef>
+          <a:fillRef idx="0">
+            <a:schemeClr val="accent1"/>
+          </a:fillRef>
+          <a:effectRef idx="0">
+            <a:schemeClr val="accent1"/>
+          </a:effectRef>
+          <a:fontRef idx="minor">
+            <a:schemeClr val="tx1"/>
+          </a:fontRef>
+        </p:style>
+      </p:cxnSp>
+      <p:cxnSp>
+        <p:nvCxnSpPr>
+          <p:cNvPr id="48" name="Elbow Connector 47"/>
+          <p:cNvCxnSpPr/>
+          <p:nvPr/>
+        </p:nvCxnSpPr>
+        <p:spPr>
+          <a:xfrm rot="10800000">
+            <a:off x="2646045" y="4213860"/>
+            <a:ext cx="2890520" cy="1512570"/>
+          </a:xfrm>
+          <a:prstGeom prst="bentConnector3">
+            <a:avLst>
+              <a:gd name="adj1" fmla="val 100175"/>
+            </a:avLst>
+          </a:prstGeom>
+          <a:ln w="25400">
+            <a:solidFill>
+              <a:srgbClr val="202020"/>
+            </a:solidFill>
+            <a:tailEnd type="triangle" w="lg" len="lg"/>
+          </a:ln>
+        </p:spPr>
+        <p:style>
+          <a:lnRef idx="1">
+            <a:schemeClr val="accent1"/>
+          </a:lnRef>
+          <a:fillRef idx="0">
+            <a:schemeClr val="accent1"/>
+          </a:fillRef>
+          <a:effectRef idx="0">
+            <a:schemeClr val="accent1"/>
+          </a:effectRef>
+          <a:fontRef idx="minor">
+            <a:schemeClr val="tx1"/>
+          </a:fontRef>
+        </p:style>
+      </p:cxnSp>
+      <p:sp>
+        <p:nvSpPr>
+          <p:cNvPr id="49" name="Text Box 48"/>
+          <p:cNvSpPr txBox="1"/>
+          <p:nvPr/>
+        </p:nvSpPr>
+        <p:spPr>
+          <a:xfrm>
+            <a:off x="2679065" y="4499610"/>
+            <a:ext cx="1148715" cy="737235"/>
+          </a:xfrm>
+          <a:prstGeom prst="rect">
+            <a:avLst/>
+          </a:prstGeom>
+          <a:noFill/>
+        </p:spPr>
+        <p:txBody>
+          <a:bodyPr wrap="none" rtlCol="0">
+            <a:spAutoFit/>
+          </a:bodyPr>
+          <a:p>
+            <a:pPr algn="l"/>
+            <a:r>
+              <a:rPr lang="en-US" sz="1400"/>
+              <a:t>If can’t retry,</a:t>
+            </a:r>
+            <a:endParaRPr lang="en-US" sz="1400"/>
+          </a:p>
+          <a:p>
+            <a:pPr algn="l"/>
+            <a:r>
+              <a:rPr lang="en-US" sz="1400"/>
+              <a:t>throw </a:t>
+            </a:r>
+            <a:endParaRPr lang="en-US" sz="1400"/>
+          </a:p>
+          <a:p>
+            <a:pPr algn="l"/>
+            <a:r>
+              <a:rPr lang="en-US" sz="1400"/>
+              <a:t>exception</a:t>
+            </a:r>
+            <a:endParaRPr lang="en-US" sz="1400"/>
+          </a:p>
+        </p:txBody>
+      </p:sp>
+    </p:spTree>
+  </p:cSld>
+  <p:clrMapOvr>
+    <a:masterClrMapping/>
+  </p:clrMapOvr>
+  <p:timing>
+    <p:tnLst>
+      <p:par>
+        <p:cTn id="1" dur="indefinite" restart="never" nodeType="tmRoot">
+          <p:childTnLst>
+            <p:seq concurrent="1" nextAc="seek">
+              <p:cTn id="2" dur="indefinite" nodeType="mainSeq">
+                <p:childTnLst>
+                  <p:par>
+                    <p:cTn id="3" fill="hold">
+                      <p:stCondLst>
+                        <p:cond delay="indefinite"/>
+                      </p:stCondLst>
+                      <p:childTnLst>
+                        <p:par>
+                          <p:cTn id="4" fill="hold">
+                            <p:stCondLst>
+                              <p:cond delay="0"/>
+                            </p:stCondLst>
+                            <p:childTnLst>
+                              <p:par>
+                                <p:cTn id="5" presetID="1" presetClass="entr" presetSubtype="0" fill="hold" grpId="0" nodeType="clickEffect">
+                                  <p:stCondLst>
+                                    <p:cond delay="0"/>
+                                  </p:stCondLst>
+                                  <p:childTnLst>
+                                    <p:set>
+                                      <p:cBhvr>
+                                        <p:cTn id="6" dur="1" fill="hold">
+                                          <p:stCondLst>
+                                            <p:cond delay="0"/>
+                                          </p:stCondLst>
+                                        </p:cTn>
+                                        <p:tgtEl>
+                                          <p:spTgt spid="3"/>
+                                        </p:tgtEl>
+                                        <p:attrNameLst>
+                                          <p:attrName>style.visibility</p:attrName>
+                                        </p:attrNameLst>
+                                      </p:cBhvr>
+                                      <p:to>
+                                        <p:strVal val="visible"/>
+                                      </p:to>
+                                    </p:set>
+                                  </p:childTnLst>
+                                </p:cTn>
+                              </p:par>
+                              <p:par>
+                                <p:cTn id="7" presetID="1" presetClass="entr" presetSubtype="0" fill="hold" grpId="0" nodeType="withEffect">
+                                  <p:stCondLst>
+                                    <p:cond delay="0"/>
+                                  </p:stCondLst>
+                                  <p:childTnLst>
+                                    <p:set>
+                                      <p:cBhvr>
+                                        <p:cTn id="8" dur="1" fill="hold">
+                                          <p:stCondLst>
+                                            <p:cond delay="0"/>
+                                          </p:stCondLst>
+                                        </p:cTn>
+                                        <p:tgtEl>
+                                          <p:spTgt spid="4"/>
+                                        </p:tgtEl>
+                                        <p:attrNameLst>
+                                          <p:attrName>style.visibility</p:attrName>
+                                        </p:attrNameLst>
+                                      </p:cBhvr>
+                                      <p:to>
+                                        <p:strVal val="visible"/>
+                                      </p:to>
+                                    </p:set>
+                                  </p:childTnLst>
+                                </p:cTn>
+                              </p:par>
+                              <p:par>
+                                <p:cTn id="9" presetID="1" presetClass="entr" presetSubtype="0" fill="hold" grpId="0" nodeType="withEffect">
+                                  <p:stCondLst>
+                                    <p:cond delay="0"/>
+                                  </p:stCondLst>
+                                  <p:childTnLst>
+                                    <p:set>
+                                      <p:cBhvr>
+                                        <p:cTn id="10" dur="1" fill="hold">
+                                          <p:stCondLst>
+                                            <p:cond delay="0"/>
+                                          </p:stCondLst>
+                                        </p:cTn>
+                                        <p:tgtEl>
+                                          <p:spTgt spid="5"/>
+                                        </p:tgtEl>
+                                        <p:attrNameLst>
+                                          <p:attrName>style.visibility</p:attrName>
+                                        </p:attrNameLst>
+                                      </p:cBhvr>
+                                      <p:to>
+                                        <p:strVal val="visible"/>
+                                      </p:to>
+                                    </p:set>
+                                  </p:childTnLst>
+                                </p:cTn>
+                              </p:par>
+                              <p:par>
+                                <p:cTn id="11" presetID="1" presetClass="entr" presetSubtype="0" fill="hold" grpId="0" nodeType="withEffect">
+                                  <p:stCondLst>
+                                    <p:cond delay="0"/>
+                                  </p:stCondLst>
+                                  <p:childTnLst>
+                                    <p:set>
+                                      <p:cBhvr>
+                                        <p:cTn id="12" dur="1" fill="hold">
+                                          <p:stCondLst>
+                                            <p:cond delay="0"/>
+                                          </p:stCondLst>
+                                        </p:cTn>
+                                        <p:tgtEl>
+                                          <p:spTgt spid="6"/>
+                                        </p:tgtEl>
+                                        <p:attrNameLst>
+                                          <p:attrName>style.visibility</p:attrName>
+                                        </p:attrNameLst>
+                                      </p:cBhvr>
+                                      <p:to>
+                                        <p:strVal val="visible"/>
+                                      </p:to>
+                                    </p:set>
+                                  </p:childTnLst>
+                                </p:cTn>
+                              </p:par>
+                              <p:par>
+                                <p:cTn id="13" presetID="1" presetClass="entr" presetSubtype="0" fill="hold" grpId="0" nodeType="withEffect">
+                                  <p:stCondLst>
+                                    <p:cond delay="0"/>
+                                  </p:stCondLst>
+                                  <p:childTnLst>
+                                    <p:set>
+                                      <p:cBhvr>
+                                        <p:cTn id="14" dur="1" fill="hold">
+                                          <p:stCondLst>
+                                            <p:cond delay="0"/>
+                                          </p:stCondLst>
+                                        </p:cTn>
+                                        <p:tgtEl>
+                                          <p:spTgt spid="8"/>
+                                        </p:tgtEl>
+                                        <p:attrNameLst>
+                                          <p:attrName>style.visibility</p:attrName>
+                                        </p:attrNameLst>
+                                      </p:cBhvr>
+                                      <p:to>
+                                        <p:strVal val="visible"/>
+                                      </p:to>
+                                    </p:set>
+                                  </p:childTnLst>
+                                </p:cTn>
+                              </p:par>
+                              <p:par>
+                                <p:cTn id="15" presetID="1" presetClass="entr" presetSubtype="0" fill="hold" grpId="0" nodeType="withEffect">
+                                  <p:stCondLst>
+                                    <p:cond delay="0"/>
+                                  </p:stCondLst>
+                                  <p:childTnLst>
+                                    <p:set>
+                                      <p:cBhvr>
+                                        <p:cTn id="16" dur="1" fill="hold">
+                                          <p:stCondLst>
+                                            <p:cond delay="0"/>
+                                          </p:stCondLst>
+                                        </p:cTn>
+                                        <p:tgtEl>
+                                          <p:spTgt spid="9"/>
+                                        </p:tgtEl>
+                                        <p:attrNameLst>
+                                          <p:attrName>style.visibility</p:attrName>
+                                        </p:attrNameLst>
+                                      </p:cBhvr>
+                                      <p:to>
+                                        <p:strVal val="visible"/>
+                                      </p:to>
+                                    </p:set>
+                                  </p:childTnLst>
+                                </p:cTn>
+                              </p:par>
+                            </p:childTnLst>
+                          </p:cTn>
+                        </p:par>
+                      </p:childTnLst>
+                    </p:cTn>
+                  </p:par>
+                  <p:par>
+                    <p:cTn id="17" fill="hold">
+                      <p:stCondLst>
+                        <p:cond delay="indefinite"/>
+                      </p:stCondLst>
+                      <p:childTnLst>
+                        <p:par>
+                          <p:cTn id="18" fill="hold">
+                            <p:stCondLst>
+                              <p:cond delay="0"/>
+                            </p:stCondLst>
+                            <p:childTnLst>
+                              <p:par>
+                                <p:cTn id="19" presetID="1" presetClass="entr" presetSubtype="0" fill="hold" nodeType="clickEffect">
+                                  <p:stCondLst>
+                                    <p:cond delay="0"/>
+                                  </p:stCondLst>
+                                  <p:childTnLst>
+                                    <p:set>
+                                      <p:cBhvr>
+                                        <p:cTn id="20" dur="1" fill="hold">
+                                          <p:stCondLst>
+                                            <p:cond delay="0"/>
+                                          </p:stCondLst>
+                                        </p:cTn>
+                                        <p:tgtEl>
+                                          <p:spTgt spid="12"/>
+                                        </p:tgtEl>
+                                        <p:attrNameLst>
+                                          <p:attrName>style.visibility</p:attrName>
+                                        </p:attrNameLst>
+                                      </p:cBhvr>
+                                      <p:to>
+                                        <p:strVal val="visible"/>
+                                      </p:to>
+                                    </p:set>
+                                  </p:childTnLst>
+                                </p:cTn>
+                              </p:par>
+                              <p:par>
+                                <p:cTn id="21" presetID="1" presetClass="entr" presetSubtype="0" fill="hold" grpId="0" nodeType="withEffect">
+                                  <p:stCondLst>
+                                    <p:cond delay="0"/>
+                                  </p:stCondLst>
+                                  <p:childTnLst>
+                                    <p:set>
+                                      <p:cBhvr>
+                                        <p:cTn id="22" dur="1" fill="hold">
+                                          <p:stCondLst>
+                                            <p:cond delay="0"/>
+                                          </p:stCondLst>
+                                        </p:cTn>
+                                        <p:tgtEl>
+                                          <p:spTgt spid="34"/>
+                                        </p:tgtEl>
+                                        <p:attrNameLst>
+                                          <p:attrName>style.visibility</p:attrName>
+                                        </p:attrNameLst>
+                                      </p:cBhvr>
+                                      <p:to>
+                                        <p:strVal val="visible"/>
+                                      </p:to>
+                                    </p:set>
+                                  </p:childTnLst>
+                                </p:cTn>
+                              </p:par>
+                            </p:childTnLst>
+                          </p:cTn>
+                        </p:par>
+                      </p:childTnLst>
+                    </p:cTn>
+                  </p:par>
+                  <p:par>
+                    <p:cTn id="23" fill="hold">
+                      <p:stCondLst>
+                        <p:cond delay="indefinite"/>
+                      </p:stCondLst>
+                      <p:childTnLst>
+                        <p:par>
+                          <p:cTn id="24" fill="hold">
+                            <p:stCondLst>
+                              <p:cond delay="0"/>
+                            </p:stCondLst>
+                            <p:childTnLst>
+                              <p:par>
+                                <p:cTn id="25" presetID="1" presetClass="entr" presetSubtype="0" fill="hold" grpId="0" nodeType="clickEffect">
+                                  <p:stCondLst>
+                                    <p:cond delay="0"/>
+                                  </p:stCondLst>
+                                  <p:childTnLst>
+                                    <p:set>
+                                      <p:cBhvr>
+                                        <p:cTn id="26" dur="1" fill="hold">
+                                          <p:stCondLst>
+                                            <p:cond delay="0"/>
+                                          </p:stCondLst>
+                                        </p:cTn>
+                                        <p:tgtEl>
+                                          <p:spTgt spid="11"/>
+                                        </p:tgtEl>
+                                        <p:attrNameLst>
+                                          <p:attrName>style.visibility</p:attrName>
+                                        </p:attrNameLst>
+                                      </p:cBhvr>
+                                      <p:to>
+                                        <p:strVal val="visible"/>
+                                      </p:to>
+                                    </p:set>
+                                  </p:childTnLst>
+                                </p:cTn>
+                              </p:par>
+                            </p:childTnLst>
+                          </p:cTn>
+                        </p:par>
+                      </p:childTnLst>
+                    </p:cTn>
+                  </p:par>
+                  <p:par>
+                    <p:cTn id="27" fill="hold">
+                      <p:stCondLst>
+                        <p:cond delay="indefinite"/>
+                      </p:stCondLst>
+                      <p:childTnLst>
+                        <p:par>
+                          <p:cTn id="28" fill="hold">
+                            <p:stCondLst>
+                              <p:cond delay="0"/>
+                            </p:stCondLst>
+                            <p:childTnLst>
+                              <p:par>
+                                <p:cTn id="29" presetID="1" presetClass="entr" presetSubtype="0" fill="hold" grpId="0" nodeType="clickEffect">
+                                  <p:stCondLst>
+                                    <p:cond delay="0"/>
+                                  </p:stCondLst>
+                                  <p:childTnLst>
+                                    <p:set>
+                                      <p:cBhvr>
+                                        <p:cTn id="30" dur="1" fill="hold">
+                                          <p:stCondLst>
+                                            <p:cond delay="0"/>
+                                          </p:stCondLst>
+                                        </p:cTn>
+                                        <p:tgtEl>
+                                          <p:spTgt spid="13"/>
+                                        </p:tgtEl>
+                                        <p:attrNameLst>
+                                          <p:attrName>style.visibility</p:attrName>
+                                        </p:attrNameLst>
+                                      </p:cBhvr>
+                                      <p:to>
+                                        <p:strVal val="visible"/>
+                                      </p:to>
+                                    </p:set>
+                                  </p:childTnLst>
+                                </p:cTn>
+                              </p:par>
+                              <p:par>
+                                <p:cTn id="31" presetID="1" presetClass="entr" presetSubtype="0" fill="hold" nodeType="withEffect">
+                                  <p:stCondLst>
+                                    <p:cond delay="0"/>
+                                  </p:stCondLst>
+                                  <p:childTnLst>
+                                    <p:set>
+                                      <p:cBhvr>
+                                        <p:cTn id="32" dur="1" fill="hold">
+                                          <p:stCondLst>
+                                            <p:cond delay="0"/>
+                                          </p:stCondLst>
+                                        </p:cTn>
+                                        <p:tgtEl>
+                                          <p:spTgt spid="14"/>
+                                        </p:tgtEl>
+                                        <p:attrNameLst>
+                                          <p:attrName>style.visibility</p:attrName>
+                                        </p:attrNameLst>
+                                      </p:cBhvr>
+                                      <p:to>
+                                        <p:strVal val="visible"/>
+                                      </p:to>
+                                    </p:set>
+                                  </p:childTnLst>
+                                </p:cTn>
+                              </p:par>
+                            </p:childTnLst>
+                          </p:cTn>
+                        </p:par>
+                      </p:childTnLst>
+                    </p:cTn>
+                  </p:par>
+                  <p:par>
+                    <p:cTn id="33" fill="hold">
+                      <p:stCondLst>
+                        <p:cond delay="indefinite"/>
+                      </p:stCondLst>
+                      <p:childTnLst>
+                        <p:par>
+                          <p:cTn id="34" fill="hold">
+                            <p:stCondLst>
+                              <p:cond delay="0"/>
+                            </p:stCondLst>
+                            <p:childTnLst>
+                              <p:par>
+                                <p:cTn id="35" presetID="1" presetClass="entr" presetSubtype="0" fill="hold" grpId="0" nodeType="clickEffect">
+                                  <p:stCondLst>
+                                    <p:cond delay="0"/>
+                                  </p:stCondLst>
+                                  <p:childTnLst>
+                                    <p:set>
+                                      <p:cBhvr>
+                                        <p:cTn id="36" dur="1" fill="hold">
+                                          <p:stCondLst>
+                                            <p:cond delay="0"/>
+                                          </p:stCondLst>
+                                        </p:cTn>
+                                        <p:tgtEl>
+                                          <p:spTgt spid="15"/>
+                                        </p:tgtEl>
+                                        <p:attrNameLst>
+                                          <p:attrName>style.visibility</p:attrName>
+                                        </p:attrNameLst>
+                                      </p:cBhvr>
+                                      <p:to>
+                                        <p:strVal val="visible"/>
+                                      </p:to>
+                                    </p:set>
+                                  </p:childTnLst>
+                                </p:cTn>
+                              </p:par>
+                              <p:par>
+                                <p:cTn id="37" presetID="1" presetClass="entr" presetSubtype="0" fill="hold" grpId="0" nodeType="withEffect">
+                                  <p:stCondLst>
+                                    <p:cond delay="0"/>
+                                  </p:stCondLst>
+                                  <p:childTnLst>
+                                    <p:set>
+                                      <p:cBhvr>
+                                        <p:cTn id="38" dur="1" fill="hold">
+                                          <p:stCondLst>
+                                            <p:cond delay="0"/>
+                                          </p:stCondLst>
+                                        </p:cTn>
+                                        <p:tgtEl>
+                                          <p:spTgt spid="16"/>
+                                        </p:tgtEl>
+                                        <p:attrNameLst>
+                                          <p:attrName>style.visibility</p:attrName>
+                                        </p:attrNameLst>
+                                      </p:cBhvr>
+                                      <p:to>
+                                        <p:strVal val="visible"/>
+                                      </p:to>
+                                    </p:set>
+                                  </p:childTnLst>
+                                </p:cTn>
+                              </p:par>
+                              <p:par>
+                                <p:cTn id="39" presetID="1" presetClass="entr" presetSubtype="0" fill="hold" grpId="0" nodeType="withEffect">
+                                  <p:stCondLst>
+                                    <p:cond delay="0"/>
+                                  </p:stCondLst>
+                                  <p:childTnLst>
+                                    <p:set>
+                                      <p:cBhvr>
+                                        <p:cTn id="40" dur="1" fill="hold">
+                                          <p:stCondLst>
+                                            <p:cond delay="0"/>
+                                          </p:stCondLst>
+                                        </p:cTn>
+                                        <p:tgtEl>
+                                          <p:spTgt spid="17"/>
+                                        </p:tgtEl>
+                                        <p:attrNameLst>
+                                          <p:attrName>style.visibility</p:attrName>
+                                        </p:attrNameLst>
+                                      </p:cBhvr>
+                                      <p:to>
+                                        <p:strVal val="visible"/>
+                                      </p:to>
+                                    </p:set>
+                                  </p:childTnLst>
+                                </p:cTn>
+                              </p:par>
+                              <p:par>
+                                <p:cTn id="41" presetID="1" presetClass="entr" presetSubtype="0" fill="hold" grpId="0" nodeType="withEffect">
+                                  <p:stCondLst>
+                                    <p:cond delay="0"/>
+                                  </p:stCondLst>
+                                  <p:childTnLst>
+                                    <p:set>
+                                      <p:cBhvr>
+                                        <p:cTn id="42" dur="1" fill="hold">
+                                          <p:stCondLst>
+                                            <p:cond delay="0"/>
+                                          </p:stCondLst>
+                                        </p:cTn>
+                                        <p:tgtEl>
+                                          <p:spTgt spid="18"/>
+                                        </p:tgtEl>
+                                        <p:attrNameLst>
+                                          <p:attrName>style.visibility</p:attrName>
+                                        </p:attrNameLst>
+                                      </p:cBhvr>
+                                      <p:to>
+                                        <p:strVal val="visible"/>
+                                      </p:to>
+                                    </p:set>
+                                  </p:childTnLst>
+                                </p:cTn>
+                              </p:par>
+                              <p:par>
+                                <p:cTn id="43" presetID="1" presetClass="entr" presetSubtype="0" fill="hold" grpId="0" nodeType="withEffect">
+                                  <p:stCondLst>
+                                    <p:cond delay="0"/>
+                                  </p:stCondLst>
+                                  <p:childTnLst>
+                                    <p:set>
+                                      <p:cBhvr>
+                                        <p:cTn id="44" dur="1" fill="hold">
+                                          <p:stCondLst>
+                                            <p:cond delay="0"/>
+                                          </p:stCondLst>
+                                        </p:cTn>
+                                        <p:tgtEl>
+                                          <p:spTgt spid="19"/>
+                                        </p:tgtEl>
+                                        <p:attrNameLst>
+                                          <p:attrName>style.visibility</p:attrName>
+                                        </p:attrNameLst>
+                                      </p:cBhvr>
+                                      <p:to>
+                                        <p:strVal val="visible"/>
+                                      </p:to>
+                                    </p:set>
+                                  </p:childTnLst>
+                                </p:cTn>
+                              </p:par>
+                              <p:par>
+                                <p:cTn id="45" presetID="1" presetClass="entr" presetSubtype="0" fill="hold" grpId="0" nodeType="withEffect">
+                                  <p:stCondLst>
+                                    <p:cond delay="0"/>
+                                  </p:stCondLst>
+                                  <p:childTnLst>
+                                    <p:set>
+                                      <p:cBhvr>
+                                        <p:cTn id="46" dur="1" fill="hold">
+                                          <p:stCondLst>
+                                            <p:cond delay="0"/>
+                                          </p:stCondLst>
+                                        </p:cTn>
+                                        <p:tgtEl>
+                                          <p:spTgt spid="20"/>
+                                        </p:tgtEl>
+                                        <p:attrNameLst>
+                                          <p:attrName>style.visibility</p:attrName>
+                                        </p:attrNameLst>
+                                      </p:cBhvr>
+                                      <p:to>
+                                        <p:strVal val="visible"/>
+                                      </p:to>
+                                    </p:set>
+                                  </p:childTnLst>
+                                </p:cTn>
+                              </p:par>
+                              <p:par>
+                                <p:cTn id="47" presetID="1" presetClass="entr" presetSubtype="0" fill="hold" grpId="0" nodeType="withEffect">
+                                  <p:stCondLst>
+                                    <p:cond delay="0"/>
+                                  </p:stCondLst>
+                                  <p:childTnLst>
+                                    <p:set>
+                                      <p:cBhvr>
+                                        <p:cTn id="48" dur="1" fill="hold">
+                                          <p:stCondLst>
+                                            <p:cond delay="0"/>
+                                          </p:stCondLst>
+                                        </p:cTn>
+                                        <p:tgtEl>
+                                          <p:spTgt spid="21"/>
+                                        </p:tgtEl>
+                                        <p:attrNameLst>
+                                          <p:attrName>style.visibility</p:attrName>
+                                        </p:attrNameLst>
+                                      </p:cBhvr>
+                                      <p:to>
+                                        <p:strVal val="visible"/>
+                                      </p:to>
+                                    </p:set>
+                                  </p:childTnLst>
+                                </p:cTn>
+                              </p:par>
+                              <p:par>
+                                <p:cTn id="49" presetID="1" presetClass="entr" presetSubtype="0" fill="hold" grpId="0" nodeType="withEffect">
+                                  <p:stCondLst>
+                                    <p:cond delay="0"/>
+                                  </p:stCondLst>
+                                  <p:childTnLst>
+                                    <p:set>
+                                      <p:cBhvr>
+                                        <p:cTn id="50" dur="1" fill="hold">
+                                          <p:stCondLst>
+                                            <p:cond delay="0"/>
+                                          </p:stCondLst>
+                                        </p:cTn>
+                                        <p:tgtEl>
+                                          <p:spTgt spid="22"/>
+                                        </p:tgtEl>
+                                        <p:attrNameLst>
+                                          <p:attrName>style.visibility</p:attrName>
+                                        </p:attrNameLst>
+                                      </p:cBhvr>
+                                      <p:to>
+                                        <p:strVal val="visible"/>
+                                      </p:to>
+                                    </p:set>
+                                  </p:childTnLst>
+                                </p:cTn>
+                              </p:par>
+                              <p:par>
+                                <p:cTn id="51" presetID="1" presetClass="entr" presetSubtype="0" fill="hold" grpId="0" nodeType="withEffect">
+                                  <p:stCondLst>
+                                    <p:cond delay="0"/>
+                                  </p:stCondLst>
+                                  <p:childTnLst>
+                                    <p:set>
+                                      <p:cBhvr>
+                                        <p:cTn id="52" dur="1" fill="hold">
+                                          <p:stCondLst>
+                                            <p:cond delay="0"/>
+                                          </p:stCondLst>
+                                        </p:cTn>
+                                        <p:tgtEl>
+                                          <p:spTgt spid="23"/>
+                                        </p:tgtEl>
+                                        <p:attrNameLst>
+                                          <p:attrName>style.visibility</p:attrName>
+                                        </p:attrNameLst>
+                                      </p:cBhvr>
+                                      <p:to>
+                                        <p:strVal val="visible"/>
+                                      </p:to>
+                                    </p:set>
+                                  </p:childTnLst>
+                                </p:cTn>
+                              </p:par>
+                              <p:par>
+                                <p:cTn id="53" presetID="1" presetClass="entr" presetSubtype="0" fill="hold" grpId="0" nodeType="withEffect">
+                                  <p:stCondLst>
+                                    <p:cond delay="0"/>
+                                  </p:stCondLst>
+                                  <p:childTnLst>
+                                    <p:set>
+                                      <p:cBhvr>
+                                        <p:cTn id="54" dur="1" fill="hold">
+                                          <p:stCondLst>
+                                            <p:cond delay="0"/>
+                                          </p:stCondLst>
+                                        </p:cTn>
+                                        <p:tgtEl>
+                                          <p:spTgt spid="24"/>
+                                        </p:tgtEl>
+                                        <p:attrNameLst>
+                                          <p:attrName>style.visibility</p:attrName>
+                                        </p:attrNameLst>
+                                      </p:cBhvr>
+                                      <p:to>
+                                        <p:strVal val="visible"/>
+                                      </p:to>
+                                    </p:set>
+                                  </p:childTnLst>
+                                </p:cTn>
+                              </p:par>
+                              <p:par>
+                                <p:cTn id="55" presetID="1" presetClass="entr" presetSubtype="0" fill="hold" nodeType="withEffect">
+                                  <p:stCondLst>
+                                    <p:cond delay="0"/>
+                                  </p:stCondLst>
+                                  <p:childTnLst>
+                                    <p:set>
+                                      <p:cBhvr>
+                                        <p:cTn id="56" dur="1" fill="hold">
+                                          <p:stCondLst>
+                                            <p:cond delay="0"/>
+                                          </p:stCondLst>
+                                        </p:cTn>
+                                        <p:tgtEl>
+                                          <p:spTgt spid="32"/>
+                                        </p:tgtEl>
+                                        <p:attrNameLst>
+                                          <p:attrName>style.visibility</p:attrName>
+                                        </p:attrNameLst>
+                                      </p:cBhvr>
+                                      <p:to>
+                                        <p:strVal val="visible"/>
+                                      </p:to>
+                                    </p:set>
+                                  </p:childTnLst>
+                                </p:cTn>
+                              </p:par>
+                              <p:par>
+                                <p:cTn id="57" presetID="1" presetClass="entr" presetSubtype="0" fill="hold" nodeType="withEffect">
+                                  <p:stCondLst>
+                                    <p:cond delay="0"/>
+                                  </p:stCondLst>
+                                  <p:childTnLst>
+                                    <p:set>
+                                      <p:cBhvr>
+                                        <p:cTn id="58" dur="1" fill="hold">
+                                          <p:stCondLst>
+                                            <p:cond delay="0"/>
+                                          </p:stCondLst>
+                                        </p:cTn>
+                                        <p:tgtEl>
+                                          <p:spTgt spid="33"/>
+                                        </p:tgtEl>
+                                        <p:attrNameLst>
+                                          <p:attrName>style.visibility</p:attrName>
+                                        </p:attrNameLst>
+                                      </p:cBhvr>
+                                      <p:to>
+                                        <p:strVal val="visible"/>
+                                      </p:to>
+                                    </p:set>
+                                  </p:childTnLst>
+                                </p:cTn>
+                              </p:par>
+                            </p:childTnLst>
+                          </p:cTn>
+                        </p:par>
+                      </p:childTnLst>
+                    </p:cTn>
+                  </p:par>
+                  <p:par>
+                    <p:cTn id="59" fill="hold">
+                      <p:stCondLst>
+                        <p:cond delay="indefinite"/>
+                      </p:stCondLst>
+                      <p:childTnLst>
+                        <p:par>
+                          <p:cTn id="60" fill="hold">
+                            <p:stCondLst>
+                              <p:cond delay="0"/>
+                            </p:stCondLst>
+                            <p:childTnLst>
+                              <p:par>
+                                <p:cTn id="61" presetID="1" presetClass="entr" presetSubtype="0" fill="hold" grpId="0" nodeType="clickEffect">
+                                  <p:stCondLst>
+                                    <p:cond delay="0"/>
+                                  </p:stCondLst>
+                                  <p:childTnLst>
+                                    <p:set>
+                                      <p:cBhvr>
+                                        <p:cTn id="62" dur="1" fill="hold">
+                                          <p:stCondLst>
+                                            <p:cond delay="0"/>
+                                          </p:stCondLst>
+                                        </p:cTn>
+                                        <p:tgtEl>
+                                          <p:spTgt spid="29"/>
+                                        </p:tgtEl>
+                                        <p:attrNameLst>
+                                          <p:attrName>style.visibility</p:attrName>
+                                        </p:attrNameLst>
+                                      </p:cBhvr>
+                                      <p:to>
+                                        <p:strVal val="visible"/>
+                                      </p:to>
+                                    </p:set>
+                                  </p:childTnLst>
+                                </p:cTn>
+                              </p:par>
+                              <p:par>
+                                <p:cTn id="63" presetID="1" presetClass="entr" presetSubtype="0" fill="hold" nodeType="withEffect">
+                                  <p:stCondLst>
+                                    <p:cond delay="0"/>
+                                  </p:stCondLst>
+                                  <p:childTnLst>
+                                    <p:set>
+                                      <p:cBhvr>
+                                        <p:cTn id="64" dur="1" fill="hold">
+                                          <p:stCondLst>
+                                            <p:cond delay="0"/>
+                                          </p:stCondLst>
+                                        </p:cTn>
+                                        <p:tgtEl>
+                                          <p:spTgt spid="30"/>
+                                        </p:tgtEl>
+                                        <p:attrNameLst>
+                                          <p:attrName>style.visibility</p:attrName>
+                                        </p:attrNameLst>
+                                      </p:cBhvr>
+                                      <p:to>
+                                        <p:strVal val="visible"/>
+                                      </p:to>
+                                    </p:set>
+                                  </p:childTnLst>
+                                </p:cTn>
+                              </p:par>
+                              <p:par>
+                                <p:cTn id="65" presetID="1" presetClass="entr" presetSubtype="0" fill="hold" nodeType="withEffect">
+                                  <p:stCondLst>
+                                    <p:cond delay="0"/>
+                                  </p:stCondLst>
+                                  <p:childTnLst>
+                                    <p:set>
+                                      <p:cBhvr>
+                                        <p:cTn id="66" dur="1" fill="hold">
+                                          <p:stCondLst>
+                                            <p:cond delay="0"/>
+                                          </p:stCondLst>
+                                        </p:cTn>
+                                        <p:tgtEl>
+                                          <p:spTgt spid="31"/>
+                                        </p:tgtEl>
+                                        <p:attrNameLst>
+                                          <p:attrName>style.visibility</p:attrName>
+                                        </p:attrNameLst>
+                                      </p:cBhvr>
+                                      <p:to>
+                                        <p:strVal val="visible"/>
+                                      </p:to>
+                                    </p:set>
+                                  </p:childTnLst>
+                                </p:cTn>
+                              </p:par>
+                            </p:childTnLst>
+                          </p:cTn>
+                        </p:par>
+                      </p:childTnLst>
+                    </p:cTn>
+                  </p:par>
+                  <p:par>
+                    <p:cTn id="67" fill="hold">
+                      <p:stCondLst>
+                        <p:cond delay="indefinite"/>
+                      </p:stCondLst>
+                      <p:childTnLst>
+                        <p:par>
+                          <p:cTn id="68" fill="hold">
+                            <p:stCondLst>
+                              <p:cond delay="0"/>
+                            </p:stCondLst>
+                            <p:childTnLst>
+                              <p:par>
+                                <p:cTn id="69" presetID="1" presetClass="entr" presetSubtype="0" fill="hold" grpId="0" nodeType="clickEffect">
+                                  <p:stCondLst>
+                                    <p:cond delay="0"/>
+                                  </p:stCondLst>
+                                  <p:childTnLst>
+                                    <p:set>
+                                      <p:cBhvr>
+                                        <p:cTn id="70" dur="1" fill="hold">
+                                          <p:stCondLst>
+                                            <p:cond delay="0"/>
+                                          </p:stCondLst>
+                                        </p:cTn>
+                                        <p:tgtEl>
+                                          <p:spTgt spid="10"/>
+                                        </p:tgtEl>
+                                        <p:attrNameLst>
+                                          <p:attrName>style.visibility</p:attrName>
+                                        </p:attrNameLst>
+                                      </p:cBhvr>
+                                      <p:to>
+                                        <p:strVal val="visible"/>
+                                      </p:to>
+                                    </p:set>
+                                  </p:childTnLst>
+                                </p:cTn>
+                              </p:par>
+                            </p:childTnLst>
+                          </p:cTn>
+                        </p:par>
+                      </p:childTnLst>
+                    </p:cTn>
+                  </p:par>
+                  <p:par>
+                    <p:cTn id="71" fill="hold">
+                      <p:stCondLst>
+                        <p:cond delay="indefinite"/>
+                      </p:stCondLst>
+                      <p:childTnLst>
+                        <p:par>
+                          <p:cTn id="72" fill="hold">
+                            <p:stCondLst>
+                              <p:cond delay="0"/>
+                            </p:stCondLst>
+                            <p:childTnLst>
+                              <p:par>
+                                <p:cTn id="73" presetID="1" presetClass="entr" presetSubtype="0" fill="hold" nodeType="clickEffect">
+                                  <p:stCondLst>
+                                    <p:cond delay="0"/>
+                                  </p:stCondLst>
+                                  <p:childTnLst>
+                                    <p:set>
+                                      <p:cBhvr>
+                                        <p:cTn id="74" dur="1" fill="hold">
+                                          <p:stCondLst>
+                                            <p:cond delay="0"/>
+                                          </p:stCondLst>
+                                        </p:cTn>
+                                        <p:tgtEl>
+                                          <p:spTgt spid="36"/>
+                                        </p:tgtEl>
+                                        <p:attrNameLst>
+                                          <p:attrName>style.visibility</p:attrName>
+                                        </p:attrNameLst>
+                                      </p:cBhvr>
+                                      <p:to>
+                                        <p:strVal val="visible"/>
+                                      </p:to>
+                                    </p:set>
+                                  </p:childTnLst>
+                                </p:cTn>
+                              </p:par>
+                              <p:par>
+                                <p:cTn id="75" presetID="1" presetClass="entr" presetSubtype="0" fill="hold" grpId="0" nodeType="withEffect">
+                                  <p:stCondLst>
+                                    <p:cond delay="0"/>
+                                  </p:stCondLst>
+                                  <p:childTnLst>
+                                    <p:set>
+                                      <p:cBhvr>
+                                        <p:cTn id="76" dur="1" fill="hold">
+                                          <p:stCondLst>
+                                            <p:cond delay="0"/>
+                                          </p:stCondLst>
+                                        </p:cTn>
+                                        <p:tgtEl>
+                                          <p:spTgt spid="35"/>
+                                        </p:tgtEl>
+                                        <p:attrNameLst>
+                                          <p:attrName>style.visibility</p:attrName>
+                                        </p:attrNameLst>
+                                      </p:cBhvr>
+                                      <p:to>
+                                        <p:strVal val="visible"/>
+                                      </p:to>
+                                    </p:set>
+                                  </p:childTnLst>
+                                </p:cTn>
+                              </p:par>
+                              <p:par>
+                                <p:cTn id="77" presetID="1" presetClass="entr" presetSubtype="0" fill="hold" nodeType="withEffect">
+                                  <p:stCondLst>
+                                    <p:cond delay="0"/>
+                                  </p:stCondLst>
+                                  <p:childTnLst>
+                                    <p:set>
+                                      <p:cBhvr>
+                                        <p:cTn id="78" dur="1" fill="hold">
+                                          <p:stCondLst>
+                                            <p:cond delay="0"/>
+                                          </p:stCondLst>
+                                        </p:cTn>
+                                        <p:tgtEl>
+                                          <p:spTgt spid="37"/>
+                                        </p:tgtEl>
+                                        <p:attrNameLst>
+                                          <p:attrName>style.visibility</p:attrName>
+                                        </p:attrNameLst>
+                                      </p:cBhvr>
+                                      <p:to>
+                                        <p:strVal val="visible"/>
+                                      </p:to>
+                                    </p:set>
+                                  </p:childTnLst>
+                                </p:cTn>
+                              </p:par>
+                              <p:par>
+                                <p:cTn id="79" presetID="1" presetClass="entr" presetSubtype="0" fill="hold" grpId="0" nodeType="withEffect">
+                                  <p:stCondLst>
+                                    <p:cond delay="0"/>
+                                  </p:stCondLst>
+                                  <p:childTnLst>
+                                    <p:set>
+                                      <p:cBhvr>
+                                        <p:cTn id="80" dur="1" fill="hold">
+                                          <p:stCondLst>
+                                            <p:cond delay="0"/>
+                                          </p:stCondLst>
+                                        </p:cTn>
+                                        <p:tgtEl>
+                                          <p:spTgt spid="38"/>
+                                        </p:tgtEl>
+                                        <p:attrNameLst>
+                                          <p:attrName>style.visibility</p:attrName>
+                                        </p:attrNameLst>
+                                      </p:cBhvr>
+                                      <p:to>
+                                        <p:strVal val="visible"/>
+                                      </p:to>
+                                    </p:set>
+                                  </p:childTnLst>
+                                </p:cTn>
+                              </p:par>
+                            </p:childTnLst>
+                          </p:cTn>
+                        </p:par>
+                      </p:childTnLst>
+                    </p:cTn>
+                  </p:par>
+                  <p:par>
+                    <p:cTn id="81" fill="hold">
+                      <p:stCondLst>
+                        <p:cond delay="indefinite"/>
+                      </p:stCondLst>
+                      <p:childTnLst>
+                        <p:par>
+                          <p:cTn id="82" fill="hold">
+                            <p:stCondLst>
+                              <p:cond delay="0"/>
+                            </p:stCondLst>
+                            <p:childTnLst>
+                              <p:par>
+                                <p:cTn id="83" presetID="1" presetClass="entr" presetSubtype="0" fill="hold" grpId="0" nodeType="clickEffect">
+                                  <p:stCondLst>
+                                    <p:cond delay="0"/>
+                                  </p:stCondLst>
+                                  <p:childTnLst>
+                                    <p:set>
+                                      <p:cBhvr>
+                                        <p:cTn id="84" dur="1" fill="hold">
+                                          <p:stCondLst>
+                                            <p:cond delay="0"/>
+                                          </p:stCondLst>
+                                        </p:cTn>
+                                        <p:tgtEl>
+                                          <p:spTgt spid="39"/>
+                                        </p:tgtEl>
+                                        <p:attrNameLst>
+                                          <p:attrName>style.visibility</p:attrName>
+                                        </p:attrNameLst>
+                                      </p:cBhvr>
+                                      <p:to>
+                                        <p:strVal val="visible"/>
+                                      </p:to>
+                                    </p:set>
+                                  </p:childTnLst>
+                                </p:cTn>
+                              </p:par>
+                              <p:par>
+                                <p:cTn id="85" presetID="1" presetClass="entr" presetSubtype="0" fill="hold" nodeType="withEffect">
+                                  <p:stCondLst>
+                                    <p:cond delay="0"/>
+                                  </p:stCondLst>
+                                  <p:childTnLst>
+                                    <p:set>
+                                      <p:cBhvr>
+                                        <p:cTn id="86" dur="1" fill="hold">
+                                          <p:stCondLst>
+                                            <p:cond delay="0"/>
+                                          </p:stCondLst>
+                                        </p:cTn>
+                                        <p:tgtEl>
+                                          <p:spTgt spid="42"/>
+                                        </p:tgtEl>
+                                        <p:attrNameLst>
+                                          <p:attrName>style.visibility</p:attrName>
+                                        </p:attrNameLst>
+                                      </p:cBhvr>
+                                      <p:to>
+                                        <p:strVal val="visible"/>
+                                      </p:to>
+                                    </p:set>
+                                  </p:childTnLst>
+                                </p:cTn>
+                              </p:par>
+                              <p:par>
+                                <p:cTn id="87" presetID="1" presetClass="entr" presetSubtype="0" fill="hold" nodeType="withEffect">
+                                  <p:stCondLst>
+                                    <p:cond delay="0"/>
+                                  </p:stCondLst>
+                                  <p:childTnLst>
+                                    <p:set>
+                                      <p:cBhvr>
+                                        <p:cTn id="88" dur="1" fill="hold">
+                                          <p:stCondLst>
+                                            <p:cond delay="0"/>
+                                          </p:stCondLst>
+                                        </p:cTn>
+                                        <p:tgtEl>
+                                          <p:spTgt spid="40"/>
+                                        </p:tgtEl>
+                                        <p:attrNameLst>
+                                          <p:attrName>style.visibility</p:attrName>
+                                        </p:attrNameLst>
+                                      </p:cBhvr>
+                                      <p:to>
+                                        <p:strVal val="visible"/>
+                                      </p:to>
+                                    </p:set>
+                                  </p:childTnLst>
+                                </p:cTn>
+                              </p:par>
+                            </p:childTnLst>
+                          </p:cTn>
+                        </p:par>
+                      </p:childTnLst>
+                    </p:cTn>
+                  </p:par>
+                  <p:par>
+                    <p:cTn id="89" fill="hold">
+                      <p:stCondLst>
+                        <p:cond delay="indefinite"/>
+                      </p:stCondLst>
+                      <p:childTnLst>
+                        <p:par>
+                          <p:cTn id="90" fill="hold">
+                            <p:stCondLst>
+                              <p:cond delay="0"/>
+                            </p:stCondLst>
+                            <p:childTnLst>
+                              <p:par>
+                                <p:cTn id="91" presetID="1" presetClass="entr" presetSubtype="0" fill="hold" nodeType="clickEffect">
+                                  <p:stCondLst>
+                                    <p:cond delay="0"/>
+                                  </p:stCondLst>
+                                  <p:childTnLst>
+                                    <p:set>
+                                      <p:cBhvr>
+                                        <p:cTn id="92" dur="1" fill="hold">
+                                          <p:stCondLst>
+                                            <p:cond delay="0"/>
+                                          </p:stCondLst>
+                                        </p:cTn>
+                                        <p:tgtEl>
+                                          <p:spTgt spid="48"/>
+                                        </p:tgtEl>
+                                        <p:attrNameLst>
+                                          <p:attrName>style.visibility</p:attrName>
+                                        </p:attrNameLst>
+                                      </p:cBhvr>
+                                      <p:to>
+                                        <p:strVal val="visible"/>
+                                      </p:to>
+                                    </p:set>
+                                  </p:childTnLst>
+                                </p:cTn>
+                              </p:par>
+                              <p:par>
+                                <p:cTn id="93" presetID="1" presetClass="entr" presetSubtype="0" fill="hold" grpId="0" nodeType="withEffect">
+                                  <p:stCondLst>
+                                    <p:cond delay="0"/>
+                                  </p:stCondLst>
+                                  <p:childTnLst>
+                                    <p:set>
+                                      <p:cBhvr>
+                                        <p:cTn id="94" dur="1" fill="hold">
+                                          <p:stCondLst>
+                                            <p:cond delay="0"/>
+                                          </p:stCondLst>
+                                        </p:cTn>
+                                        <p:tgtEl>
+                                          <p:spTgt spid="49"/>
+                                        </p:tgtEl>
+                                        <p:attrNameLst>
+                                          <p:attrName>style.visibility</p:attrName>
+                                        </p:attrNameLst>
+                                      </p:cBhvr>
+                                      <p:to>
+                                        <p:strVal val="visible"/>
+                                      </p:to>
+                                    </p:set>
+                                  </p:childTnLst>
+                                </p:cTn>
+                              </p:par>
+                            </p:childTnLst>
+                          </p:cTn>
+                        </p:par>
+                      </p:childTnLst>
+                    </p:cTn>
+                  </p:par>
+                </p:childTnLst>
+              </p:cTn>
+              <p:prevCondLst>
+                <p:cond evt="onPrev" delay="0">
+                  <p:tgtEl>
+                    <p:sldTgt/>
+                  </p:tgtEl>
+                </p:cond>
+              </p:prevCondLst>
+              <p:nextCondLst>
+                <p:cond evt="onNext" delay="0">
+                  <p:tgtEl>
+                    <p:sldTgt/>
+                  </p:tgtEl>
+                </p:cond>
+              </p:nextCondLst>
+            </p:seq>
+          </p:childTnLst>
+        </p:cTn>
+      </p:par>
+    </p:tnLst>
+    <p:bldLst>
+      <p:bldP spid="3" grpId="0" animBg="1"/>
+      <p:bldP spid="4" grpId="0" bldLvl="0" animBg="1"/>
+      <p:bldP spid="5" grpId="0" animBg="1"/>
+      <p:bldP spid="6" grpId="0" animBg="1"/>
+      <p:bldP spid="8" grpId="0" bldLvl="0" animBg="1"/>
+      <p:bldP spid="9" grpId="0"/>
+      <p:bldP spid="3" grpId="1" animBg="1"/>
+      <p:bldP spid="4" grpId="1" animBg="1"/>
+      <p:bldP spid="5" grpId="1" animBg="1"/>
+      <p:bldP spid="6" grpId="1" animBg="1"/>
+      <p:bldP spid="8" grpId="1" animBg="1"/>
+      <p:bldP spid="9" grpId="1"/>
+      <p:bldP spid="34" grpId="0"/>
+      <p:bldP spid="34" grpId="1"/>
+      <p:bldP spid="11" grpId="0" animBg="1"/>
+      <p:bldP spid="11" grpId="1" animBg="1"/>
+      <p:bldP spid="13" grpId="0" animBg="1"/>
+      <p:bldP spid="15" grpId="0" animBg="1"/>
+      <p:bldP spid="16" grpId="0" animBg="1"/>
+      <p:bldP spid="17" grpId="0" animBg="1"/>
+      <p:bldP spid="18" grpId="0" animBg="1"/>
+      <p:bldP spid="19" grpId="0"/>
+      <p:bldP spid="20" grpId="0" animBg="1"/>
+      <p:bldP spid="21" grpId="0" animBg="1"/>
+      <p:bldP spid="22" grpId="0" animBg="1"/>
+      <p:bldP spid="23" grpId="0" animBg="1"/>
+      <p:bldP spid="24" grpId="0"/>
+      <p:bldP spid="15" grpId="1" animBg="1"/>
+      <p:bldP spid="16" grpId="1" animBg="1"/>
+      <p:bldP spid="17" grpId="1" animBg="1"/>
+      <p:bldP spid="18" grpId="1" animBg="1"/>
+      <p:bldP spid="19" grpId="1"/>
+      <p:bldP spid="20" grpId="1" animBg="1"/>
+      <p:bldP spid="21" grpId="1" animBg="1"/>
+      <p:bldP spid="22" grpId="1" animBg="1"/>
+      <p:bldP spid="23" grpId="1" animBg="1"/>
+      <p:bldP spid="24" grpId="1"/>
+      <p:bldP spid="29" grpId="0" animBg="1"/>
+      <p:bldP spid="29" grpId="1" animBg="1"/>
+      <p:bldP spid="10" grpId="0" animBg="1"/>
+      <p:bldP spid="10" grpId="1" animBg="1"/>
+      <p:bldP spid="35" grpId="0" animBg="1"/>
+      <p:bldP spid="35" grpId="1" animBg="1"/>
+      <p:bldP spid="38" grpId="0"/>
+      <p:bldP spid="38" grpId="1"/>
+      <p:bldP spid="39" grpId="0" animBg="1"/>
+      <p:bldP spid="39" grpId="1" animBg="1"/>
+      <p:bldP spid="49" grpId="0"/>
+      <p:bldP spid="49" grpId="1"/>
+    </p:bldLst>
+  </p:timing>
+</p:sld>
+</file>
+
+<file path=ppt/slides/slide8.xml><?xml version="1.0" encoding="utf-8"?>
+<p:sld xmlns:a="http://schemas.openxmlformats.org/drawingml/2006/main" xmlns:r="http://schemas.openxmlformats.org/officeDocument/2006/relationships" xmlns:p="http://schemas.openxmlformats.org/presentationml/2006/main">
+  <p:cSld>
+    <p:spTree>
+      <p:nvGrpSpPr>
+        <p:cNvPr id="1" name=""/>
+        <p:cNvGrpSpPr/>
+        <p:nvPr/>
+      </p:nvGrpSpPr>
+      <p:grpSpPr/>
+      <p:sp>
+        <p:nvSpPr>
+          <p:cNvPr id="2" name="Title 1"/>
+          <p:cNvSpPr>
+            <a:spLocks noGrp="1"/>
+          </p:cNvSpPr>
+          <p:nvPr>
+            <p:ph type="title"/>
+          </p:nvPr>
+        </p:nvSpPr>
+        <p:spPr>
+          <a:xfrm>
+            <a:off x="647700" y="0"/>
+            <a:ext cx="10515600" cy="1325563"/>
+          </a:xfrm>
+        </p:spPr>
+        <p:txBody>
+          <a:bodyPr/>
+          <a:p>
+            <a:r>
+              <a:rPr lang="en-US"/>
+              <a:t>Kafka Consumers: Reading Data from Kafka</a:t>
             </a:r>
             <a:endParaRPr lang="en-US"/>
           </a:p>

--- a/Kafka Definitive Guide.pptx
+++ b/Kafka Definitive Guide.pptx
@@ -8,7 +8,7 @@
     <p:notesMasterId r:id="rId5"/>
   </p:notesMasterIdLst>
   <p:handoutMasterIdLst>
-    <p:handoutMasterId r:id="rId12"/>
+    <p:handoutMasterId r:id="rId14"/>
   </p:handoutMasterIdLst>
   <p:sldIdLst>
     <p:sldId id="256" r:id="rId3"/>
@@ -19,6 +19,8 @@
     <p:sldId id="262" r:id="rId9"/>
     <p:sldId id="263" r:id="rId10"/>
     <p:sldId id="264" r:id="rId11"/>
+    <p:sldId id="266" r:id="rId12"/>
+    <p:sldId id="265" r:id="rId13"/>
   </p:sldIdLst>
   <p:sldSz cx="12192000" cy="6858000"/>
   <p:notesSz cx="7103745" cy="10234295"/>
@@ -3698,6 +3700,51 @@
               <a:t>Summary By NgocTD</a:t>
             </a:r>
             <a:endParaRPr lang="en-US" altLang="zh-CN"/>
+          </a:p>
+        </p:txBody>
+      </p:sp>
+    </p:spTree>
+  </p:cSld>
+  <p:clrMapOvr>
+    <a:masterClrMapping/>
+  </p:clrMapOvr>
+</p:sld>
+</file>
+
+<file path=ppt/slides/slide10.xml><?xml version="1.0" encoding="utf-8"?>
+<p:sld xmlns:a="http://schemas.openxmlformats.org/drawingml/2006/main" xmlns:r="http://schemas.openxmlformats.org/officeDocument/2006/relationships" xmlns:p="http://schemas.openxmlformats.org/presentationml/2006/main">
+  <p:cSld>
+    <p:spTree>
+      <p:nvGrpSpPr>
+        <p:cNvPr id="1" name=""/>
+        <p:cNvGrpSpPr/>
+        <p:nvPr/>
+      </p:nvGrpSpPr>
+      <p:grpSpPr/>
+      <p:sp>
+        <p:nvSpPr>
+          <p:cNvPr id="2" name="Title 1"/>
+          <p:cNvSpPr>
+            <a:spLocks noGrp="1"/>
+          </p:cNvSpPr>
+          <p:nvPr>
+            <p:ph type="title"/>
+          </p:nvPr>
+        </p:nvSpPr>
+        <p:spPr>
+          <a:xfrm>
+            <a:off x="647700" y="0"/>
+            <a:ext cx="10515600" cy="1325563"/>
+          </a:xfrm>
+        </p:spPr>
+        <p:txBody>
+          <a:bodyPr/>
+          <a:p>
+            <a:r>
+              <a:rPr lang="vi-VN" altLang="en-US"/>
+              <a:t>Consumers and Consumer Groups</a:t>
+            </a:r>
+            <a:endParaRPr lang="vi-VN" altLang="en-US"/>
           </a:p>
         </p:txBody>
       </p:sp>
@@ -9587,11 +9634,3386 @@
           </a:p>
         </p:txBody>
       </p:sp>
+      <p:sp>
+        <p:nvSpPr>
+          <p:cNvPr id="3" name="Rectangles 2"/>
+          <p:cNvSpPr/>
+          <p:nvPr/>
+        </p:nvSpPr>
+        <p:spPr>
+          <a:xfrm>
+            <a:off x="3228340" y="1835785"/>
+            <a:ext cx="1962150" cy="3187700"/>
+          </a:xfrm>
+          <a:prstGeom prst="rect">
+            <a:avLst/>
+          </a:prstGeom>
+          <a:solidFill>
+            <a:schemeClr val="accent1">
+              <a:lumMod val="60000"/>
+              <a:lumOff val="40000"/>
+            </a:schemeClr>
+          </a:solidFill>
+          <a:ln w="25400">
+            <a:solidFill>
+              <a:srgbClr val="202020"/>
+            </a:solidFill>
+          </a:ln>
+        </p:spPr>
+        <p:style>
+          <a:lnRef idx="2">
+            <a:schemeClr val="accent1">
+              <a:shade val="50000"/>
+            </a:schemeClr>
+          </a:lnRef>
+          <a:fillRef idx="1">
+            <a:schemeClr val="accent1"/>
+          </a:fillRef>
+          <a:effectRef idx="0">
+            <a:schemeClr val="accent1"/>
+          </a:effectRef>
+          <a:fontRef idx="minor">
+            <a:schemeClr val="lt1"/>
+          </a:fontRef>
+        </p:style>
+        <p:txBody>
+          <a:bodyPr rtlCol="0" anchor="ctr"/>
+          <a:p>
+            <a:pPr algn="ctr"/>
+            <a:endParaRPr lang="en-US">
+              <a:latin typeface="Lato" panose="020F0502020204030203" charset="0"/>
+              <a:cs typeface="Lato" panose="020F0502020204030203" charset="0"/>
+            </a:endParaRPr>
+          </a:p>
+        </p:txBody>
+      </p:sp>
+      <p:sp>
+        <p:nvSpPr>
+          <p:cNvPr id="4" name="Rectangles 3"/>
+          <p:cNvSpPr/>
+          <p:nvPr/>
+        </p:nvSpPr>
+        <p:spPr>
+          <a:xfrm>
+            <a:off x="3413125" y="2366645"/>
+            <a:ext cx="1592580" cy="408940"/>
+          </a:xfrm>
+          <a:prstGeom prst="rect">
+            <a:avLst/>
+          </a:prstGeom>
+          <a:solidFill>
+            <a:schemeClr val="bg1">
+              <a:lumMod val="75000"/>
+            </a:schemeClr>
+          </a:solidFill>
+          <a:ln w="25400">
+            <a:solidFill>
+              <a:srgbClr val="202020"/>
+            </a:solidFill>
+          </a:ln>
+        </p:spPr>
+        <p:style>
+          <a:lnRef idx="2">
+            <a:schemeClr val="accent1">
+              <a:shade val="50000"/>
+            </a:schemeClr>
+          </a:lnRef>
+          <a:fillRef idx="1">
+            <a:schemeClr val="accent1"/>
+          </a:fillRef>
+          <a:effectRef idx="0">
+            <a:schemeClr val="accent1"/>
+          </a:effectRef>
+          <a:fontRef idx="minor">
+            <a:schemeClr val="lt1"/>
+          </a:fontRef>
+        </p:style>
+        <p:txBody>
+          <a:bodyPr rtlCol="0" anchor="ctr"/>
+          <a:p>
+            <a:pPr algn="ctr"/>
+            <a:r>
+              <a:rPr lang="en-US" altLang="vi-VN" sz="1600">
+                <a:solidFill>
+                  <a:schemeClr val="tx1"/>
+                </a:solidFill>
+                <a:latin typeface="Lato" panose="020F0502020204030203" charset="0"/>
+                <a:cs typeface="Lato" panose="020F0502020204030203" charset="0"/>
+              </a:rPr>
+              <a:t>Partition 0</a:t>
+            </a:r>
+            <a:endParaRPr lang="en-US" altLang="vi-VN" sz="1600">
+              <a:solidFill>
+                <a:schemeClr val="tx1"/>
+              </a:solidFill>
+              <a:latin typeface="Lato" panose="020F0502020204030203" charset="0"/>
+              <a:cs typeface="Lato" panose="020F0502020204030203" charset="0"/>
+            </a:endParaRPr>
+          </a:p>
+        </p:txBody>
+      </p:sp>
+      <p:sp>
+        <p:nvSpPr>
+          <p:cNvPr id="5" name="Rectangles 4"/>
+          <p:cNvSpPr/>
+          <p:nvPr/>
+        </p:nvSpPr>
+        <p:spPr>
+          <a:xfrm>
+            <a:off x="3413125" y="2881630"/>
+            <a:ext cx="1592580" cy="408940"/>
+          </a:xfrm>
+          <a:prstGeom prst="rect">
+            <a:avLst/>
+          </a:prstGeom>
+          <a:solidFill>
+            <a:schemeClr val="bg1">
+              <a:lumMod val="75000"/>
+            </a:schemeClr>
+          </a:solidFill>
+          <a:ln w="25400">
+            <a:solidFill>
+              <a:srgbClr val="202020"/>
+            </a:solidFill>
+          </a:ln>
+        </p:spPr>
+        <p:style>
+          <a:lnRef idx="2">
+            <a:schemeClr val="accent1">
+              <a:shade val="50000"/>
+            </a:schemeClr>
+          </a:lnRef>
+          <a:fillRef idx="1">
+            <a:schemeClr val="accent1"/>
+          </a:fillRef>
+          <a:effectRef idx="0">
+            <a:schemeClr val="accent1"/>
+          </a:effectRef>
+          <a:fontRef idx="minor">
+            <a:schemeClr val="lt1"/>
+          </a:fontRef>
+        </p:style>
+        <p:txBody>
+          <a:bodyPr rtlCol="0" anchor="ctr"/>
+          <a:p>
+            <a:pPr algn="ctr"/>
+            <a:r>
+              <a:rPr lang="en-US" altLang="vi-VN" sz="1600">
+                <a:solidFill>
+                  <a:schemeClr val="tx1"/>
+                </a:solidFill>
+                <a:latin typeface="Lato" panose="020F0502020204030203" charset="0"/>
+                <a:cs typeface="Lato" panose="020F0502020204030203" charset="0"/>
+              </a:rPr>
+              <a:t>Partition </a:t>
+            </a:r>
+            <a:r>
+              <a:rPr lang="vi-VN" altLang="en-US" sz="1600">
+                <a:solidFill>
+                  <a:schemeClr val="tx1"/>
+                </a:solidFill>
+                <a:latin typeface="Lato" panose="020F0502020204030203" charset="0"/>
+                <a:cs typeface="Lato" panose="020F0502020204030203" charset="0"/>
+              </a:rPr>
+              <a:t>1</a:t>
+            </a:r>
+            <a:endParaRPr lang="vi-VN" altLang="en-US" sz="1600">
+              <a:solidFill>
+                <a:schemeClr val="tx1"/>
+              </a:solidFill>
+              <a:latin typeface="Lato" panose="020F0502020204030203" charset="0"/>
+              <a:cs typeface="Lato" panose="020F0502020204030203" charset="0"/>
+            </a:endParaRPr>
+          </a:p>
+        </p:txBody>
+      </p:sp>
+      <p:sp>
+        <p:nvSpPr>
+          <p:cNvPr id="6" name="Rectangles 5"/>
+          <p:cNvSpPr/>
+          <p:nvPr/>
+        </p:nvSpPr>
+        <p:spPr>
+          <a:xfrm>
+            <a:off x="3413125" y="3430905"/>
+            <a:ext cx="1592580" cy="408940"/>
+          </a:xfrm>
+          <a:prstGeom prst="rect">
+            <a:avLst/>
+          </a:prstGeom>
+          <a:solidFill>
+            <a:schemeClr val="bg1">
+              <a:lumMod val="75000"/>
+            </a:schemeClr>
+          </a:solidFill>
+          <a:ln w="25400">
+            <a:solidFill>
+              <a:srgbClr val="202020"/>
+            </a:solidFill>
+          </a:ln>
+        </p:spPr>
+        <p:style>
+          <a:lnRef idx="2">
+            <a:schemeClr val="accent1">
+              <a:shade val="50000"/>
+            </a:schemeClr>
+          </a:lnRef>
+          <a:fillRef idx="1">
+            <a:schemeClr val="accent1"/>
+          </a:fillRef>
+          <a:effectRef idx="0">
+            <a:schemeClr val="accent1"/>
+          </a:effectRef>
+          <a:fontRef idx="minor">
+            <a:schemeClr val="lt1"/>
+          </a:fontRef>
+        </p:style>
+        <p:txBody>
+          <a:bodyPr rtlCol="0" anchor="ctr"/>
+          <a:p>
+            <a:pPr algn="ctr"/>
+            <a:r>
+              <a:rPr lang="en-US" altLang="vi-VN" sz="1600">
+                <a:solidFill>
+                  <a:schemeClr val="tx1"/>
+                </a:solidFill>
+                <a:latin typeface="Lato" panose="020F0502020204030203" charset="0"/>
+                <a:cs typeface="Lato" panose="020F0502020204030203" charset="0"/>
+              </a:rPr>
+              <a:t>Partition </a:t>
+            </a:r>
+            <a:r>
+              <a:rPr lang="vi-VN" altLang="en-US" sz="1600">
+                <a:solidFill>
+                  <a:schemeClr val="tx1"/>
+                </a:solidFill>
+                <a:latin typeface="Lato" panose="020F0502020204030203" charset="0"/>
+                <a:cs typeface="Lato" panose="020F0502020204030203" charset="0"/>
+              </a:rPr>
+              <a:t>2</a:t>
+            </a:r>
+            <a:endParaRPr lang="vi-VN" altLang="en-US" sz="1600">
+              <a:solidFill>
+                <a:schemeClr val="tx1"/>
+              </a:solidFill>
+              <a:latin typeface="Lato" panose="020F0502020204030203" charset="0"/>
+              <a:cs typeface="Lato" panose="020F0502020204030203" charset="0"/>
+            </a:endParaRPr>
+          </a:p>
+        </p:txBody>
+      </p:sp>
+      <p:sp>
+        <p:nvSpPr>
+          <p:cNvPr id="7" name="Rectangles 6"/>
+          <p:cNvSpPr/>
+          <p:nvPr/>
+        </p:nvSpPr>
+        <p:spPr>
+          <a:xfrm>
+            <a:off x="3413125" y="3956685"/>
+            <a:ext cx="1592580" cy="408940"/>
+          </a:xfrm>
+          <a:prstGeom prst="rect">
+            <a:avLst/>
+          </a:prstGeom>
+          <a:solidFill>
+            <a:schemeClr val="bg1">
+              <a:lumMod val="75000"/>
+            </a:schemeClr>
+          </a:solidFill>
+          <a:ln w="25400">
+            <a:solidFill>
+              <a:srgbClr val="202020"/>
+            </a:solidFill>
+          </a:ln>
+        </p:spPr>
+        <p:style>
+          <a:lnRef idx="2">
+            <a:schemeClr val="accent1">
+              <a:shade val="50000"/>
+            </a:schemeClr>
+          </a:lnRef>
+          <a:fillRef idx="1">
+            <a:schemeClr val="accent1"/>
+          </a:fillRef>
+          <a:effectRef idx="0">
+            <a:schemeClr val="accent1"/>
+          </a:effectRef>
+          <a:fontRef idx="minor">
+            <a:schemeClr val="lt1"/>
+          </a:fontRef>
+        </p:style>
+        <p:txBody>
+          <a:bodyPr rtlCol="0" anchor="ctr"/>
+          <a:p>
+            <a:pPr algn="ctr"/>
+            <a:r>
+              <a:rPr lang="en-US" altLang="vi-VN" sz="1600">
+                <a:solidFill>
+                  <a:schemeClr val="tx1"/>
+                </a:solidFill>
+                <a:latin typeface="Lato" panose="020F0502020204030203" charset="0"/>
+                <a:cs typeface="Lato" panose="020F0502020204030203" charset="0"/>
+              </a:rPr>
+              <a:t>Partition </a:t>
+            </a:r>
+            <a:r>
+              <a:rPr lang="vi-VN" altLang="en-US" sz="1600">
+                <a:solidFill>
+                  <a:schemeClr val="tx1"/>
+                </a:solidFill>
+                <a:latin typeface="Lato" panose="020F0502020204030203" charset="0"/>
+                <a:cs typeface="Lato" panose="020F0502020204030203" charset="0"/>
+              </a:rPr>
+              <a:t>3</a:t>
+            </a:r>
+            <a:endParaRPr lang="vi-VN" altLang="en-US" sz="1600">
+              <a:solidFill>
+                <a:schemeClr val="tx1"/>
+              </a:solidFill>
+              <a:latin typeface="Lato" panose="020F0502020204030203" charset="0"/>
+              <a:cs typeface="Lato" panose="020F0502020204030203" charset="0"/>
+            </a:endParaRPr>
+          </a:p>
+        </p:txBody>
+      </p:sp>
+      <p:sp>
+        <p:nvSpPr>
+          <p:cNvPr id="8" name="Text Box 7"/>
+          <p:cNvSpPr txBox="1"/>
+          <p:nvPr/>
+        </p:nvSpPr>
+        <p:spPr>
+          <a:xfrm>
+            <a:off x="3750310" y="1907540"/>
+            <a:ext cx="935990" cy="337185"/>
+          </a:xfrm>
+          <a:prstGeom prst="rect">
+            <a:avLst/>
+          </a:prstGeom>
+          <a:noFill/>
+        </p:spPr>
+        <p:txBody>
+          <a:bodyPr wrap="none" rtlCol="0">
+            <a:spAutoFit/>
+          </a:bodyPr>
+          <a:p>
+            <a:r>
+              <a:rPr lang="vi-VN" altLang="en-US" sz="1600">
+                <a:latin typeface="Lato" panose="020F0502020204030203" charset="0"/>
+                <a:cs typeface="Lato" panose="020F0502020204030203" charset="0"/>
+              </a:rPr>
+              <a:t>Topic T1</a:t>
+            </a:r>
+            <a:endParaRPr lang="vi-VN" altLang="en-US" sz="1600">
+              <a:latin typeface="Lato" panose="020F0502020204030203" charset="0"/>
+              <a:cs typeface="Lato" panose="020F0502020204030203" charset="0"/>
+            </a:endParaRPr>
+          </a:p>
+        </p:txBody>
+      </p:sp>
+      <p:sp>
+        <p:nvSpPr>
+          <p:cNvPr id="9" name="Rectangles 8"/>
+          <p:cNvSpPr/>
+          <p:nvPr/>
+        </p:nvSpPr>
+        <p:spPr>
+          <a:xfrm>
+            <a:off x="6426835" y="1835785"/>
+            <a:ext cx="1962150" cy="3187065"/>
+          </a:xfrm>
+          <a:prstGeom prst="rect">
+            <a:avLst/>
+          </a:prstGeom>
+          <a:solidFill>
+            <a:schemeClr val="accent6">
+              <a:lumMod val="40000"/>
+              <a:lumOff val="60000"/>
+            </a:schemeClr>
+          </a:solidFill>
+          <a:ln w="25400">
+            <a:solidFill>
+              <a:srgbClr val="202020"/>
+            </a:solidFill>
+          </a:ln>
+        </p:spPr>
+        <p:style>
+          <a:lnRef idx="2">
+            <a:schemeClr val="accent1">
+              <a:shade val="50000"/>
+            </a:schemeClr>
+          </a:lnRef>
+          <a:fillRef idx="1">
+            <a:schemeClr val="accent1"/>
+          </a:fillRef>
+          <a:effectRef idx="0">
+            <a:schemeClr val="accent1"/>
+          </a:effectRef>
+          <a:fontRef idx="minor">
+            <a:schemeClr val="lt1"/>
+          </a:fontRef>
+        </p:style>
+        <p:txBody>
+          <a:bodyPr rtlCol="0" anchor="ctr"/>
+          <a:p>
+            <a:pPr algn="ctr"/>
+            <a:endParaRPr lang="en-US">
+              <a:latin typeface="Lato" panose="020F0502020204030203" charset="0"/>
+              <a:cs typeface="Lato" panose="020F0502020204030203" charset="0"/>
+            </a:endParaRPr>
+          </a:p>
+        </p:txBody>
+      </p:sp>
+      <p:sp>
+        <p:nvSpPr>
+          <p:cNvPr id="10" name="Rectangles 9"/>
+          <p:cNvSpPr/>
+          <p:nvPr/>
+        </p:nvSpPr>
+        <p:spPr>
+          <a:xfrm>
+            <a:off x="6611620" y="2366645"/>
+            <a:ext cx="1592580" cy="408940"/>
+          </a:xfrm>
+          <a:prstGeom prst="rect">
+            <a:avLst/>
+          </a:prstGeom>
+          <a:solidFill>
+            <a:schemeClr val="accent2">
+              <a:lumMod val="60000"/>
+              <a:lumOff val="40000"/>
+            </a:schemeClr>
+          </a:solidFill>
+          <a:ln w="25400">
+            <a:solidFill>
+              <a:srgbClr val="202020"/>
+            </a:solidFill>
+          </a:ln>
+        </p:spPr>
+        <p:style>
+          <a:lnRef idx="2">
+            <a:schemeClr val="accent1">
+              <a:shade val="50000"/>
+            </a:schemeClr>
+          </a:lnRef>
+          <a:fillRef idx="1">
+            <a:schemeClr val="accent1"/>
+          </a:fillRef>
+          <a:effectRef idx="0">
+            <a:schemeClr val="accent1"/>
+          </a:effectRef>
+          <a:fontRef idx="minor">
+            <a:schemeClr val="lt1"/>
+          </a:fontRef>
+        </p:style>
+        <p:txBody>
+          <a:bodyPr rtlCol="0" anchor="ctr"/>
+          <a:p>
+            <a:pPr algn="ctr"/>
+            <a:r>
+              <a:rPr lang="en-US" altLang="vi-VN" sz="1600">
+                <a:solidFill>
+                  <a:schemeClr val="tx1"/>
+                </a:solidFill>
+                <a:latin typeface="Lato" panose="020F0502020204030203" charset="0"/>
+                <a:cs typeface="Lato" panose="020F0502020204030203" charset="0"/>
+              </a:rPr>
+              <a:t>Consumer 1</a:t>
+            </a:r>
+            <a:endParaRPr lang="en-US" altLang="vi-VN" sz="1600">
+              <a:solidFill>
+                <a:schemeClr val="tx1"/>
+              </a:solidFill>
+              <a:latin typeface="Lato" panose="020F0502020204030203" charset="0"/>
+              <a:cs typeface="Lato" panose="020F0502020204030203" charset="0"/>
+            </a:endParaRPr>
+          </a:p>
+        </p:txBody>
+      </p:sp>
+      <p:cxnSp>
+        <p:nvCxnSpPr>
+          <p:cNvPr id="11" name="Straight Arrow Connector 10"/>
+          <p:cNvCxnSpPr>
+            <a:stCxn id="4" idx="3"/>
+            <a:endCxn id="10" idx="1"/>
+          </p:cNvCxnSpPr>
+          <p:nvPr/>
+        </p:nvCxnSpPr>
+        <p:spPr>
+          <a:xfrm>
+            <a:off x="5005705" y="2571115"/>
+            <a:ext cx="1605915" cy="0"/>
+          </a:xfrm>
+          <a:prstGeom prst="straightConnector1">
+            <a:avLst/>
+          </a:prstGeom>
+          <a:ln w="25400">
+            <a:solidFill>
+              <a:srgbClr val="202020"/>
+            </a:solidFill>
+            <a:tailEnd type="triangle" w="lg" len="lg"/>
+          </a:ln>
+        </p:spPr>
+        <p:style>
+          <a:lnRef idx="1">
+            <a:schemeClr val="accent1"/>
+          </a:lnRef>
+          <a:fillRef idx="0">
+            <a:schemeClr val="accent1"/>
+          </a:fillRef>
+          <a:effectRef idx="0">
+            <a:schemeClr val="accent1"/>
+          </a:effectRef>
+          <a:fontRef idx="minor">
+            <a:schemeClr val="tx1"/>
+          </a:fontRef>
+        </p:style>
+      </p:cxnSp>
+      <p:cxnSp>
+        <p:nvCxnSpPr>
+          <p:cNvPr id="12" name="Straight Arrow Connector 11"/>
+          <p:cNvCxnSpPr>
+            <a:stCxn id="5" idx="3"/>
+            <a:endCxn id="10" idx="1"/>
+          </p:cNvCxnSpPr>
+          <p:nvPr/>
+        </p:nvCxnSpPr>
+        <p:spPr>
+          <a:xfrm flipV="1">
+            <a:off x="5005705" y="2571115"/>
+            <a:ext cx="1605915" cy="514985"/>
+          </a:xfrm>
+          <a:prstGeom prst="straightConnector1">
+            <a:avLst/>
+          </a:prstGeom>
+          <a:ln w="25400">
+            <a:solidFill>
+              <a:srgbClr val="202020"/>
+            </a:solidFill>
+            <a:tailEnd type="triangle" w="lg" len="lg"/>
+          </a:ln>
+        </p:spPr>
+        <p:style>
+          <a:lnRef idx="1">
+            <a:schemeClr val="accent1"/>
+          </a:lnRef>
+          <a:fillRef idx="0">
+            <a:schemeClr val="accent1"/>
+          </a:fillRef>
+          <a:effectRef idx="0">
+            <a:schemeClr val="accent1"/>
+          </a:effectRef>
+          <a:fontRef idx="minor">
+            <a:schemeClr val="tx1"/>
+          </a:fontRef>
+        </p:style>
+      </p:cxnSp>
+      <p:cxnSp>
+        <p:nvCxnSpPr>
+          <p:cNvPr id="13" name="Straight Arrow Connector 12"/>
+          <p:cNvCxnSpPr/>
+          <p:nvPr/>
+        </p:nvCxnSpPr>
+        <p:spPr>
+          <a:xfrm flipV="1">
+            <a:off x="5005705" y="2553970"/>
+            <a:ext cx="1605915" cy="1064260"/>
+          </a:xfrm>
+          <a:prstGeom prst="straightConnector1">
+            <a:avLst/>
+          </a:prstGeom>
+          <a:ln w="25400">
+            <a:solidFill>
+              <a:srgbClr val="202020"/>
+            </a:solidFill>
+            <a:tailEnd type="triangle" w="lg" len="lg"/>
+          </a:ln>
+        </p:spPr>
+        <p:style>
+          <a:lnRef idx="1">
+            <a:schemeClr val="accent1"/>
+          </a:lnRef>
+          <a:fillRef idx="0">
+            <a:schemeClr val="accent1"/>
+          </a:fillRef>
+          <a:effectRef idx="0">
+            <a:schemeClr val="accent1"/>
+          </a:effectRef>
+          <a:fontRef idx="minor">
+            <a:schemeClr val="tx1"/>
+          </a:fontRef>
+        </p:style>
+      </p:cxnSp>
+      <p:cxnSp>
+        <p:nvCxnSpPr>
+          <p:cNvPr id="14" name="Straight Arrow Connector 13"/>
+          <p:cNvCxnSpPr>
+            <a:stCxn id="7" idx="3"/>
+            <a:endCxn id="10" idx="1"/>
+          </p:cNvCxnSpPr>
+          <p:nvPr/>
+        </p:nvCxnSpPr>
+        <p:spPr>
+          <a:xfrm flipV="1">
+            <a:off x="5005705" y="2571115"/>
+            <a:ext cx="1605915" cy="1590040"/>
+          </a:xfrm>
+          <a:prstGeom prst="straightConnector1">
+            <a:avLst/>
+          </a:prstGeom>
+          <a:ln w="25400">
+            <a:solidFill>
+              <a:srgbClr val="202020"/>
+            </a:solidFill>
+            <a:tailEnd type="triangle" w="lg" len="lg"/>
+          </a:ln>
+        </p:spPr>
+        <p:style>
+          <a:lnRef idx="1">
+            <a:schemeClr val="accent1"/>
+          </a:lnRef>
+          <a:fillRef idx="0">
+            <a:schemeClr val="accent1"/>
+          </a:fillRef>
+          <a:effectRef idx="0">
+            <a:schemeClr val="accent1"/>
+          </a:effectRef>
+          <a:fontRef idx="minor">
+            <a:schemeClr val="tx1"/>
+          </a:fontRef>
+        </p:style>
+      </p:cxnSp>
+      <p:sp>
+        <p:nvSpPr>
+          <p:cNvPr id="15" name="Text Box 14"/>
+          <p:cNvSpPr txBox="1"/>
+          <p:nvPr/>
+        </p:nvSpPr>
+        <p:spPr>
+          <a:xfrm>
+            <a:off x="6494145" y="1907540"/>
+            <a:ext cx="1828165" cy="337185"/>
+          </a:xfrm>
+          <a:prstGeom prst="rect">
+            <a:avLst/>
+          </a:prstGeom>
+          <a:noFill/>
+        </p:spPr>
+        <p:txBody>
+          <a:bodyPr wrap="none" rtlCol="0">
+            <a:spAutoFit/>
+          </a:bodyPr>
+          <a:p>
+            <a:r>
+              <a:rPr lang="vi-VN" altLang="en-US" sz="1600">
+                <a:latin typeface="Lato" panose="020F0502020204030203" charset="0"/>
+                <a:cs typeface="Lato" panose="020F0502020204030203" charset="0"/>
+              </a:rPr>
+              <a:t>Con</a:t>
+            </a:r>
+            <a:r>
+              <a:rPr lang="en-US" altLang="vi-VN" sz="1600">
+                <a:latin typeface="Lato" panose="020F0502020204030203" charset="0"/>
+                <a:cs typeface="Lato" panose="020F0502020204030203" charset="0"/>
+              </a:rPr>
+              <a:t>sumer group 1</a:t>
+            </a:r>
+            <a:endParaRPr lang="en-US" altLang="vi-VN" sz="1600">
+              <a:latin typeface="Lato" panose="020F0502020204030203" charset="0"/>
+              <a:cs typeface="Lato" panose="020F0502020204030203" charset="0"/>
+            </a:endParaRPr>
+          </a:p>
+        </p:txBody>
+      </p:sp>
+      <p:sp>
+        <p:nvSpPr>
+          <p:cNvPr id="16" name="Rectangles 15"/>
+          <p:cNvSpPr/>
+          <p:nvPr/>
+        </p:nvSpPr>
+        <p:spPr>
+          <a:xfrm>
+            <a:off x="6611620" y="2881630"/>
+            <a:ext cx="1592580" cy="408940"/>
+          </a:xfrm>
+          <a:prstGeom prst="rect">
+            <a:avLst/>
+          </a:prstGeom>
+          <a:solidFill>
+            <a:schemeClr val="accent2">
+              <a:lumMod val="60000"/>
+              <a:lumOff val="40000"/>
+            </a:schemeClr>
+          </a:solidFill>
+          <a:ln w="25400">
+            <a:solidFill>
+              <a:srgbClr val="202020"/>
+            </a:solidFill>
+          </a:ln>
+        </p:spPr>
+        <p:style>
+          <a:lnRef idx="2">
+            <a:schemeClr val="accent1">
+              <a:shade val="50000"/>
+            </a:schemeClr>
+          </a:lnRef>
+          <a:fillRef idx="1">
+            <a:schemeClr val="accent1"/>
+          </a:fillRef>
+          <a:effectRef idx="0">
+            <a:schemeClr val="accent1"/>
+          </a:effectRef>
+          <a:fontRef idx="minor">
+            <a:schemeClr val="lt1"/>
+          </a:fontRef>
+        </p:style>
+        <p:txBody>
+          <a:bodyPr rtlCol="0" anchor="ctr"/>
+          <a:p>
+            <a:pPr algn="ctr"/>
+            <a:r>
+              <a:rPr lang="en-US" altLang="vi-VN" sz="1600">
+                <a:solidFill>
+                  <a:schemeClr val="tx1"/>
+                </a:solidFill>
+                <a:latin typeface="Lato" panose="020F0502020204030203" charset="0"/>
+                <a:cs typeface="Lato" panose="020F0502020204030203" charset="0"/>
+              </a:rPr>
+              <a:t>Consumer 2</a:t>
+            </a:r>
+            <a:endParaRPr lang="en-US" altLang="vi-VN" sz="1600">
+              <a:solidFill>
+                <a:schemeClr val="tx1"/>
+              </a:solidFill>
+              <a:latin typeface="Lato" panose="020F0502020204030203" charset="0"/>
+              <a:cs typeface="Lato" panose="020F0502020204030203" charset="0"/>
+            </a:endParaRPr>
+          </a:p>
+        </p:txBody>
+      </p:sp>
+      <p:cxnSp>
+        <p:nvCxnSpPr>
+          <p:cNvPr id="17" name="Straight Arrow Connector 16"/>
+          <p:cNvCxnSpPr>
+            <a:stCxn id="5" idx="3"/>
+            <a:endCxn id="16" idx="1"/>
+          </p:cNvCxnSpPr>
+          <p:nvPr/>
+        </p:nvCxnSpPr>
+        <p:spPr>
+          <a:xfrm>
+            <a:off x="5005705" y="3086100"/>
+            <a:ext cx="1605915" cy="0"/>
+          </a:xfrm>
+          <a:prstGeom prst="straightConnector1">
+            <a:avLst/>
+          </a:prstGeom>
+          <a:ln w="25400">
+            <a:solidFill>
+              <a:srgbClr val="202020"/>
+            </a:solidFill>
+            <a:tailEnd type="triangle" w="lg" len="lg"/>
+          </a:ln>
+        </p:spPr>
+        <p:style>
+          <a:lnRef idx="1">
+            <a:schemeClr val="accent1"/>
+          </a:lnRef>
+          <a:fillRef idx="0">
+            <a:schemeClr val="accent1"/>
+          </a:fillRef>
+          <a:effectRef idx="0">
+            <a:schemeClr val="accent1"/>
+          </a:effectRef>
+          <a:fontRef idx="minor">
+            <a:schemeClr val="tx1"/>
+          </a:fontRef>
+        </p:style>
+      </p:cxnSp>
+      <p:cxnSp>
+        <p:nvCxnSpPr>
+          <p:cNvPr id="18" name="Straight Arrow Connector 17"/>
+          <p:cNvCxnSpPr>
+            <a:stCxn id="7" idx="3"/>
+            <a:endCxn id="16" idx="1"/>
+          </p:cNvCxnSpPr>
+          <p:nvPr/>
+        </p:nvCxnSpPr>
+        <p:spPr>
+          <a:xfrm flipV="1">
+            <a:off x="5005705" y="3086100"/>
+            <a:ext cx="1605915" cy="1075055"/>
+          </a:xfrm>
+          <a:prstGeom prst="straightConnector1">
+            <a:avLst/>
+          </a:prstGeom>
+          <a:ln w="25400">
+            <a:solidFill>
+              <a:srgbClr val="202020"/>
+            </a:solidFill>
+            <a:tailEnd type="triangle" w="lg" len="lg"/>
+          </a:ln>
+        </p:spPr>
+        <p:style>
+          <a:lnRef idx="1">
+            <a:schemeClr val="accent1"/>
+          </a:lnRef>
+          <a:fillRef idx="0">
+            <a:schemeClr val="accent1"/>
+          </a:fillRef>
+          <a:effectRef idx="0">
+            <a:schemeClr val="accent1"/>
+          </a:effectRef>
+          <a:fontRef idx="minor">
+            <a:schemeClr val="tx1"/>
+          </a:fontRef>
+        </p:style>
+      </p:cxnSp>
+      <p:sp>
+        <p:nvSpPr>
+          <p:cNvPr id="19" name="Rectangles 18"/>
+          <p:cNvSpPr/>
+          <p:nvPr/>
+        </p:nvSpPr>
+        <p:spPr>
+          <a:xfrm>
+            <a:off x="6612255" y="3430905"/>
+            <a:ext cx="1592580" cy="408940"/>
+          </a:xfrm>
+          <a:prstGeom prst="rect">
+            <a:avLst/>
+          </a:prstGeom>
+          <a:solidFill>
+            <a:schemeClr val="accent2">
+              <a:lumMod val="60000"/>
+              <a:lumOff val="40000"/>
+            </a:schemeClr>
+          </a:solidFill>
+          <a:ln w="25400">
+            <a:solidFill>
+              <a:srgbClr val="202020"/>
+            </a:solidFill>
+          </a:ln>
+        </p:spPr>
+        <p:style>
+          <a:lnRef idx="2">
+            <a:schemeClr val="accent1">
+              <a:shade val="50000"/>
+            </a:schemeClr>
+          </a:lnRef>
+          <a:fillRef idx="1">
+            <a:schemeClr val="accent1"/>
+          </a:fillRef>
+          <a:effectRef idx="0">
+            <a:schemeClr val="accent1"/>
+          </a:effectRef>
+          <a:fontRef idx="minor">
+            <a:schemeClr val="lt1"/>
+          </a:fontRef>
+        </p:style>
+        <p:txBody>
+          <a:bodyPr rtlCol="0" anchor="ctr"/>
+          <a:p>
+            <a:pPr algn="ctr"/>
+            <a:r>
+              <a:rPr lang="en-US" altLang="vi-VN" sz="1600">
+                <a:solidFill>
+                  <a:schemeClr val="tx1"/>
+                </a:solidFill>
+                <a:latin typeface="Lato" panose="020F0502020204030203" charset="0"/>
+                <a:cs typeface="Lato" panose="020F0502020204030203" charset="0"/>
+              </a:rPr>
+              <a:t>Consumer </a:t>
+            </a:r>
+            <a:r>
+              <a:rPr lang="vi-VN" altLang="en-US" sz="1600">
+                <a:solidFill>
+                  <a:schemeClr val="tx1"/>
+                </a:solidFill>
+                <a:latin typeface="Lato" panose="020F0502020204030203" charset="0"/>
+                <a:cs typeface="Lato" panose="020F0502020204030203" charset="0"/>
+              </a:rPr>
+              <a:t>3</a:t>
+            </a:r>
+            <a:endParaRPr lang="vi-VN" altLang="en-US" sz="1600">
+              <a:solidFill>
+                <a:schemeClr val="tx1"/>
+              </a:solidFill>
+              <a:latin typeface="Lato" panose="020F0502020204030203" charset="0"/>
+              <a:cs typeface="Lato" panose="020F0502020204030203" charset="0"/>
+            </a:endParaRPr>
+          </a:p>
+        </p:txBody>
+      </p:sp>
+      <p:sp>
+        <p:nvSpPr>
+          <p:cNvPr id="20" name="Rectangles 19"/>
+          <p:cNvSpPr/>
+          <p:nvPr/>
+        </p:nvSpPr>
+        <p:spPr>
+          <a:xfrm>
+            <a:off x="6611620" y="3956685"/>
+            <a:ext cx="1592580" cy="408940"/>
+          </a:xfrm>
+          <a:prstGeom prst="rect">
+            <a:avLst/>
+          </a:prstGeom>
+          <a:solidFill>
+            <a:schemeClr val="accent2">
+              <a:lumMod val="60000"/>
+              <a:lumOff val="40000"/>
+            </a:schemeClr>
+          </a:solidFill>
+          <a:ln w="25400">
+            <a:solidFill>
+              <a:srgbClr val="202020"/>
+            </a:solidFill>
+          </a:ln>
+        </p:spPr>
+        <p:style>
+          <a:lnRef idx="2">
+            <a:schemeClr val="accent1">
+              <a:shade val="50000"/>
+            </a:schemeClr>
+          </a:lnRef>
+          <a:fillRef idx="1">
+            <a:schemeClr val="accent1"/>
+          </a:fillRef>
+          <a:effectRef idx="0">
+            <a:schemeClr val="accent1"/>
+          </a:effectRef>
+          <a:fontRef idx="minor">
+            <a:schemeClr val="lt1"/>
+          </a:fontRef>
+        </p:style>
+        <p:txBody>
+          <a:bodyPr rtlCol="0" anchor="ctr"/>
+          <a:p>
+            <a:pPr algn="ctr"/>
+            <a:r>
+              <a:rPr lang="en-US" altLang="vi-VN" sz="1600">
+                <a:solidFill>
+                  <a:schemeClr val="tx1"/>
+                </a:solidFill>
+                <a:latin typeface="Lato" panose="020F0502020204030203" charset="0"/>
+                <a:cs typeface="Lato" panose="020F0502020204030203" charset="0"/>
+              </a:rPr>
+              <a:t>Consumer </a:t>
+            </a:r>
+            <a:r>
+              <a:rPr lang="vi-VN" altLang="en-US" sz="1600">
+                <a:solidFill>
+                  <a:schemeClr val="tx1"/>
+                </a:solidFill>
+                <a:latin typeface="Lato" panose="020F0502020204030203" charset="0"/>
+                <a:cs typeface="Lato" panose="020F0502020204030203" charset="0"/>
+              </a:rPr>
+              <a:t>4</a:t>
+            </a:r>
+            <a:endParaRPr lang="vi-VN" altLang="en-US" sz="1600">
+              <a:solidFill>
+                <a:schemeClr val="tx1"/>
+              </a:solidFill>
+              <a:latin typeface="Lato" panose="020F0502020204030203" charset="0"/>
+              <a:cs typeface="Lato" panose="020F0502020204030203" charset="0"/>
+            </a:endParaRPr>
+          </a:p>
+        </p:txBody>
+      </p:sp>
+      <p:cxnSp>
+        <p:nvCxnSpPr>
+          <p:cNvPr id="21" name="Straight Arrow Connector 20"/>
+          <p:cNvCxnSpPr>
+            <a:stCxn id="6" idx="3"/>
+            <a:endCxn id="19" idx="1"/>
+          </p:cNvCxnSpPr>
+          <p:nvPr/>
+        </p:nvCxnSpPr>
+        <p:spPr>
+          <a:xfrm>
+            <a:off x="5005705" y="3635375"/>
+            <a:ext cx="1606550" cy="0"/>
+          </a:xfrm>
+          <a:prstGeom prst="straightConnector1">
+            <a:avLst/>
+          </a:prstGeom>
+          <a:ln w="25400">
+            <a:solidFill>
+              <a:srgbClr val="202020"/>
+            </a:solidFill>
+            <a:tailEnd type="triangle" w="lg" len="lg"/>
+          </a:ln>
+        </p:spPr>
+        <p:style>
+          <a:lnRef idx="1">
+            <a:schemeClr val="accent1"/>
+          </a:lnRef>
+          <a:fillRef idx="0">
+            <a:schemeClr val="accent1"/>
+          </a:fillRef>
+          <a:effectRef idx="0">
+            <a:schemeClr val="accent1"/>
+          </a:effectRef>
+          <a:fontRef idx="minor">
+            <a:schemeClr val="tx1"/>
+          </a:fontRef>
+        </p:style>
+      </p:cxnSp>
+      <p:cxnSp>
+        <p:nvCxnSpPr>
+          <p:cNvPr id="22" name="Straight Arrow Connector 21"/>
+          <p:cNvCxnSpPr>
+            <a:stCxn id="7" idx="3"/>
+            <a:endCxn id="20" idx="1"/>
+          </p:cNvCxnSpPr>
+          <p:nvPr/>
+        </p:nvCxnSpPr>
+        <p:spPr>
+          <a:xfrm>
+            <a:off x="5005705" y="4161155"/>
+            <a:ext cx="1605915" cy="0"/>
+          </a:xfrm>
+          <a:prstGeom prst="straightConnector1">
+            <a:avLst/>
+          </a:prstGeom>
+          <a:ln w="25400">
+            <a:solidFill>
+              <a:srgbClr val="202020"/>
+            </a:solidFill>
+            <a:tailEnd type="triangle" w="lg" len="lg"/>
+          </a:ln>
+        </p:spPr>
+        <p:style>
+          <a:lnRef idx="1">
+            <a:schemeClr val="accent1"/>
+          </a:lnRef>
+          <a:fillRef idx="0">
+            <a:schemeClr val="accent1"/>
+          </a:fillRef>
+          <a:effectRef idx="0">
+            <a:schemeClr val="accent1"/>
+          </a:effectRef>
+          <a:fontRef idx="minor">
+            <a:schemeClr val="tx1"/>
+          </a:fontRef>
+        </p:style>
+      </p:cxnSp>
+      <p:sp>
+        <p:nvSpPr>
+          <p:cNvPr id="23" name="Rectangles 22"/>
+          <p:cNvSpPr/>
+          <p:nvPr/>
+        </p:nvSpPr>
+        <p:spPr>
+          <a:xfrm>
+            <a:off x="6611620" y="4542790"/>
+            <a:ext cx="1592580" cy="408940"/>
+          </a:xfrm>
+          <a:prstGeom prst="rect">
+            <a:avLst/>
+          </a:prstGeom>
+          <a:solidFill>
+            <a:schemeClr val="accent2">
+              <a:lumMod val="60000"/>
+              <a:lumOff val="40000"/>
+            </a:schemeClr>
+          </a:solidFill>
+          <a:ln w="25400">
+            <a:solidFill>
+              <a:srgbClr val="202020"/>
+            </a:solidFill>
+          </a:ln>
+        </p:spPr>
+        <p:style>
+          <a:lnRef idx="2">
+            <a:schemeClr val="accent1">
+              <a:shade val="50000"/>
+            </a:schemeClr>
+          </a:lnRef>
+          <a:fillRef idx="1">
+            <a:schemeClr val="accent1"/>
+          </a:fillRef>
+          <a:effectRef idx="0">
+            <a:schemeClr val="accent1"/>
+          </a:effectRef>
+          <a:fontRef idx="minor">
+            <a:schemeClr val="lt1"/>
+          </a:fontRef>
+        </p:style>
+        <p:txBody>
+          <a:bodyPr rtlCol="0" anchor="ctr"/>
+          <a:p>
+            <a:pPr algn="ctr"/>
+            <a:r>
+              <a:rPr lang="en-US" altLang="vi-VN" sz="1600">
+                <a:solidFill>
+                  <a:schemeClr val="tx1"/>
+                </a:solidFill>
+                <a:latin typeface="Lato" panose="020F0502020204030203" charset="0"/>
+                <a:cs typeface="Lato" panose="020F0502020204030203" charset="0"/>
+              </a:rPr>
+              <a:t>Consumer </a:t>
+            </a:r>
+            <a:r>
+              <a:rPr lang="vi-VN" altLang="en-US" sz="1600">
+                <a:solidFill>
+                  <a:schemeClr val="tx1"/>
+                </a:solidFill>
+                <a:latin typeface="Lato" panose="020F0502020204030203" charset="0"/>
+                <a:cs typeface="Lato" panose="020F0502020204030203" charset="0"/>
+              </a:rPr>
+              <a:t>5</a:t>
+            </a:r>
+            <a:endParaRPr lang="vi-VN" altLang="en-US" sz="1600">
+              <a:solidFill>
+                <a:schemeClr val="tx1"/>
+              </a:solidFill>
+              <a:latin typeface="Lato" panose="020F0502020204030203" charset="0"/>
+              <a:cs typeface="Lato" panose="020F0502020204030203" charset="0"/>
+            </a:endParaRPr>
+          </a:p>
+        </p:txBody>
+      </p:sp>
     </p:spTree>
   </p:cSld>
   <p:clrMapOvr>
     <a:masterClrMapping/>
   </p:clrMapOvr>
+  <p:transition/>
+  <p:timing>
+    <p:tnLst>
+      <p:par>
+        <p:cTn id="1" dur="indefinite" restart="never" nodeType="tmRoot">
+          <p:childTnLst>
+            <p:seq concurrent="1" nextAc="seek">
+              <p:cTn id="2" dur="indefinite" nodeType="mainSeq">
+                <p:childTnLst>
+                  <p:par>
+                    <p:cTn id="3" fill="hold">
+                      <p:stCondLst>
+                        <p:cond delay="indefinite"/>
+                      </p:stCondLst>
+                      <p:childTnLst>
+                        <p:par>
+                          <p:cTn id="4" fill="hold">
+                            <p:stCondLst>
+                              <p:cond delay="0"/>
+                            </p:stCondLst>
+                            <p:childTnLst>
+                              <p:par>
+                                <p:cTn id="5" presetID="1" presetClass="entr" presetSubtype="0" fill="hold" grpId="0" nodeType="clickEffect">
+                                  <p:stCondLst>
+                                    <p:cond delay="0"/>
+                                  </p:stCondLst>
+                                  <p:childTnLst>
+                                    <p:set>
+                                      <p:cBhvr>
+                                        <p:cTn id="6" dur="1" fill="hold">
+                                          <p:stCondLst>
+                                            <p:cond delay="0"/>
+                                          </p:stCondLst>
+                                        </p:cTn>
+                                        <p:tgtEl>
+                                          <p:spTgt spid="9"/>
+                                        </p:tgtEl>
+                                        <p:attrNameLst>
+                                          <p:attrName>style.visibility</p:attrName>
+                                        </p:attrNameLst>
+                                      </p:cBhvr>
+                                      <p:to>
+                                        <p:strVal val="visible"/>
+                                      </p:to>
+                                    </p:set>
+                                  </p:childTnLst>
+                                </p:cTn>
+                              </p:par>
+                              <p:par>
+                                <p:cTn id="7" presetID="1" presetClass="entr" presetSubtype="0" fill="hold" grpId="0" nodeType="withEffect">
+                                  <p:stCondLst>
+                                    <p:cond delay="0"/>
+                                  </p:stCondLst>
+                                  <p:childTnLst>
+                                    <p:set>
+                                      <p:cBhvr>
+                                        <p:cTn id="8" dur="1" fill="hold">
+                                          <p:stCondLst>
+                                            <p:cond delay="0"/>
+                                          </p:stCondLst>
+                                        </p:cTn>
+                                        <p:tgtEl>
+                                          <p:spTgt spid="10"/>
+                                        </p:tgtEl>
+                                        <p:attrNameLst>
+                                          <p:attrName>style.visibility</p:attrName>
+                                        </p:attrNameLst>
+                                      </p:cBhvr>
+                                      <p:to>
+                                        <p:strVal val="visible"/>
+                                      </p:to>
+                                    </p:set>
+                                  </p:childTnLst>
+                                </p:cTn>
+                              </p:par>
+                              <p:par>
+                                <p:cTn id="9" presetID="1" presetClass="entr" presetSubtype="0" fill="hold" grpId="0" nodeType="withEffect">
+                                  <p:stCondLst>
+                                    <p:cond delay="0"/>
+                                  </p:stCondLst>
+                                  <p:childTnLst>
+                                    <p:set>
+                                      <p:cBhvr>
+                                        <p:cTn id="10" dur="1" fill="hold">
+                                          <p:stCondLst>
+                                            <p:cond delay="0"/>
+                                          </p:stCondLst>
+                                        </p:cTn>
+                                        <p:tgtEl>
+                                          <p:spTgt spid="15"/>
+                                        </p:tgtEl>
+                                        <p:attrNameLst>
+                                          <p:attrName>style.visibility</p:attrName>
+                                        </p:attrNameLst>
+                                      </p:cBhvr>
+                                      <p:to>
+                                        <p:strVal val="visible"/>
+                                      </p:to>
+                                    </p:set>
+                                  </p:childTnLst>
+                                </p:cTn>
+                              </p:par>
+                            </p:childTnLst>
+                          </p:cTn>
+                        </p:par>
+                      </p:childTnLst>
+                    </p:cTn>
+                  </p:par>
+                  <p:par>
+                    <p:cTn id="11" fill="hold">
+                      <p:stCondLst>
+                        <p:cond delay="indefinite"/>
+                      </p:stCondLst>
+                      <p:childTnLst>
+                        <p:par>
+                          <p:cTn id="12" fill="hold">
+                            <p:stCondLst>
+                              <p:cond delay="0"/>
+                            </p:stCondLst>
+                            <p:childTnLst>
+                              <p:par>
+                                <p:cTn id="13" presetID="1" presetClass="entr" presetSubtype="0" fill="hold" nodeType="clickEffect">
+                                  <p:stCondLst>
+                                    <p:cond delay="0"/>
+                                  </p:stCondLst>
+                                  <p:childTnLst>
+                                    <p:set>
+                                      <p:cBhvr>
+                                        <p:cTn id="14" dur="1" fill="hold">
+                                          <p:stCondLst>
+                                            <p:cond delay="0"/>
+                                          </p:stCondLst>
+                                        </p:cTn>
+                                        <p:tgtEl>
+                                          <p:spTgt spid="11"/>
+                                        </p:tgtEl>
+                                        <p:attrNameLst>
+                                          <p:attrName>style.visibility</p:attrName>
+                                        </p:attrNameLst>
+                                      </p:cBhvr>
+                                      <p:to>
+                                        <p:strVal val="visible"/>
+                                      </p:to>
+                                    </p:set>
+                                  </p:childTnLst>
+                                </p:cTn>
+                              </p:par>
+                              <p:par>
+                                <p:cTn id="15" presetID="1" presetClass="entr" presetSubtype="0" fill="hold" nodeType="withEffect">
+                                  <p:stCondLst>
+                                    <p:cond delay="0"/>
+                                  </p:stCondLst>
+                                  <p:childTnLst>
+                                    <p:set>
+                                      <p:cBhvr>
+                                        <p:cTn id="16" dur="1" fill="hold">
+                                          <p:stCondLst>
+                                            <p:cond delay="0"/>
+                                          </p:stCondLst>
+                                        </p:cTn>
+                                        <p:tgtEl>
+                                          <p:spTgt spid="12"/>
+                                        </p:tgtEl>
+                                        <p:attrNameLst>
+                                          <p:attrName>style.visibility</p:attrName>
+                                        </p:attrNameLst>
+                                      </p:cBhvr>
+                                      <p:to>
+                                        <p:strVal val="visible"/>
+                                      </p:to>
+                                    </p:set>
+                                  </p:childTnLst>
+                                </p:cTn>
+                              </p:par>
+                              <p:par>
+                                <p:cTn id="17" presetID="1" presetClass="entr" presetSubtype="0" fill="hold" nodeType="withEffect">
+                                  <p:stCondLst>
+                                    <p:cond delay="0"/>
+                                  </p:stCondLst>
+                                  <p:childTnLst>
+                                    <p:set>
+                                      <p:cBhvr>
+                                        <p:cTn id="18" dur="1" fill="hold">
+                                          <p:stCondLst>
+                                            <p:cond delay="0"/>
+                                          </p:stCondLst>
+                                        </p:cTn>
+                                        <p:tgtEl>
+                                          <p:spTgt spid="13"/>
+                                        </p:tgtEl>
+                                        <p:attrNameLst>
+                                          <p:attrName>style.visibility</p:attrName>
+                                        </p:attrNameLst>
+                                      </p:cBhvr>
+                                      <p:to>
+                                        <p:strVal val="visible"/>
+                                      </p:to>
+                                    </p:set>
+                                  </p:childTnLst>
+                                </p:cTn>
+                              </p:par>
+                              <p:par>
+                                <p:cTn id="19" presetID="1" presetClass="entr" presetSubtype="0" fill="hold" nodeType="withEffect">
+                                  <p:stCondLst>
+                                    <p:cond delay="0"/>
+                                  </p:stCondLst>
+                                  <p:childTnLst>
+                                    <p:set>
+                                      <p:cBhvr>
+                                        <p:cTn id="20" dur="1" fill="hold">
+                                          <p:stCondLst>
+                                            <p:cond delay="0"/>
+                                          </p:stCondLst>
+                                        </p:cTn>
+                                        <p:tgtEl>
+                                          <p:spTgt spid="14"/>
+                                        </p:tgtEl>
+                                        <p:attrNameLst>
+                                          <p:attrName>style.visibility</p:attrName>
+                                        </p:attrNameLst>
+                                      </p:cBhvr>
+                                      <p:to>
+                                        <p:strVal val="visible"/>
+                                      </p:to>
+                                    </p:set>
+                                  </p:childTnLst>
+                                </p:cTn>
+                              </p:par>
+                            </p:childTnLst>
+                          </p:cTn>
+                        </p:par>
+                      </p:childTnLst>
+                    </p:cTn>
+                  </p:par>
+                  <p:par>
+                    <p:cTn id="21" fill="hold">
+                      <p:stCondLst>
+                        <p:cond delay="indefinite"/>
+                      </p:stCondLst>
+                      <p:childTnLst>
+                        <p:par>
+                          <p:cTn id="22" fill="hold">
+                            <p:stCondLst>
+                              <p:cond delay="0"/>
+                            </p:stCondLst>
+                            <p:childTnLst>
+                              <p:par>
+                                <p:cTn id="23" presetID="1" presetClass="entr" presetSubtype="0" fill="hold" grpId="0" nodeType="clickEffect">
+                                  <p:stCondLst>
+                                    <p:cond delay="0"/>
+                                  </p:stCondLst>
+                                  <p:childTnLst>
+                                    <p:set>
+                                      <p:cBhvr>
+                                        <p:cTn id="24" dur="1" fill="hold">
+                                          <p:stCondLst>
+                                            <p:cond delay="0"/>
+                                          </p:stCondLst>
+                                        </p:cTn>
+                                        <p:tgtEl>
+                                          <p:spTgt spid="16"/>
+                                        </p:tgtEl>
+                                        <p:attrNameLst>
+                                          <p:attrName>style.visibility</p:attrName>
+                                        </p:attrNameLst>
+                                      </p:cBhvr>
+                                      <p:to>
+                                        <p:strVal val="visible"/>
+                                      </p:to>
+                                    </p:set>
+                                  </p:childTnLst>
+                                </p:cTn>
+                              </p:par>
+                            </p:childTnLst>
+                          </p:cTn>
+                        </p:par>
+                      </p:childTnLst>
+                    </p:cTn>
+                  </p:par>
+                  <p:par>
+                    <p:cTn id="25" fill="hold">
+                      <p:stCondLst>
+                        <p:cond delay="indefinite"/>
+                      </p:stCondLst>
+                      <p:childTnLst>
+                        <p:par>
+                          <p:cTn id="26" fill="hold">
+                            <p:stCondLst>
+                              <p:cond delay="0"/>
+                            </p:stCondLst>
+                            <p:childTnLst>
+                              <p:par>
+                                <p:cTn id="27" presetID="1" presetClass="exit" presetSubtype="0" fill="hold" nodeType="clickEffect">
+                                  <p:stCondLst>
+                                    <p:cond delay="0"/>
+                                  </p:stCondLst>
+                                  <p:childTnLst>
+                                    <p:set>
+                                      <p:cBhvr>
+                                        <p:cTn id="28" dur="1" fill="hold">
+                                          <p:stCondLst>
+                                            <p:cond delay="0"/>
+                                          </p:stCondLst>
+                                        </p:cTn>
+                                        <p:tgtEl>
+                                          <p:spTgt spid="12"/>
+                                        </p:tgtEl>
+                                        <p:attrNameLst>
+                                          <p:attrName>style.visibility</p:attrName>
+                                        </p:attrNameLst>
+                                      </p:cBhvr>
+                                      <p:to>
+                                        <p:strVal val="hidden"/>
+                                      </p:to>
+                                    </p:set>
+                                  </p:childTnLst>
+                                </p:cTn>
+                              </p:par>
+                              <p:par>
+                                <p:cTn id="29" presetID="1" presetClass="exit" presetSubtype="0" fill="hold" nodeType="withEffect">
+                                  <p:stCondLst>
+                                    <p:cond delay="0"/>
+                                  </p:stCondLst>
+                                  <p:childTnLst>
+                                    <p:set>
+                                      <p:cBhvr>
+                                        <p:cTn id="30" dur="1" fill="hold">
+                                          <p:stCondLst>
+                                            <p:cond delay="0"/>
+                                          </p:stCondLst>
+                                        </p:cTn>
+                                        <p:tgtEl>
+                                          <p:spTgt spid="14"/>
+                                        </p:tgtEl>
+                                        <p:attrNameLst>
+                                          <p:attrName>style.visibility</p:attrName>
+                                        </p:attrNameLst>
+                                      </p:cBhvr>
+                                      <p:to>
+                                        <p:strVal val="hidden"/>
+                                      </p:to>
+                                    </p:set>
+                                  </p:childTnLst>
+                                </p:cTn>
+                              </p:par>
+                            </p:childTnLst>
+                          </p:cTn>
+                        </p:par>
+                      </p:childTnLst>
+                    </p:cTn>
+                  </p:par>
+                  <p:par>
+                    <p:cTn id="31" fill="hold">
+                      <p:stCondLst>
+                        <p:cond delay="indefinite"/>
+                      </p:stCondLst>
+                      <p:childTnLst>
+                        <p:par>
+                          <p:cTn id="32" fill="hold">
+                            <p:stCondLst>
+                              <p:cond delay="0"/>
+                            </p:stCondLst>
+                            <p:childTnLst>
+                              <p:par>
+                                <p:cTn id="33" presetID="1" presetClass="entr" presetSubtype="0" fill="hold" nodeType="clickEffect">
+                                  <p:stCondLst>
+                                    <p:cond delay="0"/>
+                                  </p:stCondLst>
+                                  <p:childTnLst>
+                                    <p:set>
+                                      <p:cBhvr>
+                                        <p:cTn id="34" dur="1" fill="hold">
+                                          <p:stCondLst>
+                                            <p:cond delay="0"/>
+                                          </p:stCondLst>
+                                        </p:cTn>
+                                        <p:tgtEl>
+                                          <p:spTgt spid="18"/>
+                                        </p:tgtEl>
+                                        <p:attrNameLst>
+                                          <p:attrName>style.visibility</p:attrName>
+                                        </p:attrNameLst>
+                                      </p:cBhvr>
+                                      <p:to>
+                                        <p:strVal val="visible"/>
+                                      </p:to>
+                                    </p:set>
+                                  </p:childTnLst>
+                                </p:cTn>
+                              </p:par>
+                              <p:par>
+                                <p:cTn id="35" presetID="1" presetClass="entr" presetSubtype="0" fill="hold" nodeType="withEffect">
+                                  <p:stCondLst>
+                                    <p:cond delay="0"/>
+                                  </p:stCondLst>
+                                  <p:childTnLst>
+                                    <p:set>
+                                      <p:cBhvr>
+                                        <p:cTn id="36" dur="1" fill="hold">
+                                          <p:stCondLst>
+                                            <p:cond delay="0"/>
+                                          </p:stCondLst>
+                                        </p:cTn>
+                                        <p:tgtEl>
+                                          <p:spTgt spid="17"/>
+                                        </p:tgtEl>
+                                        <p:attrNameLst>
+                                          <p:attrName>style.visibility</p:attrName>
+                                        </p:attrNameLst>
+                                      </p:cBhvr>
+                                      <p:to>
+                                        <p:strVal val="visible"/>
+                                      </p:to>
+                                    </p:set>
+                                  </p:childTnLst>
+                                </p:cTn>
+                              </p:par>
+                            </p:childTnLst>
+                          </p:cTn>
+                        </p:par>
+                      </p:childTnLst>
+                    </p:cTn>
+                  </p:par>
+                  <p:par>
+                    <p:cTn id="37" fill="hold">
+                      <p:stCondLst>
+                        <p:cond delay="indefinite"/>
+                      </p:stCondLst>
+                      <p:childTnLst>
+                        <p:par>
+                          <p:cTn id="38" fill="hold">
+                            <p:stCondLst>
+                              <p:cond delay="0"/>
+                            </p:stCondLst>
+                            <p:childTnLst>
+                              <p:par>
+                                <p:cTn id="39" presetID="1" presetClass="entr" presetSubtype="0" fill="hold" grpId="0" nodeType="clickEffect">
+                                  <p:stCondLst>
+                                    <p:cond delay="0"/>
+                                  </p:stCondLst>
+                                  <p:childTnLst>
+                                    <p:set>
+                                      <p:cBhvr>
+                                        <p:cTn id="40" dur="1" fill="hold">
+                                          <p:stCondLst>
+                                            <p:cond delay="0"/>
+                                          </p:stCondLst>
+                                        </p:cTn>
+                                        <p:tgtEl>
+                                          <p:spTgt spid="19"/>
+                                        </p:tgtEl>
+                                        <p:attrNameLst>
+                                          <p:attrName>style.visibility</p:attrName>
+                                        </p:attrNameLst>
+                                      </p:cBhvr>
+                                      <p:to>
+                                        <p:strVal val="visible"/>
+                                      </p:to>
+                                    </p:set>
+                                  </p:childTnLst>
+                                </p:cTn>
+                              </p:par>
+                              <p:par>
+                                <p:cTn id="41" presetID="1" presetClass="entr" presetSubtype="0" fill="hold" grpId="0" nodeType="withEffect">
+                                  <p:stCondLst>
+                                    <p:cond delay="0"/>
+                                  </p:stCondLst>
+                                  <p:childTnLst>
+                                    <p:set>
+                                      <p:cBhvr>
+                                        <p:cTn id="42" dur="1" fill="hold">
+                                          <p:stCondLst>
+                                            <p:cond delay="0"/>
+                                          </p:stCondLst>
+                                        </p:cTn>
+                                        <p:tgtEl>
+                                          <p:spTgt spid="20"/>
+                                        </p:tgtEl>
+                                        <p:attrNameLst>
+                                          <p:attrName>style.visibility</p:attrName>
+                                        </p:attrNameLst>
+                                      </p:cBhvr>
+                                      <p:to>
+                                        <p:strVal val="visible"/>
+                                      </p:to>
+                                    </p:set>
+                                  </p:childTnLst>
+                                </p:cTn>
+                              </p:par>
+                            </p:childTnLst>
+                          </p:cTn>
+                        </p:par>
+                      </p:childTnLst>
+                    </p:cTn>
+                  </p:par>
+                  <p:par>
+                    <p:cTn id="43" fill="hold">
+                      <p:stCondLst>
+                        <p:cond delay="indefinite"/>
+                      </p:stCondLst>
+                      <p:childTnLst>
+                        <p:par>
+                          <p:cTn id="44" fill="hold">
+                            <p:stCondLst>
+                              <p:cond delay="0"/>
+                            </p:stCondLst>
+                            <p:childTnLst>
+                              <p:par>
+                                <p:cTn id="45" presetID="1" presetClass="exit" presetSubtype="0" fill="hold" nodeType="clickEffect">
+                                  <p:stCondLst>
+                                    <p:cond delay="0"/>
+                                  </p:stCondLst>
+                                  <p:childTnLst>
+                                    <p:set>
+                                      <p:cBhvr>
+                                        <p:cTn id="46" dur="1" fill="hold">
+                                          <p:stCondLst>
+                                            <p:cond delay="0"/>
+                                          </p:stCondLst>
+                                        </p:cTn>
+                                        <p:tgtEl>
+                                          <p:spTgt spid="18"/>
+                                        </p:tgtEl>
+                                        <p:attrNameLst>
+                                          <p:attrName>style.visibility</p:attrName>
+                                        </p:attrNameLst>
+                                      </p:cBhvr>
+                                      <p:to>
+                                        <p:strVal val="hidden"/>
+                                      </p:to>
+                                    </p:set>
+                                  </p:childTnLst>
+                                </p:cTn>
+                              </p:par>
+                              <p:par>
+                                <p:cTn id="47" presetID="1" presetClass="exit" presetSubtype="0" fill="hold" nodeType="withEffect">
+                                  <p:stCondLst>
+                                    <p:cond delay="0"/>
+                                  </p:stCondLst>
+                                  <p:childTnLst>
+                                    <p:set>
+                                      <p:cBhvr>
+                                        <p:cTn id="48" dur="1" fill="hold">
+                                          <p:stCondLst>
+                                            <p:cond delay="0"/>
+                                          </p:stCondLst>
+                                        </p:cTn>
+                                        <p:tgtEl>
+                                          <p:spTgt spid="12"/>
+                                        </p:tgtEl>
+                                        <p:attrNameLst>
+                                          <p:attrName>style.visibility</p:attrName>
+                                        </p:attrNameLst>
+                                      </p:cBhvr>
+                                      <p:to>
+                                        <p:strVal val="hidden"/>
+                                      </p:to>
+                                    </p:set>
+                                  </p:childTnLst>
+                                </p:cTn>
+                              </p:par>
+                              <p:par>
+                                <p:cTn id="49" presetID="1" presetClass="exit" presetSubtype="0" fill="hold" nodeType="withEffect">
+                                  <p:stCondLst>
+                                    <p:cond delay="0"/>
+                                  </p:stCondLst>
+                                  <p:childTnLst>
+                                    <p:set>
+                                      <p:cBhvr>
+                                        <p:cTn id="50" dur="1" fill="hold">
+                                          <p:stCondLst>
+                                            <p:cond delay="0"/>
+                                          </p:stCondLst>
+                                        </p:cTn>
+                                        <p:tgtEl>
+                                          <p:spTgt spid="13"/>
+                                        </p:tgtEl>
+                                        <p:attrNameLst>
+                                          <p:attrName>style.visibility</p:attrName>
+                                        </p:attrNameLst>
+                                      </p:cBhvr>
+                                      <p:to>
+                                        <p:strVal val="hidden"/>
+                                      </p:to>
+                                    </p:set>
+                                  </p:childTnLst>
+                                </p:cTn>
+                              </p:par>
+                              <p:par>
+                                <p:cTn id="51" presetID="1" presetClass="entr" presetSubtype="0" fill="hold" nodeType="withEffect">
+                                  <p:stCondLst>
+                                    <p:cond delay="0"/>
+                                  </p:stCondLst>
+                                  <p:childTnLst>
+                                    <p:set>
+                                      <p:cBhvr>
+                                        <p:cTn id="52" dur="1" fill="hold">
+                                          <p:stCondLst>
+                                            <p:cond delay="0"/>
+                                          </p:stCondLst>
+                                        </p:cTn>
+                                        <p:tgtEl>
+                                          <p:spTgt spid="21"/>
+                                        </p:tgtEl>
+                                        <p:attrNameLst>
+                                          <p:attrName>style.visibility</p:attrName>
+                                        </p:attrNameLst>
+                                      </p:cBhvr>
+                                      <p:to>
+                                        <p:strVal val="visible"/>
+                                      </p:to>
+                                    </p:set>
+                                  </p:childTnLst>
+                                </p:cTn>
+                              </p:par>
+                              <p:par>
+                                <p:cTn id="53" presetID="1" presetClass="entr" presetSubtype="0" fill="hold" nodeType="withEffect">
+                                  <p:stCondLst>
+                                    <p:cond delay="0"/>
+                                  </p:stCondLst>
+                                  <p:childTnLst>
+                                    <p:set>
+                                      <p:cBhvr>
+                                        <p:cTn id="54" dur="1" fill="hold">
+                                          <p:stCondLst>
+                                            <p:cond delay="0"/>
+                                          </p:stCondLst>
+                                        </p:cTn>
+                                        <p:tgtEl>
+                                          <p:spTgt spid="22"/>
+                                        </p:tgtEl>
+                                        <p:attrNameLst>
+                                          <p:attrName>style.visibility</p:attrName>
+                                        </p:attrNameLst>
+                                      </p:cBhvr>
+                                      <p:to>
+                                        <p:strVal val="visible"/>
+                                      </p:to>
+                                    </p:set>
+                                  </p:childTnLst>
+                                </p:cTn>
+                              </p:par>
+                            </p:childTnLst>
+                          </p:cTn>
+                        </p:par>
+                      </p:childTnLst>
+                    </p:cTn>
+                  </p:par>
+                  <p:par>
+                    <p:cTn id="55" fill="hold">
+                      <p:stCondLst>
+                        <p:cond delay="indefinite"/>
+                      </p:stCondLst>
+                      <p:childTnLst>
+                        <p:par>
+                          <p:cTn id="56" fill="hold">
+                            <p:stCondLst>
+                              <p:cond delay="0"/>
+                            </p:stCondLst>
+                            <p:childTnLst>
+                              <p:par>
+                                <p:cTn id="57" presetID="1" presetClass="entr" presetSubtype="0" fill="hold" grpId="0" nodeType="clickEffect">
+                                  <p:stCondLst>
+                                    <p:cond delay="0"/>
+                                  </p:stCondLst>
+                                  <p:childTnLst>
+                                    <p:set>
+                                      <p:cBhvr>
+                                        <p:cTn id="58" dur="1" fill="hold">
+                                          <p:stCondLst>
+                                            <p:cond delay="0"/>
+                                          </p:stCondLst>
+                                        </p:cTn>
+                                        <p:tgtEl>
+                                          <p:spTgt spid="23"/>
+                                        </p:tgtEl>
+                                        <p:attrNameLst>
+                                          <p:attrName>style.visibility</p:attrName>
+                                        </p:attrNameLst>
+                                      </p:cBhvr>
+                                      <p:to>
+                                        <p:strVal val="visible"/>
+                                      </p:to>
+                                    </p:set>
+                                  </p:childTnLst>
+                                </p:cTn>
+                              </p:par>
+                            </p:childTnLst>
+                          </p:cTn>
+                        </p:par>
+                      </p:childTnLst>
+                    </p:cTn>
+                  </p:par>
+                </p:childTnLst>
+              </p:cTn>
+              <p:prevCondLst>
+                <p:cond evt="onPrev" delay="0">
+                  <p:tgtEl>
+                    <p:sldTgt/>
+                  </p:tgtEl>
+                </p:cond>
+              </p:prevCondLst>
+              <p:nextCondLst>
+                <p:cond evt="onNext" delay="0">
+                  <p:tgtEl>
+                    <p:sldTgt/>
+                  </p:tgtEl>
+                </p:cond>
+              </p:nextCondLst>
+            </p:seq>
+          </p:childTnLst>
+        </p:cTn>
+      </p:par>
+    </p:tnLst>
+    <p:bldLst>
+      <p:bldP spid="9" grpId="0" bldLvl="0" animBg="1"/>
+      <p:bldP spid="10" grpId="0" bldLvl="0" animBg="1"/>
+      <p:bldP spid="15" grpId="0"/>
+      <p:bldP spid="9" grpId="1" animBg="1"/>
+      <p:bldP spid="10" grpId="1" animBg="1"/>
+      <p:bldP spid="15" grpId="1"/>
+      <p:bldP spid="16" grpId="0" bldLvl="0" animBg="1"/>
+      <p:bldP spid="16" grpId="1" animBg="1"/>
+      <p:bldP spid="19" grpId="0" bldLvl="0" animBg="1"/>
+      <p:bldP spid="20" grpId="0" bldLvl="0" animBg="1"/>
+      <p:bldP spid="19" grpId="1" animBg="1"/>
+      <p:bldP spid="20" grpId="1" animBg="1"/>
+      <p:bldP spid="23" grpId="0" bldLvl="0" animBg="1"/>
+      <p:bldP spid="23" grpId="1" animBg="1"/>
+    </p:bldLst>
+  </p:timing>
+</p:sld>
+</file>
+
+<file path=ppt/slides/slide9.xml><?xml version="1.0" encoding="utf-8"?>
+<p:sld xmlns:a="http://schemas.openxmlformats.org/drawingml/2006/main" xmlns:r="http://schemas.openxmlformats.org/officeDocument/2006/relationships" xmlns:p="http://schemas.openxmlformats.org/presentationml/2006/main">
+  <p:cSld>
+    <p:spTree>
+      <p:nvGrpSpPr>
+        <p:cNvPr id="1" name=""/>
+        <p:cNvGrpSpPr/>
+        <p:nvPr/>
+      </p:nvGrpSpPr>
+      <p:grpSpPr/>
+      <p:sp>
+        <p:nvSpPr>
+          <p:cNvPr id="2" name="Title 1"/>
+          <p:cNvSpPr>
+            <a:spLocks noGrp="1"/>
+          </p:cNvSpPr>
+          <p:nvPr>
+            <p:ph type="title"/>
+          </p:nvPr>
+        </p:nvSpPr>
+        <p:spPr>
+          <a:xfrm>
+            <a:off x="647700" y="0"/>
+            <a:ext cx="10515600" cy="1325563"/>
+          </a:xfrm>
+        </p:spPr>
+        <p:txBody>
+          <a:bodyPr/>
+          <a:p>
+            <a:r>
+              <a:rPr lang="en-US"/>
+              <a:t>Kafka Consumers: Reading Data from Kafka</a:t>
+            </a:r>
+            <a:endParaRPr lang="en-US"/>
+          </a:p>
+        </p:txBody>
+      </p:sp>
+      <p:sp>
+        <p:nvSpPr>
+          <p:cNvPr id="3" name="Rectangles 2"/>
+          <p:cNvSpPr/>
+          <p:nvPr/>
+        </p:nvSpPr>
+        <p:spPr>
+          <a:xfrm>
+            <a:off x="3238500" y="1640205"/>
+            <a:ext cx="1962150" cy="2687955"/>
+          </a:xfrm>
+          <a:prstGeom prst="rect">
+            <a:avLst/>
+          </a:prstGeom>
+          <a:solidFill>
+            <a:schemeClr val="accent1">
+              <a:lumMod val="60000"/>
+              <a:lumOff val="40000"/>
+            </a:schemeClr>
+          </a:solidFill>
+          <a:ln w="25400">
+            <a:solidFill>
+              <a:srgbClr val="202020"/>
+            </a:solidFill>
+          </a:ln>
+        </p:spPr>
+        <p:style>
+          <a:lnRef idx="2">
+            <a:schemeClr val="accent1">
+              <a:shade val="50000"/>
+            </a:schemeClr>
+          </a:lnRef>
+          <a:fillRef idx="1">
+            <a:schemeClr val="accent1"/>
+          </a:fillRef>
+          <a:effectRef idx="0">
+            <a:schemeClr val="accent1"/>
+          </a:effectRef>
+          <a:fontRef idx="minor">
+            <a:schemeClr val="lt1"/>
+          </a:fontRef>
+        </p:style>
+        <p:txBody>
+          <a:bodyPr rtlCol="0" anchor="ctr"/>
+          <a:p>
+            <a:pPr algn="ctr"/>
+            <a:endParaRPr lang="en-US">
+              <a:latin typeface="Lato" panose="020F0502020204030203" charset="0"/>
+              <a:cs typeface="Lato" panose="020F0502020204030203" charset="0"/>
+            </a:endParaRPr>
+          </a:p>
+        </p:txBody>
+      </p:sp>
+      <p:sp>
+        <p:nvSpPr>
+          <p:cNvPr id="4" name="Rectangles 3"/>
+          <p:cNvSpPr/>
+          <p:nvPr/>
+        </p:nvSpPr>
+        <p:spPr>
+          <a:xfrm>
+            <a:off x="3423285" y="2171065"/>
+            <a:ext cx="1592580" cy="408940"/>
+          </a:xfrm>
+          <a:prstGeom prst="rect">
+            <a:avLst/>
+          </a:prstGeom>
+          <a:solidFill>
+            <a:schemeClr val="bg1">
+              <a:lumMod val="75000"/>
+            </a:schemeClr>
+          </a:solidFill>
+          <a:ln w="25400">
+            <a:solidFill>
+              <a:srgbClr val="202020"/>
+            </a:solidFill>
+          </a:ln>
+        </p:spPr>
+        <p:style>
+          <a:lnRef idx="2">
+            <a:schemeClr val="accent1">
+              <a:shade val="50000"/>
+            </a:schemeClr>
+          </a:lnRef>
+          <a:fillRef idx="1">
+            <a:schemeClr val="accent1"/>
+          </a:fillRef>
+          <a:effectRef idx="0">
+            <a:schemeClr val="accent1"/>
+          </a:effectRef>
+          <a:fontRef idx="minor">
+            <a:schemeClr val="lt1"/>
+          </a:fontRef>
+        </p:style>
+        <p:txBody>
+          <a:bodyPr rtlCol="0" anchor="ctr"/>
+          <a:p>
+            <a:pPr algn="ctr"/>
+            <a:r>
+              <a:rPr lang="en-US" altLang="vi-VN" sz="1600">
+                <a:solidFill>
+                  <a:schemeClr val="tx1"/>
+                </a:solidFill>
+                <a:latin typeface="Lato" panose="020F0502020204030203" charset="0"/>
+                <a:cs typeface="Lato" panose="020F0502020204030203" charset="0"/>
+              </a:rPr>
+              <a:t>Partition 0</a:t>
+            </a:r>
+            <a:endParaRPr lang="en-US" altLang="vi-VN" sz="1600">
+              <a:solidFill>
+                <a:schemeClr val="tx1"/>
+              </a:solidFill>
+              <a:latin typeface="Lato" panose="020F0502020204030203" charset="0"/>
+              <a:cs typeface="Lato" panose="020F0502020204030203" charset="0"/>
+            </a:endParaRPr>
+          </a:p>
+        </p:txBody>
+      </p:sp>
+      <p:sp>
+        <p:nvSpPr>
+          <p:cNvPr id="5" name="Rectangles 4"/>
+          <p:cNvSpPr/>
+          <p:nvPr/>
+        </p:nvSpPr>
+        <p:spPr>
+          <a:xfrm>
+            <a:off x="3423285" y="2686050"/>
+            <a:ext cx="1592580" cy="408940"/>
+          </a:xfrm>
+          <a:prstGeom prst="rect">
+            <a:avLst/>
+          </a:prstGeom>
+          <a:solidFill>
+            <a:schemeClr val="bg1">
+              <a:lumMod val="75000"/>
+            </a:schemeClr>
+          </a:solidFill>
+          <a:ln w="25400">
+            <a:solidFill>
+              <a:srgbClr val="202020"/>
+            </a:solidFill>
+          </a:ln>
+        </p:spPr>
+        <p:style>
+          <a:lnRef idx="2">
+            <a:schemeClr val="accent1">
+              <a:shade val="50000"/>
+            </a:schemeClr>
+          </a:lnRef>
+          <a:fillRef idx="1">
+            <a:schemeClr val="accent1"/>
+          </a:fillRef>
+          <a:effectRef idx="0">
+            <a:schemeClr val="accent1"/>
+          </a:effectRef>
+          <a:fontRef idx="minor">
+            <a:schemeClr val="lt1"/>
+          </a:fontRef>
+        </p:style>
+        <p:txBody>
+          <a:bodyPr rtlCol="0" anchor="ctr"/>
+          <a:p>
+            <a:pPr algn="ctr"/>
+            <a:r>
+              <a:rPr lang="en-US" altLang="vi-VN" sz="1600">
+                <a:solidFill>
+                  <a:schemeClr val="tx1"/>
+                </a:solidFill>
+                <a:latin typeface="Lato" panose="020F0502020204030203" charset="0"/>
+                <a:cs typeface="Lato" panose="020F0502020204030203" charset="0"/>
+              </a:rPr>
+              <a:t>Partition </a:t>
+            </a:r>
+            <a:r>
+              <a:rPr lang="vi-VN" altLang="en-US" sz="1600">
+                <a:solidFill>
+                  <a:schemeClr val="tx1"/>
+                </a:solidFill>
+                <a:latin typeface="Lato" panose="020F0502020204030203" charset="0"/>
+                <a:cs typeface="Lato" panose="020F0502020204030203" charset="0"/>
+              </a:rPr>
+              <a:t>1</a:t>
+            </a:r>
+            <a:endParaRPr lang="vi-VN" altLang="en-US" sz="1600">
+              <a:solidFill>
+                <a:schemeClr val="tx1"/>
+              </a:solidFill>
+              <a:latin typeface="Lato" panose="020F0502020204030203" charset="0"/>
+              <a:cs typeface="Lato" panose="020F0502020204030203" charset="0"/>
+            </a:endParaRPr>
+          </a:p>
+        </p:txBody>
+      </p:sp>
+      <p:sp>
+        <p:nvSpPr>
+          <p:cNvPr id="6" name="Rectangles 5"/>
+          <p:cNvSpPr/>
+          <p:nvPr/>
+        </p:nvSpPr>
+        <p:spPr>
+          <a:xfrm>
+            <a:off x="3423285" y="3235325"/>
+            <a:ext cx="1592580" cy="408940"/>
+          </a:xfrm>
+          <a:prstGeom prst="rect">
+            <a:avLst/>
+          </a:prstGeom>
+          <a:solidFill>
+            <a:schemeClr val="bg1">
+              <a:lumMod val="75000"/>
+            </a:schemeClr>
+          </a:solidFill>
+          <a:ln w="25400">
+            <a:solidFill>
+              <a:srgbClr val="202020"/>
+            </a:solidFill>
+          </a:ln>
+        </p:spPr>
+        <p:style>
+          <a:lnRef idx="2">
+            <a:schemeClr val="accent1">
+              <a:shade val="50000"/>
+            </a:schemeClr>
+          </a:lnRef>
+          <a:fillRef idx="1">
+            <a:schemeClr val="accent1"/>
+          </a:fillRef>
+          <a:effectRef idx="0">
+            <a:schemeClr val="accent1"/>
+          </a:effectRef>
+          <a:fontRef idx="minor">
+            <a:schemeClr val="lt1"/>
+          </a:fontRef>
+        </p:style>
+        <p:txBody>
+          <a:bodyPr rtlCol="0" anchor="ctr"/>
+          <a:p>
+            <a:pPr algn="ctr"/>
+            <a:r>
+              <a:rPr lang="en-US" altLang="vi-VN" sz="1600">
+                <a:solidFill>
+                  <a:schemeClr val="tx1"/>
+                </a:solidFill>
+                <a:latin typeface="Lato" panose="020F0502020204030203" charset="0"/>
+                <a:cs typeface="Lato" panose="020F0502020204030203" charset="0"/>
+              </a:rPr>
+              <a:t>Partition </a:t>
+            </a:r>
+            <a:r>
+              <a:rPr lang="vi-VN" altLang="en-US" sz="1600">
+                <a:solidFill>
+                  <a:schemeClr val="tx1"/>
+                </a:solidFill>
+                <a:latin typeface="Lato" panose="020F0502020204030203" charset="0"/>
+                <a:cs typeface="Lato" panose="020F0502020204030203" charset="0"/>
+              </a:rPr>
+              <a:t>2</a:t>
+            </a:r>
+            <a:endParaRPr lang="vi-VN" altLang="en-US" sz="1600">
+              <a:solidFill>
+                <a:schemeClr val="tx1"/>
+              </a:solidFill>
+              <a:latin typeface="Lato" panose="020F0502020204030203" charset="0"/>
+              <a:cs typeface="Lato" panose="020F0502020204030203" charset="0"/>
+            </a:endParaRPr>
+          </a:p>
+        </p:txBody>
+      </p:sp>
+      <p:sp>
+        <p:nvSpPr>
+          <p:cNvPr id="7" name="Rectangles 6"/>
+          <p:cNvSpPr/>
+          <p:nvPr/>
+        </p:nvSpPr>
+        <p:spPr>
+          <a:xfrm>
+            <a:off x="3423285" y="3761105"/>
+            <a:ext cx="1592580" cy="408940"/>
+          </a:xfrm>
+          <a:prstGeom prst="rect">
+            <a:avLst/>
+          </a:prstGeom>
+          <a:solidFill>
+            <a:schemeClr val="bg1">
+              <a:lumMod val="75000"/>
+            </a:schemeClr>
+          </a:solidFill>
+          <a:ln w="25400">
+            <a:solidFill>
+              <a:srgbClr val="202020"/>
+            </a:solidFill>
+          </a:ln>
+        </p:spPr>
+        <p:style>
+          <a:lnRef idx="2">
+            <a:schemeClr val="accent1">
+              <a:shade val="50000"/>
+            </a:schemeClr>
+          </a:lnRef>
+          <a:fillRef idx="1">
+            <a:schemeClr val="accent1"/>
+          </a:fillRef>
+          <a:effectRef idx="0">
+            <a:schemeClr val="accent1"/>
+          </a:effectRef>
+          <a:fontRef idx="minor">
+            <a:schemeClr val="lt1"/>
+          </a:fontRef>
+        </p:style>
+        <p:txBody>
+          <a:bodyPr rtlCol="0" anchor="ctr"/>
+          <a:p>
+            <a:pPr algn="ctr"/>
+            <a:r>
+              <a:rPr lang="en-US" altLang="vi-VN" sz="1600">
+                <a:solidFill>
+                  <a:schemeClr val="tx1"/>
+                </a:solidFill>
+                <a:latin typeface="Lato" panose="020F0502020204030203" charset="0"/>
+                <a:cs typeface="Lato" panose="020F0502020204030203" charset="0"/>
+              </a:rPr>
+              <a:t>Partition </a:t>
+            </a:r>
+            <a:r>
+              <a:rPr lang="vi-VN" altLang="en-US" sz="1600">
+                <a:solidFill>
+                  <a:schemeClr val="tx1"/>
+                </a:solidFill>
+                <a:latin typeface="Lato" panose="020F0502020204030203" charset="0"/>
+                <a:cs typeface="Lato" panose="020F0502020204030203" charset="0"/>
+              </a:rPr>
+              <a:t>3</a:t>
+            </a:r>
+            <a:endParaRPr lang="vi-VN" altLang="en-US" sz="1600">
+              <a:solidFill>
+                <a:schemeClr val="tx1"/>
+              </a:solidFill>
+              <a:latin typeface="Lato" panose="020F0502020204030203" charset="0"/>
+              <a:cs typeface="Lato" panose="020F0502020204030203" charset="0"/>
+            </a:endParaRPr>
+          </a:p>
+        </p:txBody>
+      </p:sp>
+      <p:sp>
+        <p:nvSpPr>
+          <p:cNvPr id="8" name="Text Box 7"/>
+          <p:cNvSpPr txBox="1"/>
+          <p:nvPr/>
+        </p:nvSpPr>
+        <p:spPr>
+          <a:xfrm>
+            <a:off x="3760470" y="1711960"/>
+            <a:ext cx="935990" cy="337185"/>
+          </a:xfrm>
+          <a:prstGeom prst="rect">
+            <a:avLst/>
+          </a:prstGeom>
+          <a:noFill/>
+        </p:spPr>
+        <p:txBody>
+          <a:bodyPr wrap="none" rtlCol="0">
+            <a:spAutoFit/>
+          </a:bodyPr>
+          <a:p>
+            <a:r>
+              <a:rPr lang="vi-VN" altLang="en-US" sz="1600">
+                <a:latin typeface="Lato" panose="020F0502020204030203" charset="0"/>
+                <a:cs typeface="Lato" panose="020F0502020204030203" charset="0"/>
+              </a:rPr>
+              <a:t>Topic T1</a:t>
+            </a:r>
+            <a:endParaRPr lang="vi-VN" altLang="en-US" sz="1600">
+              <a:latin typeface="Lato" panose="020F0502020204030203" charset="0"/>
+              <a:cs typeface="Lato" panose="020F0502020204030203" charset="0"/>
+            </a:endParaRPr>
+          </a:p>
+        </p:txBody>
+      </p:sp>
+      <p:sp>
+        <p:nvSpPr>
+          <p:cNvPr id="9" name="Rectangles 8"/>
+          <p:cNvSpPr/>
+          <p:nvPr/>
+        </p:nvSpPr>
+        <p:spPr>
+          <a:xfrm>
+            <a:off x="6436995" y="1640205"/>
+            <a:ext cx="1962150" cy="2688590"/>
+          </a:xfrm>
+          <a:prstGeom prst="rect">
+            <a:avLst/>
+          </a:prstGeom>
+          <a:solidFill>
+            <a:schemeClr val="accent6">
+              <a:lumMod val="40000"/>
+              <a:lumOff val="60000"/>
+            </a:schemeClr>
+          </a:solidFill>
+          <a:ln w="25400">
+            <a:solidFill>
+              <a:srgbClr val="202020"/>
+            </a:solidFill>
+          </a:ln>
+        </p:spPr>
+        <p:style>
+          <a:lnRef idx="2">
+            <a:schemeClr val="accent1">
+              <a:shade val="50000"/>
+            </a:schemeClr>
+          </a:lnRef>
+          <a:fillRef idx="1">
+            <a:schemeClr val="accent1"/>
+          </a:fillRef>
+          <a:effectRef idx="0">
+            <a:schemeClr val="accent1"/>
+          </a:effectRef>
+          <a:fontRef idx="minor">
+            <a:schemeClr val="lt1"/>
+          </a:fontRef>
+        </p:style>
+        <p:txBody>
+          <a:bodyPr rtlCol="0" anchor="ctr"/>
+          <a:p>
+            <a:pPr algn="ctr"/>
+            <a:endParaRPr lang="en-US">
+              <a:latin typeface="Lato" panose="020F0502020204030203" charset="0"/>
+              <a:cs typeface="Lato" panose="020F0502020204030203" charset="0"/>
+            </a:endParaRPr>
+          </a:p>
+        </p:txBody>
+      </p:sp>
+      <p:sp>
+        <p:nvSpPr>
+          <p:cNvPr id="10" name="Rectangles 9"/>
+          <p:cNvSpPr/>
+          <p:nvPr/>
+        </p:nvSpPr>
+        <p:spPr>
+          <a:xfrm>
+            <a:off x="6621780" y="2171065"/>
+            <a:ext cx="1592580" cy="408940"/>
+          </a:xfrm>
+          <a:prstGeom prst="rect">
+            <a:avLst/>
+          </a:prstGeom>
+          <a:solidFill>
+            <a:schemeClr val="accent2">
+              <a:lumMod val="60000"/>
+              <a:lumOff val="40000"/>
+            </a:schemeClr>
+          </a:solidFill>
+          <a:ln w="25400">
+            <a:solidFill>
+              <a:srgbClr val="202020"/>
+            </a:solidFill>
+          </a:ln>
+        </p:spPr>
+        <p:style>
+          <a:lnRef idx="2">
+            <a:schemeClr val="accent1">
+              <a:shade val="50000"/>
+            </a:schemeClr>
+          </a:lnRef>
+          <a:fillRef idx="1">
+            <a:schemeClr val="accent1"/>
+          </a:fillRef>
+          <a:effectRef idx="0">
+            <a:schemeClr val="accent1"/>
+          </a:effectRef>
+          <a:fontRef idx="minor">
+            <a:schemeClr val="lt1"/>
+          </a:fontRef>
+        </p:style>
+        <p:txBody>
+          <a:bodyPr rtlCol="0" anchor="ctr"/>
+          <a:p>
+            <a:pPr algn="ctr"/>
+            <a:r>
+              <a:rPr lang="en-US" altLang="vi-VN" sz="1600">
+                <a:solidFill>
+                  <a:schemeClr val="tx1"/>
+                </a:solidFill>
+                <a:latin typeface="Lato" panose="020F0502020204030203" charset="0"/>
+                <a:cs typeface="Lato" panose="020F0502020204030203" charset="0"/>
+              </a:rPr>
+              <a:t>Consumer 1</a:t>
+            </a:r>
+            <a:endParaRPr lang="en-US" altLang="vi-VN" sz="1600">
+              <a:solidFill>
+                <a:schemeClr val="tx1"/>
+              </a:solidFill>
+              <a:latin typeface="Lato" panose="020F0502020204030203" charset="0"/>
+              <a:cs typeface="Lato" panose="020F0502020204030203" charset="0"/>
+            </a:endParaRPr>
+          </a:p>
+        </p:txBody>
+      </p:sp>
+      <p:cxnSp>
+        <p:nvCxnSpPr>
+          <p:cNvPr id="11" name="Straight Arrow Connector 10"/>
+          <p:cNvCxnSpPr>
+            <a:stCxn id="4" idx="3"/>
+            <a:endCxn id="10" idx="1"/>
+          </p:cNvCxnSpPr>
+          <p:nvPr/>
+        </p:nvCxnSpPr>
+        <p:spPr>
+          <a:xfrm>
+            <a:off x="5015865" y="2375535"/>
+            <a:ext cx="1605915" cy="0"/>
+          </a:xfrm>
+          <a:prstGeom prst="straightConnector1">
+            <a:avLst/>
+          </a:prstGeom>
+          <a:ln w="25400">
+            <a:solidFill>
+              <a:srgbClr val="202020"/>
+            </a:solidFill>
+            <a:tailEnd type="triangle" w="lg" len="lg"/>
+          </a:ln>
+        </p:spPr>
+        <p:style>
+          <a:lnRef idx="1">
+            <a:schemeClr val="accent1"/>
+          </a:lnRef>
+          <a:fillRef idx="0">
+            <a:schemeClr val="accent1"/>
+          </a:fillRef>
+          <a:effectRef idx="0">
+            <a:schemeClr val="accent1"/>
+          </a:effectRef>
+          <a:fontRef idx="minor">
+            <a:schemeClr val="tx1"/>
+          </a:fontRef>
+        </p:style>
+      </p:cxnSp>
+      <p:sp>
+        <p:nvSpPr>
+          <p:cNvPr id="15" name="Text Box 14"/>
+          <p:cNvSpPr txBox="1"/>
+          <p:nvPr/>
+        </p:nvSpPr>
+        <p:spPr>
+          <a:xfrm>
+            <a:off x="6504305" y="1711960"/>
+            <a:ext cx="1828165" cy="337185"/>
+          </a:xfrm>
+          <a:prstGeom prst="rect">
+            <a:avLst/>
+          </a:prstGeom>
+          <a:noFill/>
+        </p:spPr>
+        <p:txBody>
+          <a:bodyPr wrap="none" rtlCol="0">
+            <a:spAutoFit/>
+          </a:bodyPr>
+          <a:p>
+            <a:r>
+              <a:rPr lang="vi-VN" altLang="en-US" sz="1600">
+                <a:latin typeface="Lato" panose="020F0502020204030203" charset="0"/>
+                <a:cs typeface="Lato" panose="020F0502020204030203" charset="0"/>
+              </a:rPr>
+              <a:t>Con</a:t>
+            </a:r>
+            <a:r>
+              <a:rPr lang="en-US" altLang="vi-VN" sz="1600">
+                <a:latin typeface="Lato" panose="020F0502020204030203" charset="0"/>
+                <a:cs typeface="Lato" panose="020F0502020204030203" charset="0"/>
+              </a:rPr>
+              <a:t>sumer group 1</a:t>
+            </a:r>
+            <a:endParaRPr lang="en-US" altLang="vi-VN" sz="1600">
+              <a:latin typeface="Lato" panose="020F0502020204030203" charset="0"/>
+              <a:cs typeface="Lato" panose="020F0502020204030203" charset="0"/>
+            </a:endParaRPr>
+          </a:p>
+        </p:txBody>
+      </p:sp>
+      <p:sp>
+        <p:nvSpPr>
+          <p:cNvPr id="16" name="Rectangles 15"/>
+          <p:cNvSpPr/>
+          <p:nvPr/>
+        </p:nvSpPr>
+        <p:spPr>
+          <a:xfrm>
+            <a:off x="6621780" y="2686050"/>
+            <a:ext cx="1592580" cy="408940"/>
+          </a:xfrm>
+          <a:prstGeom prst="rect">
+            <a:avLst/>
+          </a:prstGeom>
+          <a:solidFill>
+            <a:schemeClr val="accent2">
+              <a:lumMod val="60000"/>
+              <a:lumOff val="40000"/>
+            </a:schemeClr>
+          </a:solidFill>
+          <a:ln w="25400">
+            <a:solidFill>
+              <a:srgbClr val="202020"/>
+            </a:solidFill>
+          </a:ln>
+        </p:spPr>
+        <p:style>
+          <a:lnRef idx="2">
+            <a:schemeClr val="accent1">
+              <a:shade val="50000"/>
+            </a:schemeClr>
+          </a:lnRef>
+          <a:fillRef idx="1">
+            <a:schemeClr val="accent1"/>
+          </a:fillRef>
+          <a:effectRef idx="0">
+            <a:schemeClr val="accent1"/>
+          </a:effectRef>
+          <a:fontRef idx="minor">
+            <a:schemeClr val="lt1"/>
+          </a:fontRef>
+        </p:style>
+        <p:txBody>
+          <a:bodyPr rtlCol="0" anchor="ctr"/>
+          <a:p>
+            <a:pPr algn="ctr"/>
+            <a:r>
+              <a:rPr lang="en-US" altLang="vi-VN" sz="1600">
+                <a:solidFill>
+                  <a:schemeClr val="tx1"/>
+                </a:solidFill>
+                <a:latin typeface="Lato" panose="020F0502020204030203" charset="0"/>
+                <a:cs typeface="Lato" panose="020F0502020204030203" charset="0"/>
+              </a:rPr>
+              <a:t>Consumer 2</a:t>
+            </a:r>
+            <a:endParaRPr lang="en-US" altLang="vi-VN" sz="1600">
+              <a:solidFill>
+                <a:schemeClr val="tx1"/>
+              </a:solidFill>
+              <a:latin typeface="Lato" panose="020F0502020204030203" charset="0"/>
+              <a:cs typeface="Lato" panose="020F0502020204030203" charset="0"/>
+            </a:endParaRPr>
+          </a:p>
+        </p:txBody>
+      </p:sp>
+      <p:cxnSp>
+        <p:nvCxnSpPr>
+          <p:cNvPr id="17" name="Straight Arrow Connector 16"/>
+          <p:cNvCxnSpPr>
+            <a:stCxn id="5" idx="3"/>
+            <a:endCxn id="16" idx="1"/>
+          </p:cNvCxnSpPr>
+          <p:nvPr/>
+        </p:nvCxnSpPr>
+        <p:spPr>
+          <a:xfrm>
+            <a:off x="5015865" y="2890520"/>
+            <a:ext cx="1605915" cy="0"/>
+          </a:xfrm>
+          <a:prstGeom prst="straightConnector1">
+            <a:avLst/>
+          </a:prstGeom>
+          <a:ln w="25400">
+            <a:solidFill>
+              <a:srgbClr val="202020"/>
+            </a:solidFill>
+            <a:tailEnd type="triangle" w="lg" len="lg"/>
+          </a:ln>
+        </p:spPr>
+        <p:style>
+          <a:lnRef idx="1">
+            <a:schemeClr val="accent1"/>
+          </a:lnRef>
+          <a:fillRef idx="0">
+            <a:schemeClr val="accent1"/>
+          </a:fillRef>
+          <a:effectRef idx="0">
+            <a:schemeClr val="accent1"/>
+          </a:effectRef>
+          <a:fontRef idx="minor">
+            <a:schemeClr val="tx1"/>
+          </a:fontRef>
+        </p:style>
+      </p:cxnSp>
+      <p:sp>
+        <p:nvSpPr>
+          <p:cNvPr id="19" name="Rectangles 18"/>
+          <p:cNvSpPr/>
+          <p:nvPr/>
+        </p:nvSpPr>
+        <p:spPr>
+          <a:xfrm>
+            <a:off x="6622415" y="3235325"/>
+            <a:ext cx="1592580" cy="408940"/>
+          </a:xfrm>
+          <a:prstGeom prst="rect">
+            <a:avLst/>
+          </a:prstGeom>
+          <a:solidFill>
+            <a:schemeClr val="accent2">
+              <a:lumMod val="60000"/>
+              <a:lumOff val="40000"/>
+            </a:schemeClr>
+          </a:solidFill>
+          <a:ln w="25400">
+            <a:solidFill>
+              <a:srgbClr val="202020"/>
+            </a:solidFill>
+          </a:ln>
+        </p:spPr>
+        <p:style>
+          <a:lnRef idx="2">
+            <a:schemeClr val="accent1">
+              <a:shade val="50000"/>
+            </a:schemeClr>
+          </a:lnRef>
+          <a:fillRef idx="1">
+            <a:schemeClr val="accent1"/>
+          </a:fillRef>
+          <a:effectRef idx="0">
+            <a:schemeClr val="accent1"/>
+          </a:effectRef>
+          <a:fontRef idx="minor">
+            <a:schemeClr val="lt1"/>
+          </a:fontRef>
+        </p:style>
+        <p:txBody>
+          <a:bodyPr rtlCol="0" anchor="ctr"/>
+          <a:p>
+            <a:pPr algn="ctr"/>
+            <a:r>
+              <a:rPr lang="en-US" altLang="vi-VN" sz="1600">
+                <a:solidFill>
+                  <a:schemeClr val="tx1"/>
+                </a:solidFill>
+                <a:latin typeface="Lato" panose="020F0502020204030203" charset="0"/>
+                <a:cs typeface="Lato" panose="020F0502020204030203" charset="0"/>
+              </a:rPr>
+              <a:t>Consumer </a:t>
+            </a:r>
+            <a:r>
+              <a:rPr lang="vi-VN" altLang="en-US" sz="1600">
+                <a:solidFill>
+                  <a:schemeClr val="tx1"/>
+                </a:solidFill>
+                <a:latin typeface="Lato" panose="020F0502020204030203" charset="0"/>
+                <a:cs typeface="Lato" panose="020F0502020204030203" charset="0"/>
+              </a:rPr>
+              <a:t>3</a:t>
+            </a:r>
+            <a:endParaRPr lang="vi-VN" altLang="en-US" sz="1600">
+              <a:solidFill>
+                <a:schemeClr val="tx1"/>
+              </a:solidFill>
+              <a:latin typeface="Lato" panose="020F0502020204030203" charset="0"/>
+              <a:cs typeface="Lato" panose="020F0502020204030203" charset="0"/>
+            </a:endParaRPr>
+          </a:p>
+        </p:txBody>
+      </p:sp>
+      <p:sp>
+        <p:nvSpPr>
+          <p:cNvPr id="20" name="Rectangles 19"/>
+          <p:cNvSpPr/>
+          <p:nvPr/>
+        </p:nvSpPr>
+        <p:spPr>
+          <a:xfrm>
+            <a:off x="6621780" y="3761105"/>
+            <a:ext cx="1592580" cy="408940"/>
+          </a:xfrm>
+          <a:prstGeom prst="rect">
+            <a:avLst/>
+          </a:prstGeom>
+          <a:solidFill>
+            <a:schemeClr val="accent2">
+              <a:lumMod val="60000"/>
+              <a:lumOff val="40000"/>
+            </a:schemeClr>
+          </a:solidFill>
+          <a:ln w="25400">
+            <a:solidFill>
+              <a:srgbClr val="202020"/>
+            </a:solidFill>
+          </a:ln>
+        </p:spPr>
+        <p:style>
+          <a:lnRef idx="2">
+            <a:schemeClr val="accent1">
+              <a:shade val="50000"/>
+            </a:schemeClr>
+          </a:lnRef>
+          <a:fillRef idx="1">
+            <a:schemeClr val="accent1"/>
+          </a:fillRef>
+          <a:effectRef idx="0">
+            <a:schemeClr val="accent1"/>
+          </a:effectRef>
+          <a:fontRef idx="minor">
+            <a:schemeClr val="lt1"/>
+          </a:fontRef>
+        </p:style>
+        <p:txBody>
+          <a:bodyPr rtlCol="0" anchor="ctr"/>
+          <a:p>
+            <a:pPr algn="ctr"/>
+            <a:r>
+              <a:rPr lang="en-US" altLang="vi-VN" sz="1600">
+                <a:solidFill>
+                  <a:schemeClr val="tx1"/>
+                </a:solidFill>
+                <a:latin typeface="Lato" panose="020F0502020204030203" charset="0"/>
+                <a:cs typeface="Lato" panose="020F0502020204030203" charset="0"/>
+              </a:rPr>
+              <a:t>Consumer </a:t>
+            </a:r>
+            <a:r>
+              <a:rPr lang="vi-VN" altLang="en-US" sz="1600">
+                <a:solidFill>
+                  <a:schemeClr val="tx1"/>
+                </a:solidFill>
+                <a:latin typeface="Lato" panose="020F0502020204030203" charset="0"/>
+                <a:cs typeface="Lato" panose="020F0502020204030203" charset="0"/>
+              </a:rPr>
+              <a:t>4</a:t>
+            </a:r>
+            <a:endParaRPr lang="vi-VN" altLang="en-US" sz="1600">
+              <a:solidFill>
+                <a:schemeClr val="tx1"/>
+              </a:solidFill>
+              <a:latin typeface="Lato" panose="020F0502020204030203" charset="0"/>
+              <a:cs typeface="Lato" panose="020F0502020204030203" charset="0"/>
+            </a:endParaRPr>
+          </a:p>
+        </p:txBody>
+      </p:sp>
+      <p:cxnSp>
+        <p:nvCxnSpPr>
+          <p:cNvPr id="21" name="Straight Arrow Connector 20"/>
+          <p:cNvCxnSpPr>
+            <a:stCxn id="6" idx="3"/>
+            <a:endCxn id="19" idx="1"/>
+          </p:cNvCxnSpPr>
+          <p:nvPr/>
+        </p:nvCxnSpPr>
+        <p:spPr>
+          <a:xfrm>
+            <a:off x="5015865" y="3439795"/>
+            <a:ext cx="1606550" cy="0"/>
+          </a:xfrm>
+          <a:prstGeom prst="straightConnector1">
+            <a:avLst/>
+          </a:prstGeom>
+          <a:ln w="25400">
+            <a:solidFill>
+              <a:srgbClr val="202020"/>
+            </a:solidFill>
+            <a:tailEnd type="triangle" w="lg" len="lg"/>
+          </a:ln>
+        </p:spPr>
+        <p:style>
+          <a:lnRef idx="1">
+            <a:schemeClr val="accent1"/>
+          </a:lnRef>
+          <a:fillRef idx="0">
+            <a:schemeClr val="accent1"/>
+          </a:fillRef>
+          <a:effectRef idx="0">
+            <a:schemeClr val="accent1"/>
+          </a:effectRef>
+          <a:fontRef idx="minor">
+            <a:schemeClr val="tx1"/>
+          </a:fontRef>
+        </p:style>
+      </p:cxnSp>
+      <p:cxnSp>
+        <p:nvCxnSpPr>
+          <p:cNvPr id="22" name="Straight Arrow Connector 21"/>
+          <p:cNvCxnSpPr>
+            <a:stCxn id="7" idx="3"/>
+            <a:endCxn id="20" idx="1"/>
+          </p:cNvCxnSpPr>
+          <p:nvPr/>
+        </p:nvCxnSpPr>
+        <p:spPr>
+          <a:xfrm>
+            <a:off x="5015865" y="3965575"/>
+            <a:ext cx="1605915" cy="0"/>
+          </a:xfrm>
+          <a:prstGeom prst="straightConnector1">
+            <a:avLst/>
+          </a:prstGeom>
+          <a:ln w="25400">
+            <a:solidFill>
+              <a:srgbClr val="202020"/>
+            </a:solidFill>
+            <a:tailEnd type="triangle" w="lg" len="lg"/>
+          </a:ln>
+        </p:spPr>
+        <p:style>
+          <a:lnRef idx="1">
+            <a:schemeClr val="accent1"/>
+          </a:lnRef>
+          <a:fillRef idx="0">
+            <a:schemeClr val="accent1"/>
+          </a:fillRef>
+          <a:effectRef idx="0">
+            <a:schemeClr val="accent1"/>
+          </a:effectRef>
+          <a:fontRef idx="minor">
+            <a:schemeClr val="tx1"/>
+          </a:fontRef>
+        </p:style>
+      </p:cxnSp>
+      <p:sp>
+        <p:nvSpPr>
+          <p:cNvPr id="24" name="Rectangles 23"/>
+          <p:cNvSpPr/>
+          <p:nvPr/>
+        </p:nvSpPr>
+        <p:spPr>
+          <a:xfrm>
+            <a:off x="6436995" y="4454525"/>
+            <a:ext cx="1962150" cy="1646555"/>
+          </a:xfrm>
+          <a:prstGeom prst="rect">
+            <a:avLst/>
+          </a:prstGeom>
+          <a:solidFill>
+            <a:schemeClr val="accent6">
+              <a:lumMod val="40000"/>
+              <a:lumOff val="60000"/>
+            </a:schemeClr>
+          </a:solidFill>
+          <a:ln w="25400">
+            <a:solidFill>
+              <a:srgbClr val="202020"/>
+            </a:solidFill>
+          </a:ln>
+        </p:spPr>
+        <p:style>
+          <a:lnRef idx="2">
+            <a:schemeClr val="accent1">
+              <a:shade val="50000"/>
+            </a:schemeClr>
+          </a:lnRef>
+          <a:fillRef idx="1">
+            <a:schemeClr val="accent1"/>
+          </a:fillRef>
+          <a:effectRef idx="0">
+            <a:schemeClr val="accent1"/>
+          </a:effectRef>
+          <a:fontRef idx="minor">
+            <a:schemeClr val="lt1"/>
+          </a:fontRef>
+        </p:style>
+        <p:txBody>
+          <a:bodyPr rtlCol="0" anchor="ctr"/>
+          <a:p>
+            <a:pPr algn="ctr"/>
+            <a:endParaRPr lang="en-US">
+              <a:latin typeface="Lato" panose="020F0502020204030203" charset="0"/>
+              <a:cs typeface="Lato" panose="020F0502020204030203" charset="0"/>
+            </a:endParaRPr>
+          </a:p>
+        </p:txBody>
+      </p:sp>
+      <p:sp>
+        <p:nvSpPr>
+          <p:cNvPr id="25" name="Rectangles 24"/>
+          <p:cNvSpPr/>
+          <p:nvPr/>
+        </p:nvSpPr>
+        <p:spPr>
+          <a:xfrm>
+            <a:off x="6621780" y="4995545"/>
+            <a:ext cx="1592580" cy="408940"/>
+          </a:xfrm>
+          <a:prstGeom prst="rect">
+            <a:avLst/>
+          </a:prstGeom>
+          <a:solidFill>
+            <a:schemeClr val="accent2">
+              <a:lumMod val="60000"/>
+              <a:lumOff val="40000"/>
+            </a:schemeClr>
+          </a:solidFill>
+          <a:ln w="25400">
+            <a:solidFill>
+              <a:srgbClr val="202020"/>
+            </a:solidFill>
+          </a:ln>
+        </p:spPr>
+        <p:style>
+          <a:lnRef idx="2">
+            <a:schemeClr val="accent1">
+              <a:shade val="50000"/>
+            </a:schemeClr>
+          </a:lnRef>
+          <a:fillRef idx="1">
+            <a:schemeClr val="accent1"/>
+          </a:fillRef>
+          <a:effectRef idx="0">
+            <a:schemeClr val="accent1"/>
+          </a:effectRef>
+          <a:fontRef idx="minor">
+            <a:schemeClr val="lt1"/>
+          </a:fontRef>
+        </p:style>
+        <p:txBody>
+          <a:bodyPr rtlCol="0" anchor="ctr"/>
+          <a:p>
+            <a:pPr algn="ctr"/>
+            <a:r>
+              <a:rPr lang="en-US" altLang="vi-VN" sz="1600">
+                <a:solidFill>
+                  <a:schemeClr val="tx1"/>
+                </a:solidFill>
+                <a:latin typeface="Lato" panose="020F0502020204030203" charset="0"/>
+                <a:cs typeface="Lato" panose="020F0502020204030203" charset="0"/>
+              </a:rPr>
+              <a:t>Consumer 1</a:t>
+            </a:r>
+            <a:endParaRPr lang="en-US" altLang="vi-VN" sz="1600">
+              <a:solidFill>
+                <a:schemeClr val="tx1"/>
+              </a:solidFill>
+              <a:latin typeface="Lato" panose="020F0502020204030203" charset="0"/>
+              <a:cs typeface="Lato" panose="020F0502020204030203" charset="0"/>
+            </a:endParaRPr>
+          </a:p>
+        </p:txBody>
+      </p:sp>
+      <p:sp>
+        <p:nvSpPr>
+          <p:cNvPr id="26" name="Text Box 25"/>
+          <p:cNvSpPr txBox="1"/>
+          <p:nvPr/>
+        </p:nvSpPr>
+        <p:spPr>
+          <a:xfrm>
+            <a:off x="6504305" y="4536440"/>
+            <a:ext cx="1828165" cy="337185"/>
+          </a:xfrm>
+          <a:prstGeom prst="rect">
+            <a:avLst/>
+          </a:prstGeom>
+          <a:noFill/>
+        </p:spPr>
+        <p:txBody>
+          <a:bodyPr wrap="none" rtlCol="0">
+            <a:spAutoFit/>
+          </a:bodyPr>
+          <a:p>
+            <a:r>
+              <a:rPr lang="vi-VN" altLang="en-US" sz="1600">
+                <a:latin typeface="Lato" panose="020F0502020204030203" charset="0"/>
+                <a:cs typeface="Lato" panose="020F0502020204030203" charset="0"/>
+              </a:rPr>
+              <a:t>Con</a:t>
+            </a:r>
+            <a:r>
+              <a:rPr lang="en-US" altLang="vi-VN" sz="1600">
+                <a:latin typeface="Lato" panose="020F0502020204030203" charset="0"/>
+                <a:cs typeface="Lato" panose="020F0502020204030203" charset="0"/>
+              </a:rPr>
+              <a:t>sumer group </a:t>
+            </a:r>
+            <a:r>
+              <a:rPr lang="vi-VN" altLang="en-US" sz="1600">
+                <a:latin typeface="Lato" panose="020F0502020204030203" charset="0"/>
+                <a:cs typeface="Lato" panose="020F0502020204030203" charset="0"/>
+              </a:rPr>
+              <a:t>2</a:t>
+            </a:r>
+            <a:endParaRPr lang="vi-VN" altLang="en-US" sz="1600">
+              <a:latin typeface="Lato" panose="020F0502020204030203" charset="0"/>
+              <a:cs typeface="Lato" panose="020F0502020204030203" charset="0"/>
+            </a:endParaRPr>
+          </a:p>
+        </p:txBody>
+      </p:sp>
+      <p:sp>
+        <p:nvSpPr>
+          <p:cNvPr id="27" name="Rectangles 26"/>
+          <p:cNvSpPr/>
+          <p:nvPr/>
+        </p:nvSpPr>
+        <p:spPr>
+          <a:xfrm>
+            <a:off x="6621780" y="5510530"/>
+            <a:ext cx="1592580" cy="408940"/>
+          </a:xfrm>
+          <a:prstGeom prst="rect">
+            <a:avLst/>
+          </a:prstGeom>
+          <a:solidFill>
+            <a:schemeClr val="accent2">
+              <a:lumMod val="60000"/>
+              <a:lumOff val="40000"/>
+            </a:schemeClr>
+          </a:solidFill>
+          <a:ln w="25400">
+            <a:solidFill>
+              <a:srgbClr val="202020"/>
+            </a:solidFill>
+          </a:ln>
+        </p:spPr>
+        <p:style>
+          <a:lnRef idx="2">
+            <a:schemeClr val="accent1">
+              <a:shade val="50000"/>
+            </a:schemeClr>
+          </a:lnRef>
+          <a:fillRef idx="1">
+            <a:schemeClr val="accent1"/>
+          </a:fillRef>
+          <a:effectRef idx="0">
+            <a:schemeClr val="accent1"/>
+          </a:effectRef>
+          <a:fontRef idx="minor">
+            <a:schemeClr val="lt1"/>
+          </a:fontRef>
+        </p:style>
+        <p:txBody>
+          <a:bodyPr rtlCol="0" anchor="ctr"/>
+          <a:p>
+            <a:pPr algn="ctr"/>
+            <a:r>
+              <a:rPr lang="en-US" altLang="vi-VN" sz="1600">
+                <a:solidFill>
+                  <a:schemeClr val="tx1"/>
+                </a:solidFill>
+                <a:latin typeface="Lato" panose="020F0502020204030203" charset="0"/>
+                <a:cs typeface="Lato" panose="020F0502020204030203" charset="0"/>
+              </a:rPr>
+              <a:t>Consumer 2</a:t>
+            </a:r>
+            <a:endParaRPr lang="en-US" altLang="vi-VN" sz="1600">
+              <a:solidFill>
+                <a:schemeClr val="tx1"/>
+              </a:solidFill>
+              <a:latin typeface="Lato" panose="020F0502020204030203" charset="0"/>
+              <a:cs typeface="Lato" panose="020F0502020204030203" charset="0"/>
+            </a:endParaRPr>
+          </a:p>
+        </p:txBody>
+      </p:sp>
+      <p:cxnSp>
+        <p:nvCxnSpPr>
+          <p:cNvPr id="30" name="Straight Arrow Connector 29"/>
+          <p:cNvCxnSpPr>
+            <a:stCxn id="4" idx="3"/>
+            <a:endCxn id="25" idx="1"/>
+          </p:cNvCxnSpPr>
+          <p:nvPr/>
+        </p:nvCxnSpPr>
+        <p:spPr>
+          <a:xfrm>
+            <a:off x="5015865" y="2375535"/>
+            <a:ext cx="1605915" cy="2824480"/>
+          </a:xfrm>
+          <a:prstGeom prst="straightConnector1">
+            <a:avLst/>
+          </a:prstGeom>
+          <a:ln w="25400">
+            <a:solidFill>
+              <a:srgbClr val="202020"/>
+            </a:solidFill>
+            <a:tailEnd type="triangle" w="lg" len="lg"/>
+          </a:ln>
+        </p:spPr>
+        <p:style>
+          <a:lnRef idx="1">
+            <a:schemeClr val="accent1"/>
+          </a:lnRef>
+          <a:fillRef idx="0">
+            <a:schemeClr val="accent1"/>
+          </a:fillRef>
+          <a:effectRef idx="0">
+            <a:schemeClr val="accent1"/>
+          </a:effectRef>
+          <a:fontRef idx="minor">
+            <a:schemeClr val="tx1"/>
+          </a:fontRef>
+        </p:style>
+      </p:cxnSp>
+      <p:cxnSp>
+        <p:nvCxnSpPr>
+          <p:cNvPr id="31" name="Straight Arrow Connector 30"/>
+          <p:cNvCxnSpPr>
+            <a:stCxn id="5" idx="3"/>
+            <a:endCxn id="25" idx="1"/>
+          </p:cNvCxnSpPr>
+          <p:nvPr/>
+        </p:nvCxnSpPr>
+        <p:spPr>
+          <a:xfrm>
+            <a:off x="5015865" y="2890520"/>
+            <a:ext cx="1605915" cy="2309495"/>
+          </a:xfrm>
+          <a:prstGeom prst="straightConnector1">
+            <a:avLst/>
+          </a:prstGeom>
+          <a:ln w="25400">
+            <a:solidFill>
+              <a:srgbClr val="202020"/>
+            </a:solidFill>
+            <a:tailEnd type="triangle" w="lg" len="lg"/>
+          </a:ln>
+        </p:spPr>
+        <p:style>
+          <a:lnRef idx="1">
+            <a:schemeClr val="accent1"/>
+          </a:lnRef>
+          <a:fillRef idx="0">
+            <a:schemeClr val="accent1"/>
+          </a:fillRef>
+          <a:effectRef idx="0">
+            <a:schemeClr val="accent1"/>
+          </a:effectRef>
+          <a:fontRef idx="minor">
+            <a:schemeClr val="tx1"/>
+          </a:fontRef>
+        </p:style>
+      </p:cxnSp>
+      <p:cxnSp>
+        <p:nvCxnSpPr>
+          <p:cNvPr id="32" name="Straight Arrow Connector 31"/>
+          <p:cNvCxnSpPr/>
+          <p:nvPr/>
+        </p:nvCxnSpPr>
+        <p:spPr>
+          <a:xfrm>
+            <a:off x="5015865" y="3439795"/>
+            <a:ext cx="1605915" cy="2275205"/>
+          </a:xfrm>
+          <a:prstGeom prst="straightConnector1">
+            <a:avLst/>
+          </a:prstGeom>
+          <a:ln w="25400">
+            <a:solidFill>
+              <a:srgbClr val="202020"/>
+            </a:solidFill>
+            <a:tailEnd type="triangle" w="lg" len="lg"/>
+          </a:ln>
+        </p:spPr>
+        <p:style>
+          <a:lnRef idx="1">
+            <a:schemeClr val="accent1"/>
+          </a:lnRef>
+          <a:fillRef idx="0">
+            <a:schemeClr val="accent1"/>
+          </a:fillRef>
+          <a:effectRef idx="0">
+            <a:schemeClr val="accent1"/>
+          </a:effectRef>
+          <a:fontRef idx="minor">
+            <a:schemeClr val="tx1"/>
+          </a:fontRef>
+        </p:style>
+      </p:cxnSp>
+      <p:cxnSp>
+        <p:nvCxnSpPr>
+          <p:cNvPr id="33" name="Straight Arrow Connector 32"/>
+          <p:cNvCxnSpPr>
+            <a:stCxn id="7" idx="3"/>
+            <a:endCxn id="27" idx="1"/>
+          </p:cNvCxnSpPr>
+          <p:nvPr/>
+        </p:nvCxnSpPr>
+        <p:spPr>
+          <a:xfrm>
+            <a:off x="5015865" y="3965575"/>
+            <a:ext cx="1605915" cy="1749425"/>
+          </a:xfrm>
+          <a:prstGeom prst="straightConnector1">
+            <a:avLst/>
+          </a:prstGeom>
+          <a:ln w="25400">
+            <a:solidFill>
+              <a:srgbClr val="202020"/>
+            </a:solidFill>
+            <a:tailEnd type="triangle" w="lg" len="lg"/>
+          </a:ln>
+        </p:spPr>
+        <p:style>
+          <a:lnRef idx="1">
+            <a:schemeClr val="accent1"/>
+          </a:lnRef>
+          <a:fillRef idx="0">
+            <a:schemeClr val="accent1"/>
+          </a:fillRef>
+          <a:effectRef idx="0">
+            <a:schemeClr val="accent1"/>
+          </a:effectRef>
+          <a:fontRef idx="minor">
+            <a:schemeClr val="tx1"/>
+          </a:fontRef>
+        </p:style>
+      </p:cxnSp>
+    </p:spTree>
+  </p:cSld>
+  <p:clrMapOvr>
+    <a:masterClrMapping/>
+  </p:clrMapOvr>
+  <p:transition/>
+  <p:timing>
+    <p:tnLst>
+      <p:par>
+        <p:cTn id="1" dur="indefinite" restart="never" nodeType="tmRoot">
+          <p:childTnLst>
+            <p:seq concurrent="1" nextAc="seek">
+              <p:cTn id="2" dur="indefinite" nodeType="mainSeq">
+                <p:childTnLst>
+                  <p:par>
+                    <p:cTn id="3" fill="hold">
+                      <p:stCondLst>
+                        <p:cond delay="indefinite"/>
+                      </p:stCondLst>
+                      <p:childTnLst>
+                        <p:par>
+                          <p:cTn id="4" fill="hold">
+                            <p:stCondLst>
+                              <p:cond delay="0"/>
+                            </p:stCondLst>
+                            <p:childTnLst>
+                              <p:par>
+                                <p:cTn id="5" presetID="1" presetClass="entr" presetSubtype="0" fill="hold" nodeType="clickEffect">
+                                  <p:stCondLst>
+                                    <p:cond delay="0"/>
+                                  </p:stCondLst>
+                                  <p:childTnLst>
+                                    <p:set>
+                                      <p:cBhvr>
+                                        <p:cTn id="6" dur="1" fill="hold">
+                                          <p:stCondLst>
+                                            <p:cond delay="0"/>
+                                          </p:stCondLst>
+                                        </p:cTn>
+                                        <p:tgtEl>
+                                          <p:spTgt spid="30"/>
+                                        </p:tgtEl>
+                                        <p:attrNameLst>
+                                          <p:attrName>style.visibility</p:attrName>
+                                        </p:attrNameLst>
+                                      </p:cBhvr>
+                                      <p:to>
+                                        <p:strVal val="visible"/>
+                                      </p:to>
+                                    </p:set>
+                                  </p:childTnLst>
+                                </p:cTn>
+                              </p:par>
+                              <p:par>
+                                <p:cTn id="7" presetID="1" presetClass="entr" presetSubtype="0" fill="hold" nodeType="withEffect">
+                                  <p:stCondLst>
+                                    <p:cond delay="0"/>
+                                  </p:stCondLst>
+                                  <p:childTnLst>
+                                    <p:set>
+                                      <p:cBhvr>
+                                        <p:cTn id="8" dur="1" fill="hold">
+                                          <p:stCondLst>
+                                            <p:cond delay="0"/>
+                                          </p:stCondLst>
+                                        </p:cTn>
+                                        <p:tgtEl>
+                                          <p:spTgt spid="31"/>
+                                        </p:tgtEl>
+                                        <p:attrNameLst>
+                                          <p:attrName>style.visibility</p:attrName>
+                                        </p:attrNameLst>
+                                      </p:cBhvr>
+                                      <p:to>
+                                        <p:strVal val="visible"/>
+                                      </p:to>
+                                    </p:set>
+                                  </p:childTnLst>
+                                </p:cTn>
+                              </p:par>
+                              <p:par>
+                                <p:cTn id="9" presetID="1" presetClass="entr" presetSubtype="0" fill="hold" nodeType="withEffect">
+                                  <p:stCondLst>
+                                    <p:cond delay="0"/>
+                                  </p:stCondLst>
+                                  <p:childTnLst>
+                                    <p:set>
+                                      <p:cBhvr>
+                                        <p:cTn id="10" dur="1" fill="hold">
+                                          <p:stCondLst>
+                                            <p:cond delay="0"/>
+                                          </p:stCondLst>
+                                        </p:cTn>
+                                        <p:tgtEl>
+                                          <p:spTgt spid="32"/>
+                                        </p:tgtEl>
+                                        <p:attrNameLst>
+                                          <p:attrName>style.visibility</p:attrName>
+                                        </p:attrNameLst>
+                                      </p:cBhvr>
+                                      <p:to>
+                                        <p:strVal val="visible"/>
+                                      </p:to>
+                                    </p:set>
+                                  </p:childTnLst>
+                                </p:cTn>
+                              </p:par>
+                              <p:par>
+                                <p:cTn id="11" presetID="1" presetClass="entr" presetSubtype="0" fill="hold" nodeType="withEffect">
+                                  <p:stCondLst>
+                                    <p:cond delay="0"/>
+                                  </p:stCondLst>
+                                  <p:childTnLst>
+                                    <p:set>
+                                      <p:cBhvr>
+                                        <p:cTn id="12" dur="1" fill="hold">
+                                          <p:stCondLst>
+                                            <p:cond delay="0"/>
+                                          </p:stCondLst>
+                                        </p:cTn>
+                                        <p:tgtEl>
+                                          <p:spTgt spid="33"/>
+                                        </p:tgtEl>
+                                        <p:attrNameLst>
+                                          <p:attrName>style.visibility</p:attrName>
+                                        </p:attrNameLst>
+                                      </p:cBhvr>
+                                      <p:to>
+                                        <p:strVal val="visible"/>
+                                      </p:to>
+                                    </p:set>
+                                  </p:childTnLst>
+                                </p:cTn>
+                              </p:par>
+                            </p:childTnLst>
+                          </p:cTn>
+                        </p:par>
+                      </p:childTnLst>
+                    </p:cTn>
+                  </p:par>
+                </p:childTnLst>
+              </p:cTn>
+              <p:prevCondLst>
+                <p:cond evt="onPrev" delay="0">
+                  <p:tgtEl>
+                    <p:sldTgt/>
+                  </p:tgtEl>
+                </p:cond>
+              </p:prevCondLst>
+              <p:nextCondLst>
+                <p:cond evt="onNext" delay="0">
+                  <p:tgtEl>
+                    <p:sldTgt/>
+                  </p:tgtEl>
+                </p:cond>
+              </p:nextCondLst>
+            </p:seq>
+          </p:childTnLst>
+        </p:cTn>
+      </p:par>
+    </p:tnLst>
+  </p:timing>
 </p:sld>
 </file>
 

--- a/Kafka Definitive Guide.pptx
+++ b/Kafka Definitive Guide.pptx
@@ -724,6 +724,54 @@
             <a:r>
               <a:rPr lang="en-US"/>
               <a:t>Once we send the ProducerRecord, the first thing the producer will do is serialize the key and value objects to byte arrays so they can be sent over the network.</a:t>
+            </a:r>
+            <a:endParaRPr lang="en-US"/>
+          </a:p>
+        </p:txBody>
+      </p:sp>
+    </p:spTree>
+  </p:cSld>
+  <p:clrMapOvr>
+    <a:masterClrMapping/>
+  </p:clrMapOvr>
+</p:notes>
+</file>
+
+<file path=ppt/notesSlides/notesSlide3.xml><?xml version="1.0" encoding="utf-8"?>
+<p:notes xmlns:a="http://schemas.openxmlformats.org/drawingml/2006/main" xmlns:r="http://schemas.openxmlformats.org/officeDocument/2006/relationships" xmlns:p="http://schemas.openxmlformats.org/presentationml/2006/main">
+  <p:cSld>
+    <p:spTree>
+      <p:nvGrpSpPr>
+        <p:cNvPr id="1" name=""/>
+        <p:cNvGrpSpPr/>
+        <p:nvPr/>
+      </p:nvGrpSpPr>
+      <p:grpSpPr/>
+      <p:sp>
+        <p:nvSpPr>
+          <p:cNvPr id="2" name="Slide Image Placeholder 1"/>
+          <p:cNvSpPr/>
+          <p:nvPr>
+            <p:ph type="sldImg" idx="2"/>
+          </p:nvPr>
+        </p:nvSpPr>
+        <p:spPr/>
+      </p:sp>
+      <p:sp>
+        <p:nvSpPr>
+          <p:cNvPr id="3" name="Text Placeholder 2"/>
+          <p:cNvSpPr/>
+          <p:nvPr>
+            <p:ph type="body" idx="3"/>
+          </p:nvPr>
+        </p:nvSpPr>
+        <p:spPr/>
+        <p:txBody>
+          <a:bodyPr/>
+          <a:p>
+            <a:r>
+              <a:rPr lang="en-US"/>
+              <a:t>Moving partition ownership from one consumer to another is called a rebalance. Rebalances are important because they provide the consumer group with high availability and scalability</a:t>
             </a:r>
             <a:endParaRPr lang="en-US"/>
           </a:p>
@@ -3741,10 +3789,10 @@
           <a:bodyPr/>
           <a:p>
             <a:r>
-              <a:rPr lang="vi-VN" altLang="en-US"/>
-              <a:t>Consumers and Consumer Groups</a:t>
-            </a:r>
-            <a:endParaRPr lang="vi-VN" altLang="en-US"/>
+              <a:rPr lang="en-US" altLang="vi-VN"/>
+              <a:t>Consumer Groups and Partition Rebalance</a:t>
+            </a:r>
+            <a:endParaRPr lang="en-US" altLang="vi-VN"/>
           </a:p>
         </p:txBody>
       </p:sp>

--- a/Kafka Definitive Guide.pptx
+++ b/Kafka Definitive Guide.pptx
@@ -8,19 +8,20 @@
     <p:notesMasterId r:id="rId5"/>
   </p:notesMasterIdLst>
   <p:handoutMasterIdLst>
-    <p:handoutMasterId r:id="rId14"/>
+    <p:handoutMasterId r:id="rId15"/>
   </p:handoutMasterIdLst>
   <p:sldIdLst>
     <p:sldId id="256" r:id="rId3"/>
-    <p:sldId id="258" r:id="rId4"/>
-    <p:sldId id="259" r:id="rId6"/>
-    <p:sldId id="257" r:id="rId7"/>
-    <p:sldId id="260" r:id="rId8"/>
-    <p:sldId id="262" r:id="rId9"/>
-    <p:sldId id="263" r:id="rId10"/>
-    <p:sldId id="264" r:id="rId11"/>
-    <p:sldId id="266" r:id="rId12"/>
-    <p:sldId id="265" r:id="rId13"/>
+    <p:sldId id="268" r:id="rId4"/>
+    <p:sldId id="258" r:id="rId6"/>
+    <p:sldId id="259" r:id="rId7"/>
+    <p:sldId id="257" r:id="rId8"/>
+    <p:sldId id="260" r:id="rId9"/>
+    <p:sldId id="262" r:id="rId10"/>
+    <p:sldId id="263" r:id="rId11"/>
+    <p:sldId id="264" r:id="rId12"/>
+    <p:sldId id="266" r:id="rId13"/>
+    <p:sldId id="265" r:id="rId14"/>
   </p:sldIdLst>
   <p:sldSz cx="12192000" cy="6858000"/>
   <p:notesSz cx="7103745" cy="10234295"/>
@@ -661,22 +662,18 @@
           <a:p>
             <a:r>
               <a:rPr lang="en-US"/>
-              <a:t>The unit of data within Kafka is called a message.</a:t>
+              <a:t>- concept of pub/sub and why it is a critical component of data-driven application</a:t>
             </a:r>
             <a:endParaRPr lang="en-US"/>
           </a:p>
           <a:p>
             <a:r>
               <a:rPr lang="en-US"/>
-              <a:t>Message is similar to a row or a record in db.</a:t>
+              <a:t>- Pub/sub messaging is a pattern that is characterized by the sender (publisher) of a piece of data (message) not specifically directing it to a receiver. Instead, the publisher classifies the message somehow, and that receiver (subscriber) subscribes to receive certain classes of message.</a:t>
             </a:r>
             <a:endParaRPr lang="en-US"/>
           </a:p>
           <a:p>
-            <a:r>
-              <a:rPr lang="en-US"/>
-              <a:t>Data contained in a message (byte doesn’t have a specific format or meaning to Kafka.</a:t>
-            </a:r>
             <a:endParaRPr lang="en-US"/>
           </a:p>
         </p:txBody>
@@ -723,7 +720,50 @@
           <a:p>
             <a:r>
               <a:rPr lang="en-US"/>
-              <a:t>Once we send the ProducerRecord, the first thing the producer will do is serialize the key and value objects to byte arrays so they can be sent over the network.</a:t>
+              <a:t>The unit of data within Kafka is called a message.</a:t>
+            </a:r>
+            <a:r>
+              <a:rPr lang="vi-VN" altLang="en-US"/>
+              <a:t> You can think </a:t>
+            </a:r>
+            <a:r>
+              <a:rPr lang="en-US" altLang="vi-VN"/>
+              <a:t>of this as similar to a row or a record.</a:t>
+            </a:r>
+            <a:endParaRPr lang="en-US"/>
+          </a:p>
+          <a:p>
+            <a:r>
+              <a:rPr lang="en-US"/>
+              <a:t>A message if simply an array of bytes.</a:t>
+            </a:r>
+            <a:endParaRPr lang="en-US"/>
+          </a:p>
+          <a:p>
+            <a:r>
+              <a:rPr lang="en-US"/>
+              <a:t>A message can have an optional piece of metadata, which is referred to as a key.</a:t>
+            </a:r>
+            <a:endParaRPr lang="en-US"/>
+          </a:p>
+          <a:p>
+            <a:r>
+              <a:rPr lang="en-US"/>
+              <a:t>Messages are written into Kafka in batches.</a:t>
+            </a:r>
+            <a:endParaRPr lang="en-US"/>
+          </a:p>
+          <a:p>
+            <a:r>
+              <a:rPr lang="en-US"/>
+              <a:t>Trade-off between latency and throughput: more messages can be handled per unit of time.</a:t>
+            </a:r>
+            <a:endParaRPr lang="en-US"/>
+          </a:p>
+          <a:p>
+            <a:r>
+              <a:rPr lang="en-US"/>
+              <a:t>Batches are also typically compressed.</a:t>
             </a:r>
             <a:endParaRPr lang="en-US"/>
           </a:p>
@@ -738,6 +778,113 @@
 </file>
 
 <file path=ppt/notesSlides/notesSlide3.xml><?xml version="1.0" encoding="utf-8"?>
+<p:notes xmlns:a="http://schemas.openxmlformats.org/drawingml/2006/main" xmlns:r="http://schemas.openxmlformats.org/officeDocument/2006/relationships" xmlns:p="http://schemas.openxmlformats.org/presentationml/2006/main">
+  <p:cSld>
+    <p:spTree>
+      <p:nvGrpSpPr>
+        <p:cNvPr id="1" name=""/>
+        <p:cNvGrpSpPr/>
+        <p:nvPr/>
+      </p:nvGrpSpPr>
+      <p:grpSpPr/>
+      <p:sp>
+        <p:nvSpPr>
+          <p:cNvPr id="2" name="Slide Image Placeholder 1"/>
+          <p:cNvSpPr/>
+          <p:nvPr>
+            <p:ph type="sldImg" idx="2"/>
+          </p:nvPr>
+        </p:nvSpPr>
+        <p:spPr/>
+      </p:sp>
+      <p:sp>
+        <p:nvSpPr>
+          <p:cNvPr id="3" name="Text Placeholder 2"/>
+          <p:cNvSpPr/>
+          <p:nvPr>
+            <p:ph type="body" idx="3"/>
+          </p:nvPr>
+        </p:nvSpPr>
+        <p:spPr/>
+        <p:txBody>
+          <a:bodyPr/>
+          <a:p>
+            <a:r>
+              <a:rPr lang="en-US"/>
+              <a:t>Messages in Kafka are categorized into topics. The closest anologies for a topic are a database table.</a:t>
+            </a:r>
+            <a:endParaRPr lang="en-US"/>
+          </a:p>
+          <a:p>
+            <a:r>
+              <a:rPr lang="vi-VN" altLang="en-US"/>
+              <a:t>P</a:t>
+            </a:r>
+            <a:r>
+              <a:rPr lang="en-US" altLang="vi-VN"/>
+              <a:t>artitions are also the way that Kafka provides redundancy and scalability. Each partition can be hosted on a different server, which means that a single topic can scaled horizontally across multiple servers to provide performance far beyond the ability of a single server.</a:t>
+            </a:r>
+            <a:endParaRPr lang="en-US" altLang="vi-VN"/>
+          </a:p>
+        </p:txBody>
+      </p:sp>
+    </p:spTree>
+  </p:cSld>
+  <p:clrMapOvr>
+    <a:masterClrMapping/>
+  </p:clrMapOvr>
+</p:notes>
+</file>
+
+<file path=ppt/notesSlides/notesSlide4.xml><?xml version="1.0" encoding="utf-8"?>
+<p:notes xmlns:a="http://schemas.openxmlformats.org/drawingml/2006/main" xmlns:r="http://schemas.openxmlformats.org/officeDocument/2006/relationships" xmlns:p="http://schemas.openxmlformats.org/presentationml/2006/main">
+  <p:cSld>
+    <p:spTree>
+      <p:nvGrpSpPr>
+        <p:cNvPr id="1" name=""/>
+        <p:cNvGrpSpPr/>
+        <p:nvPr/>
+      </p:nvGrpSpPr>
+      <p:grpSpPr/>
+      <p:sp>
+        <p:nvSpPr>
+          <p:cNvPr id="2" name="Slide Image Placeholder 1"/>
+          <p:cNvSpPr/>
+          <p:nvPr>
+            <p:ph type="sldImg" idx="2"/>
+          </p:nvPr>
+        </p:nvSpPr>
+        <p:spPr/>
+      </p:sp>
+      <p:sp>
+        <p:nvSpPr>
+          <p:cNvPr id="3" name="Text Placeholder 2"/>
+          <p:cNvSpPr/>
+          <p:nvPr>
+            <p:ph type="body" idx="3"/>
+          </p:nvPr>
+        </p:nvSpPr>
+        <p:spPr/>
+        <p:txBody>
+          <a:bodyPr/>
+          <a:p>
+            <a:r>
+              <a:rPr lang="en-US"/>
+              <a:t>Once we send the ProducerRecord, the first thing the producer will do is serialize the key and value objects to byte arrays so they can be sent over the network.</a:t>
+            </a:r>
+            <a:endParaRPr lang="en-US"/>
+          </a:p>
+        </p:txBody>
+      </p:sp>
+    </p:spTree>
+  </p:cSld>
+  <p:clrMapOvr>
+    <a:masterClrMapping/>
+  </p:clrMapOvr>
+</p:notes>
+</file>
+
+<file path=ppt/notesSlides/notesSlide5.xml><?xml version="1.0" encoding="utf-8"?>
 <p:notes xmlns:a="http://schemas.openxmlformats.org/drawingml/2006/main" xmlns:r="http://schemas.openxmlformats.org/officeDocument/2006/relationships" xmlns:p="http://schemas.openxmlformats.org/presentationml/2006/main">
   <p:cSld>
     <p:spTree>
@@ -3789,6 +3936,1508 @@
           <a:bodyPr/>
           <a:p>
             <a:r>
+              <a:rPr lang="en-US"/>
+              <a:t>Kafka Consumers: Reading Data from Kafka</a:t>
+            </a:r>
+            <a:endParaRPr lang="en-US"/>
+          </a:p>
+        </p:txBody>
+      </p:sp>
+      <p:sp>
+        <p:nvSpPr>
+          <p:cNvPr id="3" name="Rectangles 2"/>
+          <p:cNvSpPr/>
+          <p:nvPr/>
+        </p:nvSpPr>
+        <p:spPr>
+          <a:xfrm>
+            <a:off x="3238500" y="1640205"/>
+            <a:ext cx="1962150" cy="2687955"/>
+          </a:xfrm>
+          <a:prstGeom prst="rect">
+            <a:avLst/>
+          </a:prstGeom>
+          <a:solidFill>
+            <a:schemeClr val="accent1">
+              <a:lumMod val="60000"/>
+              <a:lumOff val="40000"/>
+            </a:schemeClr>
+          </a:solidFill>
+          <a:ln w="25400">
+            <a:solidFill>
+              <a:srgbClr val="202020"/>
+            </a:solidFill>
+          </a:ln>
+        </p:spPr>
+        <p:style>
+          <a:lnRef idx="2">
+            <a:schemeClr val="accent1">
+              <a:shade val="50000"/>
+            </a:schemeClr>
+          </a:lnRef>
+          <a:fillRef idx="1">
+            <a:schemeClr val="accent1"/>
+          </a:fillRef>
+          <a:effectRef idx="0">
+            <a:schemeClr val="accent1"/>
+          </a:effectRef>
+          <a:fontRef idx="minor">
+            <a:schemeClr val="lt1"/>
+          </a:fontRef>
+        </p:style>
+        <p:txBody>
+          <a:bodyPr rtlCol="0" anchor="ctr"/>
+          <a:p>
+            <a:pPr algn="ctr"/>
+            <a:endParaRPr lang="en-US">
+              <a:latin typeface="Lato" panose="020F0502020204030203" charset="0"/>
+              <a:cs typeface="Lato" panose="020F0502020204030203" charset="0"/>
+            </a:endParaRPr>
+          </a:p>
+        </p:txBody>
+      </p:sp>
+      <p:sp>
+        <p:nvSpPr>
+          <p:cNvPr id="4" name="Rectangles 3"/>
+          <p:cNvSpPr/>
+          <p:nvPr/>
+        </p:nvSpPr>
+        <p:spPr>
+          <a:xfrm>
+            <a:off x="3423285" y="2171065"/>
+            <a:ext cx="1592580" cy="408940"/>
+          </a:xfrm>
+          <a:prstGeom prst="rect">
+            <a:avLst/>
+          </a:prstGeom>
+          <a:solidFill>
+            <a:schemeClr val="bg1">
+              <a:lumMod val="75000"/>
+            </a:schemeClr>
+          </a:solidFill>
+          <a:ln w="25400">
+            <a:solidFill>
+              <a:srgbClr val="202020"/>
+            </a:solidFill>
+          </a:ln>
+        </p:spPr>
+        <p:style>
+          <a:lnRef idx="2">
+            <a:schemeClr val="accent1">
+              <a:shade val="50000"/>
+            </a:schemeClr>
+          </a:lnRef>
+          <a:fillRef idx="1">
+            <a:schemeClr val="accent1"/>
+          </a:fillRef>
+          <a:effectRef idx="0">
+            <a:schemeClr val="accent1"/>
+          </a:effectRef>
+          <a:fontRef idx="minor">
+            <a:schemeClr val="lt1"/>
+          </a:fontRef>
+        </p:style>
+        <p:txBody>
+          <a:bodyPr rtlCol="0" anchor="ctr"/>
+          <a:p>
+            <a:pPr algn="ctr"/>
+            <a:r>
+              <a:rPr lang="en-US" altLang="vi-VN" sz="1600">
+                <a:solidFill>
+                  <a:schemeClr val="tx1"/>
+                </a:solidFill>
+                <a:latin typeface="Lato" panose="020F0502020204030203" charset="0"/>
+                <a:cs typeface="Lato" panose="020F0502020204030203" charset="0"/>
+              </a:rPr>
+              <a:t>Partition 0</a:t>
+            </a:r>
+            <a:endParaRPr lang="en-US" altLang="vi-VN" sz="1600">
+              <a:solidFill>
+                <a:schemeClr val="tx1"/>
+              </a:solidFill>
+              <a:latin typeface="Lato" panose="020F0502020204030203" charset="0"/>
+              <a:cs typeface="Lato" panose="020F0502020204030203" charset="0"/>
+            </a:endParaRPr>
+          </a:p>
+        </p:txBody>
+      </p:sp>
+      <p:sp>
+        <p:nvSpPr>
+          <p:cNvPr id="5" name="Rectangles 4"/>
+          <p:cNvSpPr/>
+          <p:nvPr/>
+        </p:nvSpPr>
+        <p:spPr>
+          <a:xfrm>
+            <a:off x="3423285" y="2686050"/>
+            <a:ext cx="1592580" cy="408940"/>
+          </a:xfrm>
+          <a:prstGeom prst="rect">
+            <a:avLst/>
+          </a:prstGeom>
+          <a:solidFill>
+            <a:schemeClr val="bg1">
+              <a:lumMod val="75000"/>
+            </a:schemeClr>
+          </a:solidFill>
+          <a:ln w="25400">
+            <a:solidFill>
+              <a:srgbClr val="202020"/>
+            </a:solidFill>
+          </a:ln>
+        </p:spPr>
+        <p:style>
+          <a:lnRef idx="2">
+            <a:schemeClr val="accent1">
+              <a:shade val="50000"/>
+            </a:schemeClr>
+          </a:lnRef>
+          <a:fillRef idx="1">
+            <a:schemeClr val="accent1"/>
+          </a:fillRef>
+          <a:effectRef idx="0">
+            <a:schemeClr val="accent1"/>
+          </a:effectRef>
+          <a:fontRef idx="minor">
+            <a:schemeClr val="lt1"/>
+          </a:fontRef>
+        </p:style>
+        <p:txBody>
+          <a:bodyPr rtlCol="0" anchor="ctr"/>
+          <a:p>
+            <a:pPr algn="ctr"/>
+            <a:r>
+              <a:rPr lang="en-US" altLang="vi-VN" sz="1600">
+                <a:solidFill>
+                  <a:schemeClr val="tx1"/>
+                </a:solidFill>
+                <a:latin typeface="Lato" panose="020F0502020204030203" charset="0"/>
+                <a:cs typeface="Lato" panose="020F0502020204030203" charset="0"/>
+              </a:rPr>
+              <a:t>Partition </a:t>
+            </a:r>
+            <a:r>
+              <a:rPr lang="vi-VN" altLang="en-US" sz="1600">
+                <a:solidFill>
+                  <a:schemeClr val="tx1"/>
+                </a:solidFill>
+                <a:latin typeface="Lato" panose="020F0502020204030203" charset="0"/>
+                <a:cs typeface="Lato" panose="020F0502020204030203" charset="0"/>
+              </a:rPr>
+              <a:t>1</a:t>
+            </a:r>
+            <a:endParaRPr lang="vi-VN" altLang="en-US" sz="1600">
+              <a:solidFill>
+                <a:schemeClr val="tx1"/>
+              </a:solidFill>
+              <a:latin typeface="Lato" panose="020F0502020204030203" charset="0"/>
+              <a:cs typeface="Lato" panose="020F0502020204030203" charset="0"/>
+            </a:endParaRPr>
+          </a:p>
+        </p:txBody>
+      </p:sp>
+      <p:sp>
+        <p:nvSpPr>
+          <p:cNvPr id="6" name="Rectangles 5"/>
+          <p:cNvSpPr/>
+          <p:nvPr/>
+        </p:nvSpPr>
+        <p:spPr>
+          <a:xfrm>
+            <a:off x="3423285" y="3235325"/>
+            <a:ext cx="1592580" cy="408940"/>
+          </a:xfrm>
+          <a:prstGeom prst="rect">
+            <a:avLst/>
+          </a:prstGeom>
+          <a:solidFill>
+            <a:schemeClr val="bg1">
+              <a:lumMod val="75000"/>
+            </a:schemeClr>
+          </a:solidFill>
+          <a:ln w="25400">
+            <a:solidFill>
+              <a:srgbClr val="202020"/>
+            </a:solidFill>
+          </a:ln>
+        </p:spPr>
+        <p:style>
+          <a:lnRef idx="2">
+            <a:schemeClr val="accent1">
+              <a:shade val="50000"/>
+            </a:schemeClr>
+          </a:lnRef>
+          <a:fillRef idx="1">
+            <a:schemeClr val="accent1"/>
+          </a:fillRef>
+          <a:effectRef idx="0">
+            <a:schemeClr val="accent1"/>
+          </a:effectRef>
+          <a:fontRef idx="minor">
+            <a:schemeClr val="lt1"/>
+          </a:fontRef>
+        </p:style>
+        <p:txBody>
+          <a:bodyPr rtlCol="0" anchor="ctr"/>
+          <a:p>
+            <a:pPr algn="ctr"/>
+            <a:r>
+              <a:rPr lang="en-US" altLang="vi-VN" sz="1600">
+                <a:solidFill>
+                  <a:schemeClr val="tx1"/>
+                </a:solidFill>
+                <a:latin typeface="Lato" panose="020F0502020204030203" charset="0"/>
+                <a:cs typeface="Lato" panose="020F0502020204030203" charset="0"/>
+              </a:rPr>
+              <a:t>Partition </a:t>
+            </a:r>
+            <a:r>
+              <a:rPr lang="vi-VN" altLang="en-US" sz="1600">
+                <a:solidFill>
+                  <a:schemeClr val="tx1"/>
+                </a:solidFill>
+                <a:latin typeface="Lato" panose="020F0502020204030203" charset="0"/>
+                <a:cs typeface="Lato" panose="020F0502020204030203" charset="0"/>
+              </a:rPr>
+              <a:t>2</a:t>
+            </a:r>
+            <a:endParaRPr lang="vi-VN" altLang="en-US" sz="1600">
+              <a:solidFill>
+                <a:schemeClr val="tx1"/>
+              </a:solidFill>
+              <a:latin typeface="Lato" panose="020F0502020204030203" charset="0"/>
+              <a:cs typeface="Lato" panose="020F0502020204030203" charset="0"/>
+            </a:endParaRPr>
+          </a:p>
+        </p:txBody>
+      </p:sp>
+      <p:sp>
+        <p:nvSpPr>
+          <p:cNvPr id="7" name="Rectangles 6"/>
+          <p:cNvSpPr/>
+          <p:nvPr/>
+        </p:nvSpPr>
+        <p:spPr>
+          <a:xfrm>
+            <a:off x="3423285" y="3761105"/>
+            <a:ext cx="1592580" cy="408940"/>
+          </a:xfrm>
+          <a:prstGeom prst="rect">
+            <a:avLst/>
+          </a:prstGeom>
+          <a:solidFill>
+            <a:schemeClr val="bg1">
+              <a:lumMod val="75000"/>
+            </a:schemeClr>
+          </a:solidFill>
+          <a:ln w="25400">
+            <a:solidFill>
+              <a:srgbClr val="202020"/>
+            </a:solidFill>
+          </a:ln>
+        </p:spPr>
+        <p:style>
+          <a:lnRef idx="2">
+            <a:schemeClr val="accent1">
+              <a:shade val="50000"/>
+            </a:schemeClr>
+          </a:lnRef>
+          <a:fillRef idx="1">
+            <a:schemeClr val="accent1"/>
+          </a:fillRef>
+          <a:effectRef idx="0">
+            <a:schemeClr val="accent1"/>
+          </a:effectRef>
+          <a:fontRef idx="minor">
+            <a:schemeClr val="lt1"/>
+          </a:fontRef>
+        </p:style>
+        <p:txBody>
+          <a:bodyPr rtlCol="0" anchor="ctr"/>
+          <a:p>
+            <a:pPr algn="ctr"/>
+            <a:r>
+              <a:rPr lang="en-US" altLang="vi-VN" sz="1600">
+                <a:solidFill>
+                  <a:schemeClr val="tx1"/>
+                </a:solidFill>
+                <a:latin typeface="Lato" panose="020F0502020204030203" charset="0"/>
+                <a:cs typeface="Lato" panose="020F0502020204030203" charset="0"/>
+              </a:rPr>
+              <a:t>Partition </a:t>
+            </a:r>
+            <a:r>
+              <a:rPr lang="vi-VN" altLang="en-US" sz="1600">
+                <a:solidFill>
+                  <a:schemeClr val="tx1"/>
+                </a:solidFill>
+                <a:latin typeface="Lato" panose="020F0502020204030203" charset="0"/>
+                <a:cs typeface="Lato" panose="020F0502020204030203" charset="0"/>
+              </a:rPr>
+              <a:t>3</a:t>
+            </a:r>
+            <a:endParaRPr lang="vi-VN" altLang="en-US" sz="1600">
+              <a:solidFill>
+                <a:schemeClr val="tx1"/>
+              </a:solidFill>
+              <a:latin typeface="Lato" panose="020F0502020204030203" charset="0"/>
+              <a:cs typeface="Lato" panose="020F0502020204030203" charset="0"/>
+            </a:endParaRPr>
+          </a:p>
+        </p:txBody>
+      </p:sp>
+      <p:sp>
+        <p:nvSpPr>
+          <p:cNvPr id="8" name="Text Box 7"/>
+          <p:cNvSpPr txBox="1"/>
+          <p:nvPr/>
+        </p:nvSpPr>
+        <p:spPr>
+          <a:xfrm>
+            <a:off x="3760470" y="1711960"/>
+            <a:ext cx="935990" cy="337185"/>
+          </a:xfrm>
+          <a:prstGeom prst="rect">
+            <a:avLst/>
+          </a:prstGeom>
+          <a:noFill/>
+        </p:spPr>
+        <p:txBody>
+          <a:bodyPr wrap="none" rtlCol="0">
+            <a:spAutoFit/>
+          </a:bodyPr>
+          <a:p>
+            <a:r>
+              <a:rPr lang="vi-VN" altLang="en-US" sz="1600">
+                <a:latin typeface="Lato" panose="020F0502020204030203" charset="0"/>
+                <a:cs typeface="Lato" panose="020F0502020204030203" charset="0"/>
+              </a:rPr>
+              <a:t>Topic T1</a:t>
+            </a:r>
+            <a:endParaRPr lang="vi-VN" altLang="en-US" sz="1600">
+              <a:latin typeface="Lato" panose="020F0502020204030203" charset="0"/>
+              <a:cs typeface="Lato" panose="020F0502020204030203" charset="0"/>
+            </a:endParaRPr>
+          </a:p>
+        </p:txBody>
+      </p:sp>
+      <p:sp>
+        <p:nvSpPr>
+          <p:cNvPr id="9" name="Rectangles 8"/>
+          <p:cNvSpPr/>
+          <p:nvPr/>
+        </p:nvSpPr>
+        <p:spPr>
+          <a:xfrm>
+            <a:off x="6436995" y="1640205"/>
+            <a:ext cx="1962150" cy="2688590"/>
+          </a:xfrm>
+          <a:prstGeom prst="rect">
+            <a:avLst/>
+          </a:prstGeom>
+          <a:solidFill>
+            <a:schemeClr val="accent6">
+              <a:lumMod val="40000"/>
+              <a:lumOff val="60000"/>
+            </a:schemeClr>
+          </a:solidFill>
+          <a:ln w="25400">
+            <a:solidFill>
+              <a:srgbClr val="202020"/>
+            </a:solidFill>
+          </a:ln>
+        </p:spPr>
+        <p:style>
+          <a:lnRef idx="2">
+            <a:schemeClr val="accent1">
+              <a:shade val="50000"/>
+            </a:schemeClr>
+          </a:lnRef>
+          <a:fillRef idx="1">
+            <a:schemeClr val="accent1"/>
+          </a:fillRef>
+          <a:effectRef idx="0">
+            <a:schemeClr val="accent1"/>
+          </a:effectRef>
+          <a:fontRef idx="minor">
+            <a:schemeClr val="lt1"/>
+          </a:fontRef>
+        </p:style>
+        <p:txBody>
+          <a:bodyPr rtlCol="0" anchor="ctr"/>
+          <a:p>
+            <a:pPr algn="ctr"/>
+            <a:endParaRPr lang="en-US">
+              <a:latin typeface="Lato" panose="020F0502020204030203" charset="0"/>
+              <a:cs typeface="Lato" panose="020F0502020204030203" charset="0"/>
+            </a:endParaRPr>
+          </a:p>
+        </p:txBody>
+      </p:sp>
+      <p:sp>
+        <p:nvSpPr>
+          <p:cNvPr id="10" name="Rectangles 9"/>
+          <p:cNvSpPr/>
+          <p:nvPr/>
+        </p:nvSpPr>
+        <p:spPr>
+          <a:xfrm>
+            <a:off x="6621780" y="2171065"/>
+            <a:ext cx="1592580" cy="408940"/>
+          </a:xfrm>
+          <a:prstGeom prst="rect">
+            <a:avLst/>
+          </a:prstGeom>
+          <a:solidFill>
+            <a:schemeClr val="accent2">
+              <a:lumMod val="60000"/>
+              <a:lumOff val="40000"/>
+            </a:schemeClr>
+          </a:solidFill>
+          <a:ln w="25400">
+            <a:solidFill>
+              <a:srgbClr val="202020"/>
+            </a:solidFill>
+          </a:ln>
+        </p:spPr>
+        <p:style>
+          <a:lnRef idx="2">
+            <a:schemeClr val="accent1">
+              <a:shade val="50000"/>
+            </a:schemeClr>
+          </a:lnRef>
+          <a:fillRef idx="1">
+            <a:schemeClr val="accent1"/>
+          </a:fillRef>
+          <a:effectRef idx="0">
+            <a:schemeClr val="accent1"/>
+          </a:effectRef>
+          <a:fontRef idx="minor">
+            <a:schemeClr val="lt1"/>
+          </a:fontRef>
+        </p:style>
+        <p:txBody>
+          <a:bodyPr rtlCol="0" anchor="ctr"/>
+          <a:p>
+            <a:pPr algn="ctr"/>
+            <a:r>
+              <a:rPr lang="en-US" altLang="vi-VN" sz="1600">
+                <a:solidFill>
+                  <a:schemeClr val="tx1"/>
+                </a:solidFill>
+                <a:latin typeface="Lato" panose="020F0502020204030203" charset="0"/>
+                <a:cs typeface="Lato" panose="020F0502020204030203" charset="0"/>
+              </a:rPr>
+              <a:t>Consumer 1</a:t>
+            </a:r>
+            <a:endParaRPr lang="en-US" altLang="vi-VN" sz="1600">
+              <a:solidFill>
+                <a:schemeClr val="tx1"/>
+              </a:solidFill>
+              <a:latin typeface="Lato" panose="020F0502020204030203" charset="0"/>
+              <a:cs typeface="Lato" panose="020F0502020204030203" charset="0"/>
+            </a:endParaRPr>
+          </a:p>
+        </p:txBody>
+      </p:sp>
+      <p:cxnSp>
+        <p:nvCxnSpPr>
+          <p:cNvPr id="11" name="Straight Arrow Connector 10"/>
+          <p:cNvCxnSpPr>
+            <a:stCxn id="4" idx="3"/>
+            <a:endCxn id="10" idx="1"/>
+          </p:cNvCxnSpPr>
+          <p:nvPr/>
+        </p:nvCxnSpPr>
+        <p:spPr>
+          <a:xfrm>
+            <a:off x="5015865" y="2375535"/>
+            <a:ext cx="1605915" cy="0"/>
+          </a:xfrm>
+          <a:prstGeom prst="straightConnector1">
+            <a:avLst/>
+          </a:prstGeom>
+          <a:ln w="25400">
+            <a:solidFill>
+              <a:srgbClr val="202020"/>
+            </a:solidFill>
+            <a:tailEnd type="triangle" w="lg" len="lg"/>
+          </a:ln>
+        </p:spPr>
+        <p:style>
+          <a:lnRef idx="1">
+            <a:schemeClr val="accent1"/>
+          </a:lnRef>
+          <a:fillRef idx="0">
+            <a:schemeClr val="accent1"/>
+          </a:fillRef>
+          <a:effectRef idx="0">
+            <a:schemeClr val="accent1"/>
+          </a:effectRef>
+          <a:fontRef idx="minor">
+            <a:schemeClr val="tx1"/>
+          </a:fontRef>
+        </p:style>
+      </p:cxnSp>
+      <p:sp>
+        <p:nvSpPr>
+          <p:cNvPr id="15" name="Text Box 14"/>
+          <p:cNvSpPr txBox="1"/>
+          <p:nvPr/>
+        </p:nvSpPr>
+        <p:spPr>
+          <a:xfrm>
+            <a:off x="6504305" y="1711960"/>
+            <a:ext cx="1828165" cy="337185"/>
+          </a:xfrm>
+          <a:prstGeom prst="rect">
+            <a:avLst/>
+          </a:prstGeom>
+          <a:noFill/>
+        </p:spPr>
+        <p:txBody>
+          <a:bodyPr wrap="none" rtlCol="0">
+            <a:spAutoFit/>
+          </a:bodyPr>
+          <a:p>
+            <a:r>
+              <a:rPr lang="vi-VN" altLang="en-US" sz="1600">
+                <a:latin typeface="Lato" panose="020F0502020204030203" charset="0"/>
+                <a:cs typeface="Lato" panose="020F0502020204030203" charset="0"/>
+              </a:rPr>
+              <a:t>Con</a:t>
+            </a:r>
+            <a:r>
+              <a:rPr lang="en-US" altLang="vi-VN" sz="1600">
+                <a:latin typeface="Lato" panose="020F0502020204030203" charset="0"/>
+                <a:cs typeface="Lato" panose="020F0502020204030203" charset="0"/>
+              </a:rPr>
+              <a:t>sumer group 1</a:t>
+            </a:r>
+            <a:endParaRPr lang="en-US" altLang="vi-VN" sz="1600">
+              <a:latin typeface="Lato" panose="020F0502020204030203" charset="0"/>
+              <a:cs typeface="Lato" panose="020F0502020204030203" charset="0"/>
+            </a:endParaRPr>
+          </a:p>
+        </p:txBody>
+      </p:sp>
+      <p:sp>
+        <p:nvSpPr>
+          <p:cNvPr id="16" name="Rectangles 15"/>
+          <p:cNvSpPr/>
+          <p:nvPr/>
+        </p:nvSpPr>
+        <p:spPr>
+          <a:xfrm>
+            <a:off x="6621780" y="2686050"/>
+            <a:ext cx="1592580" cy="408940"/>
+          </a:xfrm>
+          <a:prstGeom prst="rect">
+            <a:avLst/>
+          </a:prstGeom>
+          <a:solidFill>
+            <a:schemeClr val="accent2">
+              <a:lumMod val="60000"/>
+              <a:lumOff val="40000"/>
+            </a:schemeClr>
+          </a:solidFill>
+          <a:ln w="25400">
+            <a:solidFill>
+              <a:srgbClr val="202020"/>
+            </a:solidFill>
+          </a:ln>
+        </p:spPr>
+        <p:style>
+          <a:lnRef idx="2">
+            <a:schemeClr val="accent1">
+              <a:shade val="50000"/>
+            </a:schemeClr>
+          </a:lnRef>
+          <a:fillRef idx="1">
+            <a:schemeClr val="accent1"/>
+          </a:fillRef>
+          <a:effectRef idx="0">
+            <a:schemeClr val="accent1"/>
+          </a:effectRef>
+          <a:fontRef idx="minor">
+            <a:schemeClr val="lt1"/>
+          </a:fontRef>
+        </p:style>
+        <p:txBody>
+          <a:bodyPr rtlCol="0" anchor="ctr"/>
+          <a:p>
+            <a:pPr algn="ctr"/>
+            <a:r>
+              <a:rPr lang="en-US" altLang="vi-VN" sz="1600">
+                <a:solidFill>
+                  <a:schemeClr val="tx1"/>
+                </a:solidFill>
+                <a:latin typeface="Lato" panose="020F0502020204030203" charset="0"/>
+                <a:cs typeface="Lato" panose="020F0502020204030203" charset="0"/>
+              </a:rPr>
+              <a:t>Consumer 2</a:t>
+            </a:r>
+            <a:endParaRPr lang="en-US" altLang="vi-VN" sz="1600">
+              <a:solidFill>
+                <a:schemeClr val="tx1"/>
+              </a:solidFill>
+              <a:latin typeface="Lato" panose="020F0502020204030203" charset="0"/>
+              <a:cs typeface="Lato" panose="020F0502020204030203" charset="0"/>
+            </a:endParaRPr>
+          </a:p>
+        </p:txBody>
+      </p:sp>
+      <p:cxnSp>
+        <p:nvCxnSpPr>
+          <p:cNvPr id="17" name="Straight Arrow Connector 16"/>
+          <p:cNvCxnSpPr>
+            <a:stCxn id="5" idx="3"/>
+            <a:endCxn id="16" idx="1"/>
+          </p:cNvCxnSpPr>
+          <p:nvPr/>
+        </p:nvCxnSpPr>
+        <p:spPr>
+          <a:xfrm>
+            <a:off x="5015865" y="2890520"/>
+            <a:ext cx="1605915" cy="0"/>
+          </a:xfrm>
+          <a:prstGeom prst="straightConnector1">
+            <a:avLst/>
+          </a:prstGeom>
+          <a:ln w="25400">
+            <a:solidFill>
+              <a:srgbClr val="202020"/>
+            </a:solidFill>
+            <a:tailEnd type="triangle" w="lg" len="lg"/>
+          </a:ln>
+        </p:spPr>
+        <p:style>
+          <a:lnRef idx="1">
+            <a:schemeClr val="accent1"/>
+          </a:lnRef>
+          <a:fillRef idx="0">
+            <a:schemeClr val="accent1"/>
+          </a:fillRef>
+          <a:effectRef idx="0">
+            <a:schemeClr val="accent1"/>
+          </a:effectRef>
+          <a:fontRef idx="minor">
+            <a:schemeClr val="tx1"/>
+          </a:fontRef>
+        </p:style>
+      </p:cxnSp>
+      <p:sp>
+        <p:nvSpPr>
+          <p:cNvPr id="19" name="Rectangles 18"/>
+          <p:cNvSpPr/>
+          <p:nvPr/>
+        </p:nvSpPr>
+        <p:spPr>
+          <a:xfrm>
+            <a:off x="6622415" y="3235325"/>
+            <a:ext cx="1592580" cy="408940"/>
+          </a:xfrm>
+          <a:prstGeom prst="rect">
+            <a:avLst/>
+          </a:prstGeom>
+          <a:solidFill>
+            <a:schemeClr val="accent2">
+              <a:lumMod val="60000"/>
+              <a:lumOff val="40000"/>
+            </a:schemeClr>
+          </a:solidFill>
+          <a:ln w="25400">
+            <a:solidFill>
+              <a:srgbClr val="202020"/>
+            </a:solidFill>
+          </a:ln>
+        </p:spPr>
+        <p:style>
+          <a:lnRef idx="2">
+            <a:schemeClr val="accent1">
+              <a:shade val="50000"/>
+            </a:schemeClr>
+          </a:lnRef>
+          <a:fillRef idx="1">
+            <a:schemeClr val="accent1"/>
+          </a:fillRef>
+          <a:effectRef idx="0">
+            <a:schemeClr val="accent1"/>
+          </a:effectRef>
+          <a:fontRef idx="minor">
+            <a:schemeClr val="lt1"/>
+          </a:fontRef>
+        </p:style>
+        <p:txBody>
+          <a:bodyPr rtlCol="0" anchor="ctr"/>
+          <a:p>
+            <a:pPr algn="ctr"/>
+            <a:r>
+              <a:rPr lang="en-US" altLang="vi-VN" sz="1600">
+                <a:solidFill>
+                  <a:schemeClr val="tx1"/>
+                </a:solidFill>
+                <a:latin typeface="Lato" panose="020F0502020204030203" charset="0"/>
+                <a:cs typeface="Lato" panose="020F0502020204030203" charset="0"/>
+              </a:rPr>
+              <a:t>Consumer </a:t>
+            </a:r>
+            <a:r>
+              <a:rPr lang="vi-VN" altLang="en-US" sz="1600">
+                <a:solidFill>
+                  <a:schemeClr val="tx1"/>
+                </a:solidFill>
+                <a:latin typeface="Lato" panose="020F0502020204030203" charset="0"/>
+                <a:cs typeface="Lato" panose="020F0502020204030203" charset="0"/>
+              </a:rPr>
+              <a:t>3</a:t>
+            </a:r>
+            <a:endParaRPr lang="vi-VN" altLang="en-US" sz="1600">
+              <a:solidFill>
+                <a:schemeClr val="tx1"/>
+              </a:solidFill>
+              <a:latin typeface="Lato" panose="020F0502020204030203" charset="0"/>
+              <a:cs typeface="Lato" panose="020F0502020204030203" charset="0"/>
+            </a:endParaRPr>
+          </a:p>
+        </p:txBody>
+      </p:sp>
+      <p:sp>
+        <p:nvSpPr>
+          <p:cNvPr id="20" name="Rectangles 19"/>
+          <p:cNvSpPr/>
+          <p:nvPr/>
+        </p:nvSpPr>
+        <p:spPr>
+          <a:xfrm>
+            <a:off x="6621780" y="3761105"/>
+            <a:ext cx="1592580" cy="408940"/>
+          </a:xfrm>
+          <a:prstGeom prst="rect">
+            <a:avLst/>
+          </a:prstGeom>
+          <a:solidFill>
+            <a:schemeClr val="accent2">
+              <a:lumMod val="60000"/>
+              <a:lumOff val="40000"/>
+            </a:schemeClr>
+          </a:solidFill>
+          <a:ln w="25400">
+            <a:solidFill>
+              <a:srgbClr val="202020"/>
+            </a:solidFill>
+          </a:ln>
+        </p:spPr>
+        <p:style>
+          <a:lnRef idx="2">
+            <a:schemeClr val="accent1">
+              <a:shade val="50000"/>
+            </a:schemeClr>
+          </a:lnRef>
+          <a:fillRef idx="1">
+            <a:schemeClr val="accent1"/>
+          </a:fillRef>
+          <a:effectRef idx="0">
+            <a:schemeClr val="accent1"/>
+          </a:effectRef>
+          <a:fontRef idx="minor">
+            <a:schemeClr val="lt1"/>
+          </a:fontRef>
+        </p:style>
+        <p:txBody>
+          <a:bodyPr rtlCol="0" anchor="ctr"/>
+          <a:p>
+            <a:pPr algn="ctr"/>
+            <a:r>
+              <a:rPr lang="en-US" altLang="vi-VN" sz="1600">
+                <a:solidFill>
+                  <a:schemeClr val="tx1"/>
+                </a:solidFill>
+                <a:latin typeface="Lato" panose="020F0502020204030203" charset="0"/>
+                <a:cs typeface="Lato" panose="020F0502020204030203" charset="0"/>
+              </a:rPr>
+              <a:t>Consumer </a:t>
+            </a:r>
+            <a:r>
+              <a:rPr lang="vi-VN" altLang="en-US" sz="1600">
+                <a:solidFill>
+                  <a:schemeClr val="tx1"/>
+                </a:solidFill>
+                <a:latin typeface="Lato" panose="020F0502020204030203" charset="0"/>
+                <a:cs typeface="Lato" panose="020F0502020204030203" charset="0"/>
+              </a:rPr>
+              <a:t>4</a:t>
+            </a:r>
+            <a:endParaRPr lang="vi-VN" altLang="en-US" sz="1600">
+              <a:solidFill>
+                <a:schemeClr val="tx1"/>
+              </a:solidFill>
+              <a:latin typeface="Lato" panose="020F0502020204030203" charset="0"/>
+              <a:cs typeface="Lato" panose="020F0502020204030203" charset="0"/>
+            </a:endParaRPr>
+          </a:p>
+        </p:txBody>
+      </p:sp>
+      <p:cxnSp>
+        <p:nvCxnSpPr>
+          <p:cNvPr id="21" name="Straight Arrow Connector 20"/>
+          <p:cNvCxnSpPr>
+            <a:stCxn id="6" idx="3"/>
+            <a:endCxn id="19" idx="1"/>
+          </p:cNvCxnSpPr>
+          <p:nvPr/>
+        </p:nvCxnSpPr>
+        <p:spPr>
+          <a:xfrm>
+            <a:off x="5015865" y="3439795"/>
+            <a:ext cx="1606550" cy="0"/>
+          </a:xfrm>
+          <a:prstGeom prst="straightConnector1">
+            <a:avLst/>
+          </a:prstGeom>
+          <a:ln w="25400">
+            <a:solidFill>
+              <a:srgbClr val="202020"/>
+            </a:solidFill>
+            <a:tailEnd type="triangle" w="lg" len="lg"/>
+          </a:ln>
+        </p:spPr>
+        <p:style>
+          <a:lnRef idx="1">
+            <a:schemeClr val="accent1"/>
+          </a:lnRef>
+          <a:fillRef idx="0">
+            <a:schemeClr val="accent1"/>
+          </a:fillRef>
+          <a:effectRef idx="0">
+            <a:schemeClr val="accent1"/>
+          </a:effectRef>
+          <a:fontRef idx="minor">
+            <a:schemeClr val="tx1"/>
+          </a:fontRef>
+        </p:style>
+      </p:cxnSp>
+      <p:cxnSp>
+        <p:nvCxnSpPr>
+          <p:cNvPr id="22" name="Straight Arrow Connector 21"/>
+          <p:cNvCxnSpPr>
+            <a:stCxn id="7" idx="3"/>
+            <a:endCxn id="20" idx="1"/>
+          </p:cNvCxnSpPr>
+          <p:nvPr/>
+        </p:nvCxnSpPr>
+        <p:spPr>
+          <a:xfrm>
+            <a:off x="5015865" y="3965575"/>
+            <a:ext cx="1605915" cy="0"/>
+          </a:xfrm>
+          <a:prstGeom prst="straightConnector1">
+            <a:avLst/>
+          </a:prstGeom>
+          <a:ln w="25400">
+            <a:solidFill>
+              <a:srgbClr val="202020"/>
+            </a:solidFill>
+            <a:tailEnd type="triangle" w="lg" len="lg"/>
+          </a:ln>
+        </p:spPr>
+        <p:style>
+          <a:lnRef idx="1">
+            <a:schemeClr val="accent1"/>
+          </a:lnRef>
+          <a:fillRef idx="0">
+            <a:schemeClr val="accent1"/>
+          </a:fillRef>
+          <a:effectRef idx="0">
+            <a:schemeClr val="accent1"/>
+          </a:effectRef>
+          <a:fontRef idx="minor">
+            <a:schemeClr val="tx1"/>
+          </a:fontRef>
+        </p:style>
+      </p:cxnSp>
+      <p:sp>
+        <p:nvSpPr>
+          <p:cNvPr id="24" name="Rectangles 23"/>
+          <p:cNvSpPr/>
+          <p:nvPr/>
+        </p:nvSpPr>
+        <p:spPr>
+          <a:xfrm>
+            <a:off x="6436995" y="4454525"/>
+            <a:ext cx="1962150" cy="1646555"/>
+          </a:xfrm>
+          <a:prstGeom prst="rect">
+            <a:avLst/>
+          </a:prstGeom>
+          <a:solidFill>
+            <a:schemeClr val="accent6">
+              <a:lumMod val="40000"/>
+              <a:lumOff val="60000"/>
+            </a:schemeClr>
+          </a:solidFill>
+          <a:ln w="25400">
+            <a:solidFill>
+              <a:srgbClr val="202020"/>
+            </a:solidFill>
+          </a:ln>
+        </p:spPr>
+        <p:style>
+          <a:lnRef idx="2">
+            <a:schemeClr val="accent1">
+              <a:shade val="50000"/>
+            </a:schemeClr>
+          </a:lnRef>
+          <a:fillRef idx="1">
+            <a:schemeClr val="accent1"/>
+          </a:fillRef>
+          <a:effectRef idx="0">
+            <a:schemeClr val="accent1"/>
+          </a:effectRef>
+          <a:fontRef idx="minor">
+            <a:schemeClr val="lt1"/>
+          </a:fontRef>
+        </p:style>
+        <p:txBody>
+          <a:bodyPr rtlCol="0" anchor="ctr"/>
+          <a:p>
+            <a:pPr algn="ctr"/>
+            <a:endParaRPr lang="en-US">
+              <a:latin typeface="Lato" panose="020F0502020204030203" charset="0"/>
+              <a:cs typeface="Lato" panose="020F0502020204030203" charset="0"/>
+            </a:endParaRPr>
+          </a:p>
+        </p:txBody>
+      </p:sp>
+      <p:sp>
+        <p:nvSpPr>
+          <p:cNvPr id="25" name="Rectangles 24"/>
+          <p:cNvSpPr/>
+          <p:nvPr/>
+        </p:nvSpPr>
+        <p:spPr>
+          <a:xfrm>
+            <a:off x="6621780" y="4995545"/>
+            <a:ext cx="1592580" cy="408940"/>
+          </a:xfrm>
+          <a:prstGeom prst="rect">
+            <a:avLst/>
+          </a:prstGeom>
+          <a:solidFill>
+            <a:schemeClr val="accent2">
+              <a:lumMod val="60000"/>
+              <a:lumOff val="40000"/>
+            </a:schemeClr>
+          </a:solidFill>
+          <a:ln w="25400">
+            <a:solidFill>
+              <a:srgbClr val="202020"/>
+            </a:solidFill>
+          </a:ln>
+        </p:spPr>
+        <p:style>
+          <a:lnRef idx="2">
+            <a:schemeClr val="accent1">
+              <a:shade val="50000"/>
+            </a:schemeClr>
+          </a:lnRef>
+          <a:fillRef idx="1">
+            <a:schemeClr val="accent1"/>
+          </a:fillRef>
+          <a:effectRef idx="0">
+            <a:schemeClr val="accent1"/>
+          </a:effectRef>
+          <a:fontRef idx="minor">
+            <a:schemeClr val="lt1"/>
+          </a:fontRef>
+        </p:style>
+        <p:txBody>
+          <a:bodyPr rtlCol="0" anchor="ctr"/>
+          <a:p>
+            <a:pPr algn="ctr"/>
+            <a:r>
+              <a:rPr lang="en-US" altLang="vi-VN" sz="1600">
+                <a:solidFill>
+                  <a:schemeClr val="tx1"/>
+                </a:solidFill>
+                <a:latin typeface="Lato" panose="020F0502020204030203" charset="0"/>
+                <a:cs typeface="Lato" panose="020F0502020204030203" charset="0"/>
+              </a:rPr>
+              <a:t>Consumer 1</a:t>
+            </a:r>
+            <a:endParaRPr lang="en-US" altLang="vi-VN" sz="1600">
+              <a:solidFill>
+                <a:schemeClr val="tx1"/>
+              </a:solidFill>
+              <a:latin typeface="Lato" panose="020F0502020204030203" charset="0"/>
+              <a:cs typeface="Lato" panose="020F0502020204030203" charset="0"/>
+            </a:endParaRPr>
+          </a:p>
+        </p:txBody>
+      </p:sp>
+      <p:sp>
+        <p:nvSpPr>
+          <p:cNvPr id="26" name="Text Box 25"/>
+          <p:cNvSpPr txBox="1"/>
+          <p:nvPr/>
+        </p:nvSpPr>
+        <p:spPr>
+          <a:xfrm>
+            <a:off x="6504305" y="4536440"/>
+            <a:ext cx="1828165" cy="337185"/>
+          </a:xfrm>
+          <a:prstGeom prst="rect">
+            <a:avLst/>
+          </a:prstGeom>
+          <a:noFill/>
+        </p:spPr>
+        <p:txBody>
+          <a:bodyPr wrap="none" rtlCol="0">
+            <a:spAutoFit/>
+          </a:bodyPr>
+          <a:p>
+            <a:r>
+              <a:rPr lang="vi-VN" altLang="en-US" sz="1600">
+                <a:latin typeface="Lato" panose="020F0502020204030203" charset="0"/>
+                <a:cs typeface="Lato" panose="020F0502020204030203" charset="0"/>
+              </a:rPr>
+              <a:t>Con</a:t>
+            </a:r>
+            <a:r>
+              <a:rPr lang="en-US" altLang="vi-VN" sz="1600">
+                <a:latin typeface="Lato" panose="020F0502020204030203" charset="0"/>
+                <a:cs typeface="Lato" panose="020F0502020204030203" charset="0"/>
+              </a:rPr>
+              <a:t>sumer group </a:t>
+            </a:r>
+            <a:r>
+              <a:rPr lang="vi-VN" altLang="en-US" sz="1600">
+                <a:latin typeface="Lato" panose="020F0502020204030203" charset="0"/>
+                <a:cs typeface="Lato" panose="020F0502020204030203" charset="0"/>
+              </a:rPr>
+              <a:t>2</a:t>
+            </a:r>
+            <a:endParaRPr lang="vi-VN" altLang="en-US" sz="1600">
+              <a:latin typeface="Lato" panose="020F0502020204030203" charset="0"/>
+              <a:cs typeface="Lato" panose="020F0502020204030203" charset="0"/>
+            </a:endParaRPr>
+          </a:p>
+        </p:txBody>
+      </p:sp>
+      <p:sp>
+        <p:nvSpPr>
+          <p:cNvPr id="27" name="Rectangles 26"/>
+          <p:cNvSpPr/>
+          <p:nvPr/>
+        </p:nvSpPr>
+        <p:spPr>
+          <a:xfrm>
+            <a:off x="6621780" y="5510530"/>
+            <a:ext cx="1592580" cy="408940"/>
+          </a:xfrm>
+          <a:prstGeom prst="rect">
+            <a:avLst/>
+          </a:prstGeom>
+          <a:solidFill>
+            <a:schemeClr val="accent2">
+              <a:lumMod val="60000"/>
+              <a:lumOff val="40000"/>
+            </a:schemeClr>
+          </a:solidFill>
+          <a:ln w="25400">
+            <a:solidFill>
+              <a:srgbClr val="202020"/>
+            </a:solidFill>
+          </a:ln>
+        </p:spPr>
+        <p:style>
+          <a:lnRef idx="2">
+            <a:schemeClr val="accent1">
+              <a:shade val="50000"/>
+            </a:schemeClr>
+          </a:lnRef>
+          <a:fillRef idx="1">
+            <a:schemeClr val="accent1"/>
+          </a:fillRef>
+          <a:effectRef idx="0">
+            <a:schemeClr val="accent1"/>
+          </a:effectRef>
+          <a:fontRef idx="minor">
+            <a:schemeClr val="lt1"/>
+          </a:fontRef>
+        </p:style>
+        <p:txBody>
+          <a:bodyPr rtlCol="0" anchor="ctr"/>
+          <a:p>
+            <a:pPr algn="ctr"/>
+            <a:r>
+              <a:rPr lang="en-US" altLang="vi-VN" sz="1600">
+                <a:solidFill>
+                  <a:schemeClr val="tx1"/>
+                </a:solidFill>
+                <a:latin typeface="Lato" panose="020F0502020204030203" charset="0"/>
+                <a:cs typeface="Lato" panose="020F0502020204030203" charset="0"/>
+              </a:rPr>
+              <a:t>Consumer 2</a:t>
+            </a:r>
+            <a:endParaRPr lang="en-US" altLang="vi-VN" sz="1600">
+              <a:solidFill>
+                <a:schemeClr val="tx1"/>
+              </a:solidFill>
+              <a:latin typeface="Lato" panose="020F0502020204030203" charset="0"/>
+              <a:cs typeface="Lato" panose="020F0502020204030203" charset="0"/>
+            </a:endParaRPr>
+          </a:p>
+        </p:txBody>
+      </p:sp>
+      <p:cxnSp>
+        <p:nvCxnSpPr>
+          <p:cNvPr id="30" name="Straight Arrow Connector 29"/>
+          <p:cNvCxnSpPr>
+            <a:stCxn id="4" idx="3"/>
+            <a:endCxn id="25" idx="1"/>
+          </p:cNvCxnSpPr>
+          <p:nvPr/>
+        </p:nvCxnSpPr>
+        <p:spPr>
+          <a:xfrm>
+            <a:off x="5015865" y="2375535"/>
+            <a:ext cx="1605915" cy="2824480"/>
+          </a:xfrm>
+          <a:prstGeom prst="straightConnector1">
+            <a:avLst/>
+          </a:prstGeom>
+          <a:ln w="25400">
+            <a:solidFill>
+              <a:srgbClr val="202020"/>
+            </a:solidFill>
+            <a:tailEnd type="triangle" w="lg" len="lg"/>
+          </a:ln>
+        </p:spPr>
+        <p:style>
+          <a:lnRef idx="1">
+            <a:schemeClr val="accent1"/>
+          </a:lnRef>
+          <a:fillRef idx="0">
+            <a:schemeClr val="accent1"/>
+          </a:fillRef>
+          <a:effectRef idx="0">
+            <a:schemeClr val="accent1"/>
+          </a:effectRef>
+          <a:fontRef idx="minor">
+            <a:schemeClr val="tx1"/>
+          </a:fontRef>
+        </p:style>
+      </p:cxnSp>
+      <p:cxnSp>
+        <p:nvCxnSpPr>
+          <p:cNvPr id="31" name="Straight Arrow Connector 30"/>
+          <p:cNvCxnSpPr>
+            <a:stCxn id="5" idx="3"/>
+            <a:endCxn id="25" idx="1"/>
+          </p:cNvCxnSpPr>
+          <p:nvPr/>
+        </p:nvCxnSpPr>
+        <p:spPr>
+          <a:xfrm>
+            <a:off x="5015865" y="2890520"/>
+            <a:ext cx="1605915" cy="2309495"/>
+          </a:xfrm>
+          <a:prstGeom prst="straightConnector1">
+            <a:avLst/>
+          </a:prstGeom>
+          <a:ln w="25400">
+            <a:solidFill>
+              <a:srgbClr val="202020"/>
+            </a:solidFill>
+            <a:tailEnd type="triangle" w="lg" len="lg"/>
+          </a:ln>
+        </p:spPr>
+        <p:style>
+          <a:lnRef idx="1">
+            <a:schemeClr val="accent1"/>
+          </a:lnRef>
+          <a:fillRef idx="0">
+            <a:schemeClr val="accent1"/>
+          </a:fillRef>
+          <a:effectRef idx="0">
+            <a:schemeClr val="accent1"/>
+          </a:effectRef>
+          <a:fontRef idx="minor">
+            <a:schemeClr val="tx1"/>
+          </a:fontRef>
+        </p:style>
+      </p:cxnSp>
+      <p:cxnSp>
+        <p:nvCxnSpPr>
+          <p:cNvPr id="32" name="Straight Arrow Connector 31"/>
+          <p:cNvCxnSpPr/>
+          <p:nvPr/>
+        </p:nvCxnSpPr>
+        <p:spPr>
+          <a:xfrm>
+            <a:off x="5015865" y="3439795"/>
+            <a:ext cx="1605915" cy="2275205"/>
+          </a:xfrm>
+          <a:prstGeom prst="straightConnector1">
+            <a:avLst/>
+          </a:prstGeom>
+          <a:ln w="25400">
+            <a:solidFill>
+              <a:srgbClr val="202020"/>
+            </a:solidFill>
+            <a:tailEnd type="triangle" w="lg" len="lg"/>
+          </a:ln>
+        </p:spPr>
+        <p:style>
+          <a:lnRef idx="1">
+            <a:schemeClr val="accent1"/>
+          </a:lnRef>
+          <a:fillRef idx="0">
+            <a:schemeClr val="accent1"/>
+          </a:fillRef>
+          <a:effectRef idx="0">
+            <a:schemeClr val="accent1"/>
+          </a:effectRef>
+          <a:fontRef idx="minor">
+            <a:schemeClr val="tx1"/>
+          </a:fontRef>
+        </p:style>
+      </p:cxnSp>
+      <p:cxnSp>
+        <p:nvCxnSpPr>
+          <p:cNvPr id="33" name="Straight Arrow Connector 32"/>
+          <p:cNvCxnSpPr>
+            <a:stCxn id="7" idx="3"/>
+            <a:endCxn id="27" idx="1"/>
+          </p:cNvCxnSpPr>
+          <p:nvPr/>
+        </p:nvCxnSpPr>
+        <p:spPr>
+          <a:xfrm>
+            <a:off x="5015865" y="3965575"/>
+            <a:ext cx="1605915" cy="1749425"/>
+          </a:xfrm>
+          <a:prstGeom prst="straightConnector1">
+            <a:avLst/>
+          </a:prstGeom>
+          <a:ln w="25400">
+            <a:solidFill>
+              <a:srgbClr val="202020"/>
+            </a:solidFill>
+            <a:tailEnd type="triangle" w="lg" len="lg"/>
+          </a:ln>
+        </p:spPr>
+        <p:style>
+          <a:lnRef idx="1">
+            <a:schemeClr val="accent1"/>
+          </a:lnRef>
+          <a:fillRef idx="0">
+            <a:schemeClr val="accent1"/>
+          </a:fillRef>
+          <a:effectRef idx="0">
+            <a:schemeClr val="accent1"/>
+          </a:effectRef>
+          <a:fontRef idx="minor">
+            <a:schemeClr val="tx1"/>
+          </a:fontRef>
+        </p:style>
+      </p:cxnSp>
+    </p:spTree>
+  </p:cSld>
+  <p:clrMapOvr>
+    <a:masterClrMapping/>
+  </p:clrMapOvr>
+  <p:transition/>
+  <p:timing>
+    <p:tnLst>
+      <p:par>
+        <p:cTn id="1" dur="indefinite" restart="never" nodeType="tmRoot">
+          <p:childTnLst>
+            <p:seq concurrent="1" nextAc="seek">
+              <p:cTn id="2" dur="indefinite" nodeType="mainSeq">
+                <p:childTnLst>
+                  <p:par>
+                    <p:cTn id="3" fill="hold">
+                      <p:stCondLst>
+                        <p:cond delay="indefinite"/>
+                      </p:stCondLst>
+                      <p:childTnLst>
+                        <p:par>
+                          <p:cTn id="4" fill="hold">
+                            <p:stCondLst>
+                              <p:cond delay="0"/>
+                            </p:stCondLst>
+                            <p:childTnLst>
+                              <p:par>
+                                <p:cTn id="5" presetID="1" presetClass="entr" presetSubtype="0" fill="hold" nodeType="clickEffect">
+                                  <p:stCondLst>
+                                    <p:cond delay="0"/>
+                                  </p:stCondLst>
+                                  <p:childTnLst>
+                                    <p:set>
+                                      <p:cBhvr>
+                                        <p:cTn id="6" dur="1" fill="hold">
+                                          <p:stCondLst>
+                                            <p:cond delay="0"/>
+                                          </p:stCondLst>
+                                        </p:cTn>
+                                        <p:tgtEl>
+                                          <p:spTgt spid="30"/>
+                                        </p:tgtEl>
+                                        <p:attrNameLst>
+                                          <p:attrName>style.visibility</p:attrName>
+                                        </p:attrNameLst>
+                                      </p:cBhvr>
+                                      <p:to>
+                                        <p:strVal val="visible"/>
+                                      </p:to>
+                                    </p:set>
+                                  </p:childTnLst>
+                                </p:cTn>
+                              </p:par>
+                              <p:par>
+                                <p:cTn id="7" presetID="1" presetClass="entr" presetSubtype="0" fill="hold" nodeType="withEffect">
+                                  <p:stCondLst>
+                                    <p:cond delay="0"/>
+                                  </p:stCondLst>
+                                  <p:childTnLst>
+                                    <p:set>
+                                      <p:cBhvr>
+                                        <p:cTn id="8" dur="1" fill="hold">
+                                          <p:stCondLst>
+                                            <p:cond delay="0"/>
+                                          </p:stCondLst>
+                                        </p:cTn>
+                                        <p:tgtEl>
+                                          <p:spTgt spid="31"/>
+                                        </p:tgtEl>
+                                        <p:attrNameLst>
+                                          <p:attrName>style.visibility</p:attrName>
+                                        </p:attrNameLst>
+                                      </p:cBhvr>
+                                      <p:to>
+                                        <p:strVal val="visible"/>
+                                      </p:to>
+                                    </p:set>
+                                  </p:childTnLst>
+                                </p:cTn>
+                              </p:par>
+                              <p:par>
+                                <p:cTn id="9" presetID="1" presetClass="entr" presetSubtype="0" fill="hold" nodeType="withEffect">
+                                  <p:stCondLst>
+                                    <p:cond delay="0"/>
+                                  </p:stCondLst>
+                                  <p:childTnLst>
+                                    <p:set>
+                                      <p:cBhvr>
+                                        <p:cTn id="10" dur="1" fill="hold">
+                                          <p:stCondLst>
+                                            <p:cond delay="0"/>
+                                          </p:stCondLst>
+                                        </p:cTn>
+                                        <p:tgtEl>
+                                          <p:spTgt spid="32"/>
+                                        </p:tgtEl>
+                                        <p:attrNameLst>
+                                          <p:attrName>style.visibility</p:attrName>
+                                        </p:attrNameLst>
+                                      </p:cBhvr>
+                                      <p:to>
+                                        <p:strVal val="visible"/>
+                                      </p:to>
+                                    </p:set>
+                                  </p:childTnLst>
+                                </p:cTn>
+                              </p:par>
+                              <p:par>
+                                <p:cTn id="11" presetID="1" presetClass="entr" presetSubtype="0" fill="hold" nodeType="withEffect">
+                                  <p:stCondLst>
+                                    <p:cond delay="0"/>
+                                  </p:stCondLst>
+                                  <p:childTnLst>
+                                    <p:set>
+                                      <p:cBhvr>
+                                        <p:cTn id="12" dur="1" fill="hold">
+                                          <p:stCondLst>
+                                            <p:cond delay="0"/>
+                                          </p:stCondLst>
+                                        </p:cTn>
+                                        <p:tgtEl>
+                                          <p:spTgt spid="33"/>
+                                        </p:tgtEl>
+                                        <p:attrNameLst>
+                                          <p:attrName>style.visibility</p:attrName>
+                                        </p:attrNameLst>
+                                      </p:cBhvr>
+                                      <p:to>
+                                        <p:strVal val="visible"/>
+                                      </p:to>
+                                    </p:set>
+                                  </p:childTnLst>
+                                </p:cTn>
+                              </p:par>
+                            </p:childTnLst>
+                          </p:cTn>
+                        </p:par>
+                      </p:childTnLst>
+                    </p:cTn>
+                  </p:par>
+                </p:childTnLst>
+              </p:cTn>
+              <p:prevCondLst>
+                <p:cond evt="onPrev" delay="0">
+                  <p:tgtEl>
+                    <p:sldTgt/>
+                  </p:tgtEl>
+                </p:cond>
+              </p:prevCondLst>
+              <p:nextCondLst>
+                <p:cond evt="onNext" delay="0">
+                  <p:tgtEl>
+                    <p:sldTgt/>
+                  </p:tgtEl>
+                </p:cond>
+              </p:nextCondLst>
+            </p:seq>
+          </p:childTnLst>
+        </p:cTn>
+      </p:par>
+    </p:tnLst>
+  </p:timing>
+</p:sld>
+</file>
+
+<file path=ppt/slides/slide11.xml><?xml version="1.0" encoding="utf-8"?>
+<p:sld xmlns:a="http://schemas.openxmlformats.org/drawingml/2006/main" xmlns:r="http://schemas.openxmlformats.org/officeDocument/2006/relationships" xmlns:p="http://schemas.openxmlformats.org/presentationml/2006/main">
+  <p:cSld>
+    <p:spTree>
+      <p:nvGrpSpPr>
+        <p:cNvPr id="1" name=""/>
+        <p:cNvGrpSpPr/>
+        <p:nvPr/>
+      </p:nvGrpSpPr>
+      <p:grpSpPr/>
+      <p:sp>
+        <p:nvSpPr>
+          <p:cNvPr id="2" name="Title 1"/>
+          <p:cNvSpPr>
+            <a:spLocks noGrp="1"/>
+          </p:cNvSpPr>
+          <p:nvPr>
+            <p:ph type="title"/>
+          </p:nvPr>
+        </p:nvSpPr>
+        <p:spPr>
+          <a:xfrm>
+            <a:off x="647700" y="0"/>
+            <a:ext cx="10515600" cy="1325563"/>
+          </a:xfrm>
+        </p:spPr>
+        <p:txBody>
+          <a:bodyPr/>
+          <a:p>
+            <a:r>
               <a:rPr lang="en-US" altLang="vi-VN"/>
               <a:t>Consumer Groups and Partition Rebalance</a:t>
             </a:r>
@@ -3805,6 +5454,1871 @@
 </file>
 
 <file path=ppt/slides/slide2.xml><?xml version="1.0" encoding="utf-8"?>
+<p:sld xmlns:a="http://schemas.openxmlformats.org/drawingml/2006/main" xmlns:r="http://schemas.openxmlformats.org/officeDocument/2006/relationships" xmlns:p="http://schemas.openxmlformats.org/presentationml/2006/main">
+  <p:cSld>
+    <p:spTree>
+      <p:nvGrpSpPr>
+        <p:cNvPr id="1" name=""/>
+        <p:cNvGrpSpPr/>
+        <p:nvPr/>
+      </p:nvGrpSpPr>
+      <p:grpSpPr/>
+      <p:sp>
+        <p:nvSpPr>
+          <p:cNvPr id="2" name="Title 1"/>
+          <p:cNvSpPr>
+            <a:spLocks noGrp="1"/>
+          </p:cNvSpPr>
+          <p:nvPr>
+            <p:ph type="title"/>
+          </p:nvPr>
+        </p:nvSpPr>
+        <p:spPr>
+          <a:xfrm>
+            <a:off x="647700" y="0"/>
+            <a:ext cx="10515600" cy="1325563"/>
+          </a:xfrm>
+        </p:spPr>
+        <p:txBody>
+          <a:bodyPr/>
+          <a:p>
+            <a:r>
+              <a:rPr lang="en-US"/>
+              <a:t>Publish/Subscribe Messaging</a:t>
+            </a:r>
+            <a:endParaRPr lang="en-US"/>
+          </a:p>
+        </p:txBody>
+      </p:sp>
+      <p:pic>
+        <p:nvPicPr>
+          <p:cNvPr id="4" name="Picture 3"/>
+          <p:cNvPicPr>
+            <a:picLocks noChangeAspect="1"/>
+          </p:cNvPicPr>
+          <p:nvPr/>
+        </p:nvPicPr>
+        <p:blipFill>
+          <a:blip r:embed="rId1"/>
+          <a:stretch>
+            <a:fillRect/>
+          </a:stretch>
+        </p:blipFill>
+        <p:spPr>
+          <a:xfrm>
+            <a:off x="1767840" y="1744980"/>
+            <a:ext cx="739775" cy="739775"/>
+          </a:xfrm>
+          <a:prstGeom prst="rect">
+            <a:avLst/>
+          </a:prstGeom>
+        </p:spPr>
+      </p:pic>
+      <p:sp>
+        <p:nvSpPr>
+          <p:cNvPr id="5" name="Text Box 4"/>
+          <p:cNvSpPr txBox="1"/>
+          <p:nvPr/>
+        </p:nvSpPr>
+        <p:spPr>
+          <a:xfrm>
+            <a:off x="1622425" y="2554605"/>
+            <a:ext cx="1029970" cy="337185"/>
+          </a:xfrm>
+          <a:prstGeom prst="rect">
+            <a:avLst/>
+          </a:prstGeom>
+          <a:noFill/>
+        </p:spPr>
+        <p:txBody>
+          <a:bodyPr wrap="none" rtlCol="0">
+            <a:spAutoFit/>
+          </a:bodyPr>
+          <a:p>
+            <a:r>
+              <a:rPr lang="en-US" sz="1600"/>
+              <a:t>Publisher</a:t>
+            </a:r>
+            <a:endParaRPr lang="en-US" sz="1600"/>
+          </a:p>
+        </p:txBody>
+      </p:sp>
+      <p:pic>
+        <p:nvPicPr>
+          <p:cNvPr id="6" name="Picture 5"/>
+          <p:cNvPicPr>
+            <a:picLocks noChangeAspect="1"/>
+          </p:cNvPicPr>
+          <p:nvPr/>
+        </p:nvPicPr>
+        <p:blipFill>
+          <a:blip r:embed="rId1"/>
+          <a:stretch>
+            <a:fillRect/>
+          </a:stretch>
+        </p:blipFill>
+        <p:spPr>
+          <a:xfrm>
+            <a:off x="1768475" y="3915410"/>
+            <a:ext cx="739775" cy="739775"/>
+          </a:xfrm>
+          <a:prstGeom prst="rect">
+            <a:avLst/>
+          </a:prstGeom>
+        </p:spPr>
+      </p:pic>
+      <p:sp>
+        <p:nvSpPr>
+          <p:cNvPr id="7" name="Text Box 6"/>
+          <p:cNvSpPr txBox="1"/>
+          <p:nvPr/>
+        </p:nvSpPr>
+        <p:spPr>
+          <a:xfrm>
+            <a:off x="1623695" y="4655185"/>
+            <a:ext cx="1029970" cy="337185"/>
+          </a:xfrm>
+          <a:prstGeom prst="rect">
+            <a:avLst/>
+          </a:prstGeom>
+          <a:noFill/>
+        </p:spPr>
+        <p:txBody>
+          <a:bodyPr wrap="none" rtlCol="0">
+            <a:spAutoFit/>
+          </a:bodyPr>
+          <a:p>
+            <a:r>
+              <a:rPr lang="en-US" sz="1600"/>
+              <a:t>Publisher</a:t>
+            </a:r>
+            <a:endParaRPr lang="en-US" sz="1600"/>
+          </a:p>
+        </p:txBody>
+      </p:sp>
+      <p:pic>
+        <p:nvPicPr>
+          <p:cNvPr id="8" name="Picture 7"/>
+          <p:cNvPicPr>
+            <a:picLocks noChangeAspect="1"/>
+          </p:cNvPicPr>
+          <p:nvPr/>
+        </p:nvPicPr>
+        <p:blipFill>
+          <a:blip r:embed="rId2"/>
+          <a:stretch>
+            <a:fillRect/>
+          </a:stretch>
+        </p:blipFill>
+        <p:spPr>
+          <a:xfrm>
+            <a:off x="3416300" y="1661795"/>
+            <a:ext cx="708025" cy="708025"/>
+          </a:xfrm>
+          <a:prstGeom prst="rect">
+            <a:avLst/>
+          </a:prstGeom>
+        </p:spPr>
+      </p:pic>
+      <p:pic>
+        <p:nvPicPr>
+          <p:cNvPr id="9" name="Picture 8"/>
+          <p:cNvPicPr>
+            <a:picLocks noChangeAspect="1"/>
+          </p:cNvPicPr>
+          <p:nvPr/>
+        </p:nvPicPr>
+        <p:blipFill>
+          <a:blip r:embed="rId2"/>
+          <a:stretch>
+            <a:fillRect/>
+          </a:stretch>
+        </p:blipFill>
+        <p:spPr>
+          <a:xfrm>
+            <a:off x="3942080" y="1846580"/>
+            <a:ext cx="708025" cy="708025"/>
+          </a:xfrm>
+          <a:prstGeom prst="rect">
+            <a:avLst/>
+          </a:prstGeom>
+        </p:spPr>
+      </p:pic>
+      <p:pic>
+        <p:nvPicPr>
+          <p:cNvPr id="10" name="Picture 9"/>
+          <p:cNvPicPr>
+            <a:picLocks noChangeAspect="1"/>
+          </p:cNvPicPr>
+          <p:nvPr/>
+        </p:nvPicPr>
+        <p:blipFill>
+          <a:blip r:embed="rId2"/>
+          <a:stretch>
+            <a:fillRect/>
+          </a:stretch>
+        </p:blipFill>
+        <p:spPr>
+          <a:xfrm>
+            <a:off x="3568065" y="2131695"/>
+            <a:ext cx="708025" cy="708025"/>
+          </a:xfrm>
+          <a:prstGeom prst="rect">
+            <a:avLst/>
+          </a:prstGeom>
+        </p:spPr>
+      </p:pic>
+      <p:pic>
+        <p:nvPicPr>
+          <p:cNvPr id="11" name="Picture 10"/>
+          <p:cNvPicPr>
+            <a:picLocks noChangeAspect="1"/>
+          </p:cNvPicPr>
+          <p:nvPr/>
+        </p:nvPicPr>
+        <p:blipFill>
+          <a:blip r:embed="rId2"/>
+          <a:stretch>
+            <a:fillRect/>
+          </a:stretch>
+        </p:blipFill>
+        <p:spPr>
+          <a:xfrm>
+            <a:off x="3416300" y="3854450"/>
+            <a:ext cx="708025" cy="708025"/>
+          </a:xfrm>
+          <a:prstGeom prst="rect">
+            <a:avLst/>
+          </a:prstGeom>
+        </p:spPr>
+      </p:pic>
+      <p:pic>
+        <p:nvPicPr>
+          <p:cNvPr id="12" name="Picture 11"/>
+          <p:cNvPicPr>
+            <a:picLocks noChangeAspect="1"/>
+          </p:cNvPicPr>
+          <p:nvPr/>
+        </p:nvPicPr>
+        <p:blipFill>
+          <a:blip r:embed="rId2"/>
+          <a:stretch>
+            <a:fillRect/>
+          </a:stretch>
+        </p:blipFill>
+        <p:spPr>
+          <a:xfrm>
+            <a:off x="3942080" y="4039235"/>
+            <a:ext cx="708025" cy="708025"/>
+          </a:xfrm>
+          <a:prstGeom prst="rect">
+            <a:avLst/>
+          </a:prstGeom>
+        </p:spPr>
+      </p:pic>
+      <p:pic>
+        <p:nvPicPr>
+          <p:cNvPr id="13" name="Picture 12"/>
+          <p:cNvPicPr>
+            <a:picLocks noChangeAspect="1"/>
+          </p:cNvPicPr>
+          <p:nvPr/>
+        </p:nvPicPr>
+        <p:blipFill>
+          <a:blip r:embed="rId2"/>
+          <a:stretch>
+            <a:fillRect/>
+          </a:stretch>
+        </p:blipFill>
+        <p:spPr>
+          <a:xfrm>
+            <a:off x="3568065" y="4324350"/>
+            <a:ext cx="708025" cy="708025"/>
+          </a:xfrm>
+          <a:prstGeom prst="rect">
+            <a:avLst/>
+          </a:prstGeom>
+        </p:spPr>
+      </p:pic>
+      <p:pic>
+        <p:nvPicPr>
+          <p:cNvPr id="14" name="Picture 13"/>
+          <p:cNvPicPr>
+            <a:picLocks noChangeAspect="1"/>
+          </p:cNvPicPr>
+          <p:nvPr/>
+        </p:nvPicPr>
+        <p:blipFill>
+          <a:blip r:embed="rId3"/>
+          <a:stretch>
+            <a:fillRect/>
+          </a:stretch>
+        </p:blipFill>
+        <p:spPr>
+          <a:xfrm>
+            <a:off x="5562600" y="2695575"/>
+            <a:ext cx="1066800" cy="1066800"/>
+          </a:xfrm>
+          <a:prstGeom prst="rect">
+            <a:avLst/>
+          </a:prstGeom>
+        </p:spPr>
+      </p:pic>
+      <p:pic>
+        <p:nvPicPr>
+          <p:cNvPr id="15" name="Picture 14"/>
+          <p:cNvPicPr>
+            <a:picLocks noChangeAspect="1"/>
+          </p:cNvPicPr>
+          <p:nvPr/>
+        </p:nvPicPr>
+        <p:blipFill>
+          <a:blip r:embed="rId4"/>
+          <a:stretch>
+            <a:fillRect/>
+          </a:stretch>
+        </p:blipFill>
+        <p:spPr>
+          <a:xfrm>
+            <a:off x="9302750" y="1805940"/>
+            <a:ext cx="636905" cy="636905"/>
+          </a:xfrm>
+          <a:prstGeom prst="rect">
+            <a:avLst/>
+          </a:prstGeom>
+        </p:spPr>
+      </p:pic>
+      <p:pic>
+        <p:nvPicPr>
+          <p:cNvPr id="16" name="Picture 15"/>
+          <p:cNvPicPr>
+            <a:picLocks noChangeAspect="1"/>
+          </p:cNvPicPr>
+          <p:nvPr/>
+        </p:nvPicPr>
+        <p:blipFill>
+          <a:blip r:embed="rId2"/>
+          <a:stretch>
+            <a:fillRect/>
+          </a:stretch>
+        </p:blipFill>
+        <p:spPr>
+          <a:xfrm>
+            <a:off x="7459980" y="1671320"/>
+            <a:ext cx="708025" cy="708025"/>
+          </a:xfrm>
+          <a:prstGeom prst="rect">
+            <a:avLst/>
+          </a:prstGeom>
+        </p:spPr>
+      </p:pic>
+      <p:pic>
+        <p:nvPicPr>
+          <p:cNvPr id="17" name="Picture 16"/>
+          <p:cNvPicPr>
+            <a:picLocks noChangeAspect="1"/>
+          </p:cNvPicPr>
+          <p:nvPr/>
+        </p:nvPicPr>
+        <p:blipFill>
+          <a:blip r:embed="rId2"/>
+          <a:stretch>
+            <a:fillRect/>
+          </a:stretch>
+        </p:blipFill>
+        <p:spPr>
+          <a:xfrm>
+            <a:off x="7752080" y="1997710"/>
+            <a:ext cx="708025" cy="708025"/>
+          </a:xfrm>
+          <a:prstGeom prst="rect">
+            <a:avLst/>
+          </a:prstGeom>
+        </p:spPr>
+      </p:pic>
+      <p:pic>
+        <p:nvPicPr>
+          <p:cNvPr id="18" name="Picture 17"/>
+          <p:cNvPicPr>
+            <a:picLocks noChangeAspect="1"/>
+          </p:cNvPicPr>
+          <p:nvPr/>
+        </p:nvPicPr>
+        <p:blipFill>
+          <a:blip r:embed="rId4"/>
+          <a:stretch>
+            <a:fillRect/>
+          </a:stretch>
+        </p:blipFill>
+        <p:spPr>
+          <a:xfrm>
+            <a:off x="9302750" y="2910840"/>
+            <a:ext cx="636905" cy="636905"/>
+          </a:xfrm>
+          <a:prstGeom prst="rect">
+            <a:avLst/>
+          </a:prstGeom>
+        </p:spPr>
+      </p:pic>
+      <p:pic>
+        <p:nvPicPr>
+          <p:cNvPr id="19" name="Picture 18"/>
+          <p:cNvPicPr>
+            <a:picLocks noChangeAspect="1"/>
+          </p:cNvPicPr>
+          <p:nvPr/>
+        </p:nvPicPr>
+        <p:blipFill>
+          <a:blip r:embed="rId2"/>
+          <a:stretch>
+            <a:fillRect/>
+          </a:stretch>
+        </p:blipFill>
+        <p:spPr>
+          <a:xfrm>
+            <a:off x="7459980" y="2776220"/>
+            <a:ext cx="708025" cy="708025"/>
+          </a:xfrm>
+          <a:prstGeom prst="rect">
+            <a:avLst/>
+          </a:prstGeom>
+        </p:spPr>
+      </p:pic>
+      <p:pic>
+        <p:nvPicPr>
+          <p:cNvPr id="20" name="Picture 19"/>
+          <p:cNvPicPr>
+            <a:picLocks noChangeAspect="1"/>
+          </p:cNvPicPr>
+          <p:nvPr/>
+        </p:nvPicPr>
+        <p:blipFill>
+          <a:blip r:embed="rId2"/>
+          <a:stretch>
+            <a:fillRect/>
+          </a:stretch>
+        </p:blipFill>
+        <p:spPr>
+          <a:xfrm>
+            <a:off x="7752080" y="3102610"/>
+            <a:ext cx="708025" cy="708025"/>
+          </a:xfrm>
+          <a:prstGeom prst="rect">
+            <a:avLst/>
+          </a:prstGeom>
+        </p:spPr>
+      </p:pic>
+      <p:pic>
+        <p:nvPicPr>
+          <p:cNvPr id="21" name="Picture 20"/>
+          <p:cNvPicPr>
+            <a:picLocks noChangeAspect="1"/>
+          </p:cNvPicPr>
+          <p:nvPr/>
+        </p:nvPicPr>
+        <p:blipFill>
+          <a:blip r:embed="rId4"/>
+          <a:stretch>
+            <a:fillRect/>
+          </a:stretch>
+        </p:blipFill>
+        <p:spPr>
+          <a:xfrm>
+            <a:off x="9302750" y="4039235"/>
+            <a:ext cx="636905" cy="636905"/>
+          </a:xfrm>
+          <a:prstGeom prst="rect">
+            <a:avLst/>
+          </a:prstGeom>
+        </p:spPr>
+      </p:pic>
+      <p:pic>
+        <p:nvPicPr>
+          <p:cNvPr id="22" name="Picture 21"/>
+          <p:cNvPicPr>
+            <a:picLocks noChangeAspect="1"/>
+          </p:cNvPicPr>
+          <p:nvPr/>
+        </p:nvPicPr>
+        <p:blipFill>
+          <a:blip r:embed="rId2"/>
+          <a:stretch>
+            <a:fillRect/>
+          </a:stretch>
+        </p:blipFill>
+        <p:spPr>
+          <a:xfrm>
+            <a:off x="7459980" y="3915410"/>
+            <a:ext cx="708025" cy="708025"/>
+          </a:xfrm>
+          <a:prstGeom prst="rect">
+            <a:avLst/>
+          </a:prstGeom>
+        </p:spPr>
+      </p:pic>
+      <p:pic>
+        <p:nvPicPr>
+          <p:cNvPr id="23" name="Picture 22"/>
+          <p:cNvPicPr>
+            <a:picLocks noChangeAspect="1"/>
+          </p:cNvPicPr>
+          <p:nvPr/>
+        </p:nvPicPr>
+        <p:blipFill>
+          <a:blip r:embed="rId2"/>
+          <a:stretch>
+            <a:fillRect/>
+          </a:stretch>
+        </p:blipFill>
+        <p:spPr>
+          <a:xfrm>
+            <a:off x="7752080" y="4231005"/>
+            <a:ext cx="708025" cy="708025"/>
+          </a:xfrm>
+          <a:prstGeom prst="rect">
+            <a:avLst/>
+          </a:prstGeom>
+        </p:spPr>
+      </p:pic>
+      <p:sp>
+        <p:nvSpPr>
+          <p:cNvPr id="24" name="Text Box 23"/>
+          <p:cNvSpPr txBox="1"/>
+          <p:nvPr/>
+        </p:nvSpPr>
+        <p:spPr>
+          <a:xfrm>
+            <a:off x="9044305" y="2379345"/>
+            <a:ext cx="1154430" cy="337185"/>
+          </a:xfrm>
+          <a:prstGeom prst="rect">
+            <a:avLst/>
+          </a:prstGeom>
+          <a:noFill/>
+        </p:spPr>
+        <p:txBody>
+          <a:bodyPr wrap="none" rtlCol="0">
+            <a:spAutoFit/>
+          </a:bodyPr>
+          <a:p>
+            <a:r>
+              <a:rPr lang="en-US" sz="1600"/>
+              <a:t>Subscriber</a:t>
+            </a:r>
+            <a:endParaRPr lang="en-US" sz="1600"/>
+          </a:p>
+        </p:txBody>
+      </p:sp>
+      <p:sp>
+        <p:nvSpPr>
+          <p:cNvPr id="25" name="Text Box 24"/>
+          <p:cNvSpPr txBox="1"/>
+          <p:nvPr/>
+        </p:nvSpPr>
+        <p:spPr>
+          <a:xfrm>
+            <a:off x="9044305" y="3425825"/>
+            <a:ext cx="1154430" cy="337185"/>
+          </a:xfrm>
+          <a:prstGeom prst="rect">
+            <a:avLst/>
+          </a:prstGeom>
+          <a:noFill/>
+        </p:spPr>
+        <p:txBody>
+          <a:bodyPr wrap="none" rtlCol="0">
+            <a:spAutoFit/>
+          </a:bodyPr>
+          <a:p>
+            <a:r>
+              <a:rPr lang="en-US" sz="1600"/>
+              <a:t>Subscriber</a:t>
+            </a:r>
+            <a:endParaRPr lang="en-US" sz="1600"/>
+          </a:p>
+        </p:txBody>
+      </p:sp>
+      <p:sp>
+        <p:nvSpPr>
+          <p:cNvPr id="26" name="Text Box 25"/>
+          <p:cNvSpPr txBox="1"/>
+          <p:nvPr/>
+        </p:nvSpPr>
+        <p:spPr>
+          <a:xfrm>
+            <a:off x="9044305" y="4562475"/>
+            <a:ext cx="1154430" cy="337185"/>
+          </a:xfrm>
+          <a:prstGeom prst="rect">
+            <a:avLst/>
+          </a:prstGeom>
+          <a:noFill/>
+        </p:spPr>
+        <p:txBody>
+          <a:bodyPr wrap="none" rtlCol="0">
+            <a:spAutoFit/>
+          </a:bodyPr>
+          <a:p>
+            <a:r>
+              <a:rPr lang="en-US" sz="1600"/>
+              <a:t>Subscriber</a:t>
+            </a:r>
+            <a:endParaRPr lang="en-US" sz="1600"/>
+          </a:p>
+        </p:txBody>
+      </p:sp>
+      <p:cxnSp>
+        <p:nvCxnSpPr>
+          <p:cNvPr id="27" name="Straight Connector 26"/>
+          <p:cNvCxnSpPr/>
+          <p:nvPr/>
+        </p:nvCxnSpPr>
+        <p:spPr>
+          <a:xfrm flipV="1">
+            <a:off x="2564130" y="2125345"/>
+            <a:ext cx="960755" cy="10160"/>
+          </a:xfrm>
+          <a:prstGeom prst="line">
+            <a:avLst/>
+          </a:prstGeom>
+          <a:ln w="25400">
+            <a:solidFill>
+              <a:srgbClr val="202020"/>
+            </a:solidFill>
+          </a:ln>
+        </p:spPr>
+        <p:style>
+          <a:lnRef idx="1">
+            <a:schemeClr val="accent1"/>
+          </a:lnRef>
+          <a:fillRef idx="0">
+            <a:schemeClr val="accent1"/>
+          </a:fillRef>
+          <a:effectRef idx="0">
+            <a:schemeClr val="accent1"/>
+          </a:effectRef>
+          <a:fontRef idx="minor">
+            <a:schemeClr val="tx1"/>
+          </a:fontRef>
+        </p:style>
+      </p:cxnSp>
+      <p:cxnSp>
+        <p:nvCxnSpPr>
+          <p:cNvPr id="29" name="Straight Connector 28"/>
+          <p:cNvCxnSpPr>
+            <a:stCxn id="9" idx="3"/>
+            <a:endCxn id="14" idx="1"/>
+          </p:cNvCxnSpPr>
+          <p:nvPr/>
+        </p:nvCxnSpPr>
+        <p:spPr>
+          <a:xfrm>
+            <a:off x="4650105" y="2200910"/>
+            <a:ext cx="912495" cy="1028065"/>
+          </a:xfrm>
+          <a:prstGeom prst="line">
+            <a:avLst/>
+          </a:prstGeom>
+          <a:ln w="25400">
+            <a:solidFill>
+              <a:srgbClr val="202020"/>
+            </a:solidFill>
+          </a:ln>
+        </p:spPr>
+        <p:style>
+          <a:lnRef idx="1">
+            <a:schemeClr val="accent1"/>
+          </a:lnRef>
+          <a:fillRef idx="0">
+            <a:schemeClr val="accent1"/>
+          </a:fillRef>
+          <a:effectRef idx="0">
+            <a:schemeClr val="accent1"/>
+          </a:effectRef>
+          <a:fontRef idx="minor">
+            <a:schemeClr val="tx1"/>
+          </a:fontRef>
+        </p:style>
+      </p:cxnSp>
+      <p:cxnSp>
+        <p:nvCxnSpPr>
+          <p:cNvPr id="30" name="Straight Connector 29"/>
+          <p:cNvCxnSpPr>
+            <a:stCxn id="12" idx="3"/>
+            <a:endCxn id="14" idx="1"/>
+          </p:cNvCxnSpPr>
+          <p:nvPr/>
+        </p:nvCxnSpPr>
+        <p:spPr>
+          <a:xfrm flipV="1">
+            <a:off x="4650105" y="3228975"/>
+            <a:ext cx="912495" cy="1164590"/>
+          </a:xfrm>
+          <a:prstGeom prst="line">
+            <a:avLst/>
+          </a:prstGeom>
+          <a:ln w="25400">
+            <a:solidFill>
+              <a:srgbClr val="202020"/>
+            </a:solidFill>
+          </a:ln>
+        </p:spPr>
+        <p:style>
+          <a:lnRef idx="1">
+            <a:schemeClr val="accent1"/>
+          </a:lnRef>
+          <a:fillRef idx="0">
+            <a:schemeClr val="accent1"/>
+          </a:fillRef>
+          <a:effectRef idx="0">
+            <a:schemeClr val="accent1"/>
+          </a:effectRef>
+          <a:fontRef idx="minor">
+            <a:schemeClr val="tx1"/>
+          </a:fontRef>
+        </p:style>
+      </p:cxnSp>
+      <p:cxnSp>
+        <p:nvCxnSpPr>
+          <p:cNvPr id="31" name="Straight Connector 30"/>
+          <p:cNvCxnSpPr>
+            <a:stCxn id="6" idx="3"/>
+          </p:cNvCxnSpPr>
+          <p:nvPr/>
+        </p:nvCxnSpPr>
+        <p:spPr>
+          <a:xfrm>
+            <a:off x="2508250" y="4285615"/>
+            <a:ext cx="1047115" cy="6350"/>
+          </a:xfrm>
+          <a:prstGeom prst="line">
+            <a:avLst/>
+          </a:prstGeom>
+          <a:ln w="25400">
+            <a:solidFill>
+              <a:srgbClr val="202020"/>
+            </a:solidFill>
+          </a:ln>
+        </p:spPr>
+        <p:style>
+          <a:lnRef idx="1">
+            <a:schemeClr val="accent1"/>
+          </a:lnRef>
+          <a:fillRef idx="0">
+            <a:schemeClr val="accent1"/>
+          </a:fillRef>
+          <a:effectRef idx="0">
+            <a:schemeClr val="accent1"/>
+          </a:effectRef>
+          <a:fontRef idx="minor">
+            <a:schemeClr val="tx1"/>
+          </a:fontRef>
+        </p:style>
+      </p:cxnSp>
+      <p:cxnSp>
+        <p:nvCxnSpPr>
+          <p:cNvPr id="32" name="Straight Connector 31"/>
+          <p:cNvCxnSpPr>
+            <a:endCxn id="14" idx="3"/>
+          </p:cNvCxnSpPr>
+          <p:nvPr/>
+        </p:nvCxnSpPr>
+        <p:spPr>
+          <a:xfrm flipH="1" flipV="1">
+            <a:off x="6629400" y="3228975"/>
+            <a:ext cx="932180" cy="1134745"/>
+          </a:xfrm>
+          <a:prstGeom prst="line">
+            <a:avLst/>
+          </a:prstGeom>
+          <a:ln w="25400">
+            <a:solidFill>
+              <a:srgbClr val="202020"/>
+            </a:solidFill>
+          </a:ln>
+        </p:spPr>
+        <p:style>
+          <a:lnRef idx="1">
+            <a:schemeClr val="accent1"/>
+          </a:lnRef>
+          <a:fillRef idx="0">
+            <a:schemeClr val="accent1"/>
+          </a:fillRef>
+          <a:effectRef idx="0">
+            <a:schemeClr val="accent1"/>
+          </a:effectRef>
+          <a:fontRef idx="minor">
+            <a:schemeClr val="tx1"/>
+          </a:fontRef>
+        </p:style>
+      </p:cxnSp>
+      <p:cxnSp>
+        <p:nvCxnSpPr>
+          <p:cNvPr id="33" name="Straight Connector 32"/>
+          <p:cNvCxnSpPr>
+            <a:endCxn id="14" idx="3"/>
+          </p:cNvCxnSpPr>
+          <p:nvPr/>
+        </p:nvCxnSpPr>
+        <p:spPr>
+          <a:xfrm flipH="1">
+            <a:off x="6629400" y="3218815"/>
+            <a:ext cx="911860" cy="10160"/>
+          </a:xfrm>
+          <a:prstGeom prst="line">
+            <a:avLst/>
+          </a:prstGeom>
+          <a:ln w="25400">
+            <a:solidFill>
+              <a:srgbClr val="202020"/>
+            </a:solidFill>
+          </a:ln>
+        </p:spPr>
+        <p:style>
+          <a:lnRef idx="1">
+            <a:schemeClr val="accent1"/>
+          </a:lnRef>
+          <a:fillRef idx="0">
+            <a:schemeClr val="accent1"/>
+          </a:fillRef>
+          <a:effectRef idx="0">
+            <a:schemeClr val="accent1"/>
+          </a:effectRef>
+          <a:fontRef idx="minor">
+            <a:schemeClr val="tx1"/>
+          </a:fontRef>
+        </p:style>
+      </p:cxnSp>
+      <p:cxnSp>
+        <p:nvCxnSpPr>
+          <p:cNvPr id="34" name="Straight Connector 33"/>
+          <p:cNvCxnSpPr>
+            <a:endCxn id="14" idx="3"/>
+          </p:cNvCxnSpPr>
+          <p:nvPr/>
+        </p:nvCxnSpPr>
+        <p:spPr>
+          <a:xfrm flipH="1">
+            <a:off x="6629400" y="2105025"/>
+            <a:ext cx="962660" cy="1123950"/>
+          </a:xfrm>
+          <a:prstGeom prst="line">
+            <a:avLst/>
+          </a:prstGeom>
+          <a:ln w="25400">
+            <a:solidFill>
+              <a:srgbClr val="202020"/>
+            </a:solidFill>
+          </a:ln>
+        </p:spPr>
+        <p:style>
+          <a:lnRef idx="1">
+            <a:schemeClr val="accent1"/>
+          </a:lnRef>
+          <a:fillRef idx="0">
+            <a:schemeClr val="accent1"/>
+          </a:fillRef>
+          <a:effectRef idx="0">
+            <a:schemeClr val="accent1"/>
+          </a:effectRef>
+          <a:fontRef idx="minor">
+            <a:schemeClr val="tx1"/>
+          </a:fontRef>
+        </p:style>
+      </p:cxnSp>
+      <p:cxnSp>
+        <p:nvCxnSpPr>
+          <p:cNvPr id="35" name="Straight Connector 34"/>
+          <p:cNvCxnSpPr>
+            <a:endCxn id="15" idx="1"/>
+          </p:cNvCxnSpPr>
+          <p:nvPr/>
+        </p:nvCxnSpPr>
+        <p:spPr>
+          <a:xfrm>
+            <a:off x="8317865" y="2115185"/>
+            <a:ext cx="984885" cy="9525"/>
+          </a:xfrm>
+          <a:prstGeom prst="line">
+            <a:avLst/>
+          </a:prstGeom>
+          <a:ln w="25400">
+            <a:solidFill>
+              <a:srgbClr val="202020"/>
+            </a:solidFill>
+          </a:ln>
+        </p:spPr>
+        <p:style>
+          <a:lnRef idx="1">
+            <a:schemeClr val="accent1"/>
+          </a:lnRef>
+          <a:fillRef idx="0">
+            <a:schemeClr val="accent1"/>
+          </a:fillRef>
+          <a:effectRef idx="0">
+            <a:schemeClr val="accent1"/>
+          </a:effectRef>
+          <a:fontRef idx="minor">
+            <a:schemeClr val="tx1"/>
+          </a:fontRef>
+        </p:style>
+      </p:cxnSp>
+      <p:cxnSp>
+        <p:nvCxnSpPr>
+          <p:cNvPr id="36" name="Straight Connector 35"/>
+          <p:cNvCxnSpPr/>
+          <p:nvPr/>
+        </p:nvCxnSpPr>
+        <p:spPr>
+          <a:xfrm>
+            <a:off x="8277225" y="3208655"/>
+            <a:ext cx="1025525" cy="10160"/>
+          </a:xfrm>
+          <a:prstGeom prst="line">
+            <a:avLst/>
+          </a:prstGeom>
+          <a:ln w="25400">
+            <a:solidFill>
+              <a:srgbClr val="202020"/>
+            </a:solidFill>
+          </a:ln>
+        </p:spPr>
+        <p:style>
+          <a:lnRef idx="1">
+            <a:schemeClr val="accent1"/>
+          </a:lnRef>
+          <a:fillRef idx="0">
+            <a:schemeClr val="accent1"/>
+          </a:fillRef>
+          <a:effectRef idx="0">
+            <a:schemeClr val="accent1"/>
+          </a:effectRef>
+          <a:fontRef idx="minor">
+            <a:schemeClr val="tx1"/>
+          </a:fontRef>
+        </p:style>
+      </p:cxnSp>
+      <p:cxnSp>
+        <p:nvCxnSpPr>
+          <p:cNvPr id="37" name="Straight Connector 36"/>
+          <p:cNvCxnSpPr>
+            <a:endCxn id="21" idx="1"/>
+          </p:cNvCxnSpPr>
+          <p:nvPr/>
+        </p:nvCxnSpPr>
+        <p:spPr>
+          <a:xfrm>
+            <a:off x="8277225" y="4353560"/>
+            <a:ext cx="1025525" cy="4445"/>
+          </a:xfrm>
+          <a:prstGeom prst="line">
+            <a:avLst/>
+          </a:prstGeom>
+          <a:ln w="25400">
+            <a:solidFill>
+              <a:srgbClr val="202020"/>
+            </a:solidFill>
+          </a:ln>
+        </p:spPr>
+        <p:style>
+          <a:lnRef idx="1">
+            <a:schemeClr val="accent1"/>
+          </a:lnRef>
+          <a:fillRef idx="0">
+            <a:schemeClr val="accent1"/>
+          </a:fillRef>
+          <a:effectRef idx="0">
+            <a:schemeClr val="accent1"/>
+          </a:effectRef>
+          <a:fontRef idx="minor">
+            <a:schemeClr val="tx1"/>
+          </a:fontRef>
+        </p:style>
+      </p:cxnSp>
+    </p:spTree>
+  </p:cSld>
+  <p:clrMapOvr>
+    <a:masterClrMapping/>
+  </p:clrMapOvr>
+  <p:timing>
+    <p:tnLst>
+      <p:par>
+        <p:cTn id="1" dur="indefinite" restart="never" nodeType="tmRoot">
+          <p:childTnLst>
+            <p:seq concurrent="1" nextAc="seek">
+              <p:cTn id="2" dur="indefinite" nodeType="mainSeq">
+                <p:childTnLst>
+                  <p:par>
+                    <p:cTn id="3" fill="hold">
+                      <p:stCondLst>
+                        <p:cond delay="indefinite"/>
+                      </p:stCondLst>
+                      <p:childTnLst>
+                        <p:par>
+                          <p:cTn id="4" fill="hold">
+                            <p:stCondLst>
+                              <p:cond delay="0"/>
+                            </p:stCondLst>
+                            <p:childTnLst>
+                              <p:par>
+                                <p:cTn id="5" presetID="1" presetClass="entr" presetSubtype="0" fill="hold" nodeType="clickEffect">
+                                  <p:stCondLst>
+                                    <p:cond delay="0"/>
+                                  </p:stCondLst>
+                                  <p:childTnLst>
+                                    <p:set>
+                                      <p:cBhvr>
+                                        <p:cTn id="6" dur="1" fill="hold">
+                                          <p:stCondLst>
+                                            <p:cond delay="0"/>
+                                          </p:stCondLst>
+                                        </p:cTn>
+                                        <p:tgtEl>
+                                          <p:spTgt spid="8"/>
+                                        </p:tgtEl>
+                                        <p:attrNameLst>
+                                          <p:attrName>style.visibility</p:attrName>
+                                        </p:attrNameLst>
+                                      </p:cBhvr>
+                                      <p:to>
+                                        <p:strVal val="visible"/>
+                                      </p:to>
+                                    </p:set>
+                                  </p:childTnLst>
+                                </p:cTn>
+                              </p:par>
+                              <p:par>
+                                <p:cTn id="7" presetID="1" presetClass="entr" presetSubtype="0" fill="hold" nodeType="withEffect">
+                                  <p:stCondLst>
+                                    <p:cond delay="0"/>
+                                  </p:stCondLst>
+                                  <p:childTnLst>
+                                    <p:set>
+                                      <p:cBhvr>
+                                        <p:cTn id="8" dur="1" fill="hold">
+                                          <p:stCondLst>
+                                            <p:cond delay="0"/>
+                                          </p:stCondLst>
+                                        </p:cTn>
+                                        <p:tgtEl>
+                                          <p:spTgt spid="9"/>
+                                        </p:tgtEl>
+                                        <p:attrNameLst>
+                                          <p:attrName>style.visibility</p:attrName>
+                                        </p:attrNameLst>
+                                      </p:cBhvr>
+                                      <p:to>
+                                        <p:strVal val="visible"/>
+                                      </p:to>
+                                    </p:set>
+                                  </p:childTnLst>
+                                </p:cTn>
+                              </p:par>
+                              <p:par>
+                                <p:cTn id="9" presetID="1" presetClass="entr" presetSubtype="0" fill="hold" nodeType="withEffect">
+                                  <p:stCondLst>
+                                    <p:cond delay="0"/>
+                                  </p:stCondLst>
+                                  <p:childTnLst>
+                                    <p:set>
+                                      <p:cBhvr>
+                                        <p:cTn id="10" dur="1" fill="hold">
+                                          <p:stCondLst>
+                                            <p:cond delay="0"/>
+                                          </p:stCondLst>
+                                        </p:cTn>
+                                        <p:tgtEl>
+                                          <p:spTgt spid="10"/>
+                                        </p:tgtEl>
+                                        <p:attrNameLst>
+                                          <p:attrName>style.visibility</p:attrName>
+                                        </p:attrNameLst>
+                                      </p:cBhvr>
+                                      <p:to>
+                                        <p:strVal val="visible"/>
+                                      </p:to>
+                                    </p:set>
+                                  </p:childTnLst>
+                                </p:cTn>
+                              </p:par>
+                              <p:par>
+                                <p:cTn id="11" presetID="1" presetClass="entr" presetSubtype="0" fill="hold" nodeType="withEffect">
+                                  <p:stCondLst>
+                                    <p:cond delay="0"/>
+                                  </p:stCondLst>
+                                  <p:childTnLst>
+                                    <p:set>
+                                      <p:cBhvr>
+                                        <p:cTn id="12" dur="1" fill="hold">
+                                          <p:stCondLst>
+                                            <p:cond delay="0"/>
+                                          </p:stCondLst>
+                                        </p:cTn>
+                                        <p:tgtEl>
+                                          <p:spTgt spid="11"/>
+                                        </p:tgtEl>
+                                        <p:attrNameLst>
+                                          <p:attrName>style.visibility</p:attrName>
+                                        </p:attrNameLst>
+                                      </p:cBhvr>
+                                      <p:to>
+                                        <p:strVal val="visible"/>
+                                      </p:to>
+                                    </p:set>
+                                  </p:childTnLst>
+                                </p:cTn>
+                              </p:par>
+                              <p:par>
+                                <p:cTn id="13" presetID="1" presetClass="entr" presetSubtype="0" fill="hold" nodeType="withEffect">
+                                  <p:stCondLst>
+                                    <p:cond delay="0"/>
+                                  </p:stCondLst>
+                                  <p:childTnLst>
+                                    <p:set>
+                                      <p:cBhvr>
+                                        <p:cTn id="14" dur="1" fill="hold">
+                                          <p:stCondLst>
+                                            <p:cond delay="0"/>
+                                          </p:stCondLst>
+                                        </p:cTn>
+                                        <p:tgtEl>
+                                          <p:spTgt spid="12"/>
+                                        </p:tgtEl>
+                                        <p:attrNameLst>
+                                          <p:attrName>style.visibility</p:attrName>
+                                        </p:attrNameLst>
+                                      </p:cBhvr>
+                                      <p:to>
+                                        <p:strVal val="visible"/>
+                                      </p:to>
+                                    </p:set>
+                                  </p:childTnLst>
+                                </p:cTn>
+                              </p:par>
+                              <p:par>
+                                <p:cTn id="15" presetID="1" presetClass="entr" presetSubtype="0" fill="hold" nodeType="withEffect">
+                                  <p:stCondLst>
+                                    <p:cond delay="0"/>
+                                  </p:stCondLst>
+                                  <p:childTnLst>
+                                    <p:set>
+                                      <p:cBhvr>
+                                        <p:cTn id="16" dur="1" fill="hold">
+                                          <p:stCondLst>
+                                            <p:cond delay="0"/>
+                                          </p:stCondLst>
+                                        </p:cTn>
+                                        <p:tgtEl>
+                                          <p:spTgt spid="13"/>
+                                        </p:tgtEl>
+                                        <p:attrNameLst>
+                                          <p:attrName>style.visibility</p:attrName>
+                                        </p:attrNameLst>
+                                      </p:cBhvr>
+                                      <p:to>
+                                        <p:strVal val="visible"/>
+                                      </p:to>
+                                    </p:set>
+                                  </p:childTnLst>
+                                </p:cTn>
+                              </p:par>
+                              <p:par>
+                                <p:cTn id="17" presetID="1" presetClass="entr" presetSubtype="0" fill="hold" nodeType="withEffect">
+                                  <p:stCondLst>
+                                    <p:cond delay="0"/>
+                                  </p:stCondLst>
+                                  <p:childTnLst>
+                                    <p:set>
+                                      <p:cBhvr>
+                                        <p:cTn id="18" dur="1" fill="hold">
+                                          <p:stCondLst>
+                                            <p:cond delay="0"/>
+                                          </p:stCondLst>
+                                        </p:cTn>
+                                        <p:tgtEl>
+                                          <p:spTgt spid="27"/>
+                                        </p:tgtEl>
+                                        <p:attrNameLst>
+                                          <p:attrName>style.visibility</p:attrName>
+                                        </p:attrNameLst>
+                                      </p:cBhvr>
+                                      <p:to>
+                                        <p:strVal val="visible"/>
+                                      </p:to>
+                                    </p:set>
+                                  </p:childTnLst>
+                                </p:cTn>
+                              </p:par>
+                              <p:par>
+                                <p:cTn id="19" presetID="1" presetClass="entr" presetSubtype="0" fill="hold" nodeType="withEffect">
+                                  <p:stCondLst>
+                                    <p:cond delay="0"/>
+                                  </p:stCondLst>
+                                  <p:childTnLst>
+                                    <p:set>
+                                      <p:cBhvr>
+                                        <p:cTn id="20" dur="1" fill="hold">
+                                          <p:stCondLst>
+                                            <p:cond delay="0"/>
+                                          </p:stCondLst>
+                                        </p:cTn>
+                                        <p:tgtEl>
+                                          <p:spTgt spid="31"/>
+                                        </p:tgtEl>
+                                        <p:attrNameLst>
+                                          <p:attrName>style.visibility</p:attrName>
+                                        </p:attrNameLst>
+                                      </p:cBhvr>
+                                      <p:to>
+                                        <p:strVal val="visible"/>
+                                      </p:to>
+                                    </p:set>
+                                  </p:childTnLst>
+                                </p:cTn>
+                              </p:par>
+                            </p:childTnLst>
+                          </p:cTn>
+                        </p:par>
+                      </p:childTnLst>
+                    </p:cTn>
+                  </p:par>
+                  <p:par>
+                    <p:cTn id="21" fill="hold">
+                      <p:stCondLst>
+                        <p:cond delay="indefinite"/>
+                      </p:stCondLst>
+                      <p:childTnLst>
+                        <p:par>
+                          <p:cTn id="22" fill="hold">
+                            <p:stCondLst>
+                              <p:cond delay="0"/>
+                            </p:stCondLst>
+                            <p:childTnLst>
+                              <p:par>
+                                <p:cTn id="23" presetID="1" presetClass="entr" presetSubtype="0" fill="hold" nodeType="clickEffect">
+                                  <p:stCondLst>
+                                    <p:cond delay="0"/>
+                                  </p:stCondLst>
+                                  <p:childTnLst>
+                                    <p:set>
+                                      <p:cBhvr>
+                                        <p:cTn id="24" dur="1" fill="hold">
+                                          <p:stCondLst>
+                                            <p:cond delay="0"/>
+                                          </p:stCondLst>
+                                        </p:cTn>
+                                        <p:tgtEl>
+                                          <p:spTgt spid="14"/>
+                                        </p:tgtEl>
+                                        <p:attrNameLst>
+                                          <p:attrName>style.visibility</p:attrName>
+                                        </p:attrNameLst>
+                                      </p:cBhvr>
+                                      <p:to>
+                                        <p:strVal val="visible"/>
+                                      </p:to>
+                                    </p:set>
+                                  </p:childTnLst>
+                                </p:cTn>
+                              </p:par>
+                              <p:par>
+                                <p:cTn id="25" presetID="1" presetClass="entr" presetSubtype="0" fill="hold" nodeType="withEffect">
+                                  <p:stCondLst>
+                                    <p:cond delay="0"/>
+                                  </p:stCondLst>
+                                  <p:childTnLst>
+                                    <p:set>
+                                      <p:cBhvr>
+                                        <p:cTn id="26" dur="1" fill="hold">
+                                          <p:stCondLst>
+                                            <p:cond delay="0"/>
+                                          </p:stCondLst>
+                                        </p:cTn>
+                                        <p:tgtEl>
+                                          <p:spTgt spid="29"/>
+                                        </p:tgtEl>
+                                        <p:attrNameLst>
+                                          <p:attrName>style.visibility</p:attrName>
+                                        </p:attrNameLst>
+                                      </p:cBhvr>
+                                      <p:to>
+                                        <p:strVal val="visible"/>
+                                      </p:to>
+                                    </p:set>
+                                  </p:childTnLst>
+                                </p:cTn>
+                              </p:par>
+                              <p:par>
+                                <p:cTn id="27" presetID="1" presetClass="entr" presetSubtype="0" fill="hold" nodeType="withEffect">
+                                  <p:stCondLst>
+                                    <p:cond delay="0"/>
+                                  </p:stCondLst>
+                                  <p:childTnLst>
+                                    <p:set>
+                                      <p:cBhvr>
+                                        <p:cTn id="28" dur="1" fill="hold">
+                                          <p:stCondLst>
+                                            <p:cond delay="0"/>
+                                          </p:stCondLst>
+                                        </p:cTn>
+                                        <p:tgtEl>
+                                          <p:spTgt spid="30"/>
+                                        </p:tgtEl>
+                                        <p:attrNameLst>
+                                          <p:attrName>style.visibility</p:attrName>
+                                        </p:attrNameLst>
+                                      </p:cBhvr>
+                                      <p:to>
+                                        <p:strVal val="visible"/>
+                                      </p:to>
+                                    </p:set>
+                                  </p:childTnLst>
+                                </p:cTn>
+                              </p:par>
+                            </p:childTnLst>
+                          </p:cTn>
+                        </p:par>
+                      </p:childTnLst>
+                    </p:cTn>
+                  </p:par>
+                  <p:par>
+                    <p:cTn id="29" fill="hold">
+                      <p:stCondLst>
+                        <p:cond delay="indefinite"/>
+                      </p:stCondLst>
+                      <p:childTnLst>
+                        <p:par>
+                          <p:cTn id="30" fill="hold">
+                            <p:stCondLst>
+                              <p:cond delay="0"/>
+                            </p:stCondLst>
+                            <p:childTnLst>
+                              <p:par>
+                                <p:cTn id="31" presetID="1" presetClass="entr" presetSubtype="0" fill="hold" nodeType="clickEffect">
+                                  <p:stCondLst>
+                                    <p:cond delay="0"/>
+                                  </p:stCondLst>
+                                  <p:childTnLst>
+                                    <p:set>
+                                      <p:cBhvr>
+                                        <p:cTn id="32" dur="1" fill="hold">
+                                          <p:stCondLst>
+                                            <p:cond delay="0"/>
+                                          </p:stCondLst>
+                                        </p:cTn>
+                                        <p:tgtEl>
+                                          <p:spTgt spid="15"/>
+                                        </p:tgtEl>
+                                        <p:attrNameLst>
+                                          <p:attrName>style.visibility</p:attrName>
+                                        </p:attrNameLst>
+                                      </p:cBhvr>
+                                      <p:to>
+                                        <p:strVal val="visible"/>
+                                      </p:to>
+                                    </p:set>
+                                  </p:childTnLst>
+                                </p:cTn>
+                              </p:par>
+                              <p:par>
+                                <p:cTn id="33" presetID="1" presetClass="entr" presetSubtype="0" fill="hold" nodeType="withEffect">
+                                  <p:stCondLst>
+                                    <p:cond delay="0"/>
+                                  </p:stCondLst>
+                                  <p:childTnLst>
+                                    <p:set>
+                                      <p:cBhvr>
+                                        <p:cTn id="34" dur="1" fill="hold">
+                                          <p:stCondLst>
+                                            <p:cond delay="0"/>
+                                          </p:stCondLst>
+                                        </p:cTn>
+                                        <p:tgtEl>
+                                          <p:spTgt spid="16"/>
+                                        </p:tgtEl>
+                                        <p:attrNameLst>
+                                          <p:attrName>style.visibility</p:attrName>
+                                        </p:attrNameLst>
+                                      </p:cBhvr>
+                                      <p:to>
+                                        <p:strVal val="visible"/>
+                                      </p:to>
+                                    </p:set>
+                                  </p:childTnLst>
+                                </p:cTn>
+                              </p:par>
+                              <p:par>
+                                <p:cTn id="35" presetID="1" presetClass="entr" presetSubtype="0" fill="hold" nodeType="withEffect">
+                                  <p:stCondLst>
+                                    <p:cond delay="0"/>
+                                  </p:stCondLst>
+                                  <p:childTnLst>
+                                    <p:set>
+                                      <p:cBhvr>
+                                        <p:cTn id="36" dur="1" fill="hold">
+                                          <p:stCondLst>
+                                            <p:cond delay="0"/>
+                                          </p:stCondLst>
+                                        </p:cTn>
+                                        <p:tgtEl>
+                                          <p:spTgt spid="17"/>
+                                        </p:tgtEl>
+                                        <p:attrNameLst>
+                                          <p:attrName>style.visibility</p:attrName>
+                                        </p:attrNameLst>
+                                      </p:cBhvr>
+                                      <p:to>
+                                        <p:strVal val="visible"/>
+                                      </p:to>
+                                    </p:set>
+                                  </p:childTnLst>
+                                </p:cTn>
+                              </p:par>
+                              <p:par>
+                                <p:cTn id="37" presetID="1" presetClass="entr" presetSubtype="0" fill="hold" nodeType="withEffect">
+                                  <p:stCondLst>
+                                    <p:cond delay="0"/>
+                                  </p:stCondLst>
+                                  <p:childTnLst>
+                                    <p:set>
+                                      <p:cBhvr>
+                                        <p:cTn id="38" dur="1" fill="hold">
+                                          <p:stCondLst>
+                                            <p:cond delay="0"/>
+                                          </p:stCondLst>
+                                        </p:cTn>
+                                        <p:tgtEl>
+                                          <p:spTgt spid="18"/>
+                                        </p:tgtEl>
+                                        <p:attrNameLst>
+                                          <p:attrName>style.visibility</p:attrName>
+                                        </p:attrNameLst>
+                                      </p:cBhvr>
+                                      <p:to>
+                                        <p:strVal val="visible"/>
+                                      </p:to>
+                                    </p:set>
+                                  </p:childTnLst>
+                                </p:cTn>
+                              </p:par>
+                              <p:par>
+                                <p:cTn id="39" presetID="1" presetClass="entr" presetSubtype="0" fill="hold" nodeType="withEffect">
+                                  <p:stCondLst>
+                                    <p:cond delay="0"/>
+                                  </p:stCondLst>
+                                  <p:childTnLst>
+                                    <p:set>
+                                      <p:cBhvr>
+                                        <p:cTn id="40" dur="1" fill="hold">
+                                          <p:stCondLst>
+                                            <p:cond delay="0"/>
+                                          </p:stCondLst>
+                                        </p:cTn>
+                                        <p:tgtEl>
+                                          <p:spTgt spid="19"/>
+                                        </p:tgtEl>
+                                        <p:attrNameLst>
+                                          <p:attrName>style.visibility</p:attrName>
+                                        </p:attrNameLst>
+                                      </p:cBhvr>
+                                      <p:to>
+                                        <p:strVal val="visible"/>
+                                      </p:to>
+                                    </p:set>
+                                  </p:childTnLst>
+                                </p:cTn>
+                              </p:par>
+                              <p:par>
+                                <p:cTn id="41" presetID="1" presetClass="entr" presetSubtype="0" fill="hold" nodeType="withEffect">
+                                  <p:stCondLst>
+                                    <p:cond delay="0"/>
+                                  </p:stCondLst>
+                                  <p:childTnLst>
+                                    <p:set>
+                                      <p:cBhvr>
+                                        <p:cTn id="42" dur="1" fill="hold">
+                                          <p:stCondLst>
+                                            <p:cond delay="0"/>
+                                          </p:stCondLst>
+                                        </p:cTn>
+                                        <p:tgtEl>
+                                          <p:spTgt spid="20"/>
+                                        </p:tgtEl>
+                                        <p:attrNameLst>
+                                          <p:attrName>style.visibility</p:attrName>
+                                        </p:attrNameLst>
+                                      </p:cBhvr>
+                                      <p:to>
+                                        <p:strVal val="visible"/>
+                                      </p:to>
+                                    </p:set>
+                                  </p:childTnLst>
+                                </p:cTn>
+                              </p:par>
+                              <p:par>
+                                <p:cTn id="43" presetID="1" presetClass="entr" presetSubtype="0" fill="hold" nodeType="withEffect">
+                                  <p:stCondLst>
+                                    <p:cond delay="0"/>
+                                  </p:stCondLst>
+                                  <p:childTnLst>
+                                    <p:set>
+                                      <p:cBhvr>
+                                        <p:cTn id="44" dur="1" fill="hold">
+                                          <p:stCondLst>
+                                            <p:cond delay="0"/>
+                                          </p:stCondLst>
+                                        </p:cTn>
+                                        <p:tgtEl>
+                                          <p:spTgt spid="21"/>
+                                        </p:tgtEl>
+                                        <p:attrNameLst>
+                                          <p:attrName>style.visibility</p:attrName>
+                                        </p:attrNameLst>
+                                      </p:cBhvr>
+                                      <p:to>
+                                        <p:strVal val="visible"/>
+                                      </p:to>
+                                    </p:set>
+                                  </p:childTnLst>
+                                </p:cTn>
+                              </p:par>
+                              <p:par>
+                                <p:cTn id="45" presetID="1" presetClass="entr" presetSubtype="0" fill="hold" nodeType="withEffect">
+                                  <p:stCondLst>
+                                    <p:cond delay="0"/>
+                                  </p:stCondLst>
+                                  <p:childTnLst>
+                                    <p:set>
+                                      <p:cBhvr>
+                                        <p:cTn id="46" dur="1" fill="hold">
+                                          <p:stCondLst>
+                                            <p:cond delay="0"/>
+                                          </p:stCondLst>
+                                        </p:cTn>
+                                        <p:tgtEl>
+                                          <p:spTgt spid="22"/>
+                                        </p:tgtEl>
+                                        <p:attrNameLst>
+                                          <p:attrName>style.visibility</p:attrName>
+                                        </p:attrNameLst>
+                                      </p:cBhvr>
+                                      <p:to>
+                                        <p:strVal val="visible"/>
+                                      </p:to>
+                                    </p:set>
+                                  </p:childTnLst>
+                                </p:cTn>
+                              </p:par>
+                              <p:par>
+                                <p:cTn id="47" presetID="1" presetClass="entr" presetSubtype="0" fill="hold" nodeType="withEffect">
+                                  <p:stCondLst>
+                                    <p:cond delay="0"/>
+                                  </p:stCondLst>
+                                  <p:childTnLst>
+                                    <p:set>
+                                      <p:cBhvr>
+                                        <p:cTn id="48" dur="1" fill="hold">
+                                          <p:stCondLst>
+                                            <p:cond delay="0"/>
+                                          </p:stCondLst>
+                                        </p:cTn>
+                                        <p:tgtEl>
+                                          <p:spTgt spid="23"/>
+                                        </p:tgtEl>
+                                        <p:attrNameLst>
+                                          <p:attrName>style.visibility</p:attrName>
+                                        </p:attrNameLst>
+                                      </p:cBhvr>
+                                      <p:to>
+                                        <p:strVal val="visible"/>
+                                      </p:to>
+                                    </p:set>
+                                  </p:childTnLst>
+                                </p:cTn>
+                              </p:par>
+                              <p:par>
+                                <p:cTn id="49" presetID="1" presetClass="entr" presetSubtype="0" fill="hold" grpId="0" nodeType="withEffect">
+                                  <p:stCondLst>
+                                    <p:cond delay="0"/>
+                                  </p:stCondLst>
+                                  <p:childTnLst>
+                                    <p:set>
+                                      <p:cBhvr>
+                                        <p:cTn id="50" dur="1" fill="hold">
+                                          <p:stCondLst>
+                                            <p:cond delay="0"/>
+                                          </p:stCondLst>
+                                        </p:cTn>
+                                        <p:tgtEl>
+                                          <p:spTgt spid="24"/>
+                                        </p:tgtEl>
+                                        <p:attrNameLst>
+                                          <p:attrName>style.visibility</p:attrName>
+                                        </p:attrNameLst>
+                                      </p:cBhvr>
+                                      <p:to>
+                                        <p:strVal val="visible"/>
+                                      </p:to>
+                                    </p:set>
+                                  </p:childTnLst>
+                                </p:cTn>
+                              </p:par>
+                              <p:par>
+                                <p:cTn id="51" presetID="1" presetClass="entr" presetSubtype="0" fill="hold" grpId="0" nodeType="withEffect">
+                                  <p:stCondLst>
+                                    <p:cond delay="0"/>
+                                  </p:stCondLst>
+                                  <p:childTnLst>
+                                    <p:set>
+                                      <p:cBhvr>
+                                        <p:cTn id="52" dur="1" fill="hold">
+                                          <p:stCondLst>
+                                            <p:cond delay="0"/>
+                                          </p:stCondLst>
+                                        </p:cTn>
+                                        <p:tgtEl>
+                                          <p:spTgt spid="25"/>
+                                        </p:tgtEl>
+                                        <p:attrNameLst>
+                                          <p:attrName>style.visibility</p:attrName>
+                                        </p:attrNameLst>
+                                      </p:cBhvr>
+                                      <p:to>
+                                        <p:strVal val="visible"/>
+                                      </p:to>
+                                    </p:set>
+                                  </p:childTnLst>
+                                </p:cTn>
+                              </p:par>
+                              <p:par>
+                                <p:cTn id="53" presetID="1" presetClass="entr" presetSubtype="0" fill="hold" grpId="0" nodeType="withEffect">
+                                  <p:stCondLst>
+                                    <p:cond delay="0"/>
+                                  </p:stCondLst>
+                                  <p:childTnLst>
+                                    <p:set>
+                                      <p:cBhvr>
+                                        <p:cTn id="54" dur="1" fill="hold">
+                                          <p:stCondLst>
+                                            <p:cond delay="0"/>
+                                          </p:stCondLst>
+                                        </p:cTn>
+                                        <p:tgtEl>
+                                          <p:spTgt spid="26"/>
+                                        </p:tgtEl>
+                                        <p:attrNameLst>
+                                          <p:attrName>style.visibility</p:attrName>
+                                        </p:attrNameLst>
+                                      </p:cBhvr>
+                                      <p:to>
+                                        <p:strVal val="visible"/>
+                                      </p:to>
+                                    </p:set>
+                                  </p:childTnLst>
+                                </p:cTn>
+                              </p:par>
+                              <p:par>
+                                <p:cTn id="55" presetID="1" presetClass="entr" presetSubtype="0" fill="hold" nodeType="withEffect">
+                                  <p:stCondLst>
+                                    <p:cond delay="0"/>
+                                  </p:stCondLst>
+                                  <p:childTnLst>
+                                    <p:set>
+                                      <p:cBhvr>
+                                        <p:cTn id="56" dur="1" fill="hold">
+                                          <p:stCondLst>
+                                            <p:cond delay="0"/>
+                                          </p:stCondLst>
+                                        </p:cTn>
+                                        <p:tgtEl>
+                                          <p:spTgt spid="32"/>
+                                        </p:tgtEl>
+                                        <p:attrNameLst>
+                                          <p:attrName>style.visibility</p:attrName>
+                                        </p:attrNameLst>
+                                      </p:cBhvr>
+                                      <p:to>
+                                        <p:strVal val="visible"/>
+                                      </p:to>
+                                    </p:set>
+                                  </p:childTnLst>
+                                </p:cTn>
+                              </p:par>
+                              <p:par>
+                                <p:cTn id="57" presetID="1" presetClass="entr" presetSubtype="0" fill="hold" nodeType="withEffect">
+                                  <p:stCondLst>
+                                    <p:cond delay="0"/>
+                                  </p:stCondLst>
+                                  <p:childTnLst>
+                                    <p:set>
+                                      <p:cBhvr>
+                                        <p:cTn id="58" dur="1" fill="hold">
+                                          <p:stCondLst>
+                                            <p:cond delay="0"/>
+                                          </p:stCondLst>
+                                        </p:cTn>
+                                        <p:tgtEl>
+                                          <p:spTgt spid="33"/>
+                                        </p:tgtEl>
+                                        <p:attrNameLst>
+                                          <p:attrName>style.visibility</p:attrName>
+                                        </p:attrNameLst>
+                                      </p:cBhvr>
+                                      <p:to>
+                                        <p:strVal val="visible"/>
+                                      </p:to>
+                                    </p:set>
+                                  </p:childTnLst>
+                                </p:cTn>
+                              </p:par>
+                              <p:par>
+                                <p:cTn id="59" presetID="1" presetClass="entr" presetSubtype="0" fill="hold" nodeType="withEffect">
+                                  <p:stCondLst>
+                                    <p:cond delay="0"/>
+                                  </p:stCondLst>
+                                  <p:childTnLst>
+                                    <p:set>
+                                      <p:cBhvr>
+                                        <p:cTn id="60" dur="1" fill="hold">
+                                          <p:stCondLst>
+                                            <p:cond delay="0"/>
+                                          </p:stCondLst>
+                                        </p:cTn>
+                                        <p:tgtEl>
+                                          <p:spTgt spid="34"/>
+                                        </p:tgtEl>
+                                        <p:attrNameLst>
+                                          <p:attrName>style.visibility</p:attrName>
+                                        </p:attrNameLst>
+                                      </p:cBhvr>
+                                      <p:to>
+                                        <p:strVal val="visible"/>
+                                      </p:to>
+                                    </p:set>
+                                  </p:childTnLst>
+                                </p:cTn>
+                              </p:par>
+                              <p:par>
+                                <p:cTn id="61" presetID="1" presetClass="entr" presetSubtype="0" fill="hold" nodeType="withEffect">
+                                  <p:stCondLst>
+                                    <p:cond delay="0"/>
+                                  </p:stCondLst>
+                                  <p:childTnLst>
+                                    <p:set>
+                                      <p:cBhvr>
+                                        <p:cTn id="62" dur="1" fill="hold">
+                                          <p:stCondLst>
+                                            <p:cond delay="0"/>
+                                          </p:stCondLst>
+                                        </p:cTn>
+                                        <p:tgtEl>
+                                          <p:spTgt spid="35"/>
+                                        </p:tgtEl>
+                                        <p:attrNameLst>
+                                          <p:attrName>style.visibility</p:attrName>
+                                        </p:attrNameLst>
+                                      </p:cBhvr>
+                                      <p:to>
+                                        <p:strVal val="visible"/>
+                                      </p:to>
+                                    </p:set>
+                                  </p:childTnLst>
+                                </p:cTn>
+                              </p:par>
+                              <p:par>
+                                <p:cTn id="63" presetID="1" presetClass="entr" presetSubtype="0" fill="hold" nodeType="withEffect">
+                                  <p:stCondLst>
+                                    <p:cond delay="0"/>
+                                  </p:stCondLst>
+                                  <p:childTnLst>
+                                    <p:set>
+                                      <p:cBhvr>
+                                        <p:cTn id="64" dur="1" fill="hold">
+                                          <p:stCondLst>
+                                            <p:cond delay="0"/>
+                                          </p:stCondLst>
+                                        </p:cTn>
+                                        <p:tgtEl>
+                                          <p:spTgt spid="36"/>
+                                        </p:tgtEl>
+                                        <p:attrNameLst>
+                                          <p:attrName>style.visibility</p:attrName>
+                                        </p:attrNameLst>
+                                      </p:cBhvr>
+                                      <p:to>
+                                        <p:strVal val="visible"/>
+                                      </p:to>
+                                    </p:set>
+                                  </p:childTnLst>
+                                </p:cTn>
+                              </p:par>
+                              <p:par>
+                                <p:cTn id="65" presetID="1" presetClass="entr" presetSubtype="0" fill="hold" nodeType="withEffect">
+                                  <p:stCondLst>
+                                    <p:cond delay="0"/>
+                                  </p:stCondLst>
+                                  <p:childTnLst>
+                                    <p:set>
+                                      <p:cBhvr>
+                                        <p:cTn id="66" dur="1" fill="hold">
+                                          <p:stCondLst>
+                                            <p:cond delay="0"/>
+                                          </p:stCondLst>
+                                        </p:cTn>
+                                        <p:tgtEl>
+                                          <p:spTgt spid="37"/>
+                                        </p:tgtEl>
+                                        <p:attrNameLst>
+                                          <p:attrName>style.visibility</p:attrName>
+                                        </p:attrNameLst>
+                                      </p:cBhvr>
+                                      <p:to>
+                                        <p:strVal val="visible"/>
+                                      </p:to>
+                                    </p:set>
+                                  </p:childTnLst>
+                                </p:cTn>
+                              </p:par>
+                            </p:childTnLst>
+                          </p:cTn>
+                        </p:par>
+                      </p:childTnLst>
+                    </p:cTn>
+                  </p:par>
+                </p:childTnLst>
+              </p:cTn>
+              <p:prevCondLst>
+                <p:cond evt="onPrev" delay="0">
+                  <p:tgtEl>
+                    <p:sldTgt/>
+                  </p:tgtEl>
+                </p:cond>
+              </p:prevCondLst>
+              <p:nextCondLst>
+                <p:cond evt="onNext" delay="0">
+                  <p:tgtEl>
+                    <p:sldTgt/>
+                  </p:tgtEl>
+                </p:cond>
+              </p:nextCondLst>
+            </p:seq>
+          </p:childTnLst>
+        </p:cTn>
+      </p:par>
+    </p:tnLst>
+    <p:bldLst>
+      <p:bldP spid="24" grpId="0"/>
+      <p:bldP spid="25" grpId="0"/>
+      <p:bldP spid="26" grpId="0"/>
+      <p:bldP spid="24" grpId="1"/>
+      <p:bldP spid="25" grpId="1"/>
+      <p:bldP spid="26" grpId="1"/>
+    </p:bldLst>
+  </p:timing>
+</p:sld>
+</file>
+
+<file path=ppt/slides/slide3.xml><?xml version="1.0" encoding="utf-8"?>
 <p:sld xmlns:a="http://schemas.openxmlformats.org/drawingml/2006/main" xmlns:r="http://schemas.openxmlformats.org/officeDocument/2006/relationships" xmlns:p="http://schemas.openxmlformats.org/presentationml/2006/main">
   <p:cSld>
     <p:spTree>
@@ -4509,7 +8023,7 @@
 </p:sld>
 </file>
 
-<file path=ppt/slides/slide3.xml><?xml version="1.0" encoding="utf-8"?>
+<file path=ppt/slides/slide4.xml><?xml version="1.0" encoding="utf-8"?>
 <p:sld xmlns:a="http://schemas.openxmlformats.org/drawingml/2006/main" xmlns:r="http://schemas.openxmlformats.org/officeDocument/2006/relationships" xmlns:p="http://schemas.openxmlformats.org/presentationml/2006/main">
   <p:cSld>
     <p:spTree>
@@ -4667,7 +8181,7 @@
 </p:sld>
 </file>
 
-<file path=ppt/slides/slide4.xml><?xml version="1.0" encoding="utf-8"?>
+<file path=ppt/slides/slide5.xml><?xml version="1.0" encoding="utf-8"?>
 <p:sld xmlns:a="http://schemas.openxmlformats.org/drawingml/2006/main" xmlns:r="http://schemas.openxmlformats.org/officeDocument/2006/relationships" xmlns:p="http://schemas.openxmlformats.org/presentationml/2006/main">
   <p:cSld>
     <p:spTree>
@@ -6327,51 +9841,6 @@
 </p:sld>
 </file>
 
-<file path=ppt/slides/slide5.xml><?xml version="1.0" encoding="utf-8"?>
-<p:sld xmlns:a="http://schemas.openxmlformats.org/drawingml/2006/main" xmlns:r="http://schemas.openxmlformats.org/officeDocument/2006/relationships" xmlns:p="http://schemas.openxmlformats.org/presentationml/2006/main">
-  <p:cSld>
-    <p:spTree>
-      <p:nvGrpSpPr>
-        <p:cNvPr id="1" name=""/>
-        <p:cNvGrpSpPr/>
-        <p:nvPr/>
-      </p:nvGrpSpPr>
-      <p:grpSpPr/>
-      <p:sp>
-        <p:nvSpPr>
-          <p:cNvPr id="2" name="Title 1"/>
-          <p:cNvSpPr>
-            <a:spLocks noGrp="1"/>
-          </p:cNvSpPr>
-          <p:nvPr>
-            <p:ph type="title"/>
-          </p:nvPr>
-        </p:nvSpPr>
-        <p:spPr>
-          <a:xfrm>
-            <a:off x="647700" y="0"/>
-            <a:ext cx="10515600" cy="1325563"/>
-          </a:xfrm>
-        </p:spPr>
-        <p:txBody>
-          <a:bodyPr/>
-          <a:p>
-            <a:r>
-              <a:rPr lang="en-US"/>
-              <a:t>Multiple Clusters</a:t>
-            </a:r>
-            <a:endParaRPr lang="en-US"/>
-          </a:p>
-        </p:txBody>
-      </p:sp>
-    </p:spTree>
-  </p:cSld>
-  <p:clrMapOvr>
-    <a:masterClrMapping/>
-  </p:clrMapOvr>
-</p:sld>
-</file>
-
 <file path=ppt/slides/slide6.xml><?xml version="1.0" encoding="utf-8"?>
 <p:sld xmlns:a="http://schemas.openxmlformats.org/drawingml/2006/main" xmlns:r="http://schemas.openxmlformats.org/officeDocument/2006/relationships" xmlns:p="http://schemas.openxmlformats.org/presentationml/2006/main">
   <p:cSld>
@@ -6403,177 +9872,7 @@
           <a:p>
             <a:r>
               <a:rPr lang="en-US"/>
-              <a:t>Use cases</a:t>
-            </a:r>
-            <a:endParaRPr lang="en-US"/>
-          </a:p>
-        </p:txBody>
-      </p:sp>
-      <p:sp>
-        <p:nvSpPr>
-          <p:cNvPr id="3" name="Text Box 2"/>
-          <p:cNvSpPr txBox="1"/>
-          <p:nvPr/>
-        </p:nvSpPr>
-        <p:spPr>
-          <a:xfrm>
-            <a:off x="2495550" y="1504950"/>
-            <a:ext cx="309880" cy="368300"/>
-          </a:xfrm>
-          <a:prstGeom prst="rect">
-            <a:avLst/>
-          </a:prstGeom>
-          <a:noFill/>
-        </p:spPr>
-        <p:txBody>
-          <a:bodyPr wrap="none" rtlCol="0">
-            <a:spAutoFit/>
-          </a:bodyPr>
-          <a:p>
-            <a:endParaRPr lang="en-US"/>
-          </a:p>
-        </p:txBody>
-      </p:sp>
-      <p:sp>
-        <p:nvSpPr>
-          <p:cNvPr id="4" name="Text Box 3"/>
-          <p:cNvSpPr txBox="1"/>
-          <p:nvPr/>
-        </p:nvSpPr>
-        <p:spPr>
-          <a:xfrm>
-            <a:off x="2476500" y="1438275"/>
-            <a:ext cx="1833880" cy="368300"/>
-          </a:xfrm>
-          <a:prstGeom prst="rect">
-            <a:avLst/>
-          </a:prstGeom>
-          <a:noFill/>
-        </p:spPr>
-        <p:txBody>
-          <a:bodyPr wrap="none" rtlCol="0">
-            <a:spAutoFit/>
-          </a:bodyPr>
-          <a:p>
-            <a:r>
-              <a:rPr lang="en-US"/>
-              <a:t>Activity tracking.</a:t>
-            </a:r>
-            <a:endParaRPr lang="en-US"/>
-          </a:p>
-        </p:txBody>
-      </p:sp>
-      <p:sp>
-        <p:nvSpPr>
-          <p:cNvPr id="5" name="Text Box 4"/>
-          <p:cNvSpPr txBox="1"/>
-          <p:nvPr/>
-        </p:nvSpPr>
-        <p:spPr>
-          <a:xfrm>
-            <a:off x="2476500" y="2867025"/>
-            <a:ext cx="1351280" cy="368300"/>
-          </a:xfrm>
-          <a:prstGeom prst="rect">
-            <a:avLst/>
-          </a:prstGeom>
-          <a:noFill/>
-        </p:spPr>
-        <p:txBody>
-          <a:bodyPr wrap="none" rtlCol="0">
-            <a:spAutoFit/>
-          </a:bodyPr>
-          <a:p>
-            <a:r>
-              <a:rPr lang="en-US"/>
-              <a:t>Messaging.</a:t>
-            </a:r>
-            <a:endParaRPr lang="en-US"/>
-          </a:p>
-        </p:txBody>
-      </p:sp>
-      <p:sp>
-        <p:nvSpPr>
-          <p:cNvPr id="6" name="Text Box 5"/>
-          <p:cNvSpPr txBox="1"/>
-          <p:nvPr/>
-        </p:nvSpPr>
-        <p:spPr>
-          <a:xfrm>
-            <a:off x="2476500" y="4286250"/>
-            <a:ext cx="2227580" cy="368300"/>
-          </a:xfrm>
-          <a:prstGeom prst="rect">
-            <a:avLst/>
-          </a:prstGeom>
-          <a:noFill/>
-        </p:spPr>
-        <p:txBody>
-          <a:bodyPr wrap="none" rtlCol="0">
-            <a:spAutoFit/>
-          </a:bodyPr>
-          <a:p>
-            <a:r>
-              <a:rPr lang="en-US"/>
-              <a:t>Metrics and logging.</a:t>
-            </a:r>
-            <a:endParaRPr lang="en-US"/>
-          </a:p>
-        </p:txBody>
-      </p:sp>
-      <p:sp>
-        <p:nvSpPr>
-          <p:cNvPr id="7" name="Text Box 6"/>
-          <p:cNvSpPr txBox="1"/>
-          <p:nvPr/>
-        </p:nvSpPr>
-        <p:spPr>
-          <a:xfrm>
-            <a:off x="7515225" y="1438275"/>
-            <a:ext cx="1402080" cy="368300"/>
-          </a:xfrm>
-          <a:prstGeom prst="rect">
-            <a:avLst/>
-          </a:prstGeom>
-          <a:noFill/>
-        </p:spPr>
-        <p:txBody>
-          <a:bodyPr wrap="none" rtlCol="0">
-            <a:spAutoFit/>
-          </a:bodyPr>
-          <a:p>
-            <a:r>
-              <a:rPr lang="en-US"/>
-              <a:t>Commit log.</a:t>
-            </a:r>
-            <a:endParaRPr lang="en-US"/>
-          </a:p>
-        </p:txBody>
-      </p:sp>
-      <p:sp>
-        <p:nvSpPr>
-          <p:cNvPr id="8" name="Text Box 7"/>
-          <p:cNvSpPr txBox="1"/>
-          <p:nvPr/>
-        </p:nvSpPr>
-        <p:spPr>
-          <a:xfrm>
-            <a:off x="7515225" y="2867025"/>
-            <a:ext cx="2456180" cy="368300"/>
-          </a:xfrm>
-          <a:prstGeom prst="rect">
-            <a:avLst/>
-          </a:prstGeom>
-          <a:noFill/>
-        </p:spPr>
-        <p:txBody>
-          <a:bodyPr wrap="none" rtlCol="0">
-            <a:spAutoFit/>
-          </a:bodyPr>
-          <a:p>
-            <a:r>
-              <a:rPr lang="en-US"/>
-              <a:t>Streaming processing.</a:t>
+              <a:t>Multiple Clusters</a:t>
             </a:r>
             <a:endParaRPr lang="en-US"/>
           </a:p>
@@ -6588,6 +9887,221 @@
 </file>
 
 <file path=ppt/slides/slide7.xml><?xml version="1.0" encoding="utf-8"?>
+<p:sld xmlns:a="http://schemas.openxmlformats.org/drawingml/2006/main" xmlns:r="http://schemas.openxmlformats.org/officeDocument/2006/relationships" xmlns:p="http://schemas.openxmlformats.org/presentationml/2006/main">
+  <p:cSld>
+    <p:spTree>
+      <p:nvGrpSpPr>
+        <p:cNvPr id="1" name=""/>
+        <p:cNvGrpSpPr/>
+        <p:nvPr/>
+      </p:nvGrpSpPr>
+      <p:grpSpPr/>
+      <p:sp>
+        <p:nvSpPr>
+          <p:cNvPr id="2" name="Title 1"/>
+          <p:cNvSpPr>
+            <a:spLocks noGrp="1"/>
+          </p:cNvSpPr>
+          <p:nvPr>
+            <p:ph type="title"/>
+          </p:nvPr>
+        </p:nvSpPr>
+        <p:spPr>
+          <a:xfrm>
+            <a:off x="647700" y="0"/>
+            <a:ext cx="10515600" cy="1325563"/>
+          </a:xfrm>
+        </p:spPr>
+        <p:txBody>
+          <a:bodyPr/>
+          <a:p>
+            <a:r>
+              <a:rPr lang="en-US"/>
+              <a:t>Use cases</a:t>
+            </a:r>
+            <a:endParaRPr lang="en-US"/>
+          </a:p>
+        </p:txBody>
+      </p:sp>
+      <p:sp>
+        <p:nvSpPr>
+          <p:cNvPr id="3" name="Text Box 2"/>
+          <p:cNvSpPr txBox="1"/>
+          <p:nvPr/>
+        </p:nvSpPr>
+        <p:spPr>
+          <a:xfrm>
+            <a:off x="2495550" y="1504950"/>
+            <a:ext cx="309880" cy="368300"/>
+          </a:xfrm>
+          <a:prstGeom prst="rect">
+            <a:avLst/>
+          </a:prstGeom>
+          <a:noFill/>
+        </p:spPr>
+        <p:txBody>
+          <a:bodyPr wrap="none" rtlCol="0">
+            <a:spAutoFit/>
+          </a:bodyPr>
+          <a:p>
+            <a:endParaRPr lang="en-US"/>
+          </a:p>
+        </p:txBody>
+      </p:sp>
+      <p:sp>
+        <p:nvSpPr>
+          <p:cNvPr id="4" name="Text Box 3"/>
+          <p:cNvSpPr txBox="1"/>
+          <p:nvPr/>
+        </p:nvSpPr>
+        <p:spPr>
+          <a:xfrm>
+            <a:off x="2476500" y="1438275"/>
+            <a:ext cx="1833880" cy="368300"/>
+          </a:xfrm>
+          <a:prstGeom prst="rect">
+            <a:avLst/>
+          </a:prstGeom>
+          <a:noFill/>
+        </p:spPr>
+        <p:txBody>
+          <a:bodyPr wrap="none" rtlCol="0">
+            <a:spAutoFit/>
+          </a:bodyPr>
+          <a:p>
+            <a:r>
+              <a:rPr lang="en-US"/>
+              <a:t>Activity tracking.</a:t>
+            </a:r>
+            <a:endParaRPr lang="en-US"/>
+          </a:p>
+        </p:txBody>
+      </p:sp>
+      <p:sp>
+        <p:nvSpPr>
+          <p:cNvPr id="5" name="Text Box 4"/>
+          <p:cNvSpPr txBox="1"/>
+          <p:nvPr/>
+        </p:nvSpPr>
+        <p:spPr>
+          <a:xfrm>
+            <a:off x="2476500" y="2867025"/>
+            <a:ext cx="1351280" cy="368300"/>
+          </a:xfrm>
+          <a:prstGeom prst="rect">
+            <a:avLst/>
+          </a:prstGeom>
+          <a:noFill/>
+        </p:spPr>
+        <p:txBody>
+          <a:bodyPr wrap="none" rtlCol="0">
+            <a:spAutoFit/>
+          </a:bodyPr>
+          <a:p>
+            <a:r>
+              <a:rPr lang="en-US"/>
+              <a:t>Messaging.</a:t>
+            </a:r>
+            <a:endParaRPr lang="en-US"/>
+          </a:p>
+        </p:txBody>
+      </p:sp>
+      <p:sp>
+        <p:nvSpPr>
+          <p:cNvPr id="6" name="Text Box 5"/>
+          <p:cNvSpPr txBox="1"/>
+          <p:nvPr/>
+        </p:nvSpPr>
+        <p:spPr>
+          <a:xfrm>
+            <a:off x="2476500" y="4286250"/>
+            <a:ext cx="2227580" cy="368300"/>
+          </a:xfrm>
+          <a:prstGeom prst="rect">
+            <a:avLst/>
+          </a:prstGeom>
+          <a:noFill/>
+        </p:spPr>
+        <p:txBody>
+          <a:bodyPr wrap="none" rtlCol="0">
+            <a:spAutoFit/>
+          </a:bodyPr>
+          <a:p>
+            <a:r>
+              <a:rPr lang="en-US"/>
+              <a:t>Metrics and logging.</a:t>
+            </a:r>
+            <a:endParaRPr lang="en-US"/>
+          </a:p>
+        </p:txBody>
+      </p:sp>
+      <p:sp>
+        <p:nvSpPr>
+          <p:cNvPr id="7" name="Text Box 6"/>
+          <p:cNvSpPr txBox="1"/>
+          <p:nvPr/>
+        </p:nvSpPr>
+        <p:spPr>
+          <a:xfrm>
+            <a:off x="7515225" y="1438275"/>
+            <a:ext cx="1402080" cy="368300"/>
+          </a:xfrm>
+          <a:prstGeom prst="rect">
+            <a:avLst/>
+          </a:prstGeom>
+          <a:noFill/>
+        </p:spPr>
+        <p:txBody>
+          <a:bodyPr wrap="none" rtlCol="0">
+            <a:spAutoFit/>
+          </a:bodyPr>
+          <a:p>
+            <a:r>
+              <a:rPr lang="en-US"/>
+              <a:t>Commit log.</a:t>
+            </a:r>
+            <a:endParaRPr lang="en-US"/>
+          </a:p>
+        </p:txBody>
+      </p:sp>
+      <p:sp>
+        <p:nvSpPr>
+          <p:cNvPr id="8" name="Text Box 7"/>
+          <p:cNvSpPr txBox="1"/>
+          <p:nvPr/>
+        </p:nvSpPr>
+        <p:spPr>
+          <a:xfrm>
+            <a:off x="7515225" y="2867025"/>
+            <a:ext cx="2456180" cy="368300"/>
+          </a:xfrm>
+          <a:prstGeom prst="rect">
+            <a:avLst/>
+          </a:prstGeom>
+          <a:noFill/>
+        </p:spPr>
+        <p:txBody>
+          <a:bodyPr wrap="none" rtlCol="0">
+            <a:spAutoFit/>
+          </a:bodyPr>
+          <a:p>
+            <a:r>
+              <a:rPr lang="en-US"/>
+              <a:t>Streaming processing.</a:t>
+            </a:r>
+            <a:endParaRPr lang="en-US"/>
+          </a:p>
+        </p:txBody>
+      </p:sp>
+    </p:spTree>
+  </p:cSld>
+  <p:clrMapOvr>
+    <a:masterClrMapping/>
+  </p:clrMapOvr>
+</p:sld>
+</file>
+
+<file path=ppt/slides/slide8.xml><?xml version="1.0" encoding="utf-8"?>
 <p:sld xmlns:a="http://schemas.openxmlformats.org/drawingml/2006/main" xmlns:r="http://schemas.openxmlformats.org/officeDocument/2006/relationships" xmlns:p="http://schemas.openxmlformats.org/presentationml/2006/main">
   <p:cSld>
     <p:spTree>
@@ -9645,7 +13159,7 @@
 </p:sld>
 </file>
 
-<file path=ppt/slides/slide8.xml><?xml version="1.0" encoding="utf-8"?>
+<file path=ppt/slides/slide9.xml><?xml version="1.0" encoding="utf-8"?>
 <p:sld xmlns:a="http://schemas.openxmlformats.org/drawingml/2006/main" xmlns:r="http://schemas.openxmlformats.org/officeDocument/2006/relationships" xmlns:p="http://schemas.openxmlformats.org/presentationml/2006/main">
   <p:cSld>
     <p:spTree>
@@ -11559,1508 +15073,6 @@
       <p:bldP spid="23" grpId="0" bldLvl="0" animBg="1"/>
       <p:bldP spid="23" grpId="1" animBg="1"/>
     </p:bldLst>
-  </p:timing>
-</p:sld>
-</file>
-
-<file path=ppt/slides/slide9.xml><?xml version="1.0" encoding="utf-8"?>
-<p:sld xmlns:a="http://schemas.openxmlformats.org/drawingml/2006/main" xmlns:r="http://schemas.openxmlformats.org/officeDocument/2006/relationships" xmlns:p="http://schemas.openxmlformats.org/presentationml/2006/main">
-  <p:cSld>
-    <p:spTree>
-      <p:nvGrpSpPr>
-        <p:cNvPr id="1" name=""/>
-        <p:cNvGrpSpPr/>
-        <p:nvPr/>
-      </p:nvGrpSpPr>
-      <p:grpSpPr/>
-      <p:sp>
-        <p:nvSpPr>
-          <p:cNvPr id="2" name="Title 1"/>
-          <p:cNvSpPr>
-            <a:spLocks noGrp="1"/>
-          </p:cNvSpPr>
-          <p:nvPr>
-            <p:ph type="title"/>
-          </p:nvPr>
-        </p:nvSpPr>
-        <p:spPr>
-          <a:xfrm>
-            <a:off x="647700" y="0"/>
-            <a:ext cx="10515600" cy="1325563"/>
-          </a:xfrm>
-        </p:spPr>
-        <p:txBody>
-          <a:bodyPr/>
-          <a:p>
-            <a:r>
-              <a:rPr lang="en-US"/>
-              <a:t>Kafka Consumers: Reading Data from Kafka</a:t>
-            </a:r>
-            <a:endParaRPr lang="en-US"/>
-          </a:p>
-        </p:txBody>
-      </p:sp>
-      <p:sp>
-        <p:nvSpPr>
-          <p:cNvPr id="3" name="Rectangles 2"/>
-          <p:cNvSpPr/>
-          <p:nvPr/>
-        </p:nvSpPr>
-        <p:spPr>
-          <a:xfrm>
-            <a:off x="3238500" y="1640205"/>
-            <a:ext cx="1962150" cy="2687955"/>
-          </a:xfrm>
-          <a:prstGeom prst="rect">
-            <a:avLst/>
-          </a:prstGeom>
-          <a:solidFill>
-            <a:schemeClr val="accent1">
-              <a:lumMod val="60000"/>
-              <a:lumOff val="40000"/>
-            </a:schemeClr>
-          </a:solidFill>
-          <a:ln w="25400">
-            <a:solidFill>
-              <a:srgbClr val="202020"/>
-            </a:solidFill>
-          </a:ln>
-        </p:spPr>
-        <p:style>
-          <a:lnRef idx="2">
-            <a:schemeClr val="accent1">
-              <a:shade val="50000"/>
-            </a:schemeClr>
-          </a:lnRef>
-          <a:fillRef idx="1">
-            <a:schemeClr val="accent1"/>
-          </a:fillRef>
-          <a:effectRef idx="0">
-            <a:schemeClr val="accent1"/>
-          </a:effectRef>
-          <a:fontRef idx="minor">
-            <a:schemeClr val="lt1"/>
-          </a:fontRef>
-        </p:style>
-        <p:txBody>
-          <a:bodyPr rtlCol="0" anchor="ctr"/>
-          <a:p>
-            <a:pPr algn="ctr"/>
-            <a:endParaRPr lang="en-US">
-              <a:latin typeface="Lato" panose="020F0502020204030203" charset="0"/>
-              <a:cs typeface="Lato" panose="020F0502020204030203" charset="0"/>
-            </a:endParaRPr>
-          </a:p>
-        </p:txBody>
-      </p:sp>
-      <p:sp>
-        <p:nvSpPr>
-          <p:cNvPr id="4" name="Rectangles 3"/>
-          <p:cNvSpPr/>
-          <p:nvPr/>
-        </p:nvSpPr>
-        <p:spPr>
-          <a:xfrm>
-            <a:off x="3423285" y="2171065"/>
-            <a:ext cx="1592580" cy="408940"/>
-          </a:xfrm>
-          <a:prstGeom prst="rect">
-            <a:avLst/>
-          </a:prstGeom>
-          <a:solidFill>
-            <a:schemeClr val="bg1">
-              <a:lumMod val="75000"/>
-            </a:schemeClr>
-          </a:solidFill>
-          <a:ln w="25400">
-            <a:solidFill>
-              <a:srgbClr val="202020"/>
-            </a:solidFill>
-          </a:ln>
-        </p:spPr>
-        <p:style>
-          <a:lnRef idx="2">
-            <a:schemeClr val="accent1">
-              <a:shade val="50000"/>
-            </a:schemeClr>
-          </a:lnRef>
-          <a:fillRef idx="1">
-            <a:schemeClr val="accent1"/>
-          </a:fillRef>
-          <a:effectRef idx="0">
-            <a:schemeClr val="accent1"/>
-          </a:effectRef>
-          <a:fontRef idx="minor">
-            <a:schemeClr val="lt1"/>
-          </a:fontRef>
-        </p:style>
-        <p:txBody>
-          <a:bodyPr rtlCol="0" anchor="ctr"/>
-          <a:p>
-            <a:pPr algn="ctr"/>
-            <a:r>
-              <a:rPr lang="en-US" altLang="vi-VN" sz="1600">
-                <a:solidFill>
-                  <a:schemeClr val="tx1"/>
-                </a:solidFill>
-                <a:latin typeface="Lato" panose="020F0502020204030203" charset="0"/>
-                <a:cs typeface="Lato" panose="020F0502020204030203" charset="0"/>
-              </a:rPr>
-              <a:t>Partition 0</a:t>
-            </a:r>
-            <a:endParaRPr lang="en-US" altLang="vi-VN" sz="1600">
-              <a:solidFill>
-                <a:schemeClr val="tx1"/>
-              </a:solidFill>
-              <a:latin typeface="Lato" panose="020F0502020204030203" charset="0"/>
-              <a:cs typeface="Lato" panose="020F0502020204030203" charset="0"/>
-            </a:endParaRPr>
-          </a:p>
-        </p:txBody>
-      </p:sp>
-      <p:sp>
-        <p:nvSpPr>
-          <p:cNvPr id="5" name="Rectangles 4"/>
-          <p:cNvSpPr/>
-          <p:nvPr/>
-        </p:nvSpPr>
-        <p:spPr>
-          <a:xfrm>
-            <a:off x="3423285" y="2686050"/>
-            <a:ext cx="1592580" cy="408940"/>
-          </a:xfrm>
-          <a:prstGeom prst="rect">
-            <a:avLst/>
-          </a:prstGeom>
-          <a:solidFill>
-            <a:schemeClr val="bg1">
-              <a:lumMod val="75000"/>
-            </a:schemeClr>
-          </a:solidFill>
-          <a:ln w="25400">
-            <a:solidFill>
-              <a:srgbClr val="202020"/>
-            </a:solidFill>
-          </a:ln>
-        </p:spPr>
-        <p:style>
-          <a:lnRef idx="2">
-            <a:schemeClr val="accent1">
-              <a:shade val="50000"/>
-            </a:schemeClr>
-          </a:lnRef>
-          <a:fillRef idx="1">
-            <a:schemeClr val="accent1"/>
-          </a:fillRef>
-          <a:effectRef idx="0">
-            <a:schemeClr val="accent1"/>
-          </a:effectRef>
-          <a:fontRef idx="minor">
-            <a:schemeClr val="lt1"/>
-          </a:fontRef>
-        </p:style>
-        <p:txBody>
-          <a:bodyPr rtlCol="0" anchor="ctr"/>
-          <a:p>
-            <a:pPr algn="ctr"/>
-            <a:r>
-              <a:rPr lang="en-US" altLang="vi-VN" sz="1600">
-                <a:solidFill>
-                  <a:schemeClr val="tx1"/>
-                </a:solidFill>
-                <a:latin typeface="Lato" panose="020F0502020204030203" charset="0"/>
-                <a:cs typeface="Lato" panose="020F0502020204030203" charset="0"/>
-              </a:rPr>
-              <a:t>Partition </a:t>
-            </a:r>
-            <a:r>
-              <a:rPr lang="vi-VN" altLang="en-US" sz="1600">
-                <a:solidFill>
-                  <a:schemeClr val="tx1"/>
-                </a:solidFill>
-                <a:latin typeface="Lato" panose="020F0502020204030203" charset="0"/>
-                <a:cs typeface="Lato" panose="020F0502020204030203" charset="0"/>
-              </a:rPr>
-              <a:t>1</a:t>
-            </a:r>
-            <a:endParaRPr lang="vi-VN" altLang="en-US" sz="1600">
-              <a:solidFill>
-                <a:schemeClr val="tx1"/>
-              </a:solidFill>
-              <a:latin typeface="Lato" panose="020F0502020204030203" charset="0"/>
-              <a:cs typeface="Lato" panose="020F0502020204030203" charset="0"/>
-            </a:endParaRPr>
-          </a:p>
-        </p:txBody>
-      </p:sp>
-      <p:sp>
-        <p:nvSpPr>
-          <p:cNvPr id="6" name="Rectangles 5"/>
-          <p:cNvSpPr/>
-          <p:nvPr/>
-        </p:nvSpPr>
-        <p:spPr>
-          <a:xfrm>
-            <a:off x="3423285" y="3235325"/>
-            <a:ext cx="1592580" cy="408940"/>
-          </a:xfrm>
-          <a:prstGeom prst="rect">
-            <a:avLst/>
-          </a:prstGeom>
-          <a:solidFill>
-            <a:schemeClr val="bg1">
-              <a:lumMod val="75000"/>
-            </a:schemeClr>
-          </a:solidFill>
-          <a:ln w="25400">
-            <a:solidFill>
-              <a:srgbClr val="202020"/>
-            </a:solidFill>
-          </a:ln>
-        </p:spPr>
-        <p:style>
-          <a:lnRef idx="2">
-            <a:schemeClr val="accent1">
-              <a:shade val="50000"/>
-            </a:schemeClr>
-          </a:lnRef>
-          <a:fillRef idx="1">
-            <a:schemeClr val="accent1"/>
-          </a:fillRef>
-          <a:effectRef idx="0">
-            <a:schemeClr val="accent1"/>
-          </a:effectRef>
-          <a:fontRef idx="minor">
-            <a:schemeClr val="lt1"/>
-          </a:fontRef>
-        </p:style>
-        <p:txBody>
-          <a:bodyPr rtlCol="0" anchor="ctr"/>
-          <a:p>
-            <a:pPr algn="ctr"/>
-            <a:r>
-              <a:rPr lang="en-US" altLang="vi-VN" sz="1600">
-                <a:solidFill>
-                  <a:schemeClr val="tx1"/>
-                </a:solidFill>
-                <a:latin typeface="Lato" panose="020F0502020204030203" charset="0"/>
-                <a:cs typeface="Lato" panose="020F0502020204030203" charset="0"/>
-              </a:rPr>
-              <a:t>Partition </a:t>
-            </a:r>
-            <a:r>
-              <a:rPr lang="vi-VN" altLang="en-US" sz="1600">
-                <a:solidFill>
-                  <a:schemeClr val="tx1"/>
-                </a:solidFill>
-                <a:latin typeface="Lato" panose="020F0502020204030203" charset="0"/>
-                <a:cs typeface="Lato" panose="020F0502020204030203" charset="0"/>
-              </a:rPr>
-              <a:t>2</a:t>
-            </a:r>
-            <a:endParaRPr lang="vi-VN" altLang="en-US" sz="1600">
-              <a:solidFill>
-                <a:schemeClr val="tx1"/>
-              </a:solidFill>
-              <a:latin typeface="Lato" panose="020F0502020204030203" charset="0"/>
-              <a:cs typeface="Lato" panose="020F0502020204030203" charset="0"/>
-            </a:endParaRPr>
-          </a:p>
-        </p:txBody>
-      </p:sp>
-      <p:sp>
-        <p:nvSpPr>
-          <p:cNvPr id="7" name="Rectangles 6"/>
-          <p:cNvSpPr/>
-          <p:nvPr/>
-        </p:nvSpPr>
-        <p:spPr>
-          <a:xfrm>
-            <a:off x="3423285" y="3761105"/>
-            <a:ext cx="1592580" cy="408940"/>
-          </a:xfrm>
-          <a:prstGeom prst="rect">
-            <a:avLst/>
-          </a:prstGeom>
-          <a:solidFill>
-            <a:schemeClr val="bg1">
-              <a:lumMod val="75000"/>
-            </a:schemeClr>
-          </a:solidFill>
-          <a:ln w="25400">
-            <a:solidFill>
-              <a:srgbClr val="202020"/>
-            </a:solidFill>
-          </a:ln>
-        </p:spPr>
-        <p:style>
-          <a:lnRef idx="2">
-            <a:schemeClr val="accent1">
-              <a:shade val="50000"/>
-            </a:schemeClr>
-          </a:lnRef>
-          <a:fillRef idx="1">
-            <a:schemeClr val="accent1"/>
-          </a:fillRef>
-          <a:effectRef idx="0">
-            <a:schemeClr val="accent1"/>
-          </a:effectRef>
-          <a:fontRef idx="minor">
-            <a:schemeClr val="lt1"/>
-          </a:fontRef>
-        </p:style>
-        <p:txBody>
-          <a:bodyPr rtlCol="0" anchor="ctr"/>
-          <a:p>
-            <a:pPr algn="ctr"/>
-            <a:r>
-              <a:rPr lang="en-US" altLang="vi-VN" sz="1600">
-                <a:solidFill>
-                  <a:schemeClr val="tx1"/>
-                </a:solidFill>
-                <a:latin typeface="Lato" panose="020F0502020204030203" charset="0"/>
-                <a:cs typeface="Lato" panose="020F0502020204030203" charset="0"/>
-              </a:rPr>
-              <a:t>Partition </a:t>
-            </a:r>
-            <a:r>
-              <a:rPr lang="vi-VN" altLang="en-US" sz="1600">
-                <a:solidFill>
-                  <a:schemeClr val="tx1"/>
-                </a:solidFill>
-                <a:latin typeface="Lato" panose="020F0502020204030203" charset="0"/>
-                <a:cs typeface="Lato" panose="020F0502020204030203" charset="0"/>
-              </a:rPr>
-              <a:t>3</a:t>
-            </a:r>
-            <a:endParaRPr lang="vi-VN" altLang="en-US" sz="1600">
-              <a:solidFill>
-                <a:schemeClr val="tx1"/>
-              </a:solidFill>
-              <a:latin typeface="Lato" panose="020F0502020204030203" charset="0"/>
-              <a:cs typeface="Lato" panose="020F0502020204030203" charset="0"/>
-            </a:endParaRPr>
-          </a:p>
-        </p:txBody>
-      </p:sp>
-      <p:sp>
-        <p:nvSpPr>
-          <p:cNvPr id="8" name="Text Box 7"/>
-          <p:cNvSpPr txBox="1"/>
-          <p:nvPr/>
-        </p:nvSpPr>
-        <p:spPr>
-          <a:xfrm>
-            <a:off x="3760470" y="1711960"/>
-            <a:ext cx="935990" cy="337185"/>
-          </a:xfrm>
-          <a:prstGeom prst="rect">
-            <a:avLst/>
-          </a:prstGeom>
-          <a:noFill/>
-        </p:spPr>
-        <p:txBody>
-          <a:bodyPr wrap="none" rtlCol="0">
-            <a:spAutoFit/>
-          </a:bodyPr>
-          <a:p>
-            <a:r>
-              <a:rPr lang="vi-VN" altLang="en-US" sz="1600">
-                <a:latin typeface="Lato" panose="020F0502020204030203" charset="0"/>
-                <a:cs typeface="Lato" panose="020F0502020204030203" charset="0"/>
-              </a:rPr>
-              <a:t>Topic T1</a:t>
-            </a:r>
-            <a:endParaRPr lang="vi-VN" altLang="en-US" sz="1600">
-              <a:latin typeface="Lato" panose="020F0502020204030203" charset="0"/>
-              <a:cs typeface="Lato" panose="020F0502020204030203" charset="0"/>
-            </a:endParaRPr>
-          </a:p>
-        </p:txBody>
-      </p:sp>
-      <p:sp>
-        <p:nvSpPr>
-          <p:cNvPr id="9" name="Rectangles 8"/>
-          <p:cNvSpPr/>
-          <p:nvPr/>
-        </p:nvSpPr>
-        <p:spPr>
-          <a:xfrm>
-            <a:off x="6436995" y="1640205"/>
-            <a:ext cx="1962150" cy="2688590"/>
-          </a:xfrm>
-          <a:prstGeom prst="rect">
-            <a:avLst/>
-          </a:prstGeom>
-          <a:solidFill>
-            <a:schemeClr val="accent6">
-              <a:lumMod val="40000"/>
-              <a:lumOff val="60000"/>
-            </a:schemeClr>
-          </a:solidFill>
-          <a:ln w="25400">
-            <a:solidFill>
-              <a:srgbClr val="202020"/>
-            </a:solidFill>
-          </a:ln>
-        </p:spPr>
-        <p:style>
-          <a:lnRef idx="2">
-            <a:schemeClr val="accent1">
-              <a:shade val="50000"/>
-            </a:schemeClr>
-          </a:lnRef>
-          <a:fillRef idx="1">
-            <a:schemeClr val="accent1"/>
-          </a:fillRef>
-          <a:effectRef idx="0">
-            <a:schemeClr val="accent1"/>
-          </a:effectRef>
-          <a:fontRef idx="minor">
-            <a:schemeClr val="lt1"/>
-          </a:fontRef>
-        </p:style>
-        <p:txBody>
-          <a:bodyPr rtlCol="0" anchor="ctr"/>
-          <a:p>
-            <a:pPr algn="ctr"/>
-            <a:endParaRPr lang="en-US">
-              <a:latin typeface="Lato" panose="020F0502020204030203" charset="0"/>
-              <a:cs typeface="Lato" panose="020F0502020204030203" charset="0"/>
-            </a:endParaRPr>
-          </a:p>
-        </p:txBody>
-      </p:sp>
-      <p:sp>
-        <p:nvSpPr>
-          <p:cNvPr id="10" name="Rectangles 9"/>
-          <p:cNvSpPr/>
-          <p:nvPr/>
-        </p:nvSpPr>
-        <p:spPr>
-          <a:xfrm>
-            <a:off x="6621780" y="2171065"/>
-            <a:ext cx="1592580" cy="408940"/>
-          </a:xfrm>
-          <a:prstGeom prst="rect">
-            <a:avLst/>
-          </a:prstGeom>
-          <a:solidFill>
-            <a:schemeClr val="accent2">
-              <a:lumMod val="60000"/>
-              <a:lumOff val="40000"/>
-            </a:schemeClr>
-          </a:solidFill>
-          <a:ln w="25400">
-            <a:solidFill>
-              <a:srgbClr val="202020"/>
-            </a:solidFill>
-          </a:ln>
-        </p:spPr>
-        <p:style>
-          <a:lnRef idx="2">
-            <a:schemeClr val="accent1">
-              <a:shade val="50000"/>
-            </a:schemeClr>
-          </a:lnRef>
-          <a:fillRef idx="1">
-            <a:schemeClr val="accent1"/>
-          </a:fillRef>
-          <a:effectRef idx="0">
-            <a:schemeClr val="accent1"/>
-          </a:effectRef>
-          <a:fontRef idx="minor">
-            <a:schemeClr val="lt1"/>
-          </a:fontRef>
-        </p:style>
-        <p:txBody>
-          <a:bodyPr rtlCol="0" anchor="ctr"/>
-          <a:p>
-            <a:pPr algn="ctr"/>
-            <a:r>
-              <a:rPr lang="en-US" altLang="vi-VN" sz="1600">
-                <a:solidFill>
-                  <a:schemeClr val="tx1"/>
-                </a:solidFill>
-                <a:latin typeface="Lato" panose="020F0502020204030203" charset="0"/>
-                <a:cs typeface="Lato" panose="020F0502020204030203" charset="0"/>
-              </a:rPr>
-              <a:t>Consumer 1</a:t>
-            </a:r>
-            <a:endParaRPr lang="en-US" altLang="vi-VN" sz="1600">
-              <a:solidFill>
-                <a:schemeClr val="tx1"/>
-              </a:solidFill>
-              <a:latin typeface="Lato" panose="020F0502020204030203" charset="0"/>
-              <a:cs typeface="Lato" panose="020F0502020204030203" charset="0"/>
-            </a:endParaRPr>
-          </a:p>
-        </p:txBody>
-      </p:sp>
-      <p:cxnSp>
-        <p:nvCxnSpPr>
-          <p:cNvPr id="11" name="Straight Arrow Connector 10"/>
-          <p:cNvCxnSpPr>
-            <a:stCxn id="4" idx="3"/>
-            <a:endCxn id="10" idx="1"/>
-          </p:cNvCxnSpPr>
-          <p:nvPr/>
-        </p:nvCxnSpPr>
-        <p:spPr>
-          <a:xfrm>
-            <a:off x="5015865" y="2375535"/>
-            <a:ext cx="1605915" cy="0"/>
-          </a:xfrm>
-          <a:prstGeom prst="straightConnector1">
-            <a:avLst/>
-          </a:prstGeom>
-          <a:ln w="25400">
-            <a:solidFill>
-              <a:srgbClr val="202020"/>
-            </a:solidFill>
-            <a:tailEnd type="triangle" w="lg" len="lg"/>
-          </a:ln>
-        </p:spPr>
-        <p:style>
-          <a:lnRef idx="1">
-            <a:schemeClr val="accent1"/>
-          </a:lnRef>
-          <a:fillRef idx="0">
-            <a:schemeClr val="accent1"/>
-          </a:fillRef>
-          <a:effectRef idx="0">
-            <a:schemeClr val="accent1"/>
-          </a:effectRef>
-          <a:fontRef idx="minor">
-            <a:schemeClr val="tx1"/>
-          </a:fontRef>
-        </p:style>
-      </p:cxnSp>
-      <p:sp>
-        <p:nvSpPr>
-          <p:cNvPr id="15" name="Text Box 14"/>
-          <p:cNvSpPr txBox="1"/>
-          <p:nvPr/>
-        </p:nvSpPr>
-        <p:spPr>
-          <a:xfrm>
-            <a:off x="6504305" y="1711960"/>
-            <a:ext cx="1828165" cy="337185"/>
-          </a:xfrm>
-          <a:prstGeom prst="rect">
-            <a:avLst/>
-          </a:prstGeom>
-          <a:noFill/>
-        </p:spPr>
-        <p:txBody>
-          <a:bodyPr wrap="none" rtlCol="0">
-            <a:spAutoFit/>
-          </a:bodyPr>
-          <a:p>
-            <a:r>
-              <a:rPr lang="vi-VN" altLang="en-US" sz="1600">
-                <a:latin typeface="Lato" panose="020F0502020204030203" charset="0"/>
-                <a:cs typeface="Lato" panose="020F0502020204030203" charset="0"/>
-              </a:rPr>
-              <a:t>Con</a:t>
-            </a:r>
-            <a:r>
-              <a:rPr lang="en-US" altLang="vi-VN" sz="1600">
-                <a:latin typeface="Lato" panose="020F0502020204030203" charset="0"/>
-                <a:cs typeface="Lato" panose="020F0502020204030203" charset="0"/>
-              </a:rPr>
-              <a:t>sumer group 1</a:t>
-            </a:r>
-            <a:endParaRPr lang="en-US" altLang="vi-VN" sz="1600">
-              <a:latin typeface="Lato" panose="020F0502020204030203" charset="0"/>
-              <a:cs typeface="Lato" panose="020F0502020204030203" charset="0"/>
-            </a:endParaRPr>
-          </a:p>
-        </p:txBody>
-      </p:sp>
-      <p:sp>
-        <p:nvSpPr>
-          <p:cNvPr id="16" name="Rectangles 15"/>
-          <p:cNvSpPr/>
-          <p:nvPr/>
-        </p:nvSpPr>
-        <p:spPr>
-          <a:xfrm>
-            <a:off x="6621780" y="2686050"/>
-            <a:ext cx="1592580" cy="408940"/>
-          </a:xfrm>
-          <a:prstGeom prst="rect">
-            <a:avLst/>
-          </a:prstGeom>
-          <a:solidFill>
-            <a:schemeClr val="accent2">
-              <a:lumMod val="60000"/>
-              <a:lumOff val="40000"/>
-            </a:schemeClr>
-          </a:solidFill>
-          <a:ln w="25400">
-            <a:solidFill>
-              <a:srgbClr val="202020"/>
-            </a:solidFill>
-          </a:ln>
-        </p:spPr>
-        <p:style>
-          <a:lnRef idx="2">
-            <a:schemeClr val="accent1">
-              <a:shade val="50000"/>
-            </a:schemeClr>
-          </a:lnRef>
-          <a:fillRef idx="1">
-            <a:schemeClr val="accent1"/>
-          </a:fillRef>
-          <a:effectRef idx="0">
-            <a:schemeClr val="accent1"/>
-          </a:effectRef>
-          <a:fontRef idx="minor">
-            <a:schemeClr val="lt1"/>
-          </a:fontRef>
-        </p:style>
-        <p:txBody>
-          <a:bodyPr rtlCol="0" anchor="ctr"/>
-          <a:p>
-            <a:pPr algn="ctr"/>
-            <a:r>
-              <a:rPr lang="en-US" altLang="vi-VN" sz="1600">
-                <a:solidFill>
-                  <a:schemeClr val="tx1"/>
-                </a:solidFill>
-                <a:latin typeface="Lato" panose="020F0502020204030203" charset="0"/>
-                <a:cs typeface="Lato" panose="020F0502020204030203" charset="0"/>
-              </a:rPr>
-              <a:t>Consumer 2</a:t>
-            </a:r>
-            <a:endParaRPr lang="en-US" altLang="vi-VN" sz="1600">
-              <a:solidFill>
-                <a:schemeClr val="tx1"/>
-              </a:solidFill>
-              <a:latin typeface="Lato" panose="020F0502020204030203" charset="0"/>
-              <a:cs typeface="Lato" panose="020F0502020204030203" charset="0"/>
-            </a:endParaRPr>
-          </a:p>
-        </p:txBody>
-      </p:sp>
-      <p:cxnSp>
-        <p:nvCxnSpPr>
-          <p:cNvPr id="17" name="Straight Arrow Connector 16"/>
-          <p:cNvCxnSpPr>
-            <a:stCxn id="5" idx="3"/>
-            <a:endCxn id="16" idx="1"/>
-          </p:cNvCxnSpPr>
-          <p:nvPr/>
-        </p:nvCxnSpPr>
-        <p:spPr>
-          <a:xfrm>
-            <a:off x="5015865" y="2890520"/>
-            <a:ext cx="1605915" cy="0"/>
-          </a:xfrm>
-          <a:prstGeom prst="straightConnector1">
-            <a:avLst/>
-          </a:prstGeom>
-          <a:ln w="25400">
-            <a:solidFill>
-              <a:srgbClr val="202020"/>
-            </a:solidFill>
-            <a:tailEnd type="triangle" w="lg" len="lg"/>
-          </a:ln>
-        </p:spPr>
-        <p:style>
-          <a:lnRef idx="1">
-            <a:schemeClr val="accent1"/>
-          </a:lnRef>
-          <a:fillRef idx="0">
-            <a:schemeClr val="accent1"/>
-          </a:fillRef>
-          <a:effectRef idx="0">
-            <a:schemeClr val="accent1"/>
-          </a:effectRef>
-          <a:fontRef idx="minor">
-            <a:schemeClr val="tx1"/>
-          </a:fontRef>
-        </p:style>
-      </p:cxnSp>
-      <p:sp>
-        <p:nvSpPr>
-          <p:cNvPr id="19" name="Rectangles 18"/>
-          <p:cNvSpPr/>
-          <p:nvPr/>
-        </p:nvSpPr>
-        <p:spPr>
-          <a:xfrm>
-            <a:off x="6622415" y="3235325"/>
-            <a:ext cx="1592580" cy="408940"/>
-          </a:xfrm>
-          <a:prstGeom prst="rect">
-            <a:avLst/>
-          </a:prstGeom>
-          <a:solidFill>
-            <a:schemeClr val="accent2">
-              <a:lumMod val="60000"/>
-              <a:lumOff val="40000"/>
-            </a:schemeClr>
-          </a:solidFill>
-          <a:ln w="25400">
-            <a:solidFill>
-              <a:srgbClr val="202020"/>
-            </a:solidFill>
-          </a:ln>
-        </p:spPr>
-        <p:style>
-          <a:lnRef idx="2">
-            <a:schemeClr val="accent1">
-              <a:shade val="50000"/>
-            </a:schemeClr>
-          </a:lnRef>
-          <a:fillRef idx="1">
-            <a:schemeClr val="accent1"/>
-          </a:fillRef>
-          <a:effectRef idx="0">
-            <a:schemeClr val="accent1"/>
-          </a:effectRef>
-          <a:fontRef idx="minor">
-            <a:schemeClr val="lt1"/>
-          </a:fontRef>
-        </p:style>
-        <p:txBody>
-          <a:bodyPr rtlCol="0" anchor="ctr"/>
-          <a:p>
-            <a:pPr algn="ctr"/>
-            <a:r>
-              <a:rPr lang="en-US" altLang="vi-VN" sz="1600">
-                <a:solidFill>
-                  <a:schemeClr val="tx1"/>
-                </a:solidFill>
-                <a:latin typeface="Lato" panose="020F0502020204030203" charset="0"/>
-                <a:cs typeface="Lato" panose="020F0502020204030203" charset="0"/>
-              </a:rPr>
-              <a:t>Consumer </a:t>
-            </a:r>
-            <a:r>
-              <a:rPr lang="vi-VN" altLang="en-US" sz="1600">
-                <a:solidFill>
-                  <a:schemeClr val="tx1"/>
-                </a:solidFill>
-                <a:latin typeface="Lato" panose="020F0502020204030203" charset="0"/>
-                <a:cs typeface="Lato" panose="020F0502020204030203" charset="0"/>
-              </a:rPr>
-              <a:t>3</a:t>
-            </a:r>
-            <a:endParaRPr lang="vi-VN" altLang="en-US" sz="1600">
-              <a:solidFill>
-                <a:schemeClr val="tx1"/>
-              </a:solidFill>
-              <a:latin typeface="Lato" panose="020F0502020204030203" charset="0"/>
-              <a:cs typeface="Lato" panose="020F0502020204030203" charset="0"/>
-            </a:endParaRPr>
-          </a:p>
-        </p:txBody>
-      </p:sp>
-      <p:sp>
-        <p:nvSpPr>
-          <p:cNvPr id="20" name="Rectangles 19"/>
-          <p:cNvSpPr/>
-          <p:nvPr/>
-        </p:nvSpPr>
-        <p:spPr>
-          <a:xfrm>
-            <a:off x="6621780" y="3761105"/>
-            <a:ext cx="1592580" cy="408940"/>
-          </a:xfrm>
-          <a:prstGeom prst="rect">
-            <a:avLst/>
-          </a:prstGeom>
-          <a:solidFill>
-            <a:schemeClr val="accent2">
-              <a:lumMod val="60000"/>
-              <a:lumOff val="40000"/>
-            </a:schemeClr>
-          </a:solidFill>
-          <a:ln w="25400">
-            <a:solidFill>
-              <a:srgbClr val="202020"/>
-            </a:solidFill>
-          </a:ln>
-        </p:spPr>
-        <p:style>
-          <a:lnRef idx="2">
-            <a:schemeClr val="accent1">
-              <a:shade val="50000"/>
-            </a:schemeClr>
-          </a:lnRef>
-          <a:fillRef idx="1">
-            <a:schemeClr val="accent1"/>
-          </a:fillRef>
-          <a:effectRef idx="0">
-            <a:schemeClr val="accent1"/>
-          </a:effectRef>
-          <a:fontRef idx="minor">
-            <a:schemeClr val="lt1"/>
-          </a:fontRef>
-        </p:style>
-        <p:txBody>
-          <a:bodyPr rtlCol="0" anchor="ctr"/>
-          <a:p>
-            <a:pPr algn="ctr"/>
-            <a:r>
-              <a:rPr lang="en-US" altLang="vi-VN" sz="1600">
-                <a:solidFill>
-                  <a:schemeClr val="tx1"/>
-                </a:solidFill>
-                <a:latin typeface="Lato" panose="020F0502020204030203" charset="0"/>
-                <a:cs typeface="Lato" panose="020F0502020204030203" charset="0"/>
-              </a:rPr>
-              <a:t>Consumer </a:t>
-            </a:r>
-            <a:r>
-              <a:rPr lang="vi-VN" altLang="en-US" sz="1600">
-                <a:solidFill>
-                  <a:schemeClr val="tx1"/>
-                </a:solidFill>
-                <a:latin typeface="Lato" panose="020F0502020204030203" charset="0"/>
-                <a:cs typeface="Lato" panose="020F0502020204030203" charset="0"/>
-              </a:rPr>
-              <a:t>4</a:t>
-            </a:r>
-            <a:endParaRPr lang="vi-VN" altLang="en-US" sz="1600">
-              <a:solidFill>
-                <a:schemeClr val="tx1"/>
-              </a:solidFill>
-              <a:latin typeface="Lato" panose="020F0502020204030203" charset="0"/>
-              <a:cs typeface="Lato" panose="020F0502020204030203" charset="0"/>
-            </a:endParaRPr>
-          </a:p>
-        </p:txBody>
-      </p:sp>
-      <p:cxnSp>
-        <p:nvCxnSpPr>
-          <p:cNvPr id="21" name="Straight Arrow Connector 20"/>
-          <p:cNvCxnSpPr>
-            <a:stCxn id="6" idx="3"/>
-            <a:endCxn id="19" idx="1"/>
-          </p:cNvCxnSpPr>
-          <p:nvPr/>
-        </p:nvCxnSpPr>
-        <p:spPr>
-          <a:xfrm>
-            <a:off x="5015865" y="3439795"/>
-            <a:ext cx="1606550" cy="0"/>
-          </a:xfrm>
-          <a:prstGeom prst="straightConnector1">
-            <a:avLst/>
-          </a:prstGeom>
-          <a:ln w="25400">
-            <a:solidFill>
-              <a:srgbClr val="202020"/>
-            </a:solidFill>
-            <a:tailEnd type="triangle" w="lg" len="lg"/>
-          </a:ln>
-        </p:spPr>
-        <p:style>
-          <a:lnRef idx="1">
-            <a:schemeClr val="accent1"/>
-          </a:lnRef>
-          <a:fillRef idx="0">
-            <a:schemeClr val="accent1"/>
-          </a:fillRef>
-          <a:effectRef idx="0">
-            <a:schemeClr val="accent1"/>
-          </a:effectRef>
-          <a:fontRef idx="minor">
-            <a:schemeClr val="tx1"/>
-          </a:fontRef>
-        </p:style>
-      </p:cxnSp>
-      <p:cxnSp>
-        <p:nvCxnSpPr>
-          <p:cNvPr id="22" name="Straight Arrow Connector 21"/>
-          <p:cNvCxnSpPr>
-            <a:stCxn id="7" idx="3"/>
-            <a:endCxn id="20" idx="1"/>
-          </p:cNvCxnSpPr>
-          <p:nvPr/>
-        </p:nvCxnSpPr>
-        <p:spPr>
-          <a:xfrm>
-            <a:off x="5015865" y="3965575"/>
-            <a:ext cx="1605915" cy="0"/>
-          </a:xfrm>
-          <a:prstGeom prst="straightConnector1">
-            <a:avLst/>
-          </a:prstGeom>
-          <a:ln w="25400">
-            <a:solidFill>
-              <a:srgbClr val="202020"/>
-            </a:solidFill>
-            <a:tailEnd type="triangle" w="lg" len="lg"/>
-          </a:ln>
-        </p:spPr>
-        <p:style>
-          <a:lnRef idx="1">
-            <a:schemeClr val="accent1"/>
-          </a:lnRef>
-          <a:fillRef idx="0">
-            <a:schemeClr val="accent1"/>
-          </a:fillRef>
-          <a:effectRef idx="0">
-            <a:schemeClr val="accent1"/>
-          </a:effectRef>
-          <a:fontRef idx="minor">
-            <a:schemeClr val="tx1"/>
-          </a:fontRef>
-        </p:style>
-      </p:cxnSp>
-      <p:sp>
-        <p:nvSpPr>
-          <p:cNvPr id="24" name="Rectangles 23"/>
-          <p:cNvSpPr/>
-          <p:nvPr/>
-        </p:nvSpPr>
-        <p:spPr>
-          <a:xfrm>
-            <a:off x="6436995" y="4454525"/>
-            <a:ext cx="1962150" cy="1646555"/>
-          </a:xfrm>
-          <a:prstGeom prst="rect">
-            <a:avLst/>
-          </a:prstGeom>
-          <a:solidFill>
-            <a:schemeClr val="accent6">
-              <a:lumMod val="40000"/>
-              <a:lumOff val="60000"/>
-            </a:schemeClr>
-          </a:solidFill>
-          <a:ln w="25400">
-            <a:solidFill>
-              <a:srgbClr val="202020"/>
-            </a:solidFill>
-          </a:ln>
-        </p:spPr>
-        <p:style>
-          <a:lnRef idx="2">
-            <a:schemeClr val="accent1">
-              <a:shade val="50000"/>
-            </a:schemeClr>
-          </a:lnRef>
-          <a:fillRef idx="1">
-            <a:schemeClr val="accent1"/>
-          </a:fillRef>
-          <a:effectRef idx="0">
-            <a:schemeClr val="accent1"/>
-          </a:effectRef>
-          <a:fontRef idx="minor">
-            <a:schemeClr val="lt1"/>
-          </a:fontRef>
-        </p:style>
-        <p:txBody>
-          <a:bodyPr rtlCol="0" anchor="ctr"/>
-          <a:p>
-            <a:pPr algn="ctr"/>
-            <a:endParaRPr lang="en-US">
-              <a:latin typeface="Lato" panose="020F0502020204030203" charset="0"/>
-              <a:cs typeface="Lato" panose="020F0502020204030203" charset="0"/>
-            </a:endParaRPr>
-          </a:p>
-        </p:txBody>
-      </p:sp>
-      <p:sp>
-        <p:nvSpPr>
-          <p:cNvPr id="25" name="Rectangles 24"/>
-          <p:cNvSpPr/>
-          <p:nvPr/>
-        </p:nvSpPr>
-        <p:spPr>
-          <a:xfrm>
-            <a:off x="6621780" y="4995545"/>
-            <a:ext cx="1592580" cy="408940"/>
-          </a:xfrm>
-          <a:prstGeom prst="rect">
-            <a:avLst/>
-          </a:prstGeom>
-          <a:solidFill>
-            <a:schemeClr val="accent2">
-              <a:lumMod val="60000"/>
-              <a:lumOff val="40000"/>
-            </a:schemeClr>
-          </a:solidFill>
-          <a:ln w="25400">
-            <a:solidFill>
-              <a:srgbClr val="202020"/>
-            </a:solidFill>
-          </a:ln>
-        </p:spPr>
-        <p:style>
-          <a:lnRef idx="2">
-            <a:schemeClr val="accent1">
-              <a:shade val="50000"/>
-            </a:schemeClr>
-          </a:lnRef>
-          <a:fillRef idx="1">
-            <a:schemeClr val="accent1"/>
-          </a:fillRef>
-          <a:effectRef idx="0">
-            <a:schemeClr val="accent1"/>
-          </a:effectRef>
-          <a:fontRef idx="minor">
-            <a:schemeClr val="lt1"/>
-          </a:fontRef>
-        </p:style>
-        <p:txBody>
-          <a:bodyPr rtlCol="0" anchor="ctr"/>
-          <a:p>
-            <a:pPr algn="ctr"/>
-            <a:r>
-              <a:rPr lang="en-US" altLang="vi-VN" sz="1600">
-                <a:solidFill>
-                  <a:schemeClr val="tx1"/>
-                </a:solidFill>
-                <a:latin typeface="Lato" panose="020F0502020204030203" charset="0"/>
-                <a:cs typeface="Lato" panose="020F0502020204030203" charset="0"/>
-              </a:rPr>
-              <a:t>Consumer 1</a:t>
-            </a:r>
-            <a:endParaRPr lang="en-US" altLang="vi-VN" sz="1600">
-              <a:solidFill>
-                <a:schemeClr val="tx1"/>
-              </a:solidFill>
-              <a:latin typeface="Lato" panose="020F0502020204030203" charset="0"/>
-              <a:cs typeface="Lato" panose="020F0502020204030203" charset="0"/>
-            </a:endParaRPr>
-          </a:p>
-        </p:txBody>
-      </p:sp>
-      <p:sp>
-        <p:nvSpPr>
-          <p:cNvPr id="26" name="Text Box 25"/>
-          <p:cNvSpPr txBox="1"/>
-          <p:nvPr/>
-        </p:nvSpPr>
-        <p:spPr>
-          <a:xfrm>
-            <a:off x="6504305" y="4536440"/>
-            <a:ext cx="1828165" cy="337185"/>
-          </a:xfrm>
-          <a:prstGeom prst="rect">
-            <a:avLst/>
-          </a:prstGeom>
-          <a:noFill/>
-        </p:spPr>
-        <p:txBody>
-          <a:bodyPr wrap="none" rtlCol="0">
-            <a:spAutoFit/>
-          </a:bodyPr>
-          <a:p>
-            <a:r>
-              <a:rPr lang="vi-VN" altLang="en-US" sz="1600">
-                <a:latin typeface="Lato" panose="020F0502020204030203" charset="0"/>
-                <a:cs typeface="Lato" panose="020F0502020204030203" charset="0"/>
-              </a:rPr>
-              <a:t>Con</a:t>
-            </a:r>
-            <a:r>
-              <a:rPr lang="en-US" altLang="vi-VN" sz="1600">
-                <a:latin typeface="Lato" panose="020F0502020204030203" charset="0"/>
-                <a:cs typeface="Lato" panose="020F0502020204030203" charset="0"/>
-              </a:rPr>
-              <a:t>sumer group </a:t>
-            </a:r>
-            <a:r>
-              <a:rPr lang="vi-VN" altLang="en-US" sz="1600">
-                <a:latin typeface="Lato" panose="020F0502020204030203" charset="0"/>
-                <a:cs typeface="Lato" panose="020F0502020204030203" charset="0"/>
-              </a:rPr>
-              <a:t>2</a:t>
-            </a:r>
-            <a:endParaRPr lang="vi-VN" altLang="en-US" sz="1600">
-              <a:latin typeface="Lato" panose="020F0502020204030203" charset="0"/>
-              <a:cs typeface="Lato" panose="020F0502020204030203" charset="0"/>
-            </a:endParaRPr>
-          </a:p>
-        </p:txBody>
-      </p:sp>
-      <p:sp>
-        <p:nvSpPr>
-          <p:cNvPr id="27" name="Rectangles 26"/>
-          <p:cNvSpPr/>
-          <p:nvPr/>
-        </p:nvSpPr>
-        <p:spPr>
-          <a:xfrm>
-            <a:off x="6621780" y="5510530"/>
-            <a:ext cx="1592580" cy="408940"/>
-          </a:xfrm>
-          <a:prstGeom prst="rect">
-            <a:avLst/>
-          </a:prstGeom>
-          <a:solidFill>
-            <a:schemeClr val="accent2">
-              <a:lumMod val="60000"/>
-              <a:lumOff val="40000"/>
-            </a:schemeClr>
-          </a:solidFill>
-          <a:ln w="25400">
-            <a:solidFill>
-              <a:srgbClr val="202020"/>
-            </a:solidFill>
-          </a:ln>
-        </p:spPr>
-        <p:style>
-          <a:lnRef idx="2">
-            <a:schemeClr val="accent1">
-              <a:shade val="50000"/>
-            </a:schemeClr>
-          </a:lnRef>
-          <a:fillRef idx="1">
-            <a:schemeClr val="accent1"/>
-          </a:fillRef>
-          <a:effectRef idx="0">
-            <a:schemeClr val="accent1"/>
-          </a:effectRef>
-          <a:fontRef idx="minor">
-            <a:schemeClr val="lt1"/>
-          </a:fontRef>
-        </p:style>
-        <p:txBody>
-          <a:bodyPr rtlCol="0" anchor="ctr"/>
-          <a:p>
-            <a:pPr algn="ctr"/>
-            <a:r>
-              <a:rPr lang="en-US" altLang="vi-VN" sz="1600">
-                <a:solidFill>
-                  <a:schemeClr val="tx1"/>
-                </a:solidFill>
-                <a:latin typeface="Lato" panose="020F0502020204030203" charset="0"/>
-                <a:cs typeface="Lato" panose="020F0502020204030203" charset="0"/>
-              </a:rPr>
-              <a:t>Consumer 2</a:t>
-            </a:r>
-            <a:endParaRPr lang="en-US" altLang="vi-VN" sz="1600">
-              <a:solidFill>
-                <a:schemeClr val="tx1"/>
-              </a:solidFill>
-              <a:latin typeface="Lato" panose="020F0502020204030203" charset="0"/>
-              <a:cs typeface="Lato" panose="020F0502020204030203" charset="0"/>
-            </a:endParaRPr>
-          </a:p>
-        </p:txBody>
-      </p:sp>
-      <p:cxnSp>
-        <p:nvCxnSpPr>
-          <p:cNvPr id="30" name="Straight Arrow Connector 29"/>
-          <p:cNvCxnSpPr>
-            <a:stCxn id="4" idx="3"/>
-            <a:endCxn id="25" idx="1"/>
-          </p:cNvCxnSpPr>
-          <p:nvPr/>
-        </p:nvCxnSpPr>
-        <p:spPr>
-          <a:xfrm>
-            <a:off x="5015865" y="2375535"/>
-            <a:ext cx="1605915" cy="2824480"/>
-          </a:xfrm>
-          <a:prstGeom prst="straightConnector1">
-            <a:avLst/>
-          </a:prstGeom>
-          <a:ln w="25400">
-            <a:solidFill>
-              <a:srgbClr val="202020"/>
-            </a:solidFill>
-            <a:tailEnd type="triangle" w="lg" len="lg"/>
-          </a:ln>
-        </p:spPr>
-        <p:style>
-          <a:lnRef idx="1">
-            <a:schemeClr val="accent1"/>
-          </a:lnRef>
-          <a:fillRef idx="0">
-            <a:schemeClr val="accent1"/>
-          </a:fillRef>
-          <a:effectRef idx="0">
-            <a:schemeClr val="accent1"/>
-          </a:effectRef>
-          <a:fontRef idx="minor">
-            <a:schemeClr val="tx1"/>
-          </a:fontRef>
-        </p:style>
-      </p:cxnSp>
-      <p:cxnSp>
-        <p:nvCxnSpPr>
-          <p:cNvPr id="31" name="Straight Arrow Connector 30"/>
-          <p:cNvCxnSpPr>
-            <a:stCxn id="5" idx="3"/>
-            <a:endCxn id="25" idx="1"/>
-          </p:cNvCxnSpPr>
-          <p:nvPr/>
-        </p:nvCxnSpPr>
-        <p:spPr>
-          <a:xfrm>
-            <a:off x="5015865" y="2890520"/>
-            <a:ext cx="1605915" cy="2309495"/>
-          </a:xfrm>
-          <a:prstGeom prst="straightConnector1">
-            <a:avLst/>
-          </a:prstGeom>
-          <a:ln w="25400">
-            <a:solidFill>
-              <a:srgbClr val="202020"/>
-            </a:solidFill>
-            <a:tailEnd type="triangle" w="lg" len="lg"/>
-          </a:ln>
-        </p:spPr>
-        <p:style>
-          <a:lnRef idx="1">
-            <a:schemeClr val="accent1"/>
-          </a:lnRef>
-          <a:fillRef idx="0">
-            <a:schemeClr val="accent1"/>
-          </a:fillRef>
-          <a:effectRef idx="0">
-            <a:schemeClr val="accent1"/>
-          </a:effectRef>
-          <a:fontRef idx="minor">
-            <a:schemeClr val="tx1"/>
-          </a:fontRef>
-        </p:style>
-      </p:cxnSp>
-      <p:cxnSp>
-        <p:nvCxnSpPr>
-          <p:cNvPr id="32" name="Straight Arrow Connector 31"/>
-          <p:cNvCxnSpPr/>
-          <p:nvPr/>
-        </p:nvCxnSpPr>
-        <p:spPr>
-          <a:xfrm>
-            <a:off x="5015865" y="3439795"/>
-            <a:ext cx="1605915" cy="2275205"/>
-          </a:xfrm>
-          <a:prstGeom prst="straightConnector1">
-            <a:avLst/>
-          </a:prstGeom>
-          <a:ln w="25400">
-            <a:solidFill>
-              <a:srgbClr val="202020"/>
-            </a:solidFill>
-            <a:tailEnd type="triangle" w="lg" len="lg"/>
-          </a:ln>
-        </p:spPr>
-        <p:style>
-          <a:lnRef idx="1">
-            <a:schemeClr val="accent1"/>
-          </a:lnRef>
-          <a:fillRef idx="0">
-            <a:schemeClr val="accent1"/>
-          </a:fillRef>
-          <a:effectRef idx="0">
-            <a:schemeClr val="accent1"/>
-          </a:effectRef>
-          <a:fontRef idx="minor">
-            <a:schemeClr val="tx1"/>
-          </a:fontRef>
-        </p:style>
-      </p:cxnSp>
-      <p:cxnSp>
-        <p:nvCxnSpPr>
-          <p:cNvPr id="33" name="Straight Arrow Connector 32"/>
-          <p:cNvCxnSpPr>
-            <a:stCxn id="7" idx="3"/>
-            <a:endCxn id="27" idx="1"/>
-          </p:cNvCxnSpPr>
-          <p:nvPr/>
-        </p:nvCxnSpPr>
-        <p:spPr>
-          <a:xfrm>
-            <a:off x="5015865" y="3965575"/>
-            <a:ext cx="1605915" cy="1749425"/>
-          </a:xfrm>
-          <a:prstGeom prst="straightConnector1">
-            <a:avLst/>
-          </a:prstGeom>
-          <a:ln w="25400">
-            <a:solidFill>
-              <a:srgbClr val="202020"/>
-            </a:solidFill>
-            <a:tailEnd type="triangle" w="lg" len="lg"/>
-          </a:ln>
-        </p:spPr>
-        <p:style>
-          <a:lnRef idx="1">
-            <a:schemeClr val="accent1"/>
-          </a:lnRef>
-          <a:fillRef idx="0">
-            <a:schemeClr val="accent1"/>
-          </a:fillRef>
-          <a:effectRef idx="0">
-            <a:schemeClr val="accent1"/>
-          </a:effectRef>
-          <a:fontRef idx="minor">
-            <a:schemeClr val="tx1"/>
-          </a:fontRef>
-        </p:style>
-      </p:cxnSp>
-    </p:spTree>
-  </p:cSld>
-  <p:clrMapOvr>
-    <a:masterClrMapping/>
-  </p:clrMapOvr>
-  <p:transition/>
-  <p:timing>
-    <p:tnLst>
-      <p:par>
-        <p:cTn id="1" dur="indefinite" restart="never" nodeType="tmRoot">
-          <p:childTnLst>
-            <p:seq concurrent="1" nextAc="seek">
-              <p:cTn id="2" dur="indefinite" nodeType="mainSeq">
-                <p:childTnLst>
-                  <p:par>
-                    <p:cTn id="3" fill="hold">
-                      <p:stCondLst>
-                        <p:cond delay="indefinite"/>
-                      </p:stCondLst>
-                      <p:childTnLst>
-                        <p:par>
-                          <p:cTn id="4" fill="hold">
-                            <p:stCondLst>
-                              <p:cond delay="0"/>
-                            </p:stCondLst>
-                            <p:childTnLst>
-                              <p:par>
-                                <p:cTn id="5" presetID="1" presetClass="entr" presetSubtype="0" fill="hold" nodeType="clickEffect">
-                                  <p:stCondLst>
-                                    <p:cond delay="0"/>
-                                  </p:stCondLst>
-                                  <p:childTnLst>
-                                    <p:set>
-                                      <p:cBhvr>
-                                        <p:cTn id="6" dur="1" fill="hold">
-                                          <p:stCondLst>
-                                            <p:cond delay="0"/>
-                                          </p:stCondLst>
-                                        </p:cTn>
-                                        <p:tgtEl>
-                                          <p:spTgt spid="30"/>
-                                        </p:tgtEl>
-                                        <p:attrNameLst>
-                                          <p:attrName>style.visibility</p:attrName>
-                                        </p:attrNameLst>
-                                      </p:cBhvr>
-                                      <p:to>
-                                        <p:strVal val="visible"/>
-                                      </p:to>
-                                    </p:set>
-                                  </p:childTnLst>
-                                </p:cTn>
-                              </p:par>
-                              <p:par>
-                                <p:cTn id="7" presetID="1" presetClass="entr" presetSubtype="0" fill="hold" nodeType="withEffect">
-                                  <p:stCondLst>
-                                    <p:cond delay="0"/>
-                                  </p:stCondLst>
-                                  <p:childTnLst>
-                                    <p:set>
-                                      <p:cBhvr>
-                                        <p:cTn id="8" dur="1" fill="hold">
-                                          <p:stCondLst>
-                                            <p:cond delay="0"/>
-                                          </p:stCondLst>
-                                        </p:cTn>
-                                        <p:tgtEl>
-                                          <p:spTgt spid="31"/>
-                                        </p:tgtEl>
-                                        <p:attrNameLst>
-                                          <p:attrName>style.visibility</p:attrName>
-                                        </p:attrNameLst>
-                                      </p:cBhvr>
-                                      <p:to>
-                                        <p:strVal val="visible"/>
-                                      </p:to>
-                                    </p:set>
-                                  </p:childTnLst>
-                                </p:cTn>
-                              </p:par>
-                              <p:par>
-                                <p:cTn id="9" presetID="1" presetClass="entr" presetSubtype="0" fill="hold" nodeType="withEffect">
-                                  <p:stCondLst>
-                                    <p:cond delay="0"/>
-                                  </p:stCondLst>
-                                  <p:childTnLst>
-                                    <p:set>
-                                      <p:cBhvr>
-                                        <p:cTn id="10" dur="1" fill="hold">
-                                          <p:stCondLst>
-                                            <p:cond delay="0"/>
-                                          </p:stCondLst>
-                                        </p:cTn>
-                                        <p:tgtEl>
-                                          <p:spTgt spid="32"/>
-                                        </p:tgtEl>
-                                        <p:attrNameLst>
-                                          <p:attrName>style.visibility</p:attrName>
-                                        </p:attrNameLst>
-                                      </p:cBhvr>
-                                      <p:to>
-                                        <p:strVal val="visible"/>
-                                      </p:to>
-                                    </p:set>
-                                  </p:childTnLst>
-                                </p:cTn>
-                              </p:par>
-                              <p:par>
-                                <p:cTn id="11" presetID="1" presetClass="entr" presetSubtype="0" fill="hold" nodeType="withEffect">
-                                  <p:stCondLst>
-                                    <p:cond delay="0"/>
-                                  </p:stCondLst>
-                                  <p:childTnLst>
-                                    <p:set>
-                                      <p:cBhvr>
-                                        <p:cTn id="12" dur="1" fill="hold">
-                                          <p:stCondLst>
-                                            <p:cond delay="0"/>
-                                          </p:stCondLst>
-                                        </p:cTn>
-                                        <p:tgtEl>
-                                          <p:spTgt spid="33"/>
-                                        </p:tgtEl>
-                                        <p:attrNameLst>
-                                          <p:attrName>style.visibility</p:attrName>
-                                        </p:attrNameLst>
-                                      </p:cBhvr>
-                                      <p:to>
-                                        <p:strVal val="visible"/>
-                                      </p:to>
-                                    </p:set>
-                                  </p:childTnLst>
-                                </p:cTn>
-                              </p:par>
-                            </p:childTnLst>
-                          </p:cTn>
-                        </p:par>
-                      </p:childTnLst>
-                    </p:cTn>
-                  </p:par>
-                </p:childTnLst>
-              </p:cTn>
-              <p:prevCondLst>
-                <p:cond evt="onPrev" delay="0">
-                  <p:tgtEl>
-                    <p:sldTgt/>
-                  </p:tgtEl>
-                </p:cond>
-              </p:prevCondLst>
-              <p:nextCondLst>
-                <p:cond evt="onNext" delay="0">
-                  <p:tgtEl>
-                    <p:sldTgt/>
-                  </p:tgtEl>
-                </p:cond>
-              </p:nextCondLst>
-            </p:seq>
-          </p:childTnLst>
-        </p:cTn>
-      </p:par>
-    </p:tnLst>
   </p:timing>
 </p:sld>
 </file>

--- a/Kafka Definitive Guide.pptx
+++ b/Kafka Definitive Guide.pptx
@@ -8,7 +8,7 @@
     <p:notesMasterId r:id="rId5"/>
   </p:notesMasterIdLst>
   <p:handoutMasterIdLst>
-    <p:handoutMasterId r:id="rId15"/>
+    <p:handoutMasterId r:id="rId17"/>
   </p:handoutMasterIdLst>
   <p:sldIdLst>
     <p:sldId id="256" r:id="rId3"/>
@@ -22,6 +22,8 @@
     <p:sldId id="264" r:id="rId12"/>
     <p:sldId id="266" r:id="rId13"/>
     <p:sldId id="265" r:id="rId14"/>
+    <p:sldId id="280" r:id="rId15"/>
+    <p:sldId id="279" r:id="rId16"/>
   </p:sldIdLst>
   <p:sldSz cx="12192000" cy="6858000"/>
   <p:notesSz cx="7103745" cy="10234295"/>
@@ -885,6 +887,102 @@
 </file>
 
 <file path=ppt/notesSlides/notesSlide5.xml><?xml version="1.0" encoding="utf-8"?>
+<p:notes xmlns:a="http://schemas.openxmlformats.org/drawingml/2006/main" xmlns:r="http://schemas.openxmlformats.org/officeDocument/2006/relationships" xmlns:p="http://schemas.openxmlformats.org/presentationml/2006/main">
+  <p:cSld>
+    <p:spTree>
+      <p:nvGrpSpPr>
+        <p:cNvPr id="1" name=""/>
+        <p:cNvGrpSpPr/>
+        <p:nvPr/>
+      </p:nvGrpSpPr>
+      <p:grpSpPr/>
+      <p:sp>
+        <p:nvSpPr>
+          <p:cNvPr id="2" name="Slide Image Placeholder 1"/>
+          <p:cNvSpPr/>
+          <p:nvPr>
+            <p:ph type="sldImg" idx="2"/>
+          </p:nvPr>
+        </p:nvSpPr>
+        <p:spPr/>
+      </p:sp>
+      <p:sp>
+        <p:nvSpPr>
+          <p:cNvPr id="3" name="Text Placeholder 2"/>
+          <p:cNvSpPr/>
+          <p:nvPr>
+            <p:ph type="body" idx="3"/>
+          </p:nvPr>
+        </p:nvSpPr>
+        <p:spPr/>
+        <p:txBody>
+          <a:bodyPr/>
+          <a:p>
+            <a:r>
+              <a:rPr lang="en-US"/>
+              <a:t>Moving partition ownership from one consumer to another is called a rebalance. Rebalances are important because they provide the consumer group with high availability and scalability</a:t>
+            </a:r>
+            <a:endParaRPr lang="en-US"/>
+          </a:p>
+        </p:txBody>
+      </p:sp>
+    </p:spTree>
+  </p:cSld>
+  <p:clrMapOvr>
+    <a:masterClrMapping/>
+  </p:clrMapOvr>
+</p:notes>
+</file>
+
+<file path=ppt/notesSlides/notesSlide6.xml><?xml version="1.0" encoding="utf-8"?>
+<p:notes xmlns:a="http://schemas.openxmlformats.org/drawingml/2006/main" xmlns:r="http://schemas.openxmlformats.org/officeDocument/2006/relationships" xmlns:p="http://schemas.openxmlformats.org/presentationml/2006/main">
+  <p:cSld>
+    <p:spTree>
+      <p:nvGrpSpPr>
+        <p:cNvPr id="1" name=""/>
+        <p:cNvGrpSpPr/>
+        <p:nvPr/>
+      </p:nvGrpSpPr>
+      <p:grpSpPr/>
+      <p:sp>
+        <p:nvSpPr>
+          <p:cNvPr id="2" name="Slide Image Placeholder 1"/>
+          <p:cNvSpPr/>
+          <p:nvPr>
+            <p:ph type="sldImg" idx="2"/>
+          </p:nvPr>
+        </p:nvSpPr>
+        <p:spPr/>
+      </p:sp>
+      <p:sp>
+        <p:nvSpPr>
+          <p:cNvPr id="3" name="Text Placeholder 2"/>
+          <p:cNvSpPr/>
+          <p:nvPr>
+            <p:ph type="body" idx="3"/>
+          </p:nvPr>
+        </p:nvSpPr>
+        <p:spPr/>
+        <p:txBody>
+          <a:bodyPr/>
+          <a:p>
+            <a:r>
+              <a:rPr lang="en-US"/>
+              <a:t>Moving partition ownership from one consumer to another is called a rebalance. Rebalances are important because they provide the consumer group with high availability and scalability</a:t>
+            </a:r>
+            <a:endParaRPr lang="en-US"/>
+          </a:p>
+        </p:txBody>
+      </p:sp>
+    </p:spTree>
+  </p:cSld>
+  <p:clrMapOvr>
+    <a:masterClrMapping/>
+  </p:clrMapOvr>
+</p:notes>
+</file>
+
+<file path=ppt/notesSlides/notesSlide7.xml><?xml version="1.0" encoding="utf-8"?>
 <p:notes xmlns:a="http://schemas.openxmlformats.org/drawingml/2006/main" xmlns:r="http://schemas.openxmlformats.org/officeDocument/2006/relationships" xmlns:p="http://schemas.openxmlformats.org/presentationml/2006/main">
   <p:cSld>
     <p:spTree>
@@ -5440,6 +5538,96 @@
             <a:r>
               <a:rPr lang="en-US" altLang="vi-VN"/>
               <a:t>Consumer Groups and Partition Rebalance</a:t>
+            </a:r>
+            <a:endParaRPr lang="en-US" altLang="vi-VN"/>
+          </a:p>
+        </p:txBody>
+      </p:sp>
+    </p:spTree>
+  </p:cSld>
+  <p:clrMapOvr>
+    <a:masterClrMapping/>
+  </p:clrMapOvr>
+</p:sld>
+</file>
+
+<file path=ppt/slides/slide12.xml><?xml version="1.0" encoding="utf-8"?>
+<p:sld xmlns:a="http://schemas.openxmlformats.org/drawingml/2006/main" xmlns:r="http://schemas.openxmlformats.org/officeDocument/2006/relationships" xmlns:p="http://schemas.openxmlformats.org/presentationml/2006/main">
+  <p:cSld>
+    <p:spTree>
+      <p:nvGrpSpPr>
+        <p:cNvPr id="1" name=""/>
+        <p:cNvGrpSpPr/>
+        <p:nvPr/>
+      </p:nvGrpSpPr>
+      <p:grpSpPr/>
+      <p:sp>
+        <p:nvSpPr>
+          <p:cNvPr id="2" name="Title 1"/>
+          <p:cNvSpPr>
+            <a:spLocks noGrp="1"/>
+          </p:cNvSpPr>
+          <p:nvPr>
+            <p:ph type="title"/>
+          </p:nvPr>
+        </p:nvSpPr>
+        <p:spPr>
+          <a:xfrm>
+            <a:off x="647700" y="0"/>
+            <a:ext cx="10515600" cy="1325563"/>
+          </a:xfrm>
+        </p:spPr>
+        <p:txBody>
+          <a:bodyPr/>
+          <a:p>
+            <a:r>
+              <a:rPr lang="en-US" altLang="vi-VN"/>
+              <a:t>Process of Assigning Partitions to Consumers Work</a:t>
+            </a:r>
+            <a:endParaRPr lang="en-US" altLang="vi-VN"/>
+          </a:p>
+        </p:txBody>
+      </p:sp>
+    </p:spTree>
+  </p:cSld>
+  <p:clrMapOvr>
+    <a:masterClrMapping/>
+  </p:clrMapOvr>
+</p:sld>
+</file>
+
+<file path=ppt/slides/slide13.xml><?xml version="1.0" encoding="utf-8"?>
+<p:sld xmlns:a="http://schemas.openxmlformats.org/drawingml/2006/main" xmlns:r="http://schemas.openxmlformats.org/officeDocument/2006/relationships" xmlns:p="http://schemas.openxmlformats.org/presentationml/2006/main">
+  <p:cSld>
+    <p:spTree>
+      <p:nvGrpSpPr>
+        <p:cNvPr id="1" name=""/>
+        <p:cNvGrpSpPr/>
+        <p:nvPr/>
+      </p:nvGrpSpPr>
+      <p:grpSpPr/>
+      <p:sp>
+        <p:nvSpPr>
+          <p:cNvPr id="2" name="Title 1"/>
+          <p:cNvSpPr>
+            <a:spLocks noGrp="1"/>
+          </p:cNvSpPr>
+          <p:nvPr>
+            <p:ph type="title"/>
+          </p:nvPr>
+        </p:nvSpPr>
+        <p:spPr>
+          <a:xfrm>
+            <a:off x="647700" y="0"/>
+            <a:ext cx="10515600" cy="1325563"/>
+          </a:xfrm>
+        </p:spPr>
+        <p:txBody>
+          <a:bodyPr/>
+          <a:p>
+            <a:r>
+              <a:rPr lang="en-US" altLang="vi-VN"/>
+              <a:t>Static Group Membership</a:t>
             </a:r>
             <a:endParaRPr lang="en-US" altLang="vi-VN"/>
           </a:p>
